--- a/Rapport d’audit.pptx
+++ b/Rapport d’audit.pptx
@@ -1,34 +1,25 @@
 
 <file path=ppt/presentation.xml><?xml version="1.0" encoding="utf-8"?>
-<p:presentation xmlns:a="http://schemas.openxmlformats.org/drawingml/2006/main" xmlns:r="http://schemas.openxmlformats.org/officeDocument/2006/relationships" xmlns:p="http://schemas.openxmlformats.org/presentationml/2006/main" saveSubsetFonts="1">
+<p:presentation xmlns:a="http://schemas.openxmlformats.org/drawingml/2006/main" xmlns:r="http://schemas.openxmlformats.org/officeDocument/2006/relationships" xmlns:p="http://schemas.openxmlformats.org/presentationml/2006/main" showSpecialPlsOnTitleSld="0" saveSubsetFonts="1">
   <p:sldMasterIdLst>
     <p:sldMasterId id="2147483660" r:id="rId4"/>
   </p:sldMasterIdLst>
   <p:notesMasterIdLst>
-    <p:notesMasterId r:id="rId23"/>
+    <p:notesMasterId r:id="rId14"/>
   </p:notesMasterIdLst>
   <p:handoutMasterIdLst>
-    <p:handoutMasterId r:id="rId24"/>
+    <p:handoutMasterId r:id="rId15"/>
   </p:handoutMasterIdLst>
   <p:sldIdLst>
     <p:sldId id="257" r:id="rId5"/>
     <p:sldId id="268" r:id="rId6"/>
-    <p:sldId id="259" r:id="rId7"/>
-    <p:sldId id="261" r:id="rId8"/>
-    <p:sldId id="278" r:id="rId9"/>
-    <p:sldId id="277" r:id="rId10"/>
-    <p:sldId id="276" r:id="rId11"/>
-    <p:sldId id="275" r:id="rId12"/>
-    <p:sldId id="274" r:id="rId13"/>
-    <p:sldId id="273" r:id="rId14"/>
-    <p:sldId id="272" r:id="rId15"/>
-    <p:sldId id="267" r:id="rId16"/>
-    <p:sldId id="269" r:id="rId17"/>
-    <p:sldId id="270" r:id="rId18"/>
-    <p:sldId id="262" r:id="rId19"/>
-    <p:sldId id="263" r:id="rId20"/>
-    <p:sldId id="271" r:id="rId21"/>
-    <p:sldId id="265" r:id="rId22"/>
+    <p:sldId id="280" r:id="rId7"/>
+    <p:sldId id="259" r:id="rId8"/>
+    <p:sldId id="279" r:id="rId9"/>
+    <p:sldId id="281" r:id="rId10"/>
+    <p:sldId id="283" r:id="rId11"/>
+    <p:sldId id="282" r:id="rId12"/>
+    <p:sldId id="284" r:id="rId13"/>
   </p:sldIdLst>
   <p:sldSz cx="12188825" cy="6858000"/>
   <p:notesSz cx="6858000" cy="9144000"/>
@@ -160,4877 +151,6 @@
 </p:presentation>
 </file>
 
-<file path=ppt/charts/chart1.xml><?xml version="1.0" encoding="utf-8"?>
-<c:chartSpace xmlns:c="http://schemas.openxmlformats.org/drawingml/2006/chart" xmlns:a="http://schemas.openxmlformats.org/drawingml/2006/main" xmlns:r="http://schemas.openxmlformats.org/officeDocument/2006/relationships" xmlns:c16r2="http://schemas.microsoft.com/office/drawing/2015/06/chart">
-  <c:date1904 val="0"/>
-  <c:lang val="fr-FR"/>
-  <c:roundedCorners val="0"/>
-  <mc:AlternateContent xmlns:mc="http://schemas.openxmlformats.org/markup-compatibility/2006">
-    <mc:Choice xmlns:c14="http://schemas.microsoft.com/office/drawing/2007/8/2/chart" Requires="c14">
-      <c14:style val="102"/>
-    </mc:Choice>
-    <mc:Fallback>
-      <c:style val="2"/>
-    </mc:Fallback>
-  </mc:AlternateContent>
-  <c:chart>
-    <c:autoTitleDeleted val="0"/>
-    <c:plotArea>
-      <c:layout/>
-      <c:barChart>
-        <c:barDir val="col"/>
-        <c:grouping val="clustered"/>
-        <c:varyColors val="0"/>
-        <c:ser>
-          <c:idx val="0"/>
-          <c:order val="0"/>
-          <c:tx>
-            <c:strRef>
-              <c:f>Sheet1!$B$1</c:f>
-              <c:strCache>
-                <c:ptCount val="1"/>
-                <c:pt idx="0">
-                  <c:v>Série 1</c:v>
-                </c:pt>
-              </c:strCache>
-            </c:strRef>
-          </c:tx>
-          <c:spPr>
-            <a:noFill/>
-            <a:ln w="25400" cap="flat" cmpd="sng" algn="ctr">
-              <a:solidFill>
-                <a:schemeClr val="accent1"/>
-              </a:solidFill>
-              <a:miter lim="800000"/>
-            </a:ln>
-            <a:effectLst/>
-          </c:spPr>
-          <c:invertIfNegative val="0"/>
-          <c:cat>
-            <c:strRef>
-              <c:f>Sheet1!$A$2:$A$5</c:f>
-              <c:strCache>
-                <c:ptCount val="4"/>
-                <c:pt idx="0">
-                  <c:v>Catégorie 1</c:v>
-                </c:pt>
-                <c:pt idx="1">
-                  <c:v>Catégorie 2</c:v>
-                </c:pt>
-                <c:pt idx="2">
-                  <c:v>Catégorie 3</c:v>
-                </c:pt>
-                <c:pt idx="3">
-                  <c:v>Catégorie 4</c:v>
-                </c:pt>
-              </c:strCache>
-            </c:strRef>
-          </c:cat>
-          <c:val>
-            <c:numRef>
-              <c:f>Sheet1!$B$2:$B$5</c:f>
-              <c:numCache>
-                <c:formatCode>General</c:formatCode>
-                <c:ptCount val="4"/>
-                <c:pt idx="0">
-                  <c:v>4.3</c:v>
-                </c:pt>
-                <c:pt idx="1">
-                  <c:v>2.5</c:v>
-                </c:pt>
-                <c:pt idx="2">
-                  <c:v>3.5</c:v>
-                </c:pt>
-                <c:pt idx="3">
-                  <c:v>4.5</c:v>
-                </c:pt>
-              </c:numCache>
-            </c:numRef>
-          </c:val>
-          <c:extLst>
-            <c:ext xmlns:c16="http://schemas.microsoft.com/office/drawing/2014/chart" uri="{C3380CC4-5D6E-409C-BE32-E72D297353CC}">
-              <c16:uniqueId val="{00000000-5E92-4051-99BC-2623F45BF7E0}"/>
-            </c:ext>
-          </c:extLst>
-        </c:ser>
-        <c:ser>
-          <c:idx val="1"/>
-          <c:order val="1"/>
-          <c:tx>
-            <c:strRef>
-              <c:f>Sheet1!$C$1</c:f>
-              <c:strCache>
-                <c:ptCount val="1"/>
-                <c:pt idx="0">
-                  <c:v>Série 2</c:v>
-                </c:pt>
-              </c:strCache>
-            </c:strRef>
-          </c:tx>
-          <c:spPr>
-            <a:noFill/>
-            <a:ln w="25400" cap="flat" cmpd="sng" algn="ctr">
-              <a:solidFill>
-                <a:schemeClr val="accent2"/>
-              </a:solidFill>
-              <a:miter lim="800000"/>
-            </a:ln>
-            <a:effectLst/>
-          </c:spPr>
-          <c:invertIfNegative val="0"/>
-          <c:cat>
-            <c:strRef>
-              <c:f>Sheet1!$A$2:$A$5</c:f>
-              <c:strCache>
-                <c:ptCount val="4"/>
-                <c:pt idx="0">
-                  <c:v>Catégorie 1</c:v>
-                </c:pt>
-                <c:pt idx="1">
-                  <c:v>Catégorie 2</c:v>
-                </c:pt>
-                <c:pt idx="2">
-                  <c:v>Catégorie 3</c:v>
-                </c:pt>
-                <c:pt idx="3">
-                  <c:v>Catégorie 4</c:v>
-                </c:pt>
-              </c:strCache>
-            </c:strRef>
-          </c:cat>
-          <c:val>
-            <c:numRef>
-              <c:f>Sheet1!$C$2:$C$5</c:f>
-              <c:numCache>
-                <c:formatCode>General</c:formatCode>
-                <c:ptCount val="4"/>
-                <c:pt idx="0">
-                  <c:v>2.4</c:v>
-                </c:pt>
-                <c:pt idx="1">
-                  <c:v>4.4000000000000004</c:v>
-                </c:pt>
-                <c:pt idx="2">
-                  <c:v>1.8</c:v>
-                </c:pt>
-                <c:pt idx="3">
-                  <c:v>2.8</c:v>
-                </c:pt>
-              </c:numCache>
-            </c:numRef>
-          </c:val>
-          <c:extLst>
-            <c:ext xmlns:c16="http://schemas.microsoft.com/office/drawing/2014/chart" uri="{C3380CC4-5D6E-409C-BE32-E72D297353CC}">
-              <c16:uniqueId val="{00000001-5E92-4051-99BC-2623F45BF7E0}"/>
-            </c:ext>
-          </c:extLst>
-        </c:ser>
-        <c:ser>
-          <c:idx val="2"/>
-          <c:order val="2"/>
-          <c:tx>
-            <c:strRef>
-              <c:f>Sheet1!$D$1</c:f>
-              <c:strCache>
-                <c:ptCount val="1"/>
-                <c:pt idx="0">
-                  <c:v>Série 3</c:v>
-                </c:pt>
-              </c:strCache>
-            </c:strRef>
-          </c:tx>
-          <c:spPr>
-            <a:noFill/>
-            <a:ln w="25400" cap="flat" cmpd="sng" algn="ctr">
-              <a:solidFill>
-                <a:schemeClr val="accent3"/>
-              </a:solidFill>
-              <a:miter lim="800000"/>
-            </a:ln>
-            <a:effectLst/>
-          </c:spPr>
-          <c:invertIfNegative val="0"/>
-          <c:cat>
-            <c:strRef>
-              <c:f>Sheet1!$A$2:$A$5</c:f>
-              <c:strCache>
-                <c:ptCount val="4"/>
-                <c:pt idx="0">
-                  <c:v>Catégorie 1</c:v>
-                </c:pt>
-                <c:pt idx="1">
-                  <c:v>Catégorie 2</c:v>
-                </c:pt>
-                <c:pt idx="2">
-                  <c:v>Catégorie 3</c:v>
-                </c:pt>
-                <c:pt idx="3">
-                  <c:v>Catégorie 4</c:v>
-                </c:pt>
-              </c:strCache>
-            </c:strRef>
-          </c:cat>
-          <c:val>
-            <c:numRef>
-              <c:f>Sheet1!$D$2:$D$5</c:f>
-              <c:numCache>
-                <c:formatCode>General</c:formatCode>
-                <c:ptCount val="4"/>
-                <c:pt idx="0">
-                  <c:v>2</c:v>
-                </c:pt>
-                <c:pt idx="1">
-                  <c:v>2</c:v>
-                </c:pt>
-                <c:pt idx="2">
-                  <c:v>3</c:v>
-                </c:pt>
-                <c:pt idx="3">
-                  <c:v>5</c:v>
-                </c:pt>
-              </c:numCache>
-            </c:numRef>
-          </c:val>
-          <c:extLst>
-            <c:ext xmlns:c16="http://schemas.microsoft.com/office/drawing/2014/chart" uri="{C3380CC4-5D6E-409C-BE32-E72D297353CC}">
-              <c16:uniqueId val="{00000002-5E92-4051-99BC-2623F45BF7E0}"/>
-            </c:ext>
-          </c:extLst>
-        </c:ser>
-        <c:dLbls>
-          <c:showLegendKey val="0"/>
-          <c:showVal val="0"/>
-          <c:showCatName val="0"/>
-          <c:showSerName val="0"/>
-          <c:showPercent val="0"/>
-          <c:showBubbleSize val="0"/>
-        </c:dLbls>
-        <c:gapWidth val="164"/>
-        <c:overlap val="-35"/>
-        <c:axId val="632163384"/>
-        <c:axId val="632166128"/>
-      </c:barChart>
-      <c:catAx>
-        <c:axId val="632163384"/>
-        <c:scaling>
-          <c:orientation val="minMax"/>
-        </c:scaling>
-        <c:delete val="0"/>
-        <c:axPos val="b"/>
-        <c:numFmt formatCode="General" sourceLinked="0"/>
-        <c:majorTickMark val="none"/>
-        <c:minorTickMark val="none"/>
-        <c:tickLblPos val="nextTo"/>
-        <c:spPr>
-          <a:noFill/>
-          <a:ln>
-            <a:noFill/>
-          </a:ln>
-          <a:effectLst/>
-        </c:spPr>
-        <c:txPr>
-          <a:bodyPr rot="-60000000" spcFirstLastPara="1" vertOverflow="ellipsis" vert="horz" wrap="square" anchor="ctr" anchorCtr="1"/>
-          <a:lstStyle/>
-          <a:p>
-            <a:pPr>
-              <a:defRPr sz="1197" b="0" i="0" u="none" strike="noStrike" kern="1200" baseline="0">
-                <a:solidFill>
-                  <a:schemeClr val="tx1">
-                    <a:lumMod val="50000"/>
-                    <a:lumOff val="50000"/>
-                  </a:schemeClr>
-                </a:solidFill>
-                <a:latin typeface="+mn-lt"/>
-                <a:ea typeface="+mn-ea"/>
-                <a:cs typeface="+mn-cs"/>
-              </a:defRPr>
-            </a:pPr>
-            <a:endParaRPr lang="fr-FR"/>
-          </a:p>
-        </c:txPr>
-        <c:crossAx val="632166128"/>
-        <c:crosses val="autoZero"/>
-        <c:auto val="1"/>
-        <c:lblAlgn val="ctr"/>
-        <c:lblOffset val="100"/>
-        <c:noMultiLvlLbl val="0"/>
-      </c:catAx>
-      <c:valAx>
-        <c:axId val="632166128"/>
-        <c:scaling>
-          <c:orientation val="minMax"/>
-        </c:scaling>
-        <c:delete val="0"/>
-        <c:axPos val="l"/>
-        <c:numFmt formatCode="General" sourceLinked="1"/>
-        <c:majorTickMark val="none"/>
-        <c:minorTickMark val="none"/>
-        <c:tickLblPos val="nextTo"/>
-        <c:spPr>
-          <a:noFill/>
-          <a:ln>
-            <a:noFill/>
-          </a:ln>
-          <a:effectLst/>
-        </c:spPr>
-        <c:txPr>
-          <a:bodyPr rot="-60000000" spcFirstLastPara="1" vertOverflow="ellipsis" vert="horz" wrap="square" anchor="ctr" anchorCtr="1"/>
-          <a:lstStyle/>
-          <a:p>
-            <a:pPr>
-              <a:defRPr sz="1197" b="0" i="0" u="none" strike="noStrike" kern="1200" baseline="0">
-                <a:solidFill>
-                  <a:schemeClr val="tx1">
-                    <a:lumMod val="50000"/>
-                    <a:lumOff val="50000"/>
-                  </a:schemeClr>
-                </a:solidFill>
-                <a:latin typeface="+mn-lt"/>
-                <a:ea typeface="+mn-ea"/>
-                <a:cs typeface="+mn-cs"/>
-              </a:defRPr>
-            </a:pPr>
-            <a:endParaRPr lang="fr-FR"/>
-          </a:p>
-        </c:txPr>
-        <c:crossAx val="632163384"/>
-        <c:crosses val="autoZero"/>
-        <c:crossBetween val="between"/>
-      </c:valAx>
-      <c:spPr>
-        <a:noFill/>
-        <a:ln>
-          <a:noFill/>
-        </a:ln>
-        <a:effectLst/>
-      </c:spPr>
-    </c:plotArea>
-    <c:legend>
-      <c:legendPos val="t"/>
-      <c:overlay val="0"/>
-      <c:spPr>
-        <a:noFill/>
-        <a:ln>
-          <a:noFill/>
-        </a:ln>
-        <a:effectLst/>
-      </c:spPr>
-      <c:txPr>
-        <a:bodyPr rot="0" spcFirstLastPara="1" vertOverflow="ellipsis" vert="horz" wrap="square" anchor="ctr" anchorCtr="1"/>
-        <a:lstStyle/>
-        <a:p>
-          <a:pPr>
-            <a:defRPr sz="1197" b="0" i="0" u="none" strike="noStrike" kern="1200" baseline="0">
-              <a:solidFill>
-                <a:schemeClr val="tx1">
-                  <a:lumMod val="50000"/>
-                  <a:lumOff val="50000"/>
-                </a:schemeClr>
-              </a:solidFill>
-              <a:latin typeface="+mn-lt"/>
-              <a:ea typeface="+mn-ea"/>
-              <a:cs typeface="+mn-cs"/>
-            </a:defRPr>
-          </a:pPr>
-          <a:endParaRPr lang="fr-FR"/>
-        </a:p>
-      </c:txPr>
-    </c:legend>
-    <c:plotVisOnly val="1"/>
-    <c:dispBlanksAs val="gap"/>
-    <c:showDLblsOverMax val="0"/>
-  </c:chart>
-  <c:spPr>
-    <a:noFill/>
-    <a:ln>
-      <a:noFill/>
-    </a:ln>
-    <a:effectLst/>
-  </c:spPr>
-  <c:txPr>
-    <a:bodyPr/>
-    <a:lstStyle/>
-    <a:p>
-      <a:pPr>
-        <a:defRPr/>
-      </a:pPr>
-      <a:endParaRPr lang="fr-FR"/>
-    </a:p>
-  </c:txPr>
-  <c:externalData r:id="rId3">
-    <c:autoUpdate val="0"/>
-  </c:externalData>
-</c:chartSpace>
-</file>
-
-<file path=ppt/charts/colors1.xml><?xml version="1.0" encoding="utf-8"?>
-<cs:colorStyle xmlns:cs="http://schemas.microsoft.com/office/drawing/2012/chartStyle" xmlns:a="http://schemas.openxmlformats.org/drawingml/2006/main" meth="cycle" id="10">
-  <a:schemeClr val="accent1"/>
-  <a:schemeClr val="accent2"/>
-  <a:schemeClr val="accent3"/>
-  <a:schemeClr val="accent4"/>
-  <a:schemeClr val="accent5"/>
-  <a:schemeClr val="accent6"/>
-  <cs:variation/>
-  <cs:variation>
-    <a:lumMod val="60000"/>
-  </cs:variation>
-  <cs:variation>
-    <a:lumMod val="80000"/>
-    <a:lumOff val="20000"/>
-  </cs:variation>
-  <cs:variation>
-    <a:lumMod val="80000"/>
-  </cs:variation>
-  <cs:variation>
-    <a:lumMod val="60000"/>
-    <a:lumOff val="40000"/>
-  </cs:variation>
-  <cs:variation>
-    <a:lumMod val="50000"/>
-  </cs:variation>
-  <cs:variation>
-    <a:lumMod val="70000"/>
-    <a:lumOff val="30000"/>
-  </cs:variation>
-  <cs:variation>
-    <a:lumMod val="70000"/>
-  </cs:variation>
-  <cs:variation>
-    <a:lumMod val="50000"/>
-    <a:lumOff val="50000"/>
-  </cs:variation>
-</cs:colorStyle>
-</file>
-
-<file path=ppt/charts/style1.xml><?xml version="1.0" encoding="utf-8"?>
-<cs:chartStyle xmlns:cs="http://schemas.microsoft.com/office/drawing/2012/chartStyle" xmlns:a="http://schemas.openxmlformats.org/drawingml/2006/main" id="211">
-  <cs:axisTitle>
-    <cs:lnRef idx="0"/>
-    <cs:fillRef idx="0"/>
-    <cs:effectRef idx="0"/>
-    <cs:fontRef idx="minor">
-      <a:schemeClr val="tx1">
-        <a:lumMod val="50000"/>
-        <a:lumOff val="50000"/>
-      </a:schemeClr>
-    </cs:fontRef>
-    <cs:defRPr sz="1197" kern="1200"/>
-  </cs:axisTitle>
-  <cs:categoryAxis>
-    <cs:lnRef idx="0"/>
-    <cs:fillRef idx="0"/>
-    <cs:effectRef idx="0"/>
-    <cs:fontRef idx="minor">
-      <a:schemeClr val="tx1">
-        <a:lumMod val="50000"/>
-        <a:lumOff val="50000"/>
-      </a:schemeClr>
-    </cs:fontRef>
-    <cs:defRPr sz="1197" kern="1200"/>
-  </cs:categoryAxis>
-  <cs:chartArea mods="allowNoFillOverride allowNoLineOverride">
-    <cs:lnRef idx="0"/>
-    <cs:fillRef idx="0"/>
-    <cs:effectRef idx="0"/>
-    <cs:fontRef idx="minor">
-      <a:schemeClr val="dk1"/>
-    </cs:fontRef>
-    <cs:spPr>
-      <a:solidFill>
-        <a:schemeClr val="bg1"/>
-      </a:solidFill>
-      <a:ln w="9525" cap="flat" cmpd="sng" algn="ctr">
-        <a:solidFill>
-          <a:schemeClr val="tx1">
-            <a:lumMod val="15000"/>
-            <a:lumOff val="85000"/>
-          </a:schemeClr>
-        </a:solidFill>
-        <a:round/>
-      </a:ln>
-    </cs:spPr>
-    <cs:defRPr sz="1197" kern="1200"/>
-  </cs:chartArea>
-  <cs:dataLabel>
-    <cs:lnRef idx="0"/>
-    <cs:fillRef idx="0"/>
-    <cs:effectRef idx="0"/>
-    <cs:fontRef idx="minor">
-      <a:schemeClr val="tx1">
-        <a:lumMod val="65000"/>
-        <a:lumOff val="35000"/>
-      </a:schemeClr>
-    </cs:fontRef>
-    <cs:defRPr sz="1197" kern="1200"/>
-  </cs:dataLabel>
-  <cs:dataLabelCallout>
-    <cs:lnRef idx="0"/>
-    <cs:fillRef idx="0"/>
-    <cs:effectRef idx="0"/>
-    <cs:fontRef idx="minor">
-      <a:schemeClr val="bg1"/>
-    </cs:fontRef>
-    <cs:spPr>
-      <a:solidFill>
-        <a:schemeClr val="tx1">
-          <a:lumMod val="35000"/>
-          <a:lumOff val="65000"/>
-        </a:schemeClr>
-      </a:solidFill>
-    </cs:spPr>
-    <cs:defRPr sz="1197"/>
-  </cs:dataLabelCallout>
-  <cs:dataPoint>
-    <cs:lnRef idx="0">
-      <cs:styleClr val="auto"/>
-    </cs:lnRef>
-    <cs:fillRef idx="0"/>
-    <cs:effectRef idx="0"/>
-    <cs:fontRef idx="minor">
-      <a:schemeClr val="dk1"/>
-    </cs:fontRef>
-    <cs:spPr>
-      <a:noFill/>
-      <a:ln w="25400" cap="flat" cmpd="sng" algn="ctr">
-        <a:solidFill>
-          <a:schemeClr val="phClr"/>
-        </a:solidFill>
-        <a:miter lim="800000"/>
-      </a:ln>
-    </cs:spPr>
-  </cs:dataPoint>
-  <cs:dataPoint3D>
-    <cs:lnRef idx="0">
-      <cs:styleClr val="auto"/>
-    </cs:lnRef>
-    <cs:fillRef idx="0">
-      <cs:styleClr val="auto"/>
-    </cs:fillRef>
-    <cs:effectRef idx="0"/>
-    <cs:fontRef idx="minor">
-      <a:schemeClr val="dk1"/>
-    </cs:fontRef>
-    <cs:spPr>
-      <a:ln w="19050" cap="flat" cmpd="sng" algn="ctr">
-        <a:solidFill>
-          <a:schemeClr val="phClr"/>
-        </a:solidFill>
-        <a:miter lim="800000"/>
-      </a:ln>
-    </cs:spPr>
-  </cs:dataPoint3D>
-  <cs:dataPointLine>
-    <cs:lnRef idx="0">
-      <cs:styleClr val="auto"/>
-    </cs:lnRef>
-    <cs:fillRef idx="0"/>
-    <cs:effectRef idx="0"/>
-    <cs:fontRef idx="minor">
-      <a:schemeClr val="dk1"/>
-    </cs:fontRef>
-    <cs:spPr>
-      <a:ln w="28575" cap="rnd">
-        <a:solidFill>
-          <a:schemeClr val="phClr"/>
-        </a:solidFill>
-        <a:round/>
-      </a:ln>
-    </cs:spPr>
-  </cs:dataPointLine>
-  <cs:dataPointMarker>
-    <cs:lnRef idx="0">
-      <cs:styleClr val="auto"/>
-    </cs:lnRef>
-    <cs:fillRef idx="0">
-      <cs:styleClr val="auto"/>
-    </cs:fillRef>
-    <cs:effectRef idx="0"/>
-    <cs:fontRef idx="minor">
-      <a:schemeClr val="dk1"/>
-    </cs:fontRef>
-    <cs:spPr>
-      <a:ln w="19050" cap="rnd">
-        <a:solidFill>
-          <a:schemeClr val="phClr"/>
-        </a:solidFill>
-        <a:round/>
-      </a:ln>
-    </cs:spPr>
-  </cs:dataPointMarker>
-  <cs:dataPointMarkerLayout symbol="circle" size="6"/>
-  <cs:dataPointWireframe>
-    <cs:lnRef idx="0">
-      <cs:styleClr val="auto"/>
-    </cs:lnRef>
-    <cs:fillRef idx="1"/>
-    <cs:effectRef idx="0"/>
-    <cs:fontRef idx="minor">
-      <a:schemeClr val="tx1"/>
-    </cs:fontRef>
-    <cs:spPr>
-      <a:ln w="9525">
-        <a:solidFill>
-          <a:schemeClr val="phClr"/>
-        </a:solidFill>
-      </a:ln>
-    </cs:spPr>
-  </cs:dataPointWireframe>
-  <cs:dataTable>
-    <cs:lnRef idx="0"/>
-    <cs:fillRef idx="0"/>
-    <cs:effectRef idx="0"/>
-    <cs:fontRef idx="minor">
-      <a:schemeClr val="tx1">
-        <a:lumMod val="50000"/>
-        <a:lumOff val="50000"/>
-      </a:schemeClr>
-    </cs:fontRef>
-    <cs:spPr>
-      <a:ln w="9525">
-        <a:solidFill>
-          <a:schemeClr val="tx1">
-            <a:lumMod val="15000"/>
-            <a:lumOff val="85000"/>
-          </a:schemeClr>
-        </a:solidFill>
-      </a:ln>
-    </cs:spPr>
-    <cs:defRPr sz="1197" kern="1200"/>
-  </cs:dataTable>
-  <cs:downBar>
-    <cs:lnRef idx="0"/>
-    <cs:fillRef idx="0"/>
-    <cs:effectRef idx="0"/>
-    <cs:fontRef idx="minor">
-      <a:schemeClr val="dk1"/>
-    </cs:fontRef>
-    <cs:spPr>
-      <a:solidFill>
-        <a:schemeClr val="dk1">
-          <a:lumMod val="75000"/>
-          <a:lumOff val="25000"/>
-        </a:schemeClr>
-      </a:solidFill>
-      <a:ln w="9525" cap="flat" cmpd="sng" algn="ctr">
-        <a:solidFill>
-          <a:schemeClr val="tx1">
-            <a:lumMod val="50000"/>
-            <a:lumOff val="50000"/>
-          </a:schemeClr>
-        </a:solidFill>
-        <a:round/>
-      </a:ln>
-    </cs:spPr>
-  </cs:downBar>
-  <cs:dropLine>
-    <cs:lnRef idx="0"/>
-    <cs:fillRef idx="0"/>
-    <cs:effectRef idx="0"/>
-    <cs:fontRef idx="minor">
-      <a:schemeClr val="dk1"/>
-    </cs:fontRef>
-    <cs:spPr>
-      <a:ln w="9525" cap="flat" cmpd="sng" algn="ctr">
-        <a:solidFill>
-          <a:schemeClr val="tx1">
-            <a:lumMod val="35000"/>
-            <a:lumOff val="65000"/>
-          </a:schemeClr>
-        </a:solidFill>
-        <a:round/>
-      </a:ln>
-    </cs:spPr>
-  </cs:dropLine>
-  <cs:errorBar>
-    <cs:lnRef idx="0"/>
-    <cs:fillRef idx="0"/>
-    <cs:effectRef idx="0"/>
-    <cs:fontRef idx="minor">
-      <a:schemeClr val="dk1"/>
-    </cs:fontRef>
-    <cs:spPr>
-      <a:ln w="9525" cap="flat" cmpd="sng" algn="ctr">
-        <a:solidFill>
-          <a:schemeClr val="tx1">
-            <a:lumMod val="50000"/>
-            <a:lumOff val="50000"/>
-          </a:schemeClr>
-        </a:solidFill>
-        <a:round/>
-      </a:ln>
-    </cs:spPr>
-  </cs:errorBar>
-  <cs:floor>
-    <cs:lnRef idx="0"/>
-    <cs:fillRef idx="0"/>
-    <cs:effectRef idx="0"/>
-    <cs:fontRef idx="minor">
-      <a:schemeClr val="dk1"/>
-    </cs:fontRef>
-  </cs:floor>
-  <cs:gridlineMajor>
-    <cs:lnRef idx="0"/>
-    <cs:fillRef idx="0"/>
-    <cs:effectRef idx="0"/>
-    <cs:fontRef idx="minor">
-      <a:schemeClr val="dk1"/>
-    </cs:fontRef>
-    <cs:spPr>
-      <a:ln w="9525">
-        <a:solidFill>
-          <a:schemeClr val="tx1">
-            <a:lumMod val="15000"/>
-            <a:lumOff val="85000"/>
-          </a:schemeClr>
-        </a:solidFill>
-      </a:ln>
-    </cs:spPr>
-  </cs:gridlineMajor>
-  <cs:gridlineMinor>
-    <cs:lnRef idx="0"/>
-    <cs:fillRef idx="0"/>
-    <cs:effectRef idx="0"/>
-    <cs:fontRef idx="minor">
-      <a:schemeClr val="dk1"/>
-    </cs:fontRef>
-    <cs:spPr>
-      <a:ln w="9525">
-        <a:solidFill>
-          <a:schemeClr val="tx1">
-            <a:lumMod val="5000"/>
-            <a:lumOff val="95000"/>
-          </a:schemeClr>
-        </a:solidFill>
-      </a:ln>
-    </cs:spPr>
-  </cs:gridlineMinor>
-  <cs:hiLoLine>
-    <cs:lnRef idx="0"/>
-    <cs:fillRef idx="0"/>
-    <cs:effectRef idx="0"/>
-    <cs:fontRef idx="minor">
-      <a:schemeClr val="dk1"/>
-    </cs:fontRef>
-    <cs:spPr>
-      <a:ln w="9525" cap="flat" cmpd="sng" algn="ctr">
-        <a:solidFill>
-          <a:schemeClr val="tx1">
-            <a:lumMod val="35000"/>
-            <a:lumOff val="65000"/>
-          </a:schemeClr>
-        </a:solidFill>
-        <a:round/>
-      </a:ln>
-    </cs:spPr>
-  </cs:hiLoLine>
-  <cs:leaderLine>
-    <cs:lnRef idx="0"/>
-    <cs:fillRef idx="0"/>
-    <cs:effectRef idx="0"/>
-    <cs:fontRef idx="minor">
-      <a:schemeClr val="dk1"/>
-    </cs:fontRef>
-    <cs:spPr>
-      <a:ln w="9525" cap="flat" cmpd="sng" algn="ctr">
-        <a:solidFill>
-          <a:schemeClr val="tx1">
-            <a:lumMod val="35000"/>
-            <a:lumOff val="65000"/>
-          </a:schemeClr>
-        </a:solidFill>
-        <a:round/>
-      </a:ln>
-    </cs:spPr>
-  </cs:leaderLine>
-  <cs:legend>
-    <cs:lnRef idx="0"/>
-    <cs:fillRef idx="0"/>
-    <cs:effectRef idx="0"/>
-    <cs:fontRef idx="minor">
-      <a:schemeClr val="tx1">
-        <a:lumMod val="50000"/>
-        <a:lumOff val="50000"/>
-      </a:schemeClr>
-    </cs:fontRef>
-    <cs:defRPr sz="1197" kern="1200"/>
-  </cs:legend>
-  <cs:plotArea mods="allowNoFillOverride allowNoLineOverride">
-    <cs:lnRef idx="0"/>
-    <cs:fillRef idx="0"/>
-    <cs:effectRef idx="0"/>
-    <cs:fontRef idx="minor">
-      <a:schemeClr val="dk1"/>
-    </cs:fontRef>
-  </cs:plotArea>
-  <cs:plotArea3D mods="allowNoFillOverride allowNoLineOverride">
-    <cs:lnRef idx="0"/>
-    <cs:fillRef idx="0"/>
-    <cs:effectRef idx="0"/>
-    <cs:fontRef idx="minor">
-      <a:schemeClr val="dk1"/>
-    </cs:fontRef>
-  </cs:plotArea3D>
-  <cs:seriesAxis>
-    <cs:lnRef idx="0"/>
-    <cs:fillRef idx="0"/>
-    <cs:effectRef idx="0"/>
-    <cs:fontRef idx="minor">
-      <a:schemeClr val="tx1">
-        <a:lumMod val="50000"/>
-        <a:lumOff val="50000"/>
-      </a:schemeClr>
-    </cs:fontRef>
-    <cs:defRPr sz="1197" kern="1200"/>
-  </cs:seriesAxis>
-  <cs:seriesLine>
-    <cs:lnRef idx="0"/>
-    <cs:fillRef idx="0"/>
-    <cs:effectRef idx="0"/>
-    <cs:fontRef idx="minor">
-      <a:schemeClr val="dk1"/>
-    </cs:fontRef>
-    <cs:spPr>
-      <a:ln w="9525" cap="flat" cmpd="sng" algn="ctr">
-        <a:solidFill>
-          <a:schemeClr val="tx1">
-            <a:lumMod val="35000"/>
-            <a:lumOff val="65000"/>
-          </a:schemeClr>
-        </a:solidFill>
-        <a:round/>
-      </a:ln>
-    </cs:spPr>
-  </cs:seriesLine>
-  <cs:title>
-    <cs:lnRef idx="0"/>
-    <cs:fillRef idx="0"/>
-    <cs:effectRef idx="0"/>
-    <cs:fontRef idx="minor">
-      <a:schemeClr val="tx1">
-        <a:lumMod val="65000"/>
-        <a:lumOff val="35000"/>
-      </a:schemeClr>
-    </cs:fontRef>
-    <cs:defRPr sz="2200" b="0" kern="1200" cap="none" spc="50" baseline="0"/>
-  </cs:title>
-  <cs:trendline>
-    <cs:lnRef idx="0">
-      <cs:styleClr val="auto"/>
-    </cs:lnRef>
-    <cs:fillRef idx="0"/>
-    <cs:effectRef idx="0"/>
-    <cs:fontRef idx="minor">
-      <a:schemeClr val="dk1"/>
-    </cs:fontRef>
-    <cs:spPr>
-      <a:ln w="19050" cap="rnd">
-        <a:solidFill>
-          <a:schemeClr val="phClr"/>
-        </a:solidFill>
-      </a:ln>
-    </cs:spPr>
-  </cs:trendline>
-  <cs:trendlineLabel>
-    <cs:lnRef idx="0"/>
-    <cs:fillRef idx="0"/>
-    <cs:effectRef idx="0"/>
-    <cs:fontRef idx="minor">
-      <a:schemeClr val="tx1">
-        <a:lumMod val="50000"/>
-        <a:lumOff val="50000"/>
-      </a:schemeClr>
-    </cs:fontRef>
-    <cs:defRPr sz="1197" kern="1200"/>
-  </cs:trendlineLabel>
-  <cs:upBar>
-    <cs:lnRef idx="0"/>
-    <cs:fillRef idx="0"/>
-    <cs:effectRef idx="0"/>
-    <cs:fontRef idx="minor">
-      <a:schemeClr val="dk1"/>
-    </cs:fontRef>
-    <cs:spPr>
-      <a:solidFill>
-        <a:schemeClr val="lt1"/>
-      </a:solidFill>
-      <a:ln w="9525" cap="flat" cmpd="sng" algn="ctr">
-        <a:solidFill>
-          <a:schemeClr val="tx1">
-            <a:lumMod val="50000"/>
-            <a:lumOff val="50000"/>
-          </a:schemeClr>
-        </a:solidFill>
-        <a:round/>
-      </a:ln>
-    </cs:spPr>
-  </cs:upBar>
-  <cs:valueAxis>
-    <cs:lnRef idx="0"/>
-    <cs:fillRef idx="0"/>
-    <cs:effectRef idx="0"/>
-    <cs:fontRef idx="minor">
-      <a:schemeClr val="tx1">
-        <a:lumMod val="50000"/>
-        <a:lumOff val="50000"/>
-      </a:schemeClr>
-    </cs:fontRef>
-    <cs:defRPr sz="1197" kern="1200"/>
-  </cs:valueAxis>
-  <cs:wall>
-    <cs:lnRef idx="0"/>
-    <cs:fillRef idx="0"/>
-    <cs:effectRef idx="0"/>
-    <cs:fontRef idx="minor">
-      <a:schemeClr val="dk1"/>
-    </cs:fontRef>
-  </cs:wall>
-</cs:chartStyle>
-</file>
-
-<file path=ppt/diagrams/colors1.xml><?xml version="1.0" encoding="utf-8"?>
-<dgm:colorsDef xmlns:dgm="http://schemas.openxmlformats.org/drawingml/2006/diagram" xmlns:a="http://schemas.openxmlformats.org/drawingml/2006/main" uniqueId="urn:microsoft.com/office/officeart/2005/8/colors/colorful1">
-  <dgm:title val=""/>
-  <dgm:desc val=""/>
-  <dgm:catLst>
-    <dgm:cat type="colorful" pri="10100"/>
-  </dgm:catLst>
-  <dgm:styleLbl name="node0">
-    <dgm:fillClrLst meth="repeat">
-      <a:schemeClr val="accent1"/>
-    </dgm:fillClrLst>
-    <dgm:linClrLst meth="repeat">
-      <a:schemeClr val="lt1"/>
-    </dgm:linClrLst>
-    <dgm:effectClrLst/>
-    <dgm:txLinClrLst/>
-    <dgm:txFillClrLst/>
-    <dgm:txEffectClrLst/>
-  </dgm:styleLbl>
-  <dgm:styleLbl name="node1">
-    <dgm:fillClrLst meth="repeat">
-      <a:schemeClr val="accent2"/>
-      <a:schemeClr val="accent3"/>
-      <a:schemeClr val="accent4"/>
-      <a:schemeClr val="accent5"/>
-      <a:schemeClr val="accent6"/>
-    </dgm:fillClrLst>
-    <dgm:linClrLst meth="repeat">
-      <a:schemeClr val="lt1"/>
-    </dgm:linClrLst>
-    <dgm:effectClrLst/>
-    <dgm:txLinClrLst/>
-    <dgm:txFillClrLst/>
-    <dgm:txEffectClrLst/>
-  </dgm:styleLbl>
-  <dgm:styleLbl name="alignNode1">
-    <dgm:fillClrLst meth="repeat">
-      <a:schemeClr val="accent2"/>
-      <a:schemeClr val="accent3"/>
-      <a:schemeClr val="accent4"/>
-      <a:schemeClr val="accent5"/>
-      <a:schemeClr val="accent6"/>
-    </dgm:fillClrLst>
-    <dgm:linClrLst meth="repeat">
-      <a:schemeClr val="accent2"/>
-      <a:schemeClr val="accent3"/>
-      <a:schemeClr val="accent4"/>
-      <a:schemeClr val="accent5"/>
-      <a:schemeClr val="accent6"/>
-    </dgm:linClrLst>
-    <dgm:effectClrLst/>
-    <dgm:txLinClrLst/>
-    <dgm:txFillClrLst/>
-    <dgm:txEffectClrLst/>
-  </dgm:styleLbl>
-  <dgm:styleLbl name="lnNode1">
-    <dgm:fillClrLst meth="repeat">
-      <a:schemeClr val="accent2"/>
-      <a:schemeClr val="accent3"/>
-      <a:schemeClr val="accent4"/>
-      <a:schemeClr val="accent5"/>
-      <a:schemeClr val="accent6"/>
-    </dgm:fillClrLst>
-    <dgm:linClrLst meth="repeat">
-      <a:schemeClr val="lt1"/>
-    </dgm:linClrLst>
-    <dgm:effectClrLst/>
-    <dgm:txLinClrLst/>
-    <dgm:txFillClrLst/>
-    <dgm:txEffectClrLst/>
-  </dgm:styleLbl>
-  <dgm:styleLbl name="vennNode1">
-    <dgm:fillClrLst meth="repeat">
-      <a:schemeClr val="accent2">
-        <a:alpha val="50000"/>
-      </a:schemeClr>
-      <a:schemeClr val="accent3">
-        <a:alpha val="50000"/>
-      </a:schemeClr>
-      <a:schemeClr val="accent4">
-        <a:alpha val="50000"/>
-      </a:schemeClr>
-      <a:schemeClr val="accent5">
-        <a:alpha val="50000"/>
-      </a:schemeClr>
-      <a:schemeClr val="accent6">
-        <a:alpha val="50000"/>
-      </a:schemeClr>
-    </dgm:fillClrLst>
-    <dgm:linClrLst meth="repeat">
-      <a:schemeClr val="lt1"/>
-    </dgm:linClrLst>
-    <dgm:effectClrLst/>
-    <dgm:txLinClrLst/>
-    <dgm:txFillClrLst/>
-    <dgm:txEffectClrLst/>
-  </dgm:styleLbl>
-  <dgm:styleLbl name="node2">
-    <dgm:fillClrLst>
-      <a:schemeClr val="accent2"/>
-    </dgm:fillClrLst>
-    <dgm:linClrLst meth="repeat">
-      <a:schemeClr val="lt1"/>
-    </dgm:linClrLst>
-    <dgm:effectClrLst/>
-    <dgm:txLinClrLst/>
-    <dgm:txFillClrLst/>
-    <dgm:txEffectClrLst/>
-  </dgm:styleLbl>
-  <dgm:styleLbl name="node3">
-    <dgm:fillClrLst>
-      <a:schemeClr val="accent3"/>
-    </dgm:fillClrLst>
-    <dgm:linClrLst meth="repeat">
-      <a:schemeClr val="lt1"/>
-    </dgm:linClrLst>
-    <dgm:effectClrLst/>
-    <dgm:txLinClrLst/>
-    <dgm:txFillClrLst/>
-    <dgm:txEffectClrLst/>
-  </dgm:styleLbl>
-  <dgm:styleLbl name="node4">
-    <dgm:fillClrLst>
-      <a:schemeClr val="accent4"/>
-    </dgm:fillClrLst>
-    <dgm:linClrLst meth="repeat">
-      <a:schemeClr val="lt1"/>
-    </dgm:linClrLst>
-    <dgm:effectClrLst/>
-    <dgm:txLinClrLst/>
-    <dgm:txFillClrLst/>
-    <dgm:txEffectClrLst/>
-  </dgm:styleLbl>
-  <dgm:styleLbl name="fgImgPlace1">
-    <dgm:fillClrLst meth="repeat">
-      <a:schemeClr val="accent2">
-        <a:tint val="50000"/>
-      </a:schemeClr>
-      <a:schemeClr val="accent3">
-        <a:tint val="50000"/>
-      </a:schemeClr>
-      <a:schemeClr val="accent4">
-        <a:tint val="50000"/>
-      </a:schemeClr>
-      <a:schemeClr val="accent5">
-        <a:tint val="50000"/>
-      </a:schemeClr>
-      <a:schemeClr val="accent6">
-        <a:tint val="50000"/>
-      </a:schemeClr>
-    </dgm:fillClrLst>
-    <dgm:linClrLst meth="repeat">
-      <a:schemeClr val="lt1"/>
-    </dgm:linClrLst>
-    <dgm:effectClrLst/>
-    <dgm:txLinClrLst/>
-    <dgm:txFillClrLst meth="repeat">
-      <a:schemeClr val="lt1"/>
-    </dgm:txFillClrLst>
-    <dgm:txEffectClrLst/>
-  </dgm:styleLbl>
-  <dgm:styleLbl name="alignImgPlace1">
-    <dgm:fillClrLst>
-      <a:schemeClr val="accent1">
-        <a:tint val="50000"/>
-      </a:schemeClr>
-      <a:schemeClr val="accent2">
-        <a:tint val="20000"/>
-      </a:schemeClr>
-    </dgm:fillClrLst>
-    <dgm:linClrLst meth="repeat">
-      <a:schemeClr val="lt1"/>
-    </dgm:linClrLst>
-    <dgm:effectClrLst/>
-    <dgm:txLinClrLst/>
-    <dgm:txFillClrLst meth="repeat">
-      <a:schemeClr val="lt1"/>
-    </dgm:txFillClrLst>
-    <dgm:txEffectClrLst/>
-  </dgm:styleLbl>
-  <dgm:styleLbl name="bgImgPlace1">
-    <dgm:fillClrLst>
-      <a:schemeClr val="accent1">
-        <a:tint val="50000"/>
-      </a:schemeClr>
-      <a:schemeClr val="accent2">
-        <a:tint val="20000"/>
-      </a:schemeClr>
-    </dgm:fillClrLst>
-    <dgm:linClrLst meth="repeat">
-      <a:schemeClr val="lt1"/>
-    </dgm:linClrLst>
-    <dgm:effectClrLst/>
-    <dgm:txLinClrLst/>
-    <dgm:txFillClrLst meth="repeat">
-      <a:schemeClr val="lt1"/>
-    </dgm:txFillClrLst>
-    <dgm:txEffectClrLst/>
-  </dgm:styleLbl>
-  <dgm:styleLbl name="sibTrans2D1">
-    <dgm:fillClrLst meth="repeat">
-      <a:schemeClr val="accent2"/>
-      <a:schemeClr val="accent3"/>
-      <a:schemeClr val="accent4"/>
-      <a:schemeClr val="accent5"/>
-      <a:schemeClr val="accent6"/>
-    </dgm:fillClrLst>
-    <dgm:linClrLst meth="cycle">
-      <a:schemeClr val="lt1"/>
-    </dgm:linClrLst>
-    <dgm:effectClrLst/>
-    <dgm:txLinClrLst/>
-    <dgm:txFillClrLst/>
-    <dgm:txEffectClrLst/>
-  </dgm:styleLbl>
-  <dgm:styleLbl name="fgSibTrans2D1">
-    <dgm:fillClrLst meth="repeat">
-      <a:schemeClr val="accent2"/>
-      <a:schemeClr val="accent3"/>
-      <a:schemeClr val="accent4"/>
-      <a:schemeClr val="accent5"/>
-      <a:schemeClr val="accent6"/>
-    </dgm:fillClrLst>
-    <dgm:linClrLst meth="cycle">
-      <a:schemeClr val="lt1"/>
-    </dgm:linClrLst>
-    <dgm:effectClrLst/>
-    <dgm:txLinClrLst/>
-    <dgm:txFillClrLst meth="repeat">
-      <a:schemeClr val="lt1"/>
-    </dgm:txFillClrLst>
-    <dgm:txEffectClrLst/>
-  </dgm:styleLbl>
-  <dgm:styleLbl name="bgSibTrans2D1">
-    <dgm:fillClrLst meth="repeat">
-      <a:schemeClr val="accent2"/>
-      <a:schemeClr val="accent3"/>
-      <a:schemeClr val="accent4"/>
-      <a:schemeClr val="accent5"/>
-      <a:schemeClr val="accent6"/>
-    </dgm:fillClrLst>
-    <dgm:linClrLst meth="cycle">
-      <a:schemeClr val="lt1"/>
-    </dgm:linClrLst>
-    <dgm:effectClrLst/>
-    <dgm:txLinClrLst/>
-    <dgm:txFillClrLst meth="repeat">
-      <a:schemeClr val="lt1"/>
-    </dgm:txFillClrLst>
-    <dgm:txEffectClrLst/>
-  </dgm:styleLbl>
-  <dgm:styleLbl name="sibTrans1D1">
-    <dgm:fillClrLst meth="repeat">
-      <a:schemeClr val="accent2"/>
-      <a:schemeClr val="accent3"/>
-      <a:schemeClr val="accent4"/>
-      <a:schemeClr val="accent5"/>
-      <a:schemeClr val="accent6"/>
-    </dgm:fillClrLst>
-    <dgm:linClrLst meth="repeat">
-      <a:schemeClr val="accent2"/>
-      <a:schemeClr val="accent3"/>
-      <a:schemeClr val="accent4"/>
-      <a:schemeClr val="accent5"/>
-      <a:schemeClr val="accent6"/>
-    </dgm:linClrLst>
-    <dgm:effectClrLst/>
-    <dgm:txLinClrLst/>
-    <dgm:txFillClrLst meth="repeat">
-      <a:schemeClr val="tx1"/>
-    </dgm:txFillClrLst>
-    <dgm:txEffectClrLst/>
-  </dgm:styleLbl>
-  <dgm:styleLbl name="callout">
-    <dgm:fillClrLst meth="repeat">
-      <a:schemeClr val="accent2"/>
-    </dgm:fillClrLst>
-    <dgm:linClrLst meth="repeat">
-      <a:schemeClr val="accent2">
-        <a:tint val="50000"/>
-      </a:schemeClr>
-    </dgm:linClrLst>
-    <dgm:effectClrLst/>
-    <dgm:txLinClrLst/>
-    <dgm:txFillClrLst meth="repeat">
-      <a:schemeClr val="tx1"/>
-    </dgm:txFillClrLst>
-    <dgm:txEffectClrLst/>
-  </dgm:styleLbl>
-  <dgm:styleLbl name="asst0">
-    <dgm:fillClrLst meth="repeat">
-      <a:schemeClr val="accent1"/>
-    </dgm:fillClrLst>
-    <dgm:linClrLst meth="repeat">
-      <a:schemeClr val="lt1"/>
-    </dgm:linClrLst>
-    <dgm:effectClrLst/>
-    <dgm:txLinClrLst/>
-    <dgm:txFillClrLst/>
-    <dgm:txEffectClrLst/>
-  </dgm:styleLbl>
-  <dgm:styleLbl name="asst1">
-    <dgm:fillClrLst meth="repeat">
-      <a:schemeClr val="accent2"/>
-    </dgm:fillClrLst>
-    <dgm:linClrLst meth="repeat">
-      <a:schemeClr val="lt1"/>
-    </dgm:linClrLst>
-    <dgm:effectClrLst/>
-    <dgm:txLinClrLst/>
-    <dgm:txFillClrLst/>
-    <dgm:txEffectClrLst/>
-  </dgm:styleLbl>
-  <dgm:styleLbl name="asst2">
-    <dgm:fillClrLst>
-      <a:schemeClr val="accent3"/>
-    </dgm:fillClrLst>
-    <dgm:linClrLst meth="repeat">
-      <a:schemeClr val="lt1"/>
-    </dgm:linClrLst>
-    <dgm:effectClrLst/>
-    <dgm:txLinClrLst/>
-    <dgm:txFillClrLst/>
-    <dgm:txEffectClrLst/>
-  </dgm:styleLbl>
-  <dgm:styleLbl name="asst3">
-    <dgm:fillClrLst>
-      <a:schemeClr val="accent4"/>
-    </dgm:fillClrLst>
-    <dgm:linClrLst meth="repeat">
-      <a:schemeClr val="lt1"/>
-    </dgm:linClrLst>
-    <dgm:effectClrLst/>
-    <dgm:txLinClrLst/>
-    <dgm:txFillClrLst/>
-    <dgm:txEffectClrLst/>
-  </dgm:styleLbl>
-  <dgm:styleLbl name="asst4">
-    <dgm:fillClrLst>
-      <a:schemeClr val="accent5"/>
-    </dgm:fillClrLst>
-    <dgm:linClrLst meth="repeat">
-      <a:schemeClr val="lt1"/>
-    </dgm:linClrLst>
-    <dgm:effectClrLst/>
-    <dgm:txLinClrLst/>
-    <dgm:txFillClrLst/>
-    <dgm:txEffectClrLst/>
-  </dgm:styleLbl>
-  <dgm:styleLbl name="parChTrans2D1">
-    <dgm:fillClrLst meth="repeat">
-      <a:schemeClr val="accent2"/>
-    </dgm:fillClrLst>
-    <dgm:linClrLst meth="repeat">
-      <a:schemeClr val="lt1"/>
-    </dgm:linClrLst>
-    <dgm:effectClrLst/>
-    <dgm:txLinClrLst/>
-    <dgm:txFillClrLst meth="repeat">
-      <a:schemeClr val="lt1"/>
-    </dgm:txFillClrLst>
-    <dgm:txEffectClrLst/>
-  </dgm:styleLbl>
-  <dgm:styleLbl name="parChTrans2D2">
-    <dgm:fillClrLst meth="repeat">
-      <a:schemeClr val="accent3"/>
-    </dgm:fillClrLst>
-    <dgm:linClrLst meth="repeat">
-      <a:schemeClr val="lt1"/>
-    </dgm:linClrLst>
-    <dgm:effectClrLst/>
-    <dgm:txLinClrLst/>
-    <dgm:txFillClrLst/>
-    <dgm:txEffectClrLst/>
-  </dgm:styleLbl>
-  <dgm:styleLbl name="parChTrans2D3">
-    <dgm:fillClrLst meth="repeat">
-      <a:schemeClr val="accent4"/>
-    </dgm:fillClrLst>
-    <dgm:linClrLst meth="repeat">
-      <a:schemeClr val="lt1"/>
-    </dgm:linClrLst>
-    <dgm:effectClrLst/>
-    <dgm:txLinClrLst/>
-    <dgm:txFillClrLst/>
-    <dgm:txEffectClrLst/>
-  </dgm:styleLbl>
-  <dgm:styleLbl name="parChTrans2D4">
-    <dgm:fillClrLst meth="repeat">
-      <a:schemeClr val="accent5"/>
-    </dgm:fillClrLst>
-    <dgm:linClrLst meth="repeat">
-      <a:schemeClr val="lt1"/>
-    </dgm:linClrLst>
-    <dgm:effectClrLst/>
-    <dgm:txLinClrLst/>
-    <dgm:txFillClrLst meth="repeat">
-      <a:schemeClr val="lt1"/>
-    </dgm:txFillClrLst>
-    <dgm:txEffectClrLst/>
-  </dgm:styleLbl>
-  <dgm:styleLbl name="parChTrans1D1">
-    <dgm:fillClrLst meth="repeat">
-      <a:schemeClr val="accent2"/>
-    </dgm:fillClrLst>
-    <dgm:linClrLst meth="repeat">
-      <a:schemeClr val="accent1"/>
-    </dgm:linClrLst>
-    <dgm:effectClrLst/>
-    <dgm:txLinClrLst/>
-    <dgm:txFillClrLst meth="repeat">
-      <a:schemeClr val="tx1"/>
-    </dgm:txFillClrLst>
-    <dgm:txEffectClrLst/>
-  </dgm:styleLbl>
-  <dgm:styleLbl name="parChTrans1D2">
-    <dgm:fillClrLst meth="repeat">
-      <a:schemeClr val="accent3">
-        <a:tint val="90000"/>
-      </a:schemeClr>
-    </dgm:fillClrLst>
-    <dgm:linClrLst meth="repeat">
-      <a:schemeClr val="accent2"/>
-    </dgm:linClrLst>
-    <dgm:effectClrLst/>
-    <dgm:txLinClrLst/>
-    <dgm:txFillClrLst meth="repeat">
-      <a:schemeClr val="tx1"/>
-    </dgm:txFillClrLst>
-    <dgm:txEffectClrLst/>
-  </dgm:styleLbl>
-  <dgm:styleLbl name="parChTrans1D3">
-    <dgm:fillClrLst meth="repeat">
-      <a:schemeClr val="accent4">
-        <a:tint val="70000"/>
-      </a:schemeClr>
-    </dgm:fillClrLst>
-    <dgm:linClrLst meth="repeat">
-      <a:schemeClr val="accent3"/>
-    </dgm:linClrLst>
-    <dgm:effectClrLst/>
-    <dgm:txLinClrLst/>
-    <dgm:txFillClrLst meth="repeat">
-      <a:schemeClr val="tx1"/>
-    </dgm:txFillClrLst>
-    <dgm:txEffectClrLst/>
-  </dgm:styleLbl>
-  <dgm:styleLbl name="parChTrans1D4">
-    <dgm:fillClrLst meth="repeat">
-      <a:schemeClr val="accent5">
-        <a:tint val="50000"/>
-      </a:schemeClr>
-    </dgm:fillClrLst>
-    <dgm:linClrLst meth="repeat">
-      <a:schemeClr val="accent4"/>
-    </dgm:linClrLst>
-    <dgm:effectClrLst/>
-    <dgm:txLinClrLst/>
-    <dgm:txFillClrLst meth="repeat">
-      <a:schemeClr val="tx1"/>
-    </dgm:txFillClrLst>
-    <dgm:txEffectClrLst/>
-  </dgm:styleLbl>
-  <dgm:styleLbl name="fgAcc1">
-    <dgm:fillClrLst meth="repeat">
-      <a:schemeClr val="lt1">
-        <a:alpha val="90000"/>
-      </a:schemeClr>
-    </dgm:fillClrLst>
-    <dgm:linClrLst meth="repeat">
-      <a:schemeClr val="accent2"/>
-      <a:schemeClr val="accent3"/>
-      <a:schemeClr val="accent4"/>
-      <a:schemeClr val="accent5"/>
-      <a:schemeClr val="accent6"/>
-    </dgm:linClrLst>
-    <dgm:effectClrLst/>
-    <dgm:txLinClrLst/>
-    <dgm:txFillClrLst meth="repeat">
-      <a:schemeClr val="dk1"/>
-    </dgm:txFillClrLst>
-    <dgm:txEffectClrLst/>
-  </dgm:styleLbl>
-  <dgm:styleLbl name="conFgAcc1">
-    <dgm:fillClrLst meth="repeat">
-      <a:schemeClr val="lt1">
-        <a:alpha val="90000"/>
-      </a:schemeClr>
-    </dgm:fillClrLst>
-    <dgm:linClrLst meth="repeat">
-      <a:schemeClr val="accent2"/>
-      <a:schemeClr val="accent3"/>
-      <a:schemeClr val="accent4"/>
-      <a:schemeClr val="accent5"/>
-      <a:schemeClr val="accent6"/>
-    </dgm:linClrLst>
-    <dgm:effectClrLst/>
-    <dgm:txLinClrLst/>
-    <dgm:txFillClrLst meth="repeat">
-      <a:schemeClr val="dk1"/>
-    </dgm:txFillClrLst>
-    <dgm:txEffectClrLst/>
-  </dgm:styleLbl>
-  <dgm:styleLbl name="alignAcc1">
-    <dgm:fillClrLst meth="repeat">
-      <a:schemeClr val="lt1">
-        <a:alpha val="90000"/>
-      </a:schemeClr>
-    </dgm:fillClrLst>
-    <dgm:linClrLst meth="repeat">
-      <a:schemeClr val="accent2"/>
-      <a:schemeClr val="accent3"/>
-      <a:schemeClr val="accent4"/>
-      <a:schemeClr val="accent5"/>
-      <a:schemeClr val="accent6"/>
-    </dgm:linClrLst>
-    <dgm:effectClrLst/>
-    <dgm:txLinClrLst/>
-    <dgm:txFillClrLst meth="repeat">
-      <a:schemeClr val="dk1"/>
-    </dgm:txFillClrLst>
-    <dgm:txEffectClrLst/>
-  </dgm:styleLbl>
-  <dgm:styleLbl name="trAlignAcc1">
-    <dgm:fillClrLst meth="repeat">
-      <a:schemeClr val="lt1">
-        <a:alpha val="40000"/>
-      </a:schemeClr>
-    </dgm:fillClrLst>
-    <dgm:linClrLst meth="repeat">
-      <a:schemeClr val="accent1"/>
-    </dgm:linClrLst>
-    <dgm:effectClrLst/>
-    <dgm:txLinClrLst/>
-    <dgm:txFillClrLst meth="repeat">
-      <a:schemeClr val="dk1"/>
-    </dgm:txFillClrLst>
-    <dgm:txEffectClrLst/>
-  </dgm:styleLbl>
-  <dgm:styleLbl name="bgAcc1">
-    <dgm:fillClrLst meth="repeat">
-      <a:schemeClr val="lt1">
-        <a:alpha val="90000"/>
-      </a:schemeClr>
-    </dgm:fillClrLst>
-    <dgm:linClrLst meth="repeat">
-      <a:schemeClr val="accent2"/>
-      <a:schemeClr val="accent3"/>
-      <a:schemeClr val="accent4"/>
-      <a:schemeClr val="accent5"/>
-      <a:schemeClr val="accent6"/>
-    </dgm:linClrLst>
-    <dgm:effectClrLst/>
-    <dgm:txLinClrLst/>
-    <dgm:txFillClrLst meth="repeat">
-      <a:schemeClr val="dk1"/>
-    </dgm:txFillClrLst>
-    <dgm:txEffectClrLst/>
-  </dgm:styleLbl>
-  <dgm:styleLbl name="solidFgAcc1">
-    <dgm:fillClrLst meth="repeat">
-      <a:schemeClr val="lt1"/>
-    </dgm:fillClrLst>
-    <dgm:linClrLst meth="repeat">
-      <a:schemeClr val="accent2"/>
-      <a:schemeClr val="accent3"/>
-      <a:schemeClr val="accent4"/>
-      <a:schemeClr val="accent5"/>
-      <a:schemeClr val="accent6"/>
-    </dgm:linClrLst>
-    <dgm:effectClrLst/>
-    <dgm:txLinClrLst/>
-    <dgm:txFillClrLst meth="repeat">
-      <a:schemeClr val="dk1"/>
-    </dgm:txFillClrLst>
-    <dgm:txEffectClrLst/>
-  </dgm:styleLbl>
-  <dgm:styleLbl name="solidAlignAcc1">
-    <dgm:fillClrLst meth="repeat">
-      <a:schemeClr val="lt1"/>
-    </dgm:fillClrLst>
-    <dgm:linClrLst meth="repeat">
-      <a:schemeClr val="accent2"/>
-      <a:schemeClr val="accent3"/>
-      <a:schemeClr val="accent4"/>
-      <a:schemeClr val="accent5"/>
-      <a:schemeClr val="accent6"/>
-    </dgm:linClrLst>
-    <dgm:effectClrLst/>
-    <dgm:txLinClrLst/>
-    <dgm:txFillClrLst meth="repeat">
-      <a:schemeClr val="dk1"/>
-    </dgm:txFillClrLst>
-    <dgm:txEffectClrLst/>
-  </dgm:styleLbl>
-  <dgm:styleLbl name="solidBgAcc1">
-    <dgm:fillClrLst meth="repeat">
-      <a:schemeClr val="lt1"/>
-    </dgm:fillClrLst>
-    <dgm:linClrLst meth="repeat">
-      <a:schemeClr val="accent2"/>
-      <a:schemeClr val="accent3"/>
-      <a:schemeClr val="accent4"/>
-      <a:schemeClr val="accent5"/>
-      <a:schemeClr val="accent6"/>
-    </dgm:linClrLst>
-    <dgm:effectClrLst/>
-    <dgm:txLinClrLst/>
-    <dgm:txFillClrLst meth="repeat">
-      <a:schemeClr val="dk1"/>
-    </dgm:txFillClrLst>
-    <dgm:txEffectClrLst/>
-  </dgm:styleLbl>
-  <dgm:styleLbl name="fgAccFollowNode1">
-    <dgm:fillClrLst meth="repeat">
-      <a:schemeClr val="accent2">
-        <a:tint val="40000"/>
-        <a:alpha val="90000"/>
-      </a:schemeClr>
-      <a:schemeClr val="accent3">
-        <a:tint val="40000"/>
-        <a:alpha val="90000"/>
-      </a:schemeClr>
-      <a:schemeClr val="accent4">
-        <a:tint val="40000"/>
-        <a:alpha val="90000"/>
-      </a:schemeClr>
-      <a:schemeClr val="accent5">
-        <a:tint val="40000"/>
-        <a:alpha val="90000"/>
-      </a:schemeClr>
-      <a:schemeClr val="accent6">
-        <a:tint val="40000"/>
-        <a:alpha val="90000"/>
-      </a:schemeClr>
-    </dgm:fillClrLst>
-    <dgm:linClrLst meth="repeat">
-      <a:schemeClr val="accent2">
-        <a:tint val="40000"/>
-        <a:alpha val="90000"/>
-      </a:schemeClr>
-      <a:schemeClr val="accent3">
-        <a:tint val="40000"/>
-        <a:alpha val="90000"/>
-      </a:schemeClr>
-      <a:schemeClr val="accent4">
-        <a:tint val="40000"/>
-        <a:alpha val="90000"/>
-      </a:schemeClr>
-      <a:schemeClr val="accent5">
-        <a:tint val="40000"/>
-        <a:alpha val="90000"/>
-      </a:schemeClr>
-      <a:schemeClr val="accent6">
-        <a:tint val="40000"/>
-        <a:alpha val="90000"/>
-      </a:schemeClr>
-    </dgm:linClrLst>
-    <dgm:effectClrLst/>
-    <dgm:txLinClrLst/>
-    <dgm:txFillClrLst meth="repeat">
-      <a:schemeClr val="dk1"/>
-    </dgm:txFillClrLst>
-    <dgm:txEffectClrLst/>
-  </dgm:styleLbl>
-  <dgm:styleLbl name="alignAccFollowNode1">
-    <dgm:fillClrLst meth="repeat">
-      <a:schemeClr val="accent2">
-        <a:tint val="40000"/>
-        <a:alpha val="90000"/>
-      </a:schemeClr>
-      <a:schemeClr val="accent3">
-        <a:tint val="40000"/>
-        <a:alpha val="90000"/>
-      </a:schemeClr>
-      <a:schemeClr val="accent4">
-        <a:tint val="40000"/>
-        <a:alpha val="90000"/>
-      </a:schemeClr>
-      <a:schemeClr val="accent5">
-        <a:tint val="40000"/>
-        <a:alpha val="90000"/>
-      </a:schemeClr>
-      <a:schemeClr val="accent6">
-        <a:tint val="40000"/>
-        <a:alpha val="90000"/>
-      </a:schemeClr>
-    </dgm:fillClrLst>
-    <dgm:linClrLst meth="repeat">
-      <a:schemeClr val="accent2">
-        <a:tint val="40000"/>
-        <a:alpha val="90000"/>
-      </a:schemeClr>
-      <a:schemeClr val="accent3">
-        <a:tint val="40000"/>
-        <a:alpha val="90000"/>
-      </a:schemeClr>
-      <a:schemeClr val="accent4">
-        <a:tint val="40000"/>
-        <a:alpha val="90000"/>
-      </a:schemeClr>
-      <a:schemeClr val="accent5">
-        <a:tint val="40000"/>
-        <a:alpha val="90000"/>
-      </a:schemeClr>
-      <a:schemeClr val="accent6">
-        <a:tint val="40000"/>
-        <a:alpha val="90000"/>
-      </a:schemeClr>
-    </dgm:linClrLst>
-    <dgm:effectClrLst/>
-    <dgm:txLinClrLst/>
-    <dgm:txFillClrLst meth="repeat">
-      <a:schemeClr val="dk1"/>
-    </dgm:txFillClrLst>
-    <dgm:txEffectClrLst/>
-  </dgm:styleLbl>
-  <dgm:styleLbl name="bgAccFollowNode1">
-    <dgm:fillClrLst meth="repeat">
-      <a:schemeClr val="accent2">
-        <a:tint val="40000"/>
-        <a:alpha val="90000"/>
-      </a:schemeClr>
-      <a:schemeClr val="accent3">
-        <a:tint val="40000"/>
-        <a:alpha val="90000"/>
-      </a:schemeClr>
-      <a:schemeClr val="accent4">
-        <a:tint val="40000"/>
-        <a:alpha val="90000"/>
-      </a:schemeClr>
-      <a:schemeClr val="accent5">
-        <a:tint val="40000"/>
-        <a:alpha val="90000"/>
-      </a:schemeClr>
-      <a:schemeClr val="accent6">
-        <a:tint val="40000"/>
-        <a:alpha val="90000"/>
-      </a:schemeClr>
-    </dgm:fillClrLst>
-    <dgm:linClrLst meth="repeat">
-      <a:schemeClr val="accent2">
-        <a:tint val="40000"/>
-        <a:alpha val="90000"/>
-      </a:schemeClr>
-      <a:schemeClr val="accent3">
-        <a:tint val="40000"/>
-        <a:alpha val="90000"/>
-      </a:schemeClr>
-      <a:schemeClr val="accent4">
-        <a:tint val="40000"/>
-        <a:alpha val="90000"/>
-      </a:schemeClr>
-      <a:schemeClr val="accent5">
-        <a:tint val="40000"/>
-        <a:alpha val="90000"/>
-      </a:schemeClr>
-      <a:schemeClr val="accent6">
-        <a:tint val="40000"/>
-        <a:alpha val="90000"/>
-      </a:schemeClr>
-    </dgm:linClrLst>
-    <dgm:effectClrLst/>
-    <dgm:txLinClrLst/>
-    <dgm:txFillClrLst meth="repeat">
-      <a:schemeClr val="dk1"/>
-    </dgm:txFillClrLst>
-    <dgm:txEffectClrLst/>
-  </dgm:styleLbl>
-  <dgm:styleLbl name="fgAcc0">
-    <dgm:fillClrLst meth="repeat">
-      <a:schemeClr val="lt1">
-        <a:alpha val="90000"/>
-      </a:schemeClr>
-    </dgm:fillClrLst>
-    <dgm:linClrLst>
-      <a:schemeClr val="accent1"/>
-    </dgm:linClrLst>
-    <dgm:effectClrLst/>
-    <dgm:txLinClrLst/>
-    <dgm:txFillClrLst meth="repeat">
-      <a:schemeClr val="dk1"/>
-    </dgm:txFillClrLst>
-    <dgm:txEffectClrLst/>
-  </dgm:styleLbl>
-  <dgm:styleLbl name="fgAcc2">
-    <dgm:fillClrLst meth="repeat">
-      <a:schemeClr val="lt1">
-        <a:alpha val="90000"/>
-      </a:schemeClr>
-    </dgm:fillClrLst>
-    <dgm:linClrLst>
-      <a:schemeClr val="accent2"/>
-    </dgm:linClrLst>
-    <dgm:effectClrLst/>
-    <dgm:txLinClrLst/>
-    <dgm:txFillClrLst meth="repeat">
-      <a:schemeClr val="dk1"/>
-    </dgm:txFillClrLst>
-    <dgm:txEffectClrLst/>
-  </dgm:styleLbl>
-  <dgm:styleLbl name="fgAcc3">
-    <dgm:fillClrLst meth="repeat">
-      <a:schemeClr val="lt1">
-        <a:alpha val="90000"/>
-      </a:schemeClr>
-    </dgm:fillClrLst>
-    <dgm:linClrLst>
-      <a:schemeClr val="accent3"/>
-    </dgm:linClrLst>
-    <dgm:effectClrLst/>
-    <dgm:txLinClrLst/>
-    <dgm:txFillClrLst meth="repeat">
-      <a:schemeClr val="dk1"/>
-    </dgm:txFillClrLst>
-    <dgm:txEffectClrLst/>
-  </dgm:styleLbl>
-  <dgm:styleLbl name="fgAcc4">
-    <dgm:fillClrLst meth="repeat">
-      <a:schemeClr val="lt1">
-        <a:alpha val="90000"/>
-      </a:schemeClr>
-    </dgm:fillClrLst>
-    <dgm:linClrLst>
-      <a:schemeClr val="accent4"/>
-    </dgm:linClrLst>
-    <dgm:effectClrLst/>
-    <dgm:txLinClrLst/>
-    <dgm:txFillClrLst meth="repeat">
-      <a:schemeClr val="dk1"/>
-    </dgm:txFillClrLst>
-    <dgm:txEffectClrLst/>
-  </dgm:styleLbl>
-  <dgm:styleLbl name="bgShp">
-    <dgm:fillClrLst meth="repeat">
-      <a:schemeClr val="accent2">
-        <a:tint val="40000"/>
-      </a:schemeClr>
-    </dgm:fillClrLst>
-    <dgm:linClrLst meth="repeat">
-      <a:schemeClr val="dk1"/>
-    </dgm:linClrLst>
-    <dgm:effectClrLst/>
-    <dgm:txLinClrLst/>
-    <dgm:txFillClrLst meth="repeat">
-      <a:schemeClr val="dk1"/>
-    </dgm:txFillClrLst>
-    <dgm:txEffectClrLst/>
-  </dgm:styleLbl>
-  <dgm:styleLbl name="dkBgShp">
-    <dgm:fillClrLst meth="repeat">
-      <a:schemeClr val="accent2">
-        <a:shade val="90000"/>
-      </a:schemeClr>
-    </dgm:fillClrLst>
-    <dgm:linClrLst meth="repeat">
-      <a:schemeClr val="dk1"/>
-    </dgm:linClrLst>
-    <dgm:effectClrLst/>
-    <dgm:txLinClrLst/>
-    <dgm:txFillClrLst meth="repeat">
-      <a:schemeClr val="lt1"/>
-    </dgm:txFillClrLst>
-    <dgm:txEffectClrLst/>
-  </dgm:styleLbl>
-  <dgm:styleLbl name="trBgShp">
-    <dgm:fillClrLst meth="repeat">
-      <a:schemeClr val="accent1">
-        <a:tint val="50000"/>
-        <a:alpha val="40000"/>
-      </a:schemeClr>
-    </dgm:fillClrLst>
-    <dgm:linClrLst meth="repeat">
-      <a:schemeClr val="accent2"/>
-    </dgm:linClrLst>
-    <dgm:effectClrLst/>
-    <dgm:txLinClrLst/>
-    <dgm:txFillClrLst meth="repeat">
-      <a:schemeClr val="lt1"/>
-    </dgm:txFillClrLst>
-    <dgm:txEffectClrLst/>
-  </dgm:styleLbl>
-  <dgm:styleLbl name="fgShp">
-    <dgm:fillClrLst meth="repeat">
-      <a:schemeClr val="accent2">
-        <a:tint val="40000"/>
-      </a:schemeClr>
-    </dgm:fillClrLst>
-    <dgm:linClrLst meth="repeat">
-      <a:schemeClr val="lt1"/>
-    </dgm:linClrLst>
-    <dgm:effectClrLst/>
-    <dgm:txLinClrLst/>
-    <dgm:txFillClrLst meth="repeat">
-      <a:schemeClr val="dk1"/>
-    </dgm:txFillClrLst>
-    <dgm:txEffectClrLst/>
-  </dgm:styleLbl>
-  <dgm:styleLbl name="revTx">
-    <dgm:fillClrLst meth="repeat">
-      <a:schemeClr val="lt1">
-        <a:alpha val="0"/>
-      </a:schemeClr>
-    </dgm:fillClrLst>
-    <dgm:linClrLst meth="repeat">
-      <a:schemeClr val="dk1">
-        <a:alpha val="0"/>
-      </a:schemeClr>
-    </dgm:linClrLst>
-    <dgm:effectClrLst/>
-    <dgm:txLinClrLst/>
-    <dgm:txFillClrLst meth="repeat">
-      <a:schemeClr val="tx1"/>
-    </dgm:txFillClrLst>
-    <dgm:txEffectClrLst/>
-  </dgm:styleLbl>
-</dgm:colorsDef>
-</file>
-
-<file path=ppt/diagrams/data1.xml><?xml version="1.0" encoding="utf-8"?>
-<dgm:dataModel xmlns:dgm="http://schemas.openxmlformats.org/drawingml/2006/diagram" xmlns:a="http://schemas.openxmlformats.org/drawingml/2006/main">
-  <dgm:ptLst>
-    <dgm:pt modelId="{CD7942A0-B7D2-4B14-8FEA-55FC702F5BE7}" type="doc">
-      <dgm:prSet loTypeId="urn:microsoft.com/office/officeart/2005/8/layout/vProcess5" loCatId="process" qsTypeId="urn:microsoft.com/office/officeart/2005/8/quickstyle/simple4" qsCatId="simple" csTypeId="urn:microsoft.com/office/officeart/2005/8/colors/colorful1" csCatId="colorful" phldr="1"/>
-      <dgm:spPr/>
-      <dgm:t>
-        <a:bodyPr rtlCol="0"/>
-        <a:lstStyle/>
-        <a:p>
-          <a:pPr rtl="0"/>
-          <a:endParaRPr lang="en-US"/>
-        </a:p>
-      </dgm:t>
-    </dgm:pt>
-    <dgm:pt modelId="{095A5E99-E976-4550-8F80-53CC813F2F5A}">
-      <dgm:prSet phldrT="[Text]"/>
-      <dgm:spPr>
-        <a:gradFill rotWithShape="0">
-          <a:gsLst>
-            <a:gs pos="0">
-              <a:srgbClr val="703000"/>
-            </a:gs>
-            <a:gs pos="50000">
-              <a:srgbClr val="A44A00"/>
-            </a:gs>
-            <a:gs pos="70000">
-              <a:srgbClr val="BC5500"/>
-            </a:gs>
-            <a:gs pos="100000">
-              <a:srgbClr val="F26D00"/>
-            </a:gs>
-          </a:gsLst>
-        </a:gradFill>
-      </dgm:spPr>
-      <dgm:t>
-        <a:bodyPr rtlCol="0"/>
-        <a:lstStyle/>
-        <a:p>
-          <a:pPr rtl="0"/>
-          <a:r>
-            <a:rPr lang="fr-FR" noProof="0" dirty="0"/>
-            <a:t>Tâche 1</a:t>
-          </a:r>
-        </a:p>
-      </dgm:t>
-      <dgm:extLst>
-        <a:ext uri="{E40237B7-FDA0-4F09-8148-C483321AD2D9}">
-          <dgm14:cNvPr xmlns:dgm14="http://schemas.microsoft.com/office/drawing/2010/diagram" id="0" name="" descr="Staggered process showing 3 tasks arranged one below the other and two downward pointing arrows are used to indicate progression from first task to second task and second task to third task."/>
-        </a:ext>
-      </dgm:extLst>
-    </dgm:pt>
-    <dgm:pt modelId="{03339A0D-5DC0-4B29-8353-C5AEBFD4DE86}" type="parTrans" cxnId="{D1A4D8E6-F04E-4AB1-8D0C-63DC7AB1E81F}">
-      <dgm:prSet/>
-      <dgm:spPr/>
-      <dgm:t>
-        <a:bodyPr rtlCol="0"/>
-        <a:lstStyle/>
-        <a:p>
-          <a:pPr rtl="0"/>
-          <a:endParaRPr lang="en-US"/>
-        </a:p>
-      </dgm:t>
-    </dgm:pt>
-    <dgm:pt modelId="{8877691F-1B60-4485-9174-DDEC7EE68B70}" type="sibTrans" cxnId="{D1A4D8E6-F04E-4AB1-8D0C-63DC7AB1E81F}">
-      <dgm:prSet/>
-      <dgm:spPr/>
-      <dgm:t>
-        <a:bodyPr rtlCol="0"/>
-        <a:lstStyle/>
-        <a:p>
-          <a:pPr rtl="0"/>
-          <a:endParaRPr lang="en-US"/>
-        </a:p>
-      </dgm:t>
-    </dgm:pt>
-    <dgm:pt modelId="{8EC937D8-BD76-4A12-A3E5-900D5C1E2E05}">
-      <dgm:prSet phldrT="[Text]"/>
-      <dgm:spPr/>
-      <dgm:t>
-        <a:bodyPr rtlCol="0"/>
-        <a:lstStyle/>
-        <a:p>
-          <a:pPr rtl="0"/>
-          <a:r>
-            <a:rPr lang="fr-FR" noProof="0" dirty="0"/>
-            <a:t>Tâche 2</a:t>
-          </a:r>
-        </a:p>
-      </dgm:t>
-    </dgm:pt>
-    <dgm:pt modelId="{8265EE85-9851-494E-A6D3-1CDACE947DF3}" type="parTrans" cxnId="{43DC8383-AEE5-490C-A8E5-1F216F2B8FE6}">
-      <dgm:prSet/>
-      <dgm:spPr/>
-      <dgm:t>
-        <a:bodyPr rtlCol="0"/>
-        <a:lstStyle/>
-        <a:p>
-          <a:pPr rtl="0"/>
-          <a:endParaRPr lang="en-US"/>
-        </a:p>
-      </dgm:t>
-    </dgm:pt>
-    <dgm:pt modelId="{B3EFD4A5-9FA1-4ABE-B722-05162509509B}" type="sibTrans" cxnId="{43DC8383-AEE5-490C-A8E5-1F216F2B8FE6}">
-      <dgm:prSet/>
-      <dgm:spPr/>
-      <dgm:t>
-        <a:bodyPr rtlCol="0"/>
-        <a:lstStyle/>
-        <a:p>
-          <a:pPr rtl="0"/>
-          <a:endParaRPr lang="en-US"/>
-        </a:p>
-      </dgm:t>
-    </dgm:pt>
-    <dgm:pt modelId="{7133ECF5-4190-4604-AA2F-03C9A0A9210F}">
-      <dgm:prSet phldrT="[Text]"/>
-      <dgm:spPr>
-        <a:gradFill rotWithShape="0">
-          <a:gsLst>
-            <a:gs pos="0">
-              <a:srgbClr val="394404"/>
-            </a:gs>
-            <a:gs pos="50000">
-              <a:srgbClr val="5F6F0F"/>
-            </a:gs>
-            <a:gs pos="70000">
-              <a:srgbClr val="65741A"/>
-            </a:gs>
-            <a:gs pos="100000">
-              <a:schemeClr val="accent4">
-                <a:hueOff val="0"/>
-                <a:satOff val="0"/>
-                <a:lumOff val="0"/>
-                <a:alphaOff val="0"/>
-                <a:tint val="100000"/>
-                <a:shade val="100000"/>
-                <a:satMod val="155000"/>
-              </a:schemeClr>
-            </a:gs>
-          </a:gsLst>
-        </a:gradFill>
-      </dgm:spPr>
-      <dgm:t>
-        <a:bodyPr rtlCol="0"/>
-        <a:lstStyle/>
-        <a:p>
-          <a:pPr rtl="0"/>
-          <a:r>
-            <a:rPr lang="fr-FR" noProof="0" dirty="0"/>
-            <a:t>Tâche 3</a:t>
-          </a:r>
-        </a:p>
-      </dgm:t>
-      <dgm:extLst>
-        <a:ext uri="{E40237B7-FDA0-4F09-8148-C483321AD2D9}">
-          <dgm14:cNvPr xmlns:dgm14="http://schemas.microsoft.com/office/drawing/2010/diagram" id="0" name="" descr="Staggered process showing 3 tasks arranged one below the other and two downward pointing arrows are used to indicate progression from first task to second task and second task to third task."/>
-        </a:ext>
-      </dgm:extLst>
-    </dgm:pt>
-    <dgm:pt modelId="{7D1B29D7-21DD-436A-8F7C-E87DE53C1431}" type="parTrans" cxnId="{011A9761-E983-4C7D-AB1D-2038261D8FF8}">
-      <dgm:prSet/>
-      <dgm:spPr/>
-      <dgm:t>
-        <a:bodyPr rtlCol="0"/>
-        <a:lstStyle/>
-        <a:p>
-          <a:pPr rtl="0"/>
-          <a:endParaRPr lang="en-US"/>
-        </a:p>
-      </dgm:t>
-    </dgm:pt>
-    <dgm:pt modelId="{46037378-034A-4662-877A-B53E1DA069A3}" type="sibTrans" cxnId="{011A9761-E983-4C7D-AB1D-2038261D8FF8}">
-      <dgm:prSet/>
-      <dgm:spPr/>
-      <dgm:t>
-        <a:bodyPr rtlCol="0"/>
-        <a:lstStyle/>
-        <a:p>
-          <a:pPr rtl="0"/>
-          <a:endParaRPr lang="en-US"/>
-        </a:p>
-      </dgm:t>
-    </dgm:pt>
-    <dgm:pt modelId="{1D84D8B6-AB32-4491-B5D2-EFE3D7668B88}" type="pres">
-      <dgm:prSet presAssocID="{CD7942A0-B7D2-4B14-8FEA-55FC702F5BE7}" presName="outerComposite" presStyleCnt="0">
-        <dgm:presLayoutVars>
-          <dgm:chMax val="5"/>
-          <dgm:dir/>
-          <dgm:resizeHandles val="exact"/>
-        </dgm:presLayoutVars>
-      </dgm:prSet>
-      <dgm:spPr/>
-    </dgm:pt>
-    <dgm:pt modelId="{3E0E8213-E460-4EB7-9A92-C2B1CC553F0D}" type="pres">
-      <dgm:prSet presAssocID="{CD7942A0-B7D2-4B14-8FEA-55FC702F5BE7}" presName="dummyMaxCanvas" presStyleCnt="0">
-        <dgm:presLayoutVars/>
-      </dgm:prSet>
-      <dgm:spPr/>
-    </dgm:pt>
-    <dgm:pt modelId="{124EF20B-D98C-45B2-BB13-7B93B5373CEB}" type="pres">
-      <dgm:prSet presAssocID="{CD7942A0-B7D2-4B14-8FEA-55FC702F5BE7}" presName="ThreeNodes_1" presStyleLbl="node1" presStyleIdx="0" presStyleCnt="3">
-        <dgm:presLayoutVars>
-          <dgm:bulletEnabled val="1"/>
-        </dgm:presLayoutVars>
-      </dgm:prSet>
-      <dgm:spPr/>
-    </dgm:pt>
-    <dgm:pt modelId="{CA544AF7-F7B2-4CA5-9251-B4CDB8D06634}" type="pres">
-      <dgm:prSet presAssocID="{CD7942A0-B7D2-4B14-8FEA-55FC702F5BE7}" presName="ThreeNodes_2" presStyleLbl="node1" presStyleIdx="1" presStyleCnt="3">
-        <dgm:presLayoutVars>
-          <dgm:bulletEnabled val="1"/>
-        </dgm:presLayoutVars>
-      </dgm:prSet>
-      <dgm:spPr/>
-    </dgm:pt>
-    <dgm:pt modelId="{2AE92D3F-F0FA-45DD-BB60-4C6FBC6BC016}" type="pres">
-      <dgm:prSet presAssocID="{CD7942A0-B7D2-4B14-8FEA-55FC702F5BE7}" presName="ThreeNodes_3" presStyleLbl="node1" presStyleIdx="2" presStyleCnt="3">
-        <dgm:presLayoutVars>
-          <dgm:bulletEnabled val="1"/>
-        </dgm:presLayoutVars>
-      </dgm:prSet>
-      <dgm:spPr/>
-    </dgm:pt>
-    <dgm:pt modelId="{9CA877D8-99F8-40A0-89E9-59A61C9A70F4}" type="pres">
-      <dgm:prSet presAssocID="{CD7942A0-B7D2-4B14-8FEA-55FC702F5BE7}" presName="ThreeConn_1-2" presStyleLbl="fgAccFollowNode1" presStyleIdx="0" presStyleCnt="2">
-        <dgm:presLayoutVars>
-          <dgm:bulletEnabled val="1"/>
-        </dgm:presLayoutVars>
-      </dgm:prSet>
-      <dgm:spPr/>
-    </dgm:pt>
-    <dgm:pt modelId="{62643EF2-016C-41F1-8CBC-398422A85727}" type="pres">
-      <dgm:prSet presAssocID="{CD7942A0-B7D2-4B14-8FEA-55FC702F5BE7}" presName="ThreeConn_2-3" presStyleLbl="fgAccFollowNode1" presStyleIdx="1" presStyleCnt="2">
-        <dgm:presLayoutVars>
-          <dgm:bulletEnabled val="1"/>
-        </dgm:presLayoutVars>
-      </dgm:prSet>
-      <dgm:spPr/>
-    </dgm:pt>
-    <dgm:pt modelId="{7A2F6994-DA87-4497-BFC7-DD9D6EC5315F}" type="pres">
-      <dgm:prSet presAssocID="{CD7942A0-B7D2-4B14-8FEA-55FC702F5BE7}" presName="ThreeNodes_1_text" presStyleLbl="node1" presStyleIdx="2" presStyleCnt="3">
-        <dgm:presLayoutVars>
-          <dgm:bulletEnabled val="1"/>
-        </dgm:presLayoutVars>
-      </dgm:prSet>
-      <dgm:spPr/>
-    </dgm:pt>
-    <dgm:pt modelId="{916C48CB-E452-4B79-A9B9-4C9A90B47960}" type="pres">
-      <dgm:prSet presAssocID="{CD7942A0-B7D2-4B14-8FEA-55FC702F5BE7}" presName="ThreeNodes_2_text" presStyleLbl="node1" presStyleIdx="2" presStyleCnt="3">
-        <dgm:presLayoutVars>
-          <dgm:bulletEnabled val="1"/>
-        </dgm:presLayoutVars>
-      </dgm:prSet>
-      <dgm:spPr/>
-    </dgm:pt>
-    <dgm:pt modelId="{A31D264E-E285-4E5C-8EB7-762CD501BE72}" type="pres">
-      <dgm:prSet presAssocID="{CD7942A0-B7D2-4B14-8FEA-55FC702F5BE7}" presName="ThreeNodes_3_text" presStyleLbl="node1" presStyleIdx="2" presStyleCnt="3">
-        <dgm:presLayoutVars>
-          <dgm:bulletEnabled val="1"/>
-        </dgm:presLayoutVars>
-      </dgm:prSet>
-      <dgm:spPr/>
-    </dgm:pt>
-  </dgm:ptLst>
-  <dgm:cxnLst>
-    <dgm:cxn modelId="{5A89A138-BC1A-490F-935E-2EC3F74E8E18}" type="presOf" srcId="{7133ECF5-4190-4604-AA2F-03C9A0A9210F}" destId="{2AE92D3F-F0FA-45DD-BB60-4C6FBC6BC016}" srcOrd="0" destOrd="0" presId="urn:microsoft.com/office/officeart/2005/8/layout/vProcess5"/>
-    <dgm:cxn modelId="{011A9761-E983-4C7D-AB1D-2038261D8FF8}" srcId="{CD7942A0-B7D2-4B14-8FEA-55FC702F5BE7}" destId="{7133ECF5-4190-4604-AA2F-03C9A0A9210F}" srcOrd="2" destOrd="0" parTransId="{7D1B29D7-21DD-436A-8F7C-E87DE53C1431}" sibTransId="{46037378-034A-4662-877A-B53E1DA069A3}"/>
-    <dgm:cxn modelId="{8A063A46-8F8D-405A-B2D6-6495FA638F46}" type="presOf" srcId="{8EC937D8-BD76-4A12-A3E5-900D5C1E2E05}" destId="{CA544AF7-F7B2-4CA5-9251-B4CDB8D06634}" srcOrd="0" destOrd="0" presId="urn:microsoft.com/office/officeart/2005/8/layout/vProcess5"/>
-    <dgm:cxn modelId="{A071614A-8A85-47B2-A113-0652CAB9B428}" type="presOf" srcId="{095A5E99-E976-4550-8F80-53CC813F2F5A}" destId="{124EF20B-D98C-45B2-BB13-7B93B5373CEB}" srcOrd="0" destOrd="0" presId="urn:microsoft.com/office/officeart/2005/8/layout/vProcess5"/>
-    <dgm:cxn modelId="{43DC8383-AEE5-490C-A8E5-1F216F2B8FE6}" srcId="{CD7942A0-B7D2-4B14-8FEA-55FC702F5BE7}" destId="{8EC937D8-BD76-4A12-A3E5-900D5C1E2E05}" srcOrd="1" destOrd="0" parTransId="{8265EE85-9851-494E-A6D3-1CDACE947DF3}" sibTransId="{B3EFD4A5-9FA1-4ABE-B722-05162509509B}"/>
-    <dgm:cxn modelId="{03E7038C-2CC0-496B-88A0-60396CDC31E4}" type="presOf" srcId="{7133ECF5-4190-4604-AA2F-03C9A0A9210F}" destId="{A31D264E-E285-4E5C-8EB7-762CD501BE72}" srcOrd="1" destOrd="0" presId="urn:microsoft.com/office/officeart/2005/8/layout/vProcess5"/>
-    <dgm:cxn modelId="{C2D0E194-BD14-4AD2-9E3A-CE984C34B6CD}" type="presOf" srcId="{CD7942A0-B7D2-4B14-8FEA-55FC702F5BE7}" destId="{1D84D8B6-AB32-4491-B5D2-EFE3D7668B88}" srcOrd="0" destOrd="0" presId="urn:microsoft.com/office/officeart/2005/8/layout/vProcess5"/>
-    <dgm:cxn modelId="{BB374C9D-646D-46E6-89B4-117F0E21BA34}" type="presOf" srcId="{8EC937D8-BD76-4A12-A3E5-900D5C1E2E05}" destId="{916C48CB-E452-4B79-A9B9-4C9A90B47960}" srcOrd="1" destOrd="0" presId="urn:microsoft.com/office/officeart/2005/8/layout/vProcess5"/>
-    <dgm:cxn modelId="{12FC7FDE-4033-4970-A683-61DE6FA84E89}" type="presOf" srcId="{8877691F-1B60-4485-9174-DDEC7EE68B70}" destId="{9CA877D8-99F8-40A0-89E9-59A61C9A70F4}" srcOrd="0" destOrd="0" presId="urn:microsoft.com/office/officeart/2005/8/layout/vProcess5"/>
-    <dgm:cxn modelId="{D1A4D8E6-F04E-4AB1-8D0C-63DC7AB1E81F}" srcId="{CD7942A0-B7D2-4B14-8FEA-55FC702F5BE7}" destId="{095A5E99-E976-4550-8F80-53CC813F2F5A}" srcOrd="0" destOrd="0" parTransId="{03339A0D-5DC0-4B29-8353-C5AEBFD4DE86}" sibTransId="{8877691F-1B60-4485-9174-DDEC7EE68B70}"/>
-    <dgm:cxn modelId="{7C007CEB-6418-4EA7-9CB6-5B93D0C655E6}" type="presOf" srcId="{095A5E99-E976-4550-8F80-53CC813F2F5A}" destId="{7A2F6994-DA87-4497-BFC7-DD9D6EC5315F}" srcOrd="1" destOrd="0" presId="urn:microsoft.com/office/officeart/2005/8/layout/vProcess5"/>
-    <dgm:cxn modelId="{6CF7D6F9-A5F2-48E3-AF5C-A2074559AE21}" type="presOf" srcId="{B3EFD4A5-9FA1-4ABE-B722-05162509509B}" destId="{62643EF2-016C-41F1-8CBC-398422A85727}" srcOrd="0" destOrd="0" presId="urn:microsoft.com/office/officeart/2005/8/layout/vProcess5"/>
-    <dgm:cxn modelId="{768DB908-A4BF-48A6-A740-5DD0CBAFBB11}" type="presParOf" srcId="{1D84D8B6-AB32-4491-B5D2-EFE3D7668B88}" destId="{3E0E8213-E460-4EB7-9A92-C2B1CC553F0D}" srcOrd="0" destOrd="0" presId="urn:microsoft.com/office/officeart/2005/8/layout/vProcess5"/>
-    <dgm:cxn modelId="{A8B17D3B-E670-4FE0-A845-244C702B8151}" type="presParOf" srcId="{1D84D8B6-AB32-4491-B5D2-EFE3D7668B88}" destId="{124EF20B-D98C-45B2-BB13-7B93B5373CEB}" srcOrd="1" destOrd="0" presId="urn:microsoft.com/office/officeart/2005/8/layout/vProcess5"/>
-    <dgm:cxn modelId="{1E8E2D8B-A980-4080-A16E-1F74528DE4D0}" type="presParOf" srcId="{1D84D8B6-AB32-4491-B5D2-EFE3D7668B88}" destId="{CA544AF7-F7B2-4CA5-9251-B4CDB8D06634}" srcOrd="2" destOrd="0" presId="urn:microsoft.com/office/officeart/2005/8/layout/vProcess5"/>
-    <dgm:cxn modelId="{7992440C-9F36-432D-90EE-E2A708CEB38B}" type="presParOf" srcId="{1D84D8B6-AB32-4491-B5D2-EFE3D7668B88}" destId="{2AE92D3F-F0FA-45DD-BB60-4C6FBC6BC016}" srcOrd="3" destOrd="0" presId="urn:microsoft.com/office/officeart/2005/8/layout/vProcess5"/>
-    <dgm:cxn modelId="{DBE883B8-7D13-43BA-A456-8DBB93D30C93}" type="presParOf" srcId="{1D84D8B6-AB32-4491-B5D2-EFE3D7668B88}" destId="{9CA877D8-99F8-40A0-89E9-59A61C9A70F4}" srcOrd="4" destOrd="0" presId="urn:microsoft.com/office/officeart/2005/8/layout/vProcess5"/>
-    <dgm:cxn modelId="{A3B9E6ED-FFD0-430E-B609-EBE8E75E7C44}" type="presParOf" srcId="{1D84D8B6-AB32-4491-B5D2-EFE3D7668B88}" destId="{62643EF2-016C-41F1-8CBC-398422A85727}" srcOrd="5" destOrd="0" presId="urn:microsoft.com/office/officeart/2005/8/layout/vProcess5"/>
-    <dgm:cxn modelId="{278FE748-9C54-4E36-9203-E948DB63C99A}" type="presParOf" srcId="{1D84D8B6-AB32-4491-B5D2-EFE3D7668B88}" destId="{7A2F6994-DA87-4497-BFC7-DD9D6EC5315F}" srcOrd="6" destOrd="0" presId="urn:microsoft.com/office/officeart/2005/8/layout/vProcess5"/>
-    <dgm:cxn modelId="{E81279B5-23BF-4F73-A353-8831FC04E9BC}" type="presParOf" srcId="{1D84D8B6-AB32-4491-B5D2-EFE3D7668B88}" destId="{916C48CB-E452-4B79-A9B9-4C9A90B47960}" srcOrd="7" destOrd="0" presId="urn:microsoft.com/office/officeart/2005/8/layout/vProcess5"/>
-    <dgm:cxn modelId="{16289EC3-0C51-4B32-B6CC-FE8F7F6F6C76}" type="presParOf" srcId="{1D84D8B6-AB32-4491-B5D2-EFE3D7668B88}" destId="{A31D264E-E285-4E5C-8EB7-762CD501BE72}" srcOrd="8" destOrd="0" presId="urn:microsoft.com/office/officeart/2005/8/layout/vProcess5"/>
-  </dgm:cxnLst>
-  <dgm:bg/>
-  <dgm:whole/>
-  <dgm:extLst>
-    <a:ext uri="http://schemas.microsoft.com/office/drawing/2008/diagram">
-      <dsp:dataModelExt xmlns:dsp="http://schemas.microsoft.com/office/drawing/2008/diagram" relId="rId7" minVer="http://schemas.openxmlformats.org/drawingml/2006/diagram"/>
-    </a:ext>
-  </dgm:extLst>
-</dgm:dataModel>
-</file>
-
-<file path=ppt/diagrams/drawing1.xml><?xml version="1.0" encoding="utf-8"?>
-<dsp:drawing xmlns:dgm="http://schemas.openxmlformats.org/drawingml/2006/diagram" xmlns:dsp="http://schemas.microsoft.com/office/drawing/2008/diagram" xmlns:a="http://schemas.openxmlformats.org/drawingml/2006/main">
-  <dsp:spTree>
-    <dsp:nvGrpSpPr>
-      <dsp:cNvPr id="0" name=""/>
-      <dsp:cNvGrpSpPr/>
-    </dsp:nvGrpSpPr>
-    <dsp:grpSpPr/>
-    <dsp:sp modelId="{124EF20B-D98C-45B2-BB13-7B93B5373CEB}">
-      <dsp:nvSpPr>
-        <dsp:cNvPr id="0" name=""/>
-        <dsp:cNvSpPr/>
-      </dsp:nvSpPr>
-      <dsp:spPr>
-        <a:xfrm>
-          <a:off x="0" y="0"/>
-          <a:ext cx="4316650" cy="1339691"/>
-        </a:xfrm>
-        <a:prstGeom prst="roundRect">
-          <a:avLst>
-            <a:gd name="adj" fmla="val 10000"/>
-          </a:avLst>
-        </a:prstGeom>
-        <a:gradFill rotWithShape="0">
-          <a:gsLst>
-            <a:gs pos="0">
-              <a:srgbClr val="703000"/>
-            </a:gs>
-            <a:gs pos="50000">
-              <a:srgbClr val="A44A00"/>
-            </a:gs>
-            <a:gs pos="70000">
-              <a:srgbClr val="BC5500"/>
-            </a:gs>
-            <a:gs pos="100000">
-              <a:srgbClr val="F26D00"/>
-            </a:gs>
-          </a:gsLst>
-          <a:lin ang="16200000" scaled="0"/>
-        </a:gradFill>
-        <a:ln>
-          <a:noFill/>
-        </a:ln>
-        <a:effectLst>
-          <a:outerShdw blurRad="38100" dist="25400" dir="2700000" algn="br" rotWithShape="0">
-            <a:srgbClr val="000000">
-              <a:alpha val="60000"/>
-            </a:srgbClr>
-          </a:outerShdw>
-        </a:effectLst>
-      </dsp:spPr>
-      <dsp:style>
-        <a:lnRef idx="0">
-          <a:scrgbClr r="0" g="0" b="0"/>
-        </a:lnRef>
-        <a:fillRef idx="3">
-          <a:scrgbClr r="0" g="0" b="0"/>
-        </a:fillRef>
-        <a:effectRef idx="2">
-          <a:scrgbClr r="0" g="0" b="0"/>
-        </a:effectRef>
-        <a:fontRef idx="minor">
-          <a:schemeClr val="lt1"/>
-        </a:fontRef>
-      </dsp:style>
-      <dsp:txBody>
-        <a:bodyPr spcFirstLastPara="0" vert="horz" wrap="square" lIns="220980" tIns="220980" rIns="220980" bIns="220980" numCol="1" spcCol="1270" rtlCol="0" anchor="ctr" anchorCtr="0">
-          <a:noAutofit/>
-        </a:bodyPr>
-        <a:lstStyle/>
-        <a:p>
-          <a:pPr marL="0" lvl="0" indent="0" algn="l" defTabSz="2578100" rtl="0">
-            <a:lnSpc>
-              <a:spcPct val="90000"/>
-            </a:lnSpc>
-            <a:spcBef>
-              <a:spcPct val="0"/>
-            </a:spcBef>
-            <a:spcAft>
-              <a:spcPct val="35000"/>
-            </a:spcAft>
-            <a:buNone/>
-          </a:pPr>
-          <a:r>
-            <a:rPr lang="fr-FR" sz="5800" kern="1200" noProof="0" dirty="0"/>
-            <a:t>Tâche 1</a:t>
-          </a:r>
-        </a:p>
-      </dsp:txBody>
-      <dsp:txXfrm>
-        <a:off x="39238" y="39238"/>
-        <a:ext cx="2871019" cy="1261215"/>
-      </dsp:txXfrm>
-    </dsp:sp>
-    <dsp:sp modelId="{CA544AF7-F7B2-4CA5-9251-B4CDB8D06634}">
-      <dsp:nvSpPr>
-        <dsp:cNvPr id="0" name=""/>
-        <dsp:cNvSpPr/>
-      </dsp:nvSpPr>
-      <dsp:spPr>
-        <a:xfrm>
-          <a:off x="380880" y="1562972"/>
-          <a:ext cx="4316650" cy="1339691"/>
-        </a:xfrm>
-        <a:prstGeom prst="roundRect">
-          <a:avLst>
-            <a:gd name="adj" fmla="val 10000"/>
-          </a:avLst>
-        </a:prstGeom>
-        <a:gradFill rotWithShape="0">
-          <a:gsLst>
-            <a:gs pos="0">
-              <a:schemeClr val="accent3">
-                <a:hueOff val="0"/>
-                <a:satOff val="0"/>
-                <a:lumOff val="0"/>
-                <a:alphaOff val="0"/>
-                <a:shade val="15000"/>
-                <a:satMod val="180000"/>
-              </a:schemeClr>
-            </a:gs>
-            <a:gs pos="50000">
-              <a:schemeClr val="accent3">
-                <a:hueOff val="0"/>
-                <a:satOff val="0"/>
-                <a:lumOff val="0"/>
-                <a:alphaOff val="0"/>
-                <a:shade val="45000"/>
-                <a:satMod val="170000"/>
-              </a:schemeClr>
-            </a:gs>
-            <a:gs pos="70000">
-              <a:schemeClr val="accent3">
-                <a:hueOff val="0"/>
-                <a:satOff val="0"/>
-                <a:lumOff val="0"/>
-                <a:alphaOff val="0"/>
-                <a:tint val="99000"/>
-                <a:shade val="65000"/>
-                <a:satMod val="155000"/>
-              </a:schemeClr>
-            </a:gs>
-            <a:gs pos="100000">
-              <a:schemeClr val="accent3">
-                <a:hueOff val="0"/>
-                <a:satOff val="0"/>
-                <a:lumOff val="0"/>
-                <a:alphaOff val="0"/>
-                <a:tint val="100000"/>
-                <a:shade val="100000"/>
-                <a:satMod val="155000"/>
-              </a:schemeClr>
-            </a:gs>
-          </a:gsLst>
-          <a:lin ang="16200000" scaled="0"/>
-        </a:gradFill>
-        <a:ln>
-          <a:noFill/>
-        </a:ln>
-        <a:effectLst>
-          <a:outerShdw blurRad="38100" dist="25400" dir="2700000" algn="br" rotWithShape="0">
-            <a:srgbClr val="000000">
-              <a:alpha val="60000"/>
-            </a:srgbClr>
-          </a:outerShdw>
-        </a:effectLst>
-      </dsp:spPr>
-      <dsp:style>
-        <a:lnRef idx="0">
-          <a:scrgbClr r="0" g="0" b="0"/>
-        </a:lnRef>
-        <a:fillRef idx="3">
-          <a:scrgbClr r="0" g="0" b="0"/>
-        </a:fillRef>
-        <a:effectRef idx="2">
-          <a:scrgbClr r="0" g="0" b="0"/>
-        </a:effectRef>
-        <a:fontRef idx="minor">
-          <a:schemeClr val="lt1"/>
-        </a:fontRef>
-      </dsp:style>
-      <dsp:txBody>
-        <a:bodyPr spcFirstLastPara="0" vert="horz" wrap="square" lIns="220980" tIns="220980" rIns="220980" bIns="220980" numCol="1" spcCol="1270" rtlCol="0" anchor="ctr" anchorCtr="0">
-          <a:noAutofit/>
-        </a:bodyPr>
-        <a:lstStyle/>
-        <a:p>
-          <a:pPr marL="0" lvl="0" indent="0" algn="l" defTabSz="2578100" rtl="0">
-            <a:lnSpc>
-              <a:spcPct val="90000"/>
-            </a:lnSpc>
-            <a:spcBef>
-              <a:spcPct val="0"/>
-            </a:spcBef>
-            <a:spcAft>
-              <a:spcPct val="35000"/>
-            </a:spcAft>
-            <a:buNone/>
-          </a:pPr>
-          <a:r>
-            <a:rPr lang="fr-FR" sz="5800" kern="1200" noProof="0" dirty="0"/>
-            <a:t>Tâche 2</a:t>
-          </a:r>
-        </a:p>
-      </dsp:txBody>
-      <dsp:txXfrm>
-        <a:off x="420118" y="1602210"/>
-        <a:ext cx="2986494" cy="1261215"/>
-      </dsp:txXfrm>
-    </dsp:sp>
-    <dsp:sp modelId="{2AE92D3F-F0FA-45DD-BB60-4C6FBC6BC016}">
-      <dsp:nvSpPr>
-        <dsp:cNvPr id="0" name=""/>
-        <dsp:cNvSpPr/>
-      </dsp:nvSpPr>
-      <dsp:spPr>
-        <a:xfrm>
-          <a:off x="761761" y="3125945"/>
-          <a:ext cx="4316650" cy="1339691"/>
-        </a:xfrm>
-        <a:prstGeom prst="roundRect">
-          <a:avLst>
-            <a:gd name="adj" fmla="val 10000"/>
-          </a:avLst>
-        </a:prstGeom>
-        <a:gradFill rotWithShape="0">
-          <a:gsLst>
-            <a:gs pos="0">
-              <a:srgbClr val="394404"/>
-            </a:gs>
-            <a:gs pos="50000">
-              <a:srgbClr val="5F6F0F"/>
-            </a:gs>
-            <a:gs pos="70000">
-              <a:srgbClr val="65741A"/>
-            </a:gs>
-            <a:gs pos="100000">
-              <a:schemeClr val="accent4">
-                <a:hueOff val="0"/>
-                <a:satOff val="0"/>
-                <a:lumOff val="0"/>
-                <a:alphaOff val="0"/>
-                <a:tint val="100000"/>
-                <a:shade val="100000"/>
-                <a:satMod val="155000"/>
-              </a:schemeClr>
-            </a:gs>
-          </a:gsLst>
-          <a:lin ang="16200000" scaled="0"/>
-        </a:gradFill>
-        <a:ln>
-          <a:noFill/>
-        </a:ln>
-        <a:effectLst>
-          <a:outerShdw blurRad="38100" dist="25400" dir="2700000" algn="br" rotWithShape="0">
-            <a:srgbClr val="000000">
-              <a:alpha val="60000"/>
-            </a:srgbClr>
-          </a:outerShdw>
-        </a:effectLst>
-      </dsp:spPr>
-      <dsp:style>
-        <a:lnRef idx="0">
-          <a:scrgbClr r="0" g="0" b="0"/>
-        </a:lnRef>
-        <a:fillRef idx="3">
-          <a:scrgbClr r="0" g="0" b="0"/>
-        </a:fillRef>
-        <a:effectRef idx="2">
-          <a:scrgbClr r="0" g="0" b="0"/>
-        </a:effectRef>
-        <a:fontRef idx="minor">
-          <a:schemeClr val="lt1"/>
-        </a:fontRef>
-      </dsp:style>
-      <dsp:txBody>
-        <a:bodyPr spcFirstLastPara="0" vert="horz" wrap="square" lIns="220980" tIns="220980" rIns="220980" bIns="220980" numCol="1" spcCol="1270" rtlCol="0" anchor="ctr" anchorCtr="0">
-          <a:noAutofit/>
-        </a:bodyPr>
-        <a:lstStyle/>
-        <a:p>
-          <a:pPr marL="0" lvl="0" indent="0" algn="l" defTabSz="2578100" rtl="0">
-            <a:lnSpc>
-              <a:spcPct val="90000"/>
-            </a:lnSpc>
-            <a:spcBef>
-              <a:spcPct val="0"/>
-            </a:spcBef>
-            <a:spcAft>
-              <a:spcPct val="35000"/>
-            </a:spcAft>
-            <a:buNone/>
-          </a:pPr>
-          <a:r>
-            <a:rPr lang="fr-FR" sz="5800" kern="1200" noProof="0" dirty="0"/>
-            <a:t>Tâche 3</a:t>
-          </a:r>
-        </a:p>
-      </dsp:txBody>
-      <dsp:txXfrm>
-        <a:off x="800999" y="3165183"/>
-        <a:ext cx="2986494" cy="1261215"/>
-      </dsp:txXfrm>
-    </dsp:sp>
-    <dsp:sp modelId="{9CA877D8-99F8-40A0-89E9-59A61C9A70F4}">
-      <dsp:nvSpPr>
-        <dsp:cNvPr id="0" name=""/>
-        <dsp:cNvSpPr/>
-      </dsp:nvSpPr>
-      <dsp:spPr>
-        <a:xfrm>
-          <a:off x="3445850" y="1015932"/>
-          <a:ext cx="870799" cy="870799"/>
-        </a:xfrm>
-        <a:prstGeom prst="downArrow">
-          <a:avLst>
-            <a:gd name="adj1" fmla="val 55000"/>
-            <a:gd name="adj2" fmla="val 45000"/>
-          </a:avLst>
-        </a:prstGeom>
-        <a:solidFill>
-          <a:schemeClr val="accent2">
-            <a:tint val="40000"/>
-            <a:alpha val="90000"/>
-            <a:hueOff val="0"/>
-            <a:satOff val="0"/>
-            <a:lumOff val="0"/>
-            <a:alphaOff val="0"/>
-          </a:schemeClr>
-        </a:solidFill>
-        <a:ln w="9525" cap="flat" cmpd="sng" algn="ctr">
-          <a:solidFill>
-            <a:schemeClr val="accent2">
-              <a:tint val="40000"/>
-              <a:alpha val="90000"/>
-              <a:hueOff val="0"/>
-              <a:satOff val="0"/>
-              <a:lumOff val="0"/>
-              <a:alphaOff val="0"/>
-            </a:schemeClr>
-          </a:solidFill>
-          <a:miter lim="800000"/>
-        </a:ln>
-        <a:effectLst/>
-      </dsp:spPr>
-      <dsp:style>
-        <a:lnRef idx="1">
-          <a:scrgbClr r="0" g="0" b="0"/>
-        </a:lnRef>
-        <a:fillRef idx="1">
-          <a:scrgbClr r="0" g="0" b="0"/>
-        </a:fillRef>
-        <a:effectRef idx="0">
-          <a:scrgbClr r="0" g="0" b="0"/>
-        </a:effectRef>
-        <a:fontRef idx="minor"/>
-      </dsp:style>
-      <dsp:txBody>
-        <a:bodyPr spcFirstLastPara="0" vert="horz" wrap="square" lIns="45720" tIns="45720" rIns="45720" bIns="45720" numCol="1" spcCol="1270" rtlCol="0" anchor="ctr" anchorCtr="0">
-          <a:noAutofit/>
-        </a:bodyPr>
-        <a:lstStyle/>
-        <a:p>
-          <a:pPr marL="0" lvl="0" indent="0" algn="ctr" defTabSz="1600200" rtl="0">
-            <a:lnSpc>
-              <a:spcPct val="90000"/>
-            </a:lnSpc>
-            <a:spcBef>
-              <a:spcPct val="0"/>
-            </a:spcBef>
-            <a:spcAft>
-              <a:spcPct val="35000"/>
-            </a:spcAft>
-            <a:buNone/>
-          </a:pPr>
-          <a:endParaRPr lang="en-US" sz="3600" kern="1200"/>
-        </a:p>
-      </dsp:txBody>
-      <dsp:txXfrm>
-        <a:off x="3641780" y="1015932"/>
-        <a:ext cx="478939" cy="655276"/>
-      </dsp:txXfrm>
-    </dsp:sp>
-    <dsp:sp modelId="{62643EF2-016C-41F1-8CBC-398422A85727}">
-      <dsp:nvSpPr>
-        <dsp:cNvPr id="0" name=""/>
-        <dsp:cNvSpPr/>
-      </dsp:nvSpPr>
-      <dsp:spPr>
-        <a:xfrm>
-          <a:off x="3826731" y="2569974"/>
-          <a:ext cx="870799" cy="870799"/>
-        </a:xfrm>
-        <a:prstGeom prst="downArrow">
-          <a:avLst>
-            <a:gd name="adj1" fmla="val 55000"/>
-            <a:gd name="adj2" fmla="val 45000"/>
-          </a:avLst>
-        </a:prstGeom>
-        <a:solidFill>
-          <a:schemeClr val="accent3">
-            <a:tint val="40000"/>
-            <a:alpha val="90000"/>
-            <a:hueOff val="0"/>
-            <a:satOff val="0"/>
-            <a:lumOff val="0"/>
-            <a:alphaOff val="0"/>
-          </a:schemeClr>
-        </a:solidFill>
-        <a:ln w="9525" cap="flat" cmpd="sng" algn="ctr">
-          <a:solidFill>
-            <a:schemeClr val="accent3">
-              <a:tint val="40000"/>
-              <a:alpha val="90000"/>
-              <a:hueOff val="0"/>
-              <a:satOff val="0"/>
-              <a:lumOff val="0"/>
-              <a:alphaOff val="0"/>
-            </a:schemeClr>
-          </a:solidFill>
-          <a:miter lim="800000"/>
-        </a:ln>
-        <a:effectLst/>
-      </dsp:spPr>
-      <dsp:style>
-        <a:lnRef idx="1">
-          <a:scrgbClr r="0" g="0" b="0"/>
-        </a:lnRef>
-        <a:fillRef idx="1">
-          <a:scrgbClr r="0" g="0" b="0"/>
-        </a:fillRef>
-        <a:effectRef idx="0">
-          <a:scrgbClr r="0" g="0" b="0"/>
-        </a:effectRef>
-        <a:fontRef idx="minor"/>
-      </dsp:style>
-      <dsp:txBody>
-        <a:bodyPr spcFirstLastPara="0" vert="horz" wrap="square" lIns="45720" tIns="45720" rIns="45720" bIns="45720" numCol="1" spcCol="1270" rtlCol="0" anchor="ctr" anchorCtr="0">
-          <a:noAutofit/>
-        </a:bodyPr>
-        <a:lstStyle/>
-        <a:p>
-          <a:pPr marL="0" lvl="0" indent="0" algn="ctr" defTabSz="1600200" rtl="0">
-            <a:lnSpc>
-              <a:spcPct val="90000"/>
-            </a:lnSpc>
-            <a:spcBef>
-              <a:spcPct val="0"/>
-            </a:spcBef>
-            <a:spcAft>
-              <a:spcPct val="35000"/>
-            </a:spcAft>
-            <a:buNone/>
-          </a:pPr>
-          <a:endParaRPr lang="en-US" sz="3600" kern="1200"/>
-        </a:p>
-      </dsp:txBody>
-      <dsp:txXfrm>
-        <a:off x="4022661" y="2569974"/>
-        <a:ext cx="478939" cy="655276"/>
-      </dsp:txXfrm>
-    </dsp:sp>
-  </dsp:spTree>
-</dsp:drawing>
-</file>
-
-<file path=ppt/diagrams/layout1.xml><?xml version="1.0" encoding="utf-8"?>
-<dgm:layoutDef xmlns:dgm="http://schemas.openxmlformats.org/drawingml/2006/diagram" xmlns:a="http://schemas.openxmlformats.org/drawingml/2006/main" uniqueId="urn:microsoft.com/office/officeart/2005/8/layout/vProcess5">
-  <dgm:title val=""/>
-  <dgm:desc val=""/>
-  <dgm:catLst>
-    <dgm:cat type="process" pri="14000"/>
-  </dgm:catLst>
-  <dgm:sampData>
-    <dgm:dataModel>
-      <dgm:ptLst>
-        <dgm:pt modelId="0" type="doc"/>
-        <dgm:pt modelId="1">
-          <dgm:prSet phldr="1"/>
-        </dgm:pt>
-        <dgm:pt modelId="2">
-          <dgm:prSet phldr="1"/>
-        </dgm:pt>
-        <dgm:pt modelId="3">
-          <dgm:prSet phldr="1"/>
-        </dgm:pt>
-      </dgm:ptLst>
-      <dgm:cxnLst>
-        <dgm:cxn modelId="5" srcId="0" destId="1" srcOrd="0" destOrd="0"/>
-        <dgm:cxn modelId="6" srcId="0" destId="2" srcOrd="1" destOrd="0"/>
-        <dgm:cxn modelId="7" srcId="0" destId="3" srcOrd="2" destOrd="0"/>
-      </dgm:cxnLst>
-      <dgm:bg/>
-      <dgm:whole/>
-    </dgm:dataModel>
-  </dgm:sampData>
-  <dgm:styleData>
-    <dgm:dataModel>
-      <dgm:ptLst>
-        <dgm:pt modelId="0" type="doc"/>
-        <dgm:pt modelId="1"/>
-        <dgm:pt modelId="2"/>
-      </dgm:ptLst>
-      <dgm:cxnLst>
-        <dgm:cxn modelId="3" srcId="0" destId="1" srcOrd="0" destOrd="0"/>
-        <dgm:cxn modelId="4" srcId="0" destId="2" srcOrd="1" destOrd="0"/>
-      </dgm:cxnLst>
-      <dgm:bg/>
-      <dgm:whole/>
-    </dgm:dataModel>
-  </dgm:styleData>
-  <dgm:clrData>
-    <dgm:dataModel>
-      <dgm:ptLst>
-        <dgm:pt modelId="0" type="doc"/>
-        <dgm:pt modelId="1"/>
-        <dgm:pt modelId="2"/>
-        <dgm:pt modelId="3"/>
-        <dgm:pt modelId="4"/>
-      </dgm:ptLst>
-      <dgm:cxnLst>
-        <dgm:cxn modelId="6" srcId="0" destId="1" srcOrd="0" destOrd="0"/>
-        <dgm:cxn modelId="7" srcId="0" destId="2" srcOrd="1" destOrd="0"/>
-        <dgm:cxn modelId="8" srcId="0" destId="3" srcOrd="2" destOrd="0"/>
-        <dgm:cxn modelId="9" srcId="0" destId="4" srcOrd="3" destOrd="0"/>
-      </dgm:cxnLst>
-      <dgm:bg/>
-      <dgm:whole/>
-    </dgm:dataModel>
-  </dgm:clrData>
-  <dgm:layoutNode name="outerComposite">
-    <dgm:varLst>
-      <dgm:chMax val="5"/>
-      <dgm:dir/>
-      <dgm:resizeHandles val="exact"/>
-    </dgm:varLst>
-    <dgm:alg type="composite"/>
-    <dgm:shape xmlns:r="http://schemas.openxmlformats.org/officeDocument/2006/relationships" r:blip="">
-      <dgm:adjLst/>
-    </dgm:shape>
-    <dgm:presOf/>
-    <dgm:choose name="Name0">
-      <dgm:if name="Name1" func="var" arg="dir" op="equ" val="norm">
-        <dgm:constrLst>
-          <dgm:constr type="primFontSz" for="ch" ptType="node" op="equ" val="65"/>
-          <dgm:constr type="w" for="ch" forName="dummyMaxCanvas" refType="w"/>
-          <dgm:constr type="h" for="ch" forName="dummyMaxCanvas" refType="h"/>
-          <dgm:constr type="w" for="ch" forName="OneNode_1" refType="w"/>
-          <dgm:constr type="h" for="ch" forName="OneNode_1" refType="h" fact="0.5"/>
-          <dgm:constr type="ctrY" for="ch" forName="OneNode_1" refType="h" fact="0.5"/>
-          <dgm:constr type="w" for="ch" forName="TwoNodes_1" refType="w" fact="0.85"/>
-          <dgm:constr type="h" for="ch" forName="TwoNodes_1" refType="h" fact="0.45"/>
-          <dgm:constr type="t" for="ch" forName="TwoNodes_1"/>
-          <dgm:constr type="l" for="ch" forName="TwoNodes_1"/>
-          <dgm:constr type="w" for="ch" forName="TwoNodes_2" refType="w" fact="0.85"/>
-          <dgm:constr type="h" for="ch" forName="TwoNodes_2" refType="h" fact="0.45"/>
-          <dgm:constr type="b" for="ch" forName="TwoNodes_2" refType="h"/>
-          <dgm:constr type="r" for="ch" forName="TwoNodes_2" refType="w"/>
-          <dgm:constr type="w" for="ch" forName="TwoConn_1-2" refType="h" refFor="ch" refForName="TwoNodes_1" fact="0.65"/>
-          <dgm:constr type="h" for="ch" forName="TwoConn_1-2" refType="h" refFor="ch" refForName="TwoNodes_1" fact="0.65"/>
-          <dgm:constr type="ctrY" for="ch" forName="TwoConn_1-2" refType="h" fact="0.5"/>
-          <dgm:constr type="r" for="ch" forName="TwoConn_1-2" refType="r" refFor="ch" refForName="TwoNodes_1"/>
-          <dgm:constr type="r" for="ch" forName="TwoNodes_1_text" refType="l" refFor="ch" refForName="TwoConn_1-2"/>
-          <dgm:constr type="rOff" for="ch" forName="TwoNodes_1_text" refType="w" refFor="ch" refForName="TwoConn_1-2" fact="-0.5"/>
-          <dgm:constr type="t" for="ch" forName="TwoNodes_1_text" refType="t" refFor="ch" refForName="TwoNodes_1"/>
-          <dgm:constr type="b" for="ch" forName="TwoNodes_1_text" refType="b" refFor="ch" refForName="TwoNodes_1"/>
-          <dgm:constr type="l" for="ch" forName="TwoNodes_1_text" refType="l" refFor="ch" refForName="TwoNodes_1"/>
-          <dgm:constr type="r" for="ch" forName="TwoNodes_2_text" refType="l" refFor="ch" refForName="TwoConn_1-2"/>
-          <dgm:constr type="t" for="ch" forName="TwoNodes_2_text" refType="t" refFor="ch" refForName="TwoNodes_2"/>
-          <dgm:constr type="b" for="ch" forName="TwoNodes_2_text" refType="b" refFor="ch" refForName="TwoNodes_2"/>
-          <dgm:constr type="l" for="ch" forName="TwoNodes_2_text" refType="l" refFor="ch" refForName="TwoNodes_2"/>
-          <dgm:constr type="w" for="ch" forName="ThreeNodes_1" refType="w" fact="0.85"/>
-          <dgm:constr type="h" for="ch" forName="ThreeNodes_1" refType="h" fact="0.3"/>
-          <dgm:constr type="t" for="ch" forName="ThreeNodes_1"/>
-          <dgm:constr type="l" for="ch" forName="ThreeNodes_1"/>
-          <dgm:constr type="w" for="ch" forName="ThreeNodes_2" refType="w" fact="0.85"/>
-          <dgm:constr type="h" for="ch" forName="ThreeNodes_2" refType="h" fact="0.3"/>
-          <dgm:constr type="ctrY" for="ch" forName="ThreeNodes_2" refType="h" fact="0.5"/>
-          <dgm:constr type="ctrX" for="ch" forName="ThreeNodes_2" refType="w" fact="0.5"/>
-          <dgm:constr type="w" for="ch" forName="ThreeNodes_3" refType="w" fact="0.85"/>
-          <dgm:constr type="h" for="ch" forName="ThreeNodes_3" refType="h" fact="0.3"/>
-          <dgm:constr type="b" for="ch" forName="ThreeNodes_3" refType="h"/>
-          <dgm:constr type="r" for="ch" forName="ThreeNodes_3" refType="w"/>
-          <dgm:constr type="w" for="ch" forName="ThreeConn_1-2" refType="h" refFor="ch" refForName="ThreeNodes_1" fact="0.65"/>
-          <dgm:constr type="h" for="ch" forName="ThreeConn_1-2" refType="h" refFor="ch" refForName="ThreeNodes_1" fact="0.65"/>
-          <dgm:constr type="ctrY" for="ch" forName="ThreeConn_1-2" refType="h" fact="0.325"/>
-          <dgm:constr type="r" for="ch" forName="ThreeConn_1-2" refType="r" refFor="ch" refForName="ThreeNodes_1"/>
-          <dgm:constr type="w" for="ch" forName="ThreeConn_2-3" refType="h" refFor="ch" refForName="ThreeNodes_2" fact="0.65"/>
-          <dgm:constr type="h" for="ch" forName="ThreeConn_2-3" refType="h" refFor="ch" refForName="ThreeNodes_2" fact="0.65"/>
-          <dgm:constr type="ctrY" for="ch" forName="ThreeConn_2-3" refType="h" fact="0.673"/>
-          <dgm:constr type="r" for="ch" forName="ThreeConn_2-3" refType="r" refFor="ch" refForName="ThreeNodes_2"/>
-          <dgm:constr type="r" for="ch" forName="ThreeNodes_1_text" refType="l" refFor="ch" refForName="ThreeConn_1-2"/>
-          <dgm:constr type="rOff" for="ch" forName="ThreeNodes_1_text" refType="w" refFor="ch" refForName="ThreeConn_1-2" fact="-0.57"/>
-          <dgm:constr type="t" for="ch" forName="ThreeNodes_1_text" refType="t" refFor="ch" refForName="ThreeNodes_1"/>
-          <dgm:constr type="b" for="ch" forName="ThreeNodes_1_text" refType="b" refFor="ch" refForName="ThreeNodes_1"/>
-          <dgm:constr type="l" for="ch" forName="ThreeNodes_1_text" refType="l" refFor="ch" refForName="ThreeNodes_1"/>
-          <dgm:constr type="r" for="ch" forName="ThreeNodes_2_text" refType="l" refFor="ch" refForName="ThreeConn_1-2"/>
-          <dgm:constr type="t" for="ch" forName="ThreeNodes_2_text" refType="t" refFor="ch" refForName="ThreeNodes_2"/>
-          <dgm:constr type="b" for="ch" forName="ThreeNodes_2_text" refType="b" refFor="ch" refForName="ThreeNodes_2"/>
-          <dgm:constr type="l" for="ch" forName="ThreeNodes_2_text" refType="l" refFor="ch" refForName="ThreeNodes_2"/>
-          <dgm:constr type="r" for="ch" forName="ThreeNodes_3_text" refType="l" refFor="ch" refForName="ThreeConn_2-3"/>
-          <dgm:constr type="t" for="ch" forName="ThreeNodes_3_text" refType="t" refFor="ch" refForName="ThreeNodes_3"/>
-          <dgm:constr type="b" for="ch" forName="ThreeNodes_3_text" refType="b" refFor="ch" refForName="ThreeNodes_3"/>
-          <dgm:constr type="l" for="ch" forName="ThreeNodes_3_text" refType="l" refFor="ch" refForName="ThreeNodes_3"/>
-          <dgm:constr type="w" for="ch" forName="FourNodes_1" refType="w" fact="0.8"/>
-          <dgm:constr type="h" for="ch" forName="FourNodes_1" refType="h" fact="0.22"/>
-          <dgm:constr type="t" for="ch" forName="FourNodes_1"/>
-          <dgm:constr type="l" for="ch" forName="FourNodes_1"/>
-          <dgm:constr type="w" for="ch" forName="FourNodes_2" refType="w" fact="0.8"/>
-          <dgm:constr type="h" for="ch" forName="FourNodes_2" refType="h" fact="0.22"/>
-          <dgm:constr type="ctrY" for="ch" forName="FourNodes_2" refType="h" fact="0.37"/>
-          <dgm:constr type="ctrX" for="ch" forName="FourNodes_2" refType="w" fact="0.467"/>
-          <dgm:constr type="w" for="ch" forName="FourNodes_3" refType="w" fact="0.8"/>
-          <dgm:constr type="h" for="ch" forName="FourNodes_3" refType="h" fact="0.22"/>
-          <dgm:constr type="ctrY" for="ch" forName="FourNodes_3" refType="h" fact="0.63"/>
-          <dgm:constr type="ctrX" for="ch" forName="FourNodes_3" refType="w" fact="0.533"/>
-          <dgm:constr type="w" for="ch" forName="FourNodes_4" refType="w" fact="0.8"/>
-          <dgm:constr type="h" for="ch" forName="FourNodes_4" refType="h" fact="0.22"/>
-          <dgm:constr type="b" for="ch" forName="FourNodes_4" refType="h"/>
-          <dgm:constr type="r" for="ch" forName="FourNodes_4" refType="w"/>
-          <dgm:constr type="w" for="ch" forName="FourConn_1-2" refType="h" refFor="ch" refForName="FourNodes_1" fact="0.65"/>
-          <dgm:constr type="h" for="ch" forName="FourConn_1-2" refType="h" refFor="ch" refForName="FourNodes_1" fact="0.65"/>
-          <dgm:constr type="ctrY" for="ch" forName="FourConn_1-2" refType="h" fact="0.24"/>
-          <dgm:constr type="r" for="ch" forName="FourConn_1-2" refType="r" refFor="ch" refForName="FourNodes_1"/>
-          <dgm:constr type="w" for="ch" forName="FourConn_2-3" refType="h" refFor="ch" refForName="FourNodes_2" fact="0.65"/>
-          <dgm:constr type="h" for="ch" forName="FourConn_2-3" refType="h" refFor="ch" refForName="FourNodes_2" fact="0.65"/>
-          <dgm:constr type="ctrY" for="ch" forName="FourConn_2-3" refType="h" fact="0.5"/>
-          <dgm:constr type="r" for="ch" forName="FourConn_2-3" refType="r" refFor="ch" refForName="FourNodes_2"/>
-          <dgm:constr type="w" for="ch" forName="FourConn_3-4" refType="h" refFor="ch" refForName="FourNodes_3" fact="0.65"/>
-          <dgm:constr type="h" for="ch" forName="FourConn_3-4" refType="h" refFor="ch" refForName="FourNodes_3" fact="0.65"/>
-          <dgm:constr type="ctrY" for="ch" forName="FourConn_3-4" refType="h" fact="0.76"/>
-          <dgm:constr type="r" for="ch" forName="FourConn_3-4" refType="r" refFor="ch" refForName="FourNodes_3"/>
-          <dgm:constr type="r" for="ch" forName="FourNodes_1_text" refType="l" refFor="ch" refForName="FourConn_1-2"/>
-          <dgm:constr type="rOff" for="ch" forName="FourNodes_1_text" refType="w" refFor="ch" refForName="FourConn_1-2" fact="-0.7"/>
-          <dgm:constr type="t" for="ch" forName="FourNodes_1_text" refType="t" refFor="ch" refForName="FourNodes_1"/>
-          <dgm:constr type="b" for="ch" forName="FourNodes_1_text" refType="b" refFor="ch" refForName="FourNodes_1"/>
-          <dgm:constr type="l" for="ch" forName="FourNodes_1_text" refType="l" refFor="ch" refForName="FourNodes_1"/>
-          <dgm:constr type="r" for="ch" forName="FourNodes_2_text" refType="l" refFor="ch" refForName="FourConn_1-2"/>
-          <dgm:constr type="t" for="ch" forName="FourNodes_2_text" refType="t" refFor="ch" refForName="FourNodes_2"/>
-          <dgm:constr type="b" for="ch" forName="FourNodes_2_text" refType="b" refFor="ch" refForName="FourNodes_2"/>
-          <dgm:constr type="l" for="ch" forName="FourNodes_2_text" refType="l" refFor="ch" refForName="FourNodes_2"/>
-          <dgm:constr type="r" for="ch" forName="FourNodes_3_text" refType="l" refFor="ch" refForName="FourConn_2-3"/>
-          <dgm:constr type="t" for="ch" forName="FourNodes_3_text" refType="t" refFor="ch" refForName="FourNodes_3"/>
-          <dgm:constr type="b" for="ch" forName="FourNodes_3_text" refType="b" refFor="ch" refForName="FourNodes_3"/>
-          <dgm:constr type="l" for="ch" forName="FourNodes_3_text" refType="l" refFor="ch" refForName="FourNodes_3"/>
-          <dgm:constr type="r" for="ch" forName="FourNodes_4_text" refType="l" refFor="ch" refForName="FourConn_3-4"/>
-          <dgm:constr type="t" for="ch" forName="FourNodes_4_text" refType="t" refFor="ch" refForName="FourNodes_4"/>
-          <dgm:constr type="b" for="ch" forName="FourNodes_4_text" refType="b" refFor="ch" refForName="FourNodes_4"/>
-          <dgm:constr type="l" for="ch" forName="FourNodes_4_text" refType="l" refFor="ch" refForName="FourNodes_4"/>
-          <dgm:constr type="w" for="ch" forName="FiveNodes_1" refType="w" fact="0.77"/>
-          <dgm:constr type="h" for="ch" forName="FiveNodes_1" refType="h" fact="0.18"/>
-          <dgm:constr type="t" for="ch" forName="FiveNodes_1"/>
-          <dgm:constr type="l" for="ch" forName="FiveNodes_1"/>
-          <dgm:constr type="w" for="ch" forName="FiveNodes_2" refType="w" fact="0.77"/>
-          <dgm:constr type="h" for="ch" forName="FiveNodes_2" refType="h" fact="0.18"/>
-          <dgm:constr type="ctrY" for="ch" forName="FiveNodes_2" refType="h" fact="0.295"/>
-          <dgm:constr type="ctrX" for="ch" forName="FiveNodes_2" refType="w" fact="0.4425"/>
-          <dgm:constr type="w" for="ch" forName="FiveNodes_3" refType="w" fact="0.77"/>
-          <dgm:constr type="h" for="ch" forName="FiveNodes_3" refType="h" fact="0.18"/>
-          <dgm:constr type="ctrY" for="ch" forName="FiveNodes_3" refType="h" fact="0.5"/>
-          <dgm:constr type="ctrX" for="ch" forName="FiveNodes_3" refType="w" fact="0.5"/>
-          <dgm:constr type="w" for="ch" forName="FiveNodes_4" refType="w" fact="0.77"/>
-          <dgm:constr type="h" for="ch" forName="FiveNodes_4" refType="h" fact="0.18"/>
-          <dgm:constr type="ctrY" for="ch" forName="FiveNodes_4" refType="h" fact="0.705"/>
-          <dgm:constr type="ctrX" for="ch" forName="FiveNodes_4" refType="w" fact="0.5575"/>
-          <dgm:constr type="w" for="ch" forName="FiveNodes_5" refType="w" fact="0.77"/>
-          <dgm:constr type="h" for="ch" forName="FiveNodes_5" refType="h" fact="0.18"/>
-          <dgm:constr type="b" for="ch" forName="FiveNodes_5" refType="h"/>
-          <dgm:constr type="r" for="ch" forName="FiveNodes_5" refType="w"/>
-          <dgm:constr type="w" for="ch" forName="FiveConn_1-2" refType="h" refFor="ch" refForName="FiveNodes_1" fact="0.65"/>
-          <dgm:constr type="h" for="ch" forName="FiveConn_1-2" refType="h" refFor="ch" refForName="FiveNodes_1" fact="0.65"/>
-          <dgm:constr type="ctrY" for="ch" forName="FiveConn_1-2" refType="h" fact="0.19"/>
-          <dgm:constr type="r" for="ch" forName="FiveConn_1-2" refType="r" refFor="ch" refForName="FiveNodes_1"/>
-          <dgm:constr type="w" for="ch" forName="FiveConn_2-3" refType="h" refFor="ch" refForName="FiveNodes_2" fact="0.65"/>
-          <dgm:constr type="h" for="ch" forName="FiveConn_2-3" refType="h" refFor="ch" refForName="FiveNodes_2" fact="0.65"/>
-          <dgm:constr type="ctrY" for="ch" forName="FiveConn_2-3" refType="h" fact="0.395"/>
-          <dgm:constr type="r" for="ch" forName="FiveConn_2-3" refType="r" refFor="ch" refForName="FiveNodes_2"/>
-          <dgm:constr type="w" for="ch" forName="FiveConn_3-4" refType="h" refFor="ch" refForName="FiveNodes_3" fact="0.65"/>
-          <dgm:constr type="h" for="ch" forName="FiveConn_3-4" refType="h" refFor="ch" refForName="FiveNodes_3" fact="0.65"/>
-          <dgm:constr type="ctrY" for="ch" forName="FiveConn_3-4" refType="h" fact="0.597"/>
-          <dgm:constr type="r" for="ch" forName="FiveConn_3-4" refType="r" refFor="ch" refForName="FiveNodes_3"/>
-          <dgm:constr type="w" for="ch" forName="FiveConn_4-5" refType="h" refFor="ch" refForName="FiveNodes_4" fact="0.65"/>
-          <dgm:constr type="h" for="ch" forName="FiveConn_4-5" refType="h" refFor="ch" refForName="FiveNodes_4" fact="0.65"/>
-          <dgm:constr type="ctrY" for="ch" forName="FiveConn_4-5" refType="h" fact="0.804"/>
-          <dgm:constr type="r" for="ch" forName="FiveConn_4-5" refType="r" refFor="ch" refForName="FiveNodes_4"/>
-          <dgm:constr type="r" for="ch" forName="FiveNodes_1_text" refType="l" refFor="ch" refForName="FiveConn_1-2"/>
-          <dgm:constr type="rOff" for="ch" forName="FiveNodes_1_text" refType="w" refFor="ch" refForName="FiveConn_1-2" fact="-0.75"/>
-          <dgm:constr type="t" for="ch" forName="FiveNodes_1_text" refType="t" refFor="ch" refForName="FiveNodes_1"/>
-          <dgm:constr type="b" for="ch" forName="FiveNodes_1_text" refType="b" refFor="ch" refForName="FiveNodes_1"/>
-          <dgm:constr type="l" for="ch" forName="FiveNodes_1_text" refType="l" refFor="ch" refForName="FiveNodes_1"/>
-          <dgm:constr type="r" for="ch" forName="FiveNodes_2_text" refType="l" refFor="ch" refForName="FiveConn_1-2"/>
-          <dgm:constr type="t" for="ch" forName="FiveNodes_2_text" refType="t" refFor="ch" refForName="FiveNodes_2"/>
-          <dgm:constr type="b" for="ch" forName="FiveNodes_2_text" refType="b" refFor="ch" refForName="FiveNodes_2"/>
-          <dgm:constr type="l" for="ch" forName="FiveNodes_2_text" refType="l" refFor="ch" refForName="FiveNodes_2"/>
-          <dgm:constr type="r" for="ch" forName="FiveNodes_3_text" refType="l" refFor="ch" refForName="FiveConn_2-3"/>
-          <dgm:constr type="t" for="ch" forName="FiveNodes_3_text" refType="t" refFor="ch" refForName="FiveNodes_3"/>
-          <dgm:constr type="b" for="ch" forName="FiveNodes_3_text" refType="b" refFor="ch" refForName="FiveNodes_3"/>
-          <dgm:constr type="l" for="ch" forName="FiveNodes_3_text" refType="l" refFor="ch" refForName="FiveNodes_3"/>
-          <dgm:constr type="r" for="ch" forName="FiveNodes_4_text" refType="l" refFor="ch" refForName="FiveConn_3-4"/>
-          <dgm:constr type="t" for="ch" forName="FiveNodes_4_text" refType="t" refFor="ch" refForName="FiveNodes_4"/>
-          <dgm:constr type="b" for="ch" forName="FiveNodes_4_text" refType="b" refFor="ch" refForName="FiveNodes_4"/>
-          <dgm:constr type="l" for="ch" forName="FiveNodes_4_text" refType="l" refFor="ch" refForName="FiveNodes_4"/>
-          <dgm:constr type="r" for="ch" forName="FiveNodes_5_text" refType="l" refFor="ch" refForName="FiveConn_4-5"/>
-          <dgm:constr type="t" for="ch" forName="FiveNodes_5_text" refType="t" refFor="ch" refForName="FiveNodes_5"/>
-          <dgm:constr type="b" for="ch" forName="FiveNodes_5_text" refType="b" refFor="ch" refForName="FiveNodes_5"/>
-          <dgm:constr type="l" for="ch" forName="FiveNodes_5_text" refType="l" refFor="ch" refForName="FiveNodes_5"/>
-        </dgm:constrLst>
-      </dgm:if>
-      <dgm:else name="Name2">
-        <dgm:constrLst>
-          <dgm:constr type="primFontSz" for="ch" ptType="node" op="equ" val="65"/>
-          <dgm:constr type="w" for="ch" forName="dummyMaxCanvas" refType="w"/>
-          <dgm:constr type="h" for="ch" forName="dummyMaxCanvas" refType="h"/>
-          <dgm:constr type="w" for="ch" forName="OneNode_1" refType="w"/>
-          <dgm:constr type="h" for="ch" forName="OneNode_1" refType="h" fact="0.5"/>
-          <dgm:constr type="ctrY" for="ch" forName="OneNode_1" refType="h" fact="0.5"/>
-          <dgm:constr type="w" for="ch" forName="TwoNodes_1" refType="w" fact="0.85"/>
-          <dgm:constr type="h" for="ch" forName="TwoNodes_1" refType="h" fact="0.45"/>
-          <dgm:constr type="t" for="ch" forName="TwoNodes_1"/>
-          <dgm:constr type="r" for="ch" forName="TwoNodes_1" refType="w"/>
-          <dgm:constr type="w" for="ch" forName="TwoNodes_2" refType="w" fact="0.85"/>
-          <dgm:constr type="h" for="ch" forName="TwoNodes_2" refType="h" fact="0.45"/>
-          <dgm:constr type="b" for="ch" forName="TwoNodes_2" refType="h"/>
-          <dgm:constr type="l" for="ch" forName="TwoNodes_2"/>
-          <dgm:constr type="w" for="ch" forName="TwoConn_1-2" refType="h" refFor="ch" refForName="TwoNodes_1" fact="0.65"/>
-          <dgm:constr type="h" for="ch" forName="TwoConn_1-2" refType="h" refFor="ch" refForName="TwoNodes_1" fact="0.65"/>
-          <dgm:constr type="ctrY" for="ch" forName="TwoConn_1-2" refType="h" fact="0.5"/>
-          <dgm:constr type="l" for="ch" forName="TwoConn_1-2" refType="l" refFor="ch" refForName="TwoNodes_1"/>
-          <dgm:constr type="l" for="ch" forName="TwoNodes_1_text" refType="r" refFor="ch" refForName="TwoConn_1-2"/>
-          <dgm:constr type="lOff" for="ch" forName="TwoNodes_1_text" refType="w" refFor="ch" refForName="TwoConn_1-2" fact="0.5"/>
-          <dgm:constr type="t" for="ch" forName="TwoNodes_1_text" refType="t" refFor="ch" refForName="TwoNodes_1"/>
-          <dgm:constr type="b" for="ch" forName="TwoNodes_1_text" refType="b" refFor="ch" refForName="TwoNodes_1"/>
-          <dgm:constr type="r" for="ch" forName="TwoNodes_1_text" refType="r" refFor="ch" refForName="TwoNodes_1"/>
-          <dgm:constr type="l" for="ch" forName="TwoNodes_2_text" refType="r" refFor="ch" refForName="TwoConn_1-2"/>
-          <dgm:constr type="t" for="ch" forName="TwoNodes_2_text" refType="t" refFor="ch" refForName="TwoNodes_2"/>
-          <dgm:constr type="b" for="ch" forName="TwoNodes_2_text" refType="b" refFor="ch" refForName="TwoNodes_2"/>
-          <dgm:constr type="r" for="ch" forName="TwoNodes_2_text" refType="r" refFor="ch" refForName="TwoNodes_2"/>
-          <dgm:constr type="w" for="ch" forName="ThreeNodes_1" refType="w" fact="0.85"/>
-          <dgm:constr type="h" for="ch" forName="ThreeNodes_1" refType="h" fact="0.3"/>
-          <dgm:constr type="t" for="ch" forName="ThreeNodes_1"/>
-          <dgm:constr type="r" for="ch" forName="ThreeNodes_1" refType="w"/>
-          <dgm:constr type="w" for="ch" forName="ThreeNodes_2" refType="w" fact="0.85"/>
-          <dgm:constr type="h" for="ch" forName="ThreeNodes_2" refType="h" fact="0.3"/>
-          <dgm:constr type="ctrY" for="ch" forName="ThreeNodes_2" refType="h" fact="0.5"/>
-          <dgm:constr type="ctrX" for="ch" forName="ThreeNodes_2" refType="w" fact="0.5"/>
-          <dgm:constr type="w" for="ch" forName="ThreeNodes_3" refType="w" fact="0.85"/>
-          <dgm:constr type="h" for="ch" forName="ThreeNodes_3" refType="h" fact="0.3"/>
-          <dgm:constr type="b" for="ch" forName="ThreeNodes_3" refType="h"/>
-          <dgm:constr type="l" for="ch" forName="ThreeNodes_3"/>
-          <dgm:constr type="w" for="ch" forName="ThreeConn_1-2" refType="h" refFor="ch" refForName="ThreeNodes_1" fact="0.65"/>
-          <dgm:constr type="h" for="ch" forName="ThreeConn_1-2" refType="h" refFor="ch" refForName="ThreeNodes_1" fact="0.65"/>
-          <dgm:constr type="ctrY" for="ch" forName="ThreeConn_1-2" refType="h" fact="0.325"/>
-          <dgm:constr type="l" for="ch" forName="ThreeConn_1-2" refType="l" refFor="ch" refForName="ThreeNodes_1"/>
-          <dgm:constr type="w" for="ch" forName="ThreeConn_2-3" refType="h" refFor="ch" refForName="ThreeNodes_2" fact="0.65"/>
-          <dgm:constr type="h" for="ch" forName="ThreeConn_2-3" refType="h" refFor="ch" refForName="ThreeNodes_2" fact="0.65"/>
-          <dgm:constr type="ctrY" for="ch" forName="ThreeConn_2-3" refType="h" fact="0.673"/>
-          <dgm:constr type="l" for="ch" forName="ThreeConn_2-3" refType="l" refFor="ch" refForName="ThreeNodes_2"/>
-          <dgm:constr type="l" for="ch" forName="ThreeNodes_1_text" refType="r" refFor="ch" refForName="ThreeConn_1-2"/>
-          <dgm:constr type="lOff" for="ch" forName="ThreeNodes_1_text" refType="w" refFor="ch" refForName="ThreeConn_1-2" fact="0.55"/>
-          <dgm:constr type="t" for="ch" forName="ThreeNodes_1_text" refType="t" refFor="ch" refForName="ThreeNodes_1"/>
-          <dgm:constr type="b" for="ch" forName="ThreeNodes_1_text" refType="b" refFor="ch" refForName="ThreeNodes_1"/>
-          <dgm:constr type="r" for="ch" forName="ThreeNodes_1_text" refType="r" refFor="ch" refForName="ThreeNodes_1"/>
-          <dgm:constr type="l" for="ch" forName="ThreeNodes_2_text" refType="r" refFor="ch" refForName="ThreeConn_1-2"/>
-          <dgm:constr type="t" for="ch" forName="ThreeNodes_2_text" refType="t" refFor="ch" refForName="ThreeNodes_2"/>
-          <dgm:constr type="b" for="ch" forName="ThreeNodes_2_text" refType="b" refFor="ch" refForName="ThreeNodes_2"/>
-          <dgm:constr type="r" for="ch" forName="ThreeNodes_2_text" refType="r" refFor="ch" refForName="ThreeNodes_2"/>
-          <dgm:constr type="l" for="ch" forName="ThreeNodes_3_text" refType="r" refFor="ch" refForName="ThreeConn_2-3"/>
-          <dgm:constr type="t" for="ch" forName="ThreeNodes_3_text" refType="t" refFor="ch" refForName="ThreeNodes_3"/>
-          <dgm:constr type="b" for="ch" forName="ThreeNodes_3_text" refType="b" refFor="ch" refForName="ThreeNodes_3"/>
-          <dgm:constr type="r" for="ch" forName="ThreeNodes_3_text" refType="r" refFor="ch" refForName="ThreeNodes_3"/>
-          <dgm:constr type="w" for="ch" forName="FourNodes_1" refType="w" fact="0.8"/>
-          <dgm:constr type="h" for="ch" forName="FourNodes_1" refType="h" fact="0.22"/>
-          <dgm:constr type="t" for="ch" forName="FourNodes_1"/>
-          <dgm:constr type="r" for="ch" forName="FourNodes_1" refType="w"/>
-          <dgm:constr type="w" for="ch" forName="FourNodes_2" refType="w" fact="0.8"/>
-          <dgm:constr type="h" for="ch" forName="FourNodes_2" refType="h" fact="0.22"/>
-          <dgm:constr type="ctrY" for="ch" forName="FourNodes_2" refType="h" fact="0.37"/>
-          <dgm:constr type="ctrX" for="ch" forName="FourNodes_2" refType="w" fact="0.533"/>
-          <dgm:constr type="w" for="ch" forName="FourNodes_3" refType="w" fact="0.8"/>
-          <dgm:constr type="h" for="ch" forName="FourNodes_3" refType="h" fact="0.22"/>
-          <dgm:constr type="ctrY" for="ch" forName="FourNodes_3" refType="h" fact="0.63"/>
-          <dgm:constr type="ctrX" for="ch" forName="FourNodes_3" refType="w" fact="0.467"/>
-          <dgm:constr type="w" for="ch" forName="FourNodes_4" refType="w" fact="0.8"/>
-          <dgm:constr type="h" for="ch" forName="FourNodes_4" refType="h" fact="0.22"/>
-          <dgm:constr type="b" for="ch" forName="FourNodes_4" refType="h"/>
-          <dgm:constr type="l" for="ch" forName="FourNodes_4"/>
-          <dgm:constr type="w" for="ch" forName="FourConn_1-2" refType="h" refFor="ch" refForName="FourNodes_1" fact="0.65"/>
-          <dgm:constr type="h" for="ch" forName="FourConn_1-2" refType="h" refFor="ch" refForName="FourNodes_1" fact="0.65"/>
-          <dgm:constr type="ctrY" for="ch" forName="FourConn_1-2" refType="h" fact="0.24"/>
-          <dgm:constr type="l" for="ch" forName="FourConn_1-2" refType="l" refFor="ch" refForName="FourNodes_1"/>
-          <dgm:constr type="w" for="ch" forName="FourConn_2-3" refType="h" refFor="ch" refForName="FourNodes_2" fact="0.65"/>
-          <dgm:constr type="h" for="ch" forName="FourConn_2-3" refType="h" refFor="ch" refForName="FourNodes_2" fact="0.65"/>
-          <dgm:constr type="ctrY" for="ch" forName="FourConn_2-3" refType="h" fact="0.5"/>
-          <dgm:constr type="l" for="ch" forName="FourConn_2-3" refType="l" refFor="ch" refForName="FourNodes_2"/>
-          <dgm:constr type="w" for="ch" forName="FourConn_3-4" refType="h" refFor="ch" refForName="FourNodes_3" fact="0.65"/>
-          <dgm:constr type="h" for="ch" forName="FourConn_3-4" refType="h" refFor="ch" refForName="FourNodes_3" fact="0.65"/>
-          <dgm:constr type="ctrY" for="ch" forName="FourConn_3-4" refType="h" fact="0.76"/>
-          <dgm:constr type="l" for="ch" forName="FourConn_3-4" refType="l" refFor="ch" refForName="FourNodes_3"/>
-          <dgm:constr type="l" for="ch" forName="FourNodes_1_text" refType="r" refFor="ch" refForName="FourConn_1-2"/>
-          <dgm:constr type="lOff" for="ch" forName="FourNodes_1_text" refType="w" refFor="ch" refForName="FourConn_1-2" fact="0.69"/>
-          <dgm:constr type="t" for="ch" forName="FourNodes_1_text" refType="t" refFor="ch" refForName="FourNodes_1"/>
-          <dgm:constr type="b" for="ch" forName="FourNodes_1_text" refType="b" refFor="ch" refForName="FourNodes_1"/>
-          <dgm:constr type="r" for="ch" forName="FourNodes_1_text" refType="r" refFor="ch" refForName="FourNodes_1"/>
-          <dgm:constr type="l" for="ch" forName="FourNodes_2_text" refType="r" refFor="ch" refForName="FourConn_1-2"/>
-          <dgm:constr type="t" for="ch" forName="FourNodes_2_text" refType="t" refFor="ch" refForName="FourNodes_2"/>
-          <dgm:constr type="b" for="ch" forName="FourNodes_2_text" refType="b" refFor="ch" refForName="FourNodes_2"/>
-          <dgm:constr type="r" for="ch" forName="FourNodes_2_text" refType="r" refFor="ch" refForName="FourNodes_2"/>
-          <dgm:constr type="l" for="ch" forName="FourNodes_3_text" refType="r" refFor="ch" refForName="FourConn_2-3"/>
-          <dgm:constr type="t" for="ch" forName="FourNodes_3_text" refType="t" refFor="ch" refForName="FourNodes_3"/>
-          <dgm:constr type="b" for="ch" forName="FourNodes_3_text" refType="b" refFor="ch" refForName="FourNodes_3"/>
-          <dgm:constr type="r" for="ch" forName="FourNodes_3_text" refType="r" refFor="ch" refForName="FourNodes_3"/>
-          <dgm:constr type="l" for="ch" forName="FourNodes_4_text" refType="r" refFor="ch" refForName="FourConn_3-4"/>
-          <dgm:constr type="t" for="ch" forName="FourNodes_4_text" refType="t" refFor="ch" refForName="FourNodes_4"/>
-          <dgm:constr type="b" for="ch" forName="FourNodes_4_text" refType="b" refFor="ch" refForName="FourNodes_4"/>
-          <dgm:constr type="r" for="ch" forName="FourNodes_4_text" refType="r" refFor="ch" refForName="FourNodes_4"/>
-          <dgm:constr type="w" for="ch" forName="FiveNodes_1" refType="w" fact="0.77"/>
-          <dgm:constr type="h" for="ch" forName="FiveNodes_1" refType="h" fact="0.18"/>
-          <dgm:constr type="t" for="ch" forName="FiveNodes_1"/>
-          <dgm:constr type="r" for="ch" forName="FiveNodes_1" refType="w"/>
-          <dgm:constr type="w" for="ch" forName="FiveNodes_2" refType="w" fact="0.77"/>
-          <dgm:constr type="h" for="ch" forName="FiveNodes_2" refType="h" fact="0.18"/>
-          <dgm:constr type="ctrY" for="ch" forName="FiveNodes_2" refType="h" fact="0.295"/>
-          <dgm:constr type="ctrX" for="ch" forName="FiveNodes_2" refType="w" fact="0.5575"/>
-          <dgm:constr type="w" for="ch" forName="FiveNodes_3" refType="w" fact="0.77"/>
-          <dgm:constr type="h" for="ch" forName="FiveNodes_3" refType="h" fact="0.18"/>
-          <dgm:constr type="ctrY" for="ch" forName="FiveNodes_3" refType="h" fact="0.5"/>
-          <dgm:constr type="ctrX" for="ch" forName="FiveNodes_3" refType="w" fact="0.5"/>
-          <dgm:constr type="w" for="ch" forName="FiveNodes_4" refType="w" fact="0.77"/>
-          <dgm:constr type="h" for="ch" forName="FiveNodes_4" refType="h" fact="0.18"/>
-          <dgm:constr type="ctrY" for="ch" forName="FiveNodes_4" refType="h" fact="0.705"/>
-          <dgm:constr type="ctrX" for="ch" forName="FiveNodes_4" refType="w" fact="0.4425"/>
-          <dgm:constr type="w" for="ch" forName="FiveNodes_5" refType="w" fact="0.77"/>
-          <dgm:constr type="h" for="ch" forName="FiveNodes_5" refType="h" fact="0.18"/>
-          <dgm:constr type="b" for="ch" forName="FiveNodes_5" refType="h"/>
-          <dgm:constr type="l" for="ch" forName="FiveNodes_5"/>
-          <dgm:constr type="w" for="ch" forName="FiveConn_1-2" refType="h" refFor="ch" refForName="FiveNodes_1" fact="0.65"/>
-          <dgm:constr type="h" for="ch" forName="FiveConn_1-2" refType="h" refFor="ch" refForName="FiveNodes_1" fact="0.65"/>
-          <dgm:constr type="ctrY" for="ch" forName="FiveConn_1-2" refType="h" fact="0.19"/>
-          <dgm:constr type="l" for="ch" forName="FiveConn_1-2" refType="l" refFor="ch" refForName="FiveNodes_1"/>
-          <dgm:constr type="w" for="ch" forName="FiveConn_2-3" refType="h" refFor="ch" refForName="FiveNodes_2" fact="0.65"/>
-          <dgm:constr type="h" for="ch" forName="FiveConn_2-3" refType="h" refFor="ch" refForName="FiveNodes_2" fact="0.65"/>
-          <dgm:constr type="ctrY" for="ch" forName="FiveConn_2-3" refType="h" fact="0.395"/>
-          <dgm:constr type="l" for="ch" forName="FiveConn_2-3" refType="l" refFor="ch" refForName="FiveNodes_2"/>
-          <dgm:constr type="w" for="ch" forName="FiveConn_3-4" refType="h" refFor="ch" refForName="FiveNodes_3" fact="0.65"/>
-          <dgm:constr type="h" for="ch" forName="FiveConn_3-4" refType="h" refFor="ch" refForName="FiveNodes_3" fact="0.65"/>
-          <dgm:constr type="ctrY" for="ch" forName="FiveConn_3-4" refType="h" fact="0.597"/>
-          <dgm:constr type="l" for="ch" forName="FiveConn_3-4" refType="l" refFor="ch" refForName="FiveNodes_3"/>
-          <dgm:constr type="w" for="ch" forName="FiveConn_4-5" refType="h" refFor="ch" refForName="FiveNodes_4" fact="0.65"/>
-          <dgm:constr type="h" for="ch" forName="FiveConn_4-5" refType="h" refFor="ch" refForName="FiveNodes_4" fact="0.65"/>
-          <dgm:constr type="ctrY" for="ch" forName="FiveConn_4-5" refType="h" fact="0.804"/>
-          <dgm:constr type="l" for="ch" forName="FiveConn_4-5" refType="l" refFor="ch" refForName="FiveNodes_4"/>
-          <dgm:constr type="l" for="ch" forName="FiveNodes_1_text" refType="r" refFor="ch" refForName="FiveConn_1-2"/>
-          <dgm:constr type="lOff" for="ch" forName="FiveNodes_1_text" refType="w" refFor="ch" refForName="FiveConn_1-2" fact="0.73"/>
-          <dgm:constr type="t" for="ch" forName="FiveNodes_1_text" refType="t" refFor="ch" refForName="FiveNodes_1"/>
-          <dgm:constr type="b" for="ch" forName="FiveNodes_1_text" refType="b" refFor="ch" refForName="FiveNodes_1"/>
-          <dgm:constr type="r" for="ch" forName="FiveNodes_1_text" refType="r" refFor="ch" refForName="FiveNodes_1"/>
-          <dgm:constr type="l" for="ch" forName="FiveNodes_2_text" refType="r" refFor="ch" refForName="FiveConn_1-2"/>
-          <dgm:constr type="t" for="ch" forName="FiveNodes_2_text" refType="t" refFor="ch" refForName="FiveNodes_2"/>
-          <dgm:constr type="b" for="ch" forName="FiveNodes_2_text" refType="b" refFor="ch" refForName="FiveNodes_2"/>
-          <dgm:constr type="r" for="ch" forName="FiveNodes_2_text" refType="r" refFor="ch" refForName="FiveNodes_2"/>
-          <dgm:constr type="l" for="ch" forName="FiveNodes_3_text" refType="r" refFor="ch" refForName="FiveConn_2-3"/>
-          <dgm:constr type="t" for="ch" forName="FiveNodes_3_text" refType="t" refFor="ch" refForName="FiveNodes_3"/>
-          <dgm:constr type="b" for="ch" forName="FiveNodes_3_text" refType="b" refFor="ch" refForName="FiveNodes_3"/>
-          <dgm:constr type="r" for="ch" forName="FiveNodes_3_text" refType="r" refFor="ch" refForName="FiveNodes_3"/>
-          <dgm:constr type="l" for="ch" forName="FiveNodes_4_text" refType="r" refFor="ch" refForName="FiveConn_3-4"/>
-          <dgm:constr type="t" for="ch" forName="FiveNodes_4_text" refType="t" refFor="ch" refForName="FiveNodes_4"/>
-          <dgm:constr type="b" for="ch" forName="FiveNodes_4_text" refType="b" refFor="ch" refForName="FiveNodes_4"/>
-          <dgm:constr type="r" for="ch" forName="FiveNodes_4_text" refType="r" refFor="ch" refForName="FiveNodes_4"/>
-          <dgm:constr type="l" for="ch" forName="FiveNodes_5_text" refType="r" refFor="ch" refForName="FiveConn_4-5"/>
-          <dgm:constr type="t" for="ch" forName="FiveNodes_5_text" refType="t" refFor="ch" refForName="FiveNodes_5"/>
-          <dgm:constr type="b" for="ch" forName="FiveNodes_5_text" refType="b" refFor="ch" refForName="FiveNodes_5"/>
-          <dgm:constr type="r" for="ch" forName="FiveNodes_5_text" refType="r" refFor="ch" refForName="FiveNodes_5"/>
-        </dgm:constrLst>
-      </dgm:else>
-    </dgm:choose>
-    <dgm:ruleLst/>
-    <dgm:layoutNode name="dummyMaxCanvas">
-      <dgm:varLst/>
-      <dgm:alg type="sp"/>
-      <dgm:shape xmlns:r="http://schemas.openxmlformats.org/officeDocument/2006/relationships" r:blip="">
-        <dgm:adjLst/>
-      </dgm:shape>
-      <dgm:presOf/>
-      <dgm:constrLst/>
-      <dgm:ruleLst/>
-    </dgm:layoutNode>
-    <dgm:choose name="Name3">
-      <dgm:if name="Name4" axis="ch" ptType="node" func="cnt" op="equ" val="1">
-        <dgm:layoutNode name="OneNode_1">
-          <dgm:varLst>
-            <dgm:bulletEnabled val="1"/>
-          </dgm:varLst>
-          <dgm:alg type="tx"/>
-          <dgm:shape xmlns:r="http://schemas.openxmlformats.org/officeDocument/2006/relationships" type="roundRect" r:blip="">
-            <dgm:adjLst>
-              <dgm:adj idx="1" val="0.1"/>
-            </dgm:adjLst>
-          </dgm:shape>
-          <dgm:presOf axis="ch desOrSelf" ptType="node node" st="1 1" cnt="1 0"/>
-          <dgm:constrLst>
-            <dgm:constr type="lMarg" refType="primFontSz" fact="0.3"/>
-            <dgm:constr type="rMarg" refType="primFontSz" fact="0.3"/>
-            <dgm:constr type="tMarg" refType="primFontSz" fact="0.3"/>
-            <dgm:constr type="bMarg" refType="primFontSz" fact="0.3"/>
-          </dgm:constrLst>
-          <dgm:ruleLst>
-            <dgm:rule type="primFontSz" val="5" fact="NaN" max="NaN"/>
-          </dgm:ruleLst>
-        </dgm:layoutNode>
-      </dgm:if>
-      <dgm:else name="Name5">
-        <dgm:choose name="Name6">
-          <dgm:if name="Name7" axis="ch" ptType="node" func="cnt" op="equ" val="2">
-            <dgm:layoutNode name="TwoNodes_1">
-              <dgm:varLst>
-                <dgm:bulletEnabled val="1"/>
-              </dgm:varLst>
-              <dgm:alg type="sp"/>
-              <dgm:shape xmlns:r="http://schemas.openxmlformats.org/officeDocument/2006/relationships" type="roundRect" r:blip="">
-                <dgm:adjLst>
-                  <dgm:adj idx="1" val="0.1"/>
-                </dgm:adjLst>
-              </dgm:shape>
-              <dgm:presOf axis="ch desOrSelf" ptType="node node" st="1 1" cnt="1 0"/>
-              <dgm:constrLst/>
-              <dgm:ruleLst/>
-            </dgm:layoutNode>
-            <dgm:layoutNode name="TwoNodes_2">
-              <dgm:varLst>
-                <dgm:bulletEnabled val="1"/>
-              </dgm:varLst>
-              <dgm:alg type="sp"/>
-              <dgm:shape xmlns:r="http://schemas.openxmlformats.org/officeDocument/2006/relationships" type="roundRect" r:blip="">
-                <dgm:adjLst>
-                  <dgm:adj idx="1" val="0.1"/>
-                </dgm:adjLst>
-              </dgm:shape>
-              <dgm:presOf axis="ch desOrSelf" ptType="node node" st="2 1" cnt="1 0"/>
-              <dgm:constrLst/>
-              <dgm:ruleLst/>
-            </dgm:layoutNode>
-            <dgm:layoutNode name="TwoConn_1-2" styleLbl="fgAccFollowNode1">
-              <dgm:varLst>
-                <dgm:bulletEnabled val="1"/>
-              </dgm:varLst>
-              <dgm:alg type="tx"/>
-              <dgm:shape xmlns:r="http://schemas.openxmlformats.org/officeDocument/2006/relationships" type="downArrow" r:blip="">
-                <dgm:adjLst>
-                  <dgm:adj idx="1" val="0.55"/>
-                  <dgm:adj idx="2" val="0.45"/>
-                </dgm:adjLst>
-              </dgm:shape>
-              <dgm:presOf axis="ch" ptType="sibTrans" cnt="1"/>
-              <dgm:constrLst>
-                <dgm:constr type="lMarg" refType="primFontSz" fact="0.1"/>
-                <dgm:constr type="rMarg" refType="primFontSz" fact="0.1"/>
-                <dgm:constr type="tMarg" refType="primFontSz" fact="0.1"/>
-                <dgm:constr type="bMarg" refType="primFontSz" fact="0.1"/>
-              </dgm:constrLst>
-              <dgm:ruleLst>
-                <dgm:rule type="primFontSz" val="5" fact="NaN" max="NaN"/>
-              </dgm:ruleLst>
-            </dgm:layoutNode>
-            <dgm:layoutNode name="TwoNodes_1_text">
-              <dgm:varLst>
-                <dgm:bulletEnabled val="1"/>
-              </dgm:varLst>
-              <dgm:alg type="tx">
-                <dgm:param type="parTxLTRAlign" val="l"/>
-                <dgm:param type="txAnchorVertCh" val="mid"/>
-              </dgm:alg>
-              <dgm:shape xmlns:r="http://schemas.openxmlformats.org/officeDocument/2006/relationships" type="roundRect" r:blip="" hideGeom="1">
-                <dgm:adjLst>
-                  <dgm:adj idx="1" val="0.1"/>
-                </dgm:adjLst>
-              </dgm:shape>
-              <dgm:presOf axis="ch desOrSelf" ptType="node node" st="1 1" cnt="1 0"/>
-              <dgm:constrLst>
-                <dgm:constr type="lMarg" refType="primFontSz" fact="0.3"/>
-                <dgm:constr type="rMarg" refType="primFontSz" fact="0.3"/>
-                <dgm:constr type="tMarg" refType="primFontSz" fact="0.3"/>
-                <dgm:constr type="bMarg" refType="primFontSz" fact="0.3"/>
-              </dgm:constrLst>
-              <dgm:ruleLst>
-                <dgm:rule type="primFontSz" val="5" fact="NaN" max="NaN"/>
-              </dgm:ruleLst>
-            </dgm:layoutNode>
-            <dgm:layoutNode name="TwoNodes_2_text">
-              <dgm:varLst>
-                <dgm:bulletEnabled val="1"/>
-              </dgm:varLst>
-              <dgm:alg type="tx">
-                <dgm:param type="parTxLTRAlign" val="l"/>
-                <dgm:param type="txAnchorVertCh" val="mid"/>
-              </dgm:alg>
-              <dgm:shape xmlns:r="http://schemas.openxmlformats.org/officeDocument/2006/relationships" type="roundRect" r:blip="" hideGeom="1">
-                <dgm:adjLst>
-                  <dgm:adj idx="1" val="0.1"/>
-                </dgm:adjLst>
-              </dgm:shape>
-              <dgm:presOf axis="ch desOrSelf" ptType="node node" st="2 1" cnt="1 0"/>
-              <dgm:constrLst>
-                <dgm:constr type="lMarg" refType="primFontSz" fact="0.3"/>
-                <dgm:constr type="rMarg" refType="primFontSz" fact="0.3"/>
-                <dgm:constr type="tMarg" refType="primFontSz" fact="0.3"/>
-                <dgm:constr type="bMarg" refType="primFontSz" fact="0.3"/>
-              </dgm:constrLst>
-              <dgm:ruleLst>
-                <dgm:rule type="primFontSz" val="5" fact="NaN" max="NaN"/>
-              </dgm:ruleLst>
-            </dgm:layoutNode>
-          </dgm:if>
-          <dgm:else name="Name8">
-            <dgm:choose name="Name9">
-              <dgm:if name="Name10" axis="ch" ptType="node" func="cnt" op="equ" val="3">
-                <dgm:layoutNode name="ThreeNodes_1">
-                  <dgm:varLst>
-                    <dgm:bulletEnabled val="1"/>
-                  </dgm:varLst>
-                  <dgm:alg type="sp"/>
-                  <dgm:shape xmlns:r="http://schemas.openxmlformats.org/officeDocument/2006/relationships" type="roundRect" r:blip="">
-                    <dgm:adjLst>
-                      <dgm:adj idx="1" val="0.1"/>
-                    </dgm:adjLst>
-                  </dgm:shape>
-                  <dgm:presOf axis="ch desOrSelf" ptType="node node" st="1 1" cnt="1 0"/>
-                  <dgm:constrLst/>
-                  <dgm:ruleLst/>
-                </dgm:layoutNode>
-                <dgm:layoutNode name="ThreeNodes_2">
-                  <dgm:varLst>
-                    <dgm:bulletEnabled val="1"/>
-                  </dgm:varLst>
-                  <dgm:alg type="sp"/>
-                  <dgm:shape xmlns:r="http://schemas.openxmlformats.org/officeDocument/2006/relationships" type="roundRect" r:blip="">
-                    <dgm:adjLst>
-                      <dgm:adj idx="1" val="0.1"/>
-                    </dgm:adjLst>
-                  </dgm:shape>
-                  <dgm:presOf axis="ch desOrSelf" ptType="node node" st="2 1" cnt="1 0"/>
-                  <dgm:constrLst/>
-                  <dgm:ruleLst/>
-                </dgm:layoutNode>
-                <dgm:layoutNode name="ThreeNodes_3">
-                  <dgm:varLst>
-                    <dgm:bulletEnabled val="1"/>
-                  </dgm:varLst>
-                  <dgm:alg type="sp"/>
-                  <dgm:shape xmlns:r="http://schemas.openxmlformats.org/officeDocument/2006/relationships" type="roundRect" r:blip="">
-                    <dgm:adjLst>
-                      <dgm:adj idx="1" val="0.1"/>
-                    </dgm:adjLst>
-                  </dgm:shape>
-                  <dgm:presOf axis="ch desOrSelf" ptType="node node" st="3 1" cnt="1 0"/>
-                  <dgm:constrLst/>
-                  <dgm:ruleLst/>
-                </dgm:layoutNode>
-                <dgm:layoutNode name="ThreeConn_1-2" styleLbl="fgAccFollowNode1">
-                  <dgm:varLst>
-                    <dgm:bulletEnabled val="1"/>
-                  </dgm:varLst>
-                  <dgm:alg type="tx"/>
-                  <dgm:shape xmlns:r="http://schemas.openxmlformats.org/officeDocument/2006/relationships" type="downArrow" r:blip="">
-                    <dgm:adjLst>
-                      <dgm:adj idx="1" val="0.55"/>
-                      <dgm:adj idx="2" val="0.45"/>
-                    </dgm:adjLst>
-                  </dgm:shape>
-                  <dgm:presOf axis="ch" ptType="sibTrans" cnt="1"/>
-                  <dgm:constrLst>
-                    <dgm:constr type="lMarg" refType="primFontSz" fact="0.1"/>
-                    <dgm:constr type="rMarg" refType="primFontSz" fact="0.1"/>
-                    <dgm:constr type="tMarg" refType="primFontSz" fact="0.1"/>
-                    <dgm:constr type="bMarg" refType="primFontSz" fact="0.1"/>
-                  </dgm:constrLst>
-                  <dgm:ruleLst>
-                    <dgm:rule type="primFontSz" val="5" fact="NaN" max="NaN"/>
-                  </dgm:ruleLst>
-                </dgm:layoutNode>
-                <dgm:layoutNode name="ThreeConn_2-3" styleLbl="fgAccFollowNode1">
-                  <dgm:varLst>
-                    <dgm:bulletEnabled val="1"/>
-                  </dgm:varLst>
-                  <dgm:alg type="tx"/>
-                  <dgm:shape xmlns:r="http://schemas.openxmlformats.org/officeDocument/2006/relationships" type="downArrow" r:blip="">
-                    <dgm:adjLst>
-                      <dgm:adj idx="1" val="0.55"/>
-                      <dgm:adj idx="2" val="0.45"/>
-                    </dgm:adjLst>
-                  </dgm:shape>
-                  <dgm:presOf axis="ch" ptType="sibTrans" st="2" cnt="1"/>
-                  <dgm:constrLst>
-                    <dgm:constr type="lMarg" refType="primFontSz" fact="0.1"/>
-                    <dgm:constr type="rMarg" refType="primFontSz" fact="0.1"/>
-                    <dgm:constr type="tMarg" refType="primFontSz" fact="0.1"/>
-                    <dgm:constr type="bMarg" refType="primFontSz" fact="0.1"/>
-                  </dgm:constrLst>
-                  <dgm:ruleLst>
-                    <dgm:rule type="primFontSz" val="5" fact="NaN" max="NaN"/>
-                  </dgm:ruleLst>
-                </dgm:layoutNode>
-                <dgm:layoutNode name="ThreeNodes_1_text">
-                  <dgm:varLst>
-                    <dgm:bulletEnabled val="1"/>
-                  </dgm:varLst>
-                  <dgm:alg type="tx">
-                    <dgm:param type="parTxLTRAlign" val="l"/>
-                    <dgm:param type="txAnchorVertCh" val="mid"/>
-                  </dgm:alg>
-                  <dgm:shape xmlns:r="http://schemas.openxmlformats.org/officeDocument/2006/relationships" type="roundRect" r:blip="" hideGeom="1">
-                    <dgm:adjLst>
-                      <dgm:adj idx="1" val="0.1"/>
-                    </dgm:adjLst>
-                  </dgm:shape>
-                  <dgm:presOf axis="ch desOrSelf" ptType="node node" st="1 1" cnt="1 0"/>
-                  <dgm:constrLst>
-                    <dgm:constr type="lMarg" refType="primFontSz" fact="0.3"/>
-                    <dgm:constr type="rMarg" refType="primFontSz" fact="0.3"/>
-                    <dgm:constr type="tMarg" refType="primFontSz" fact="0.3"/>
-                    <dgm:constr type="bMarg" refType="primFontSz" fact="0.3"/>
-                  </dgm:constrLst>
-                  <dgm:ruleLst>
-                    <dgm:rule type="primFontSz" val="5" fact="NaN" max="NaN"/>
-                  </dgm:ruleLst>
-                </dgm:layoutNode>
-                <dgm:layoutNode name="ThreeNodes_2_text">
-                  <dgm:varLst>
-                    <dgm:bulletEnabled val="1"/>
-                  </dgm:varLst>
-                  <dgm:alg type="tx">
-                    <dgm:param type="parTxLTRAlign" val="l"/>
-                    <dgm:param type="txAnchorVertCh" val="mid"/>
-                  </dgm:alg>
-                  <dgm:shape xmlns:r="http://schemas.openxmlformats.org/officeDocument/2006/relationships" type="roundRect" r:blip="" hideGeom="1">
-                    <dgm:adjLst>
-                      <dgm:adj idx="1" val="0.1"/>
-                    </dgm:adjLst>
-                  </dgm:shape>
-                  <dgm:presOf axis="ch desOrSelf" ptType="node node" st="2 1" cnt="1 0"/>
-                  <dgm:constrLst>
-                    <dgm:constr type="lMarg" refType="primFontSz" fact="0.3"/>
-                    <dgm:constr type="rMarg" refType="primFontSz" fact="0.3"/>
-                    <dgm:constr type="tMarg" refType="primFontSz" fact="0.3"/>
-                    <dgm:constr type="bMarg" refType="primFontSz" fact="0.3"/>
-                  </dgm:constrLst>
-                  <dgm:ruleLst>
-                    <dgm:rule type="primFontSz" val="5" fact="NaN" max="NaN"/>
-                  </dgm:ruleLst>
-                </dgm:layoutNode>
-                <dgm:layoutNode name="ThreeNodes_3_text">
-                  <dgm:varLst>
-                    <dgm:bulletEnabled val="1"/>
-                  </dgm:varLst>
-                  <dgm:alg type="tx">
-                    <dgm:param type="parTxLTRAlign" val="l"/>
-                    <dgm:param type="txAnchorVertCh" val="mid"/>
-                  </dgm:alg>
-                  <dgm:shape xmlns:r="http://schemas.openxmlformats.org/officeDocument/2006/relationships" type="roundRect" r:blip="" hideGeom="1">
-                    <dgm:adjLst>
-                      <dgm:adj idx="1" val="0.1"/>
-                    </dgm:adjLst>
-                  </dgm:shape>
-                  <dgm:presOf axis="ch desOrSelf" ptType="node node" st="3 1" cnt="1 0"/>
-                  <dgm:constrLst>
-                    <dgm:constr type="lMarg" refType="primFontSz" fact="0.3"/>
-                    <dgm:constr type="rMarg" refType="primFontSz" fact="0.3"/>
-                    <dgm:constr type="tMarg" refType="primFontSz" fact="0.3"/>
-                    <dgm:constr type="bMarg" refType="primFontSz" fact="0.3"/>
-                  </dgm:constrLst>
-                  <dgm:ruleLst>
-                    <dgm:rule type="primFontSz" val="5" fact="NaN" max="NaN"/>
-                  </dgm:ruleLst>
-                </dgm:layoutNode>
-              </dgm:if>
-              <dgm:else name="Name11">
-                <dgm:choose name="Name12">
-                  <dgm:if name="Name13" axis="ch" ptType="node" func="cnt" op="equ" val="4">
-                    <dgm:layoutNode name="FourNodes_1">
-                      <dgm:varLst>
-                        <dgm:bulletEnabled val="1"/>
-                      </dgm:varLst>
-                      <dgm:alg type="sp"/>
-                      <dgm:shape xmlns:r="http://schemas.openxmlformats.org/officeDocument/2006/relationships" type="roundRect" r:blip="">
-                        <dgm:adjLst>
-                          <dgm:adj idx="1" val="0.1"/>
-                        </dgm:adjLst>
-                      </dgm:shape>
-                      <dgm:presOf axis="ch desOrSelf" ptType="node node" st="1 1" cnt="1 0"/>
-                      <dgm:constrLst/>
-                      <dgm:ruleLst/>
-                    </dgm:layoutNode>
-                    <dgm:layoutNode name="FourNodes_2">
-                      <dgm:varLst>
-                        <dgm:bulletEnabled val="1"/>
-                      </dgm:varLst>
-                      <dgm:alg type="sp"/>
-                      <dgm:shape xmlns:r="http://schemas.openxmlformats.org/officeDocument/2006/relationships" type="roundRect" r:blip="">
-                        <dgm:adjLst>
-                          <dgm:adj idx="1" val="0.1"/>
-                        </dgm:adjLst>
-                      </dgm:shape>
-                      <dgm:presOf axis="ch desOrSelf" ptType="node node" st="2 1" cnt="1 0"/>
-                      <dgm:constrLst/>
-                      <dgm:ruleLst/>
-                    </dgm:layoutNode>
-                    <dgm:layoutNode name="FourNodes_3">
-                      <dgm:varLst>
-                        <dgm:bulletEnabled val="1"/>
-                      </dgm:varLst>
-                      <dgm:alg type="sp"/>
-                      <dgm:shape xmlns:r="http://schemas.openxmlformats.org/officeDocument/2006/relationships" type="roundRect" r:blip="">
-                        <dgm:adjLst>
-                          <dgm:adj idx="1" val="0.1"/>
-                        </dgm:adjLst>
-                      </dgm:shape>
-                      <dgm:presOf axis="ch desOrSelf" ptType="node node" st="3 1" cnt="1 0"/>
-                      <dgm:constrLst/>
-                      <dgm:ruleLst/>
-                    </dgm:layoutNode>
-                    <dgm:layoutNode name="FourNodes_4">
-                      <dgm:varLst>
-                        <dgm:bulletEnabled val="1"/>
-                      </dgm:varLst>
-                      <dgm:alg type="sp"/>
-                      <dgm:shape xmlns:r="http://schemas.openxmlformats.org/officeDocument/2006/relationships" type="roundRect" r:blip="">
-                        <dgm:adjLst>
-                          <dgm:adj idx="1" val="0.1"/>
-                        </dgm:adjLst>
-                      </dgm:shape>
-                      <dgm:presOf axis="ch desOrSelf" ptType="node node" st="4 1" cnt="1 0"/>
-                      <dgm:constrLst/>
-                      <dgm:ruleLst/>
-                    </dgm:layoutNode>
-                    <dgm:layoutNode name="FourConn_1-2" styleLbl="fgAccFollowNode1">
-                      <dgm:varLst>
-                        <dgm:bulletEnabled val="1"/>
-                      </dgm:varLst>
-                      <dgm:alg type="tx"/>
-                      <dgm:shape xmlns:r="http://schemas.openxmlformats.org/officeDocument/2006/relationships" type="downArrow" r:blip="">
-                        <dgm:adjLst>
-                          <dgm:adj idx="1" val="0.55"/>
-                          <dgm:adj idx="2" val="0.45"/>
-                        </dgm:adjLst>
-                      </dgm:shape>
-                      <dgm:presOf axis="ch" ptType="sibTrans" cnt="1"/>
-                      <dgm:constrLst>
-                        <dgm:constr type="lMarg" refType="primFontSz" fact="0.1"/>
-                        <dgm:constr type="rMarg" refType="primFontSz" fact="0.1"/>
-                        <dgm:constr type="tMarg" refType="primFontSz" fact="0.1"/>
-                        <dgm:constr type="bMarg" refType="primFontSz" fact="0.1"/>
-                      </dgm:constrLst>
-                      <dgm:ruleLst>
-                        <dgm:rule type="primFontSz" val="5" fact="NaN" max="NaN"/>
-                      </dgm:ruleLst>
-                    </dgm:layoutNode>
-                    <dgm:layoutNode name="FourConn_2-3" styleLbl="fgAccFollowNode1">
-                      <dgm:varLst>
-                        <dgm:bulletEnabled val="1"/>
-                      </dgm:varLst>
-                      <dgm:alg type="tx"/>
-                      <dgm:shape xmlns:r="http://schemas.openxmlformats.org/officeDocument/2006/relationships" type="downArrow" r:blip="">
-                        <dgm:adjLst>
-                          <dgm:adj idx="1" val="0.55"/>
-                          <dgm:adj idx="2" val="0.45"/>
-                        </dgm:adjLst>
-                      </dgm:shape>
-                      <dgm:presOf axis="ch" ptType="sibTrans" st="2" cnt="1"/>
-                      <dgm:constrLst>
-                        <dgm:constr type="lMarg" refType="primFontSz" fact="0.1"/>
-                        <dgm:constr type="rMarg" refType="primFontSz" fact="0.1"/>
-                        <dgm:constr type="tMarg" refType="primFontSz" fact="0.1"/>
-                        <dgm:constr type="bMarg" refType="primFontSz" fact="0.1"/>
-                      </dgm:constrLst>
-                      <dgm:ruleLst>
-                        <dgm:rule type="primFontSz" val="5" fact="NaN" max="NaN"/>
-                      </dgm:ruleLst>
-                    </dgm:layoutNode>
-                    <dgm:layoutNode name="FourConn_3-4" styleLbl="fgAccFollowNode1">
-                      <dgm:varLst>
-                        <dgm:bulletEnabled val="1"/>
-                      </dgm:varLst>
-                      <dgm:alg type="tx"/>
-                      <dgm:shape xmlns:r="http://schemas.openxmlformats.org/officeDocument/2006/relationships" type="downArrow" r:blip="">
-                        <dgm:adjLst>
-                          <dgm:adj idx="1" val="0.55"/>
-                          <dgm:adj idx="2" val="0.45"/>
-                        </dgm:adjLst>
-                      </dgm:shape>
-                      <dgm:presOf axis="ch" ptType="sibTrans" st="3" cnt="1"/>
-                      <dgm:constrLst>
-                        <dgm:constr type="lMarg" refType="primFontSz" fact="0.1"/>
-                        <dgm:constr type="rMarg" refType="primFontSz" fact="0.1"/>
-                        <dgm:constr type="tMarg" refType="primFontSz" fact="0.1"/>
-                        <dgm:constr type="bMarg" refType="primFontSz" fact="0.1"/>
-                      </dgm:constrLst>
-                      <dgm:ruleLst>
-                        <dgm:rule type="primFontSz" val="5" fact="NaN" max="NaN"/>
-                      </dgm:ruleLst>
-                    </dgm:layoutNode>
-                    <dgm:layoutNode name="FourNodes_1_text">
-                      <dgm:varLst>
-                        <dgm:bulletEnabled val="1"/>
-                      </dgm:varLst>
-                      <dgm:alg type="tx">
-                        <dgm:param type="parTxLTRAlign" val="l"/>
-                        <dgm:param type="txAnchorVertCh" val="mid"/>
-                      </dgm:alg>
-                      <dgm:shape xmlns:r="http://schemas.openxmlformats.org/officeDocument/2006/relationships" type="roundRect" r:blip="" hideGeom="1">
-                        <dgm:adjLst>
-                          <dgm:adj idx="1" val="0.1"/>
-                        </dgm:adjLst>
-                      </dgm:shape>
-                      <dgm:presOf axis="ch desOrSelf" ptType="node node" st="1 1" cnt="1 0"/>
-                      <dgm:constrLst>
-                        <dgm:constr type="lMarg" refType="primFontSz" fact="0.3"/>
-                        <dgm:constr type="rMarg" refType="primFontSz" fact="0.3"/>
-                        <dgm:constr type="tMarg" refType="primFontSz" fact="0.3"/>
-                        <dgm:constr type="bMarg" refType="primFontSz" fact="0.3"/>
-                      </dgm:constrLst>
-                      <dgm:ruleLst>
-                        <dgm:rule type="primFontSz" val="5" fact="NaN" max="NaN"/>
-                      </dgm:ruleLst>
-                    </dgm:layoutNode>
-                    <dgm:layoutNode name="FourNodes_2_text">
-                      <dgm:varLst>
-                        <dgm:bulletEnabled val="1"/>
-                      </dgm:varLst>
-                      <dgm:alg type="tx">
-                        <dgm:param type="parTxLTRAlign" val="l"/>
-                        <dgm:param type="txAnchorVertCh" val="mid"/>
-                      </dgm:alg>
-                      <dgm:shape xmlns:r="http://schemas.openxmlformats.org/officeDocument/2006/relationships" type="roundRect" r:blip="" hideGeom="1">
-                        <dgm:adjLst>
-                          <dgm:adj idx="1" val="0.1"/>
-                        </dgm:adjLst>
-                      </dgm:shape>
-                      <dgm:presOf axis="ch desOrSelf" ptType="node node" st="2 1" cnt="1 0"/>
-                      <dgm:constrLst>
-                        <dgm:constr type="lMarg" refType="primFontSz" fact="0.3"/>
-                        <dgm:constr type="rMarg" refType="primFontSz" fact="0.3"/>
-                        <dgm:constr type="tMarg" refType="primFontSz" fact="0.3"/>
-                        <dgm:constr type="bMarg" refType="primFontSz" fact="0.3"/>
-                      </dgm:constrLst>
-                      <dgm:ruleLst>
-                        <dgm:rule type="primFontSz" val="5" fact="NaN" max="NaN"/>
-                      </dgm:ruleLst>
-                    </dgm:layoutNode>
-                    <dgm:layoutNode name="FourNodes_3_text">
-                      <dgm:varLst>
-                        <dgm:bulletEnabled val="1"/>
-                      </dgm:varLst>
-                      <dgm:alg type="tx">
-                        <dgm:param type="parTxLTRAlign" val="l"/>
-                        <dgm:param type="txAnchorVertCh" val="mid"/>
-                      </dgm:alg>
-                      <dgm:shape xmlns:r="http://schemas.openxmlformats.org/officeDocument/2006/relationships" type="roundRect" r:blip="" hideGeom="1">
-                        <dgm:adjLst>
-                          <dgm:adj idx="1" val="0.1"/>
-                        </dgm:adjLst>
-                      </dgm:shape>
-                      <dgm:presOf axis="ch desOrSelf" ptType="node node" st="3 1" cnt="1 0"/>
-                      <dgm:constrLst>
-                        <dgm:constr type="lMarg" refType="primFontSz" fact="0.3"/>
-                        <dgm:constr type="rMarg" refType="primFontSz" fact="0.3"/>
-                        <dgm:constr type="tMarg" refType="primFontSz" fact="0.3"/>
-                        <dgm:constr type="bMarg" refType="primFontSz" fact="0.3"/>
-                      </dgm:constrLst>
-                      <dgm:ruleLst>
-                        <dgm:rule type="primFontSz" val="5" fact="NaN" max="NaN"/>
-                      </dgm:ruleLst>
-                    </dgm:layoutNode>
-                    <dgm:layoutNode name="FourNodes_4_text">
-                      <dgm:varLst>
-                        <dgm:bulletEnabled val="1"/>
-                      </dgm:varLst>
-                      <dgm:alg type="tx">
-                        <dgm:param type="parTxLTRAlign" val="l"/>
-                        <dgm:param type="txAnchorVertCh" val="mid"/>
-                      </dgm:alg>
-                      <dgm:shape xmlns:r="http://schemas.openxmlformats.org/officeDocument/2006/relationships" type="roundRect" r:blip="" hideGeom="1">
-                        <dgm:adjLst>
-                          <dgm:adj idx="1" val="0.1"/>
-                        </dgm:adjLst>
-                      </dgm:shape>
-                      <dgm:presOf axis="ch desOrSelf" ptType="node node" st="4 1" cnt="1 0"/>
-                      <dgm:constrLst>
-                        <dgm:constr type="lMarg" refType="primFontSz" fact="0.3"/>
-                        <dgm:constr type="rMarg" refType="primFontSz" fact="0.3"/>
-                        <dgm:constr type="tMarg" refType="primFontSz" fact="0.3"/>
-                        <dgm:constr type="bMarg" refType="primFontSz" fact="0.3"/>
-                      </dgm:constrLst>
-                      <dgm:ruleLst>
-                        <dgm:rule type="primFontSz" val="5" fact="NaN" max="NaN"/>
-                      </dgm:ruleLst>
-                    </dgm:layoutNode>
-                  </dgm:if>
-                  <dgm:else name="Name14">
-                    <dgm:choose name="Name15">
-                      <dgm:if name="Name16" axis="ch" ptType="node" func="cnt" op="gte" val="5">
-                        <dgm:layoutNode name="FiveNodes_1">
-                          <dgm:varLst>
-                            <dgm:bulletEnabled val="1"/>
-                          </dgm:varLst>
-                          <dgm:alg type="sp"/>
-                          <dgm:shape xmlns:r="http://schemas.openxmlformats.org/officeDocument/2006/relationships" type="roundRect" r:blip="">
-                            <dgm:adjLst>
-                              <dgm:adj idx="1" val="0.1"/>
-                            </dgm:adjLst>
-                          </dgm:shape>
-                          <dgm:presOf axis="ch desOrSelf" ptType="node node" st="1 1" cnt="1 0"/>
-                          <dgm:constrLst/>
-                          <dgm:ruleLst/>
-                        </dgm:layoutNode>
-                        <dgm:layoutNode name="FiveNodes_2">
-                          <dgm:varLst>
-                            <dgm:bulletEnabled val="1"/>
-                          </dgm:varLst>
-                          <dgm:alg type="sp"/>
-                          <dgm:shape xmlns:r="http://schemas.openxmlformats.org/officeDocument/2006/relationships" type="roundRect" r:blip="">
-                            <dgm:adjLst>
-                              <dgm:adj idx="1" val="0.1"/>
-                            </dgm:adjLst>
-                          </dgm:shape>
-                          <dgm:presOf axis="ch desOrSelf" ptType="node node" st="2 1" cnt="1 0"/>
-                          <dgm:constrLst/>
-                          <dgm:ruleLst/>
-                        </dgm:layoutNode>
-                        <dgm:layoutNode name="FiveNodes_3">
-                          <dgm:varLst>
-                            <dgm:bulletEnabled val="1"/>
-                          </dgm:varLst>
-                          <dgm:alg type="sp"/>
-                          <dgm:shape xmlns:r="http://schemas.openxmlformats.org/officeDocument/2006/relationships" type="roundRect" r:blip="">
-                            <dgm:adjLst>
-                              <dgm:adj idx="1" val="0.1"/>
-                            </dgm:adjLst>
-                          </dgm:shape>
-                          <dgm:presOf axis="ch desOrSelf" ptType="node node" st="3 1" cnt="1 0"/>
-                          <dgm:constrLst/>
-                          <dgm:ruleLst/>
-                        </dgm:layoutNode>
-                        <dgm:layoutNode name="FiveNodes_4">
-                          <dgm:varLst>
-                            <dgm:bulletEnabled val="1"/>
-                          </dgm:varLst>
-                          <dgm:alg type="sp"/>
-                          <dgm:shape xmlns:r="http://schemas.openxmlformats.org/officeDocument/2006/relationships" type="roundRect" r:blip="">
-                            <dgm:adjLst>
-                              <dgm:adj idx="1" val="0.1"/>
-                            </dgm:adjLst>
-                          </dgm:shape>
-                          <dgm:presOf axis="ch desOrSelf" ptType="node node" st="4 1" cnt="1 0"/>
-                          <dgm:constrLst/>
-                          <dgm:ruleLst/>
-                        </dgm:layoutNode>
-                        <dgm:layoutNode name="FiveNodes_5">
-                          <dgm:varLst>
-                            <dgm:bulletEnabled val="1"/>
-                          </dgm:varLst>
-                          <dgm:alg type="sp"/>
-                          <dgm:shape xmlns:r="http://schemas.openxmlformats.org/officeDocument/2006/relationships" type="roundRect" r:blip="">
-                            <dgm:adjLst>
-                              <dgm:adj idx="1" val="0.1"/>
-                            </dgm:adjLst>
-                          </dgm:shape>
-                          <dgm:presOf axis="ch desOrSelf" ptType="node node" st="5 1" cnt="1 0"/>
-                          <dgm:constrLst/>
-                          <dgm:ruleLst/>
-                        </dgm:layoutNode>
-                        <dgm:layoutNode name="FiveConn_1-2" styleLbl="fgAccFollowNode1">
-                          <dgm:varLst>
-                            <dgm:bulletEnabled val="1"/>
-                          </dgm:varLst>
-                          <dgm:alg type="tx"/>
-                          <dgm:shape xmlns:r="http://schemas.openxmlformats.org/officeDocument/2006/relationships" type="downArrow" r:blip="">
-                            <dgm:adjLst>
-                              <dgm:adj idx="1" val="0.55"/>
-                              <dgm:adj idx="2" val="0.45"/>
-                            </dgm:adjLst>
-                          </dgm:shape>
-                          <dgm:presOf axis="ch" ptType="sibTrans" cnt="1"/>
-                          <dgm:constrLst>
-                            <dgm:constr type="lMarg" refType="primFontSz" fact="0.1"/>
-                            <dgm:constr type="rMarg" refType="primFontSz" fact="0.1"/>
-                            <dgm:constr type="tMarg" refType="primFontSz" fact="0.1"/>
-                            <dgm:constr type="bMarg" refType="primFontSz" fact="0.1"/>
-                          </dgm:constrLst>
-                          <dgm:ruleLst>
-                            <dgm:rule type="primFontSz" val="5" fact="NaN" max="NaN"/>
-                          </dgm:ruleLst>
-                        </dgm:layoutNode>
-                        <dgm:layoutNode name="FiveConn_2-3" styleLbl="fgAccFollowNode1">
-                          <dgm:varLst>
-                            <dgm:bulletEnabled val="1"/>
-                          </dgm:varLst>
-                          <dgm:alg type="tx"/>
-                          <dgm:shape xmlns:r="http://schemas.openxmlformats.org/officeDocument/2006/relationships" type="downArrow" r:blip="">
-                            <dgm:adjLst>
-                              <dgm:adj idx="1" val="0.55"/>
-                              <dgm:adj idx="2" val="0.45"/>
-                            </dgm:adjLst>
-                          </dgm:shape>
-                          <dgm:presOf axis="ch" ptType="sibTrans" st="2" cnt="1"/>
-                          <dgm:constrLst>
-                            <dgm:constr type="lMarg" refType="primFontSz" fact="0.1"/>
-                            <dgm:constr type="rMarg" refType="primFontSz" fact="0.1"/>
-                            <dgm:constr type="tMarg" refType="primFontSz" fact="0.1"/>
-                            <dgm:constr type="bMarg" refType="primFontSz" fact="0.1"/>
-                          </dgm:constrLst>
-                          <dgm:ruleLst>
-                            <dgm:rule type="primFontSz" val="5" fact="NaN" max="NaN"/>
-                          </dgm:ruleLst>
-                        </dgm:layoutNode>
-                        <dgm:layoutNode name="FiveConn_3-4" styleLbl="fgAccFollowNode1">
-                          <dgm:varLst>
-                            <dgm:bulletEnabled val="1"/>
-                          </dgm:varLst>
-                          <dgm:alg type="tx"/>
-                          <dgm:shape xmlns:r="http://schemas.openxmlformats.org/officeDocument/2006/relationships" type="downArrow" r:blip="">
-                            <dgm:adjLst>
-                              <dgm:adj idx="1" val="0.55"/>
-                              <dgm:adj idx="2" val="0.45"/>
-                            </dgm:adjLst>
-                          </dgm:shape>
-                          <dgm:presOf axis="ch" ptType="sibTrans" st="3" cnt="1"/>
-                          <dgm:constrLst>
-                            <dgm:constr type="lMarg" refType="primFontSz" fact="0.1"/>
-                            <dgm:constr type="rMarg" refType="primFontSz" fact="0.1"/>
-                            <dgm:constr type="tMarg" refType="primFontSz" fact="0.1"/>
-                            <dgm:constr type="bMarg" refType="primFontSz" fact="0.1"/>
-                          </dgm:constrLst>
-                          <dgm:ruleLst>
-                            <dgm:rule type="primFontSz" val="5" fact="NaN" max="NaN"/>
-                          </dgm:ruleLst>
-                        </dgm:layoutNode>
-                        <dgm:layoutNode name="FiveConn_4-5" styleLbl="fgAccFollowNode1">
-                          <dgm:varLst>
-                            <dgm:bulletEnabled val="1"/>
-                          </dgm:varLst>
-                          <dgm:alg type="tx"/>
-                          <dgm:shape xmlns:r="http://schemas.openxmlformats.org/officeDocument/2006/relationships" type="downArrow" r:blip="">
-                            <dgm:adjLst>
-                              <dgm:adj idx="1" val="0.55"/>
-                              <dgm:adj idx="2" val="0.45"/>
-                            </dgm:adjLst>
-                          </dgm:shape>
-                          <dgm:presOf axis="ch" ptType="sibTrans" st="4" cnt="1"/>
-                          <dgm:constrLst>
-                            <dgm:constr type="lMarg" refType="primFontSz" fact="0.1"/>
-                            <dgm:constr type="rMarg" refType="primFontSz" fact="0.1"/>
-                            <dgm:constr type="tMarg" refType="primFontSz" fact="0.1"/>
-                            <dgm:constr type="bMarg" refType="primFontSz" fact="0.1"/>
-                          </dgm:constrLst>
-                          <dgm:ruleLst>
-                            <dgm:rule type="primFontSz" val="5" fact="NaN" max="NaN"/>
-                          </dgm:ruleLst>
-                        </dgm:layoutNode>
-                        <dgm:layoutNode name="FiveNodes_1_text">
-                          <dgm:varLst>
-                            <dgm:bulletEnabled val="1"/>
-                          </dgm:varLst>
-                          <dgm:alg type="tx">
-                            <dgm:param type="parTxLTRAlign" val="l"/>
-                            <dgm:param type="txAnchorVertCh" val="mid"/>
-                          </dgm:alg>
-                          <dgm:shape xmlns:r="http://schemas.openxmlformats.org/officeDocument/2006/relationships" type="roundRect" r:blip="" hideGeom="1">
-                            <dgm:adjLst>
-                              <dgm:adj idx="1" val="0.1"/>
-                            </dgm:adjLst>
-                          </dgm:shape>
-                          <dgm:presOf axis="ch desOrSelf" ptType="node node" st="1 1" cnt="1 0"/>
-                          <dgm:constrLst>
-                            <dgm:constr type="lMarg" refType="primFontSz" fact="0.3"/>
-                            <dgm:constr type="rMarg" refType="primFontSz" fact="0.3"/>
-                            <dgm:constr type="tMarg" refType="primFontSz" fact="0.3"/>
-                            <dgm:constr type="bMarg" refType="primFontSz" fact="0.3"/>
-                          </dgm:constrLst>
-                          <dgm:ruleLst>
-                            <dgm:rule type="primFontSz" val="5" fact="NaN" max="NaN"/>
-                          </dgm:ruleLst>
-                        </dgm:layoutNode>
-                        <dgm:layoutNode name="FiveNodes_2_text">
-                          <dgm:varLst>
-                            <dgm:bulletEnabled val="1"/>
-                          </dgm:varLst>
-                          <dgm:alg type="tx">
-                            <dgm:param type="parTxLTRAlign" val="l"/>
-                            <dgm:param type="txAnchorVertCh" val="mid"/>
-                          </dgm:alg>
-                          <dgm:shape xmlns:r="http://schemas.openxmlformats.org/officeDocument/2006/relationships" type="roundRect" r:blip="" hideGeom="1">
-                            <dgm:adjLst>
-                              <dgm:adj idx="1" val="0.1"/>
-                            </dgm:adjLst>
-                          </dgm:shape>
-                          <dgm:presOf axis="ch desOrSelf" ptType="node node" st="2 1" cnt="1 0"/>
-                          <dgm:constrLst>
-                            <dgm:constr type="lMarg" refType="primFontSz" fact="0.3"/>
-                            <dgm:constr type="rMarg" refType="primFontSz" fact="0.3"/>
-                            <dgm:constr type="tMarg" refType="primFontSz" fact="0.3"/>
-                            <dgm:constr type="bMarg" refType="primFontSz" fact="0.3"/>
-                          </dgm:constrLst>
-                          <dgm:ruleLst>
-                            <dgm:rule type="primFontSz" val="5" fact="NaN" max="NaN"/>
-                          </dgm:ruleLst>
-                        </dgm:layoutNode>
-                        <dgm:layoutNode name="FiveNodes_3_text">
-                          <dgm:varLst>
-                            <dgm:bulletEnabled val="1"/>
-                          </dgm:varLst>
-                          <dgm:alg type="tx">
-                            <dgm:param type="parTxLTRAlign" val="l"/>
-                            <dgm:param type="txAnchorVertCh" val="mid"/>
-                          </dgm:alg>
-                          <dgm:shape xmlns:r="http://schemas.openxmlformats.org/officeDocument/2006/relationships" type="roundRect" r:blip="" hideGeom="1">
-                            <dgm:adjLst>
-                              <dgm:adj idx="1" val="0.1"/>
-                            </dgm:adjLst>
-                          </dgm:shape>
-                          <dgm:presOf axis="ch desOrSelf" ptType="node node" st="3 1" cnt="1 0"/>
-                          <dgm:constrLst>
-                            <dgm:constr type="lMarg" refType="primFontSz" fact="0.3"/>
-                            <dgm:constr type="rMarg" refType="primFontSz" fact="0.3"/>
-                            <dgm:constr type="tMarg" refType="primFontSz" fact="0.3"/>
-                            <dgm:constr type="bMarg" refType="primFontSz" fact="0.3"/>
-                          </dgm:constrLst>
-                          <dgm:ruleLst>
-                            <dgm:rule type="primFontSz" val="5" fact="NaN" max="NaN"/>
-                          </dgm:ruleLst>
-                        </dgm:layoutNode>
-                        <dgm:layoutNode name="FiveNodes_4_text">
-                          <dgm:varLst>
-                            <dgm:bulletEnabled val="1"/>
-                          </dgm:varLst>
-                          <dgm:alg type="tx">
-                            <dgm:param type="parTxLTRAlign" val="l"/>
-                            <dgm:param type="txAnchorVertCh" val="mid"/>
-                          </dgm:alg>
-                          <dgm:shape xmlns:r="http://schemas.openxmlformats.org/officeDocument/2006/relationships" type="roundRect" r:blip="" hideGeom="1">
-                            <dgm:adjLst>
-                              <dgm:adj idx="1" val="0.1"/>
-                            </dgm:adjLst>
-                          </dgm:shape>
-                          <dgm:presOf axis="ch desOrSelf" ptType="node node" st="4 1" cnt="1 0"/>
-                          <dgm:constrLst>
-                            <dgm:constr type="lMarg" refType="primFontSz" fact="0.3"/>
-                            <dgm:constr type="rMarg" refType="primFontSz" fact="0.3"/>
-                            <dgm:constr type="tMarg" refType="primFontSz" fact="0.3"/>
-                            <dgm:constr type="bMarg" refType="primFontSz" fact="0.3"/>
-                          </dgm:constrLst>
-                          <dgm:ruleLst>
-                            <dgm:rule type="primFontSz" val="5" fact="NaN" max="NaN"/>
-                          </dgm:ruleLst>
-                        </dgm:layoutNode>
-                        <dgm:layoutNode name="FiveNodes_5_text">
-                          <dgm:varLst>
-                            <dgm:bulletEnabled val="1"/>
-                          </dgm:varLst>
-                          <dgm:alg type="tx">
-                            <dgm:param type="parTxLTRAlign" val="l"/>
-                            <dgm:param type="txAnchorVertCh" val="mid"/>
-                          </dgm:alg>
-                          <dgm:shape xmlns:r="http://schemas.openxmlformats.org/officeDocument/2006/relationships" type="roundRect" r:blip="" hideGeom="1">
-                            <dgm:adjLst>
-                              <dgm:adj idx="1" val="0.1"/>
-                            </dgm:adjLst>
-                          </dgm:shape>
-                          <dgm:presOf axis="ch desOrSelf" ptType="node node" st="5 1" cnt="1 0"/>
-                          <dgm:constrLst>
-                            <dgm:constr type="lMarg" refType="primFontSz" fact="0.3"/>
-                            <dgm:constr type="rMarg" refType="primFontSz" fact="0.3"/>
-                            <dgm:constr type="tMarg" refType="primFontSz" fact="0.3"/>
-                            <dgm:constr type="bMarg" refType="primFontSz" fact="0.3"/>
-                          </dgm:constrLst>
-                          <dgm:ruleLst>
-                            <dgm:rule type="primFontSz" val="5" fact="NaN" max="NaN"/>
-                          </dgm:ruleLst>
-                        </dgm:layoutNode>
-                      </dgm:if>
-                      <dgm:else name="Name17"/>
-                    </dgm:choose>
-                  </dgm:else>
-                </dgm:choose>
-              </dgm:else>
-            </dgm:choose>
-          </dgm:else>
-        </dgm:choose>
-      </dgm:else>
-    </dgm:choose>
-  </dgm:layoutNode>
-</dgm:layoutDef>
-</file>
-
-<file path=ppt/diagrams/quickStyle1.xml><?xml version="1.0" encoding="utf-8"?>
-<dgm:styleDef xmlns:dgm="http://schemas.openxmlformats.org/drawingml/2006/diagram" xmlns:a="http://schemas.openxmlformats.org/drawingml/2006/main" uniqueId="urn:microsoft.com/office/officeart/2005/8/quickstyle/simple4">
-  <dgm:title val=""/>
-  <dgm:desc val=""/>
-  <dgm:catLst>
-    <dgm:cat type="simple" pri="10400"/>
-  </dgm:catLst>
-  <dgm:scene3d>
-    <a:camera prst="orthographicFront"/>
-    <a:lightRig rig="threePt" dir="t"/>
-  </dgm:scene3d>
-  <dgm:styleLbl name="node0">
-    <dgm:scene3d>
-      <a:camera prst="orthographicFront"/>
-      <a:lightRig rig="threePt" dir="t"/>
-    </dgm:scene3d>
-    <dgm:sp3d/>
-    <dgm:txPr/>
-    <dgm:style>
-      <a:lnRef idx="0">
-        <a:scrgbClr r="0" g="0" b="0"/>
-      </a:lnRef>
-      <a:fillRef idx="3">
-        <a:scrgbClr r="0" g="0" b="0"/>
-      </a:fillRef>
-      <a:effectRef idx="2">
-        <a:scrgbClr r="0" g="0" b="0"/>
-      </a:effectRef>
-      <a:fontRef idx="minor">
-        <a:schemeClr val="lt1"/>
-      </a:fontRef>
-    </dgm:style>
-  </dgm:styleLbl>
-  <dgm:styleLbl name="lnNode1">
-    <dgm:scene3d>
-      <a:camera prst="orthographicFront"/>
-      <a:lightRig rig="threePt" dir="t"/>
-    </dgm:scene3d>
-    <dgm:sp3d/>
-    <dgm:txPr/>
-    <dgm:style>
-      <a:lnRef idx="1">
-        <a:scrgbClr r="0" g="0" b="0"/>
-      </a:lnRef>
-      <a:fillRef idx="3">
-        <a:scrgbClr r="0" g="0" b="0"/>
-      </a:fillRef>
-      <a:effectRef idx="2">
-        <a:scrgbClr r="0" g="0" b="0"/>
-      </a:effectRef>
-      <a:fontRef idx="minor">
-        <a:schemeClr val="lt1"/>
-      </a:fontRef>
-    </dgm:style>
-  </dgm:styleLbl>
-  <dgm:styleLbl name="vennNode1">
-    <dgm:scene3d>
-      <a:camera prst="orthographicFront"/>
-      <a:lightRig rig="threePt" dir="t"/>
-    </dgm:scene3d>
-    <dgm:sp3d/>
-    <dgm:txPr/>
-    <dgm:style>
-      <a:lnRef idx="0">
-        <a:scrgbClr r="0" g="0" b="0"/>
-      </a:lnRef>
-      <a:fillRef idx="3">
-        <a:scrgbClr r="0" g="0" b="0"/>
-      </a:fillRef>
-      <a:effectRef idx="0">
-        <a:scrgbClr r="0" g="0" b="0"/>
-      </a:effectRef>
-      <a:fontRef idx="minor">
-        <a:schemeClr val="tx1"/>
-      </a:fontRef>
-    </dgm:style>
-  </dgm:styleLbl>
-  <dgm:styleLbl name="alignNode1">
-    <dgm:scene3d>
-      <a:camera prst="orthographicFront"/>
-      <a:lightRig rig="threePt" dir="t"/>
-    </dgm:scene3d>
-    <dgm:sp3d/>
-    <dgm:txPr/>
-    <dgm:style>
-      <a:lnRef idx="1">
-        <a:scrgbClr r="0" g="0" b="0"/>
-      </a:lnRef>
-      <a:fillRef idx="3">
-        <a:scrgbClr r="0" g="0" b="0"/>
-      </a:fillRef>
-      <a:effectRef idx="2">
-        <a:scrgbClr r="0" g="0" b="0"/>
-      </a:effectRef>
-      <a:fontRef idx="minor">
-        <a:schemeClr val="lt1"/>
-      </a:fontRef>
-    </dgm:style>
-  </dgm:styleLbl>
-  <dgm:styleLbl name="node1">
-    <dgm:scene3d>
-      <a:camera prst="orthographicFront"/>
-      <a:lightRig rig="threePt" dir="t"/>
-    </dgm:scene3d>
-    <dgm:sp3d/>
-    <dgm:txPr/>
-    <dgm:style>
-      <a:lnRef idx="0">
-        <a:scrgbClr r="0" g="0" b="0"/>
-      </a:lnRef>
-      <a:fillRef idx="3">
-        <a:scrgbClr r="0" g="0" b="0"/>
-      </a:fillRef>
-      <a:effectRef idx="2">
-        <a:scrgbClr r="0" g="0" b="0"/>
-      </a:effectRef>
-      <a:fontRef idx="minor">
-        <a:schemeClr val="lt1"/>
-      </a:fontRef>
-    </dgm:style>
-  </dgm:styleLbl>
-  <dgm:styleLbl name="node2">
-    <dgm:scene3d>
-      <a:camera prst="orthographicFront"/>
-      <a:lightRig rig="threePt" dir="t"/>
-    </dgm:scene3d>
-    <dgm:sp3d/>
-    <dgm:txPr/>
-    <dgm:style>
-      <a:lnRef idx="0">
-        <a:scrgbClr r="0" g="0" b="0"/>
-      </a:lnRef>
-      <a:fillRef idx="3">
-        <a:scrgbClr r="0" g="0" b="0"/>
-      </a:fillRef>
-      <a:effectRef idx="2">
-        <a:scrgbClr r="0" g="0" b="0"/>
-      </a:effectRef>
-      <a:fontRef idx="minor">
-        <a:schemeClr val="lt1"/>
-      </a:fontRef>
-    </dgm:style>
-  </dgm:styleLbl>
-  <dgm:styleLbl name="node3">
-    <dgm:scene3d>
-      <a:camera prst="orthographicFront"/>
-      <a:lightRig rig="threePt" dir="t"/>
-    </dgm:scene3d>
-    <dgm:sp3d/>
-    <dgm:txPr/>
-    <dgm:style>
-      <a:lnRef idx="0">
-        <a:scrgbClr r="0" g="0" b="0"/>
-      </a:lnRef>
-      <a:fillRef idx="3">
-        <a:scrgbClr r="0" g="0" b="0"/>
-      </a:fillRef>
-      <a:effectRef idx="2">
-        <a:scrgbClr r="0" g="0" b="0"/>
-      </a:effectRef>
-      <a:fontRef idx="minor">
-        <a:schemeClr val="lt1"/>
-      </a:fontRef>
-    </dgm:style>
-  </dgm:styleLbl>
-  <dgm:styleLbl name="node4">
-    <dgm:scene3d>
-      <a:camera prst="orthographicFront"/>
-      <a:lightRig rig="threePt" dir="t"/>
-    </dgm:scene3d>
-    <dgm:sp3d/>
-    <dgm:txPr/>
-    <dgm:style>
-      <a:lnRef idx="0">
-        <a:scrgbClr r="0" g="0" b="0"/>
-      </a:lnRef>
-      <a:fillRef idx="3">
-        <a:scrgbClr r="0" g="0" b="0"/>
-      </a:fillRef>
-      <a:effectRef idx="2">
-        <a:scrgbClr r="0" g="0" b="0"/>
-      </a:effectRef>
-      <a:fontRef idx="minor">
-        <a:schemeClr val="lt1"/>
-      </a:fontRef>
-    </dgm:style>
-  </dgm:styleLbl>
-  <dgm:styleLbl name="fgImgPlace1">
-    <dgm:scene3d>
-      <a:camera prst="orthographicFront"/>
-      <a:lightRig rig="threePt" dir="t"/>
-    </dgm:scene3d>
-    <dgm:sp3d/>
-    <dgm:txPr/>
-    <dgm:style>
-      <a:lnRef idx="0">
-        <a:scrgbClr r="0" g="0" b="0"/>
-      </a:lnRef>
-      <a:fillRef idx="1">
-        <a:scrgbClr r="0" g="0" b="0"/>
-      </a:fillRef>
-      <a:effectRef idx="2">
-        <a:scrgbClr r="0" g="0" b="0"/>
-      </a:effectRef>
-      <a:fontRef idx="minor"/>
-    </dgm:style>
-  </dgm:styleLbl>
-  <dgm:styleLbl name="alignImgPlace1">
-    <dgm:scene3d>
-      <a:camera prst="orthographicFront"/>
-      <a:lightRig rig="threePt" dir="t"/>
-    </dgm:scene3d>
-    <dgm:sp3d/>
-    <dgm:txPr/>
-    <dgm:style>
-      <a:lnRef idx="0">
-        <a:scrgbClr r="0" g="0" b="0"/>
-      </a:lnRef>
-      <a:fillRef idx="1">
-        <a:scrgbClr r="0" g="0" b="0"/>
-      </a:fillRef>
-      <a:effectRef idx="2">
-        <a:scrgbClr r="0" g="0" b="0"/>
-      </a:effectRef>
-      <a:fontRef idx="minor"/>
-    </dgm:style>
-  </dgm:styleLbl>
-  <dgm:styleLbl name="bgImgPlace1">
-    <dgm:scene3d>
-      <a:camera prst="orthographicFront"/>
-      <a:lightRig rig="threePt" dir="t"/>
-    </dgm:scene3d>
-    <dgm:sp3d/>
-    <dgm:txPr/>
-    <dgm:style>
-      <a:lnRef idx="0">
-        <a:scrgbClr r="0" g="0" b="0"/>
-      </a:lnRef>
-      <a:fillRef idx="1">
-        <a:scrgbClr r="0" g="0" b="0"/>
-      </a:fillRef>
-      <a:effectRef idx="2">
-        <a:scrgbClr r="0" g="0" b="0"/>
-      </a:effectRef>
-      <a:fontRef idx="minor"/>
-    </dgm:style>
-  </dgm:styleLbl>
-  <dgm:styleLbl name="sibTrans2D1">
-    <dgm:scene3d>
-      <a:camera prst="orthographicFront"/>
-      <a:lightRig rig="threePt" dir="t"/>
-    </dgm:scene3d>
-    <dgm:sp3d/>
-    <dgm:txPr/>
-    <dgm:style>
-      <a:lnRef idx="0">
-        <a:scrgbClr r="0" g="0" b="0"/>
-      </a:lnRef>
-      <a:fillRef idx="3">
-        <a:scrgbClr r="0" g="0" b="0"/>
-      </a:fillRef>
-      <a:effectRef idx="2">
-        <a:scrgbClr r="0" g="0" b="0"/>
-      </a:effectRef>
-      <a:fontRef idx="minor">
-        <a:schemeClr val="lt1"/>
-      </a:fontRef>
-    </dgm:style>
-  </dgm:styleLbl>
-  <dgm:styleLbl name="fgSibTrans2D1">
-    <dgm:scene3d>
-      <a:camera prst="orthographicFront"/>
-      <a:lightRig rig="threePt" dir="t"/>
-    </dgm:scene3d>
-    <dgm:sp3d/>
-    <dgm:txPr/>
-    <dgm:style>
-      <a:lnRef idx="0">
-        <a:scrgbClr r="0" g="0" b="0"/>
-      </a:lnRef>
-      <a:fillRef idx="3">
-        <a:scrgbClr r="0" g="0" b="0"/>
-      </a:fillRef>
-      <a:effectRef idx="2">
-        <a:scrgbClr r="0" g="0" b="0"/>
-      </a:effectRef>
-      <a:fontRef idx="minor">
-        <a:schemeClr val="lt1"/>
-      </a:fontRef>
-    </dgm:style>
-  </dgm:styleLbl>
-  <dgm:styleLbl name="bgSibTrans2D1">
-    <dgm:scene3d>
-      <a:camera prst="orthographicFront"/>
-      <a:lightRig rig="threePt" dir="t"/>
-    </dgm:scene3d>
-    <dgm:sp3d/>
-    <dgm:txPr/>
-    <dgm:style>
-      <a:lnRef idx="0">
-        <a:scrgbClr r="0" g="0" b="0"/>
-      </a:lnRef>
-      <a:fillRef idx="3">
-        <a:scrgbClr r="0" g="0" b="0"/>
-      </a:fillRef>
-      <a:effectRef idx="2">
-        <a:scrgbClr r="0" g="0" b="0"/>
-      </a:effectRef>
-      <a:fontRef idx="minor">
-        <a:schemeClr val="lt1"/>
-      </a:fontRef>
-    </dgm:style>
-  </dgm:styleLbl>
-  <dgm:styleLbl name="sibTrans1D1">
-    <dgm:scene3d>
-      <a:camera prst="orthographicFront"/>
-      <a:lightRig rig="threePt" dir="t"/>
-    </dgm:scene3d>
-    <dgm:sp3d/>
-    <dgm:txPr/>
-    <dgm:style>
-      <a:lnRef idx="1">
-        <a:scrgbClr r="0" g="0" b="0"/>
-      </a:lnRef>
-      <a:fillRef idx="0">
-        <a:scrgbClr r="0" g="0" b="0"/>
-      </a:fillRef>
-      <a:effectRef idx="0">
-        <a:scrgbClr r="0" g="0" b="0"/>
-      </a:effectRef>
-      <a:fontRef idx="minor"/>
-    </dgm:style>
-  </dgm:styleLbl>
-  <dgm:styleLbl name="callout">
-    <dgm:scene3d>
-      <a:camera prst="orthographicFront"/>
-      <a:lightRig rig="threePt" dir="t"/>
-    </dgm:scene3d>
-    <dgm:sp3d/>
-    <dgm:txPr/>
-    <dgm:style>
-      <a:lnRef idx="2">
-        <a:scrgbClr r="0" g="0" b="0"/>
-      </a:lnRef>
-      <a:fillRef idx="1">
-        <a:scrgbClr r="0" g="0" b="0"/>
-      </a:fillRef>
-      <a:effectRef idx="1">
-        <a:scrgbClr r="0" g="0" b="0"/>
-      </a:effectRef>
-      <a:fontRef idx="minor"/>
-    </dgm:style>
-  </dgm:styleLbl>
-  <dgm:styleLbl name="asst0">
-    <dgm:scene3d>
-      <a:camera prst="orthographicFront"/>
-      <a:lightRig rig="threePt" dir="t"/>
-    </dgm:scene3d>
-    <dgm:sp3d/>
-    <dgm:txPr/>
-    <dgm:style>
-      <a:lnRef idx="0">
-        <a:scrgbClr r="0" g="0" b="0"/>
-      </a:lnRef>
-      <a:fillRef idx="3">
-        <a:scrgbClr r="0" g="0" b="0"/>
-      </a:fillRef>
-      <a:effectRef idx="2">
-        <a:scrgbClr r="0" g="0" b="0"/>
-      </a:effectRef>
-      <a:fontRef idx="minor">
-        <a:schemeClr val="lt1"/>
-      </a:fontRef>
-    </dgm:style>
-  </dgm:styleLbl>
-  <dgm:styleLbl name="asst1">
-    <dgm:scene3d>
-      <a:camera prst="orthographicFront"/>
-      <a:lightRig rig="threePt" dir="t"/>
-    </dgm:scene3d>
-    <dgm:sp3d/>
-    <dgm:txPr/>
-    <dgm:style>
-      <a:lnRef idx="0">
-        <a:scrgbClr r="0" g="0" b="0"/>
-      </a:lnRef>
-      <a:fillRef idx="3">
-        <a:scrgbClr r="0" g="0" b="0"/>
-      </a:fillRef>
-      <a:effectRef idx="2">
-        <a:scrgbClr r="0" g="0" b="0"/>
-      </a:effectRef>
-      <a:fontRef idx="minor">
-        <a:schemeClr val="lt1"/>
-      </a:fontRef>
-    </dgm:style>
-  </dgm:styleLbl>
-  <dgm:styleLbl name="asst2">
-    <dgm:scene3d>
-      <a:camera prst="orthographicFront"/>
-      <a:lightRig rig="threePt" dir="t"/>
-    </dgm:scene3d>
-    <dgm:sp3d/>
-    <dgm:txPr/>
-    <dgm:style>
-      <a:lnRef idx="0">
-        <a:scrgbClr r="0" g="0" b="0"/>
-      </a:lnRef>
-      <a:fillRef idx="3">
-        <a:scrgbClr r="0" g="0" b="0"/>
-      </a:fillRef>
-      <a:effectRef idx="2">
-        <a:scrgbClr r="0" g="0" b="0"/>
-      </a:effectRef>
-      <a:fontRef idx="minor">
-        <a:schemeClr val="lt1"/>
-      </a:fontRef>
-    </dgm:style>
-  </dgm:styleLbl>
-  <dgm:styleLbl name="asst3">
-    <dgm:scene3d>
-      <a:camera prst="orthographicFront"/>
-      <a:lightRig rig="threePt" dir="t"/>
-    </dgm:scene3d>
-    <dgm:sp3d/>
-    <dgm:txPr/>
-    <dgm:style>
-      <a:lnRef idx="0">
-        <a:scrgbClr r="0" g="0" b="0"/>
-      </a:lnRef>
-      <a:fillRef idx="3">
-        <a:scrgbClr r="0" g="0" b="0"/>
-      </a:fillRef>
-      <a:effectRef idx="2">
-        <a:scrgbClr r="0" g="0" b="0"/>
-      </a:effectRef>
-      <a:fontRef idx="minor">
-        <a:schemeClr val="lt1"/>
-      </a:fontRef>
-    </dgm:style>
-  </dgm:styleLbl>
-  <dgm:styleLbl name="asst4">
-    <dgm:scene3d>
-      <a:camera prst="orthographicFront"/>
-      <a:lightRig rig="threePt" dir="t"/>
-    </dgm:scene3d>
-    <dgm:sp3d/>
-    <dgm:txPr/>
-    <dgm:style>
-      <a:lnRef idx="0">
-        <a:scrgbClr r="0" g="0" b="0"/>
-      </a:lnRef>
-      <a:fillRef idx="3">
-        <a:scrgbClr r="0" g="0" b="0"/>
-      </a:fillRef>
-      <a:effectRef idx="2">
-        <a:scrgbClr r="0" g="0" b="0"/>
-      </a:effectRef>
-      <a:fontRef idx="minor">
-        <a:schemeClr val="lt1"/>
-      </a:fontRef>
-    </dgm:style>
-  </dgm:styleLbl>
-  <dgm:styleLbl name="parChTrans2D1">
-    <dgm:scene3d>
-      <a:camera prst="orthographicFront"/>
-      <a:lightRig rig="threePt" dir="t"/>
-    </dgm:scene3d>
-    <dgm:sp3d/>
-    <dgm:txPr/>
-    <dgm:style>
-      <a:lnRef idx="0">
-        <a:scrgbClr r="0" g="0" b="0"/>
-      </a:lnRef>
-      <a:fillRef idx="3">
-        <a:scrgbClr r="0" g="0" b="0"/>
-      </a:fillRef>
-      <a:effectRef idx="2">
-        <a:scrgbClr r="0" g="0" b="0"/>
-      </a:effectRef>
-      <a:fontRef idx="minor">
-        <a:schemeClr val="lt1"/>
-      </a:fontRef>
-    </dgm:style>
-  </dgm:styleLbl>
-  <dgm:styleLbl name="parChTrans2D2">
-    <dgm:scene3d>
-      <a:camera prst="orthographicFront"/>
-      <a:lightRig rig="threePt" dir="t"/>
-    </dgm:scene3d>
-    <dgm:sp3d/>
-    <dgm:txPr/>
-    <dgm:style>
-      <a:lnRef idx="0">
-        <a:scrgbClr r="0" g="0" b="0"/>
-      </a:lnRef>
-      <a:fillRef idx="3">
-        <a:scrgbClr r="0" g="0" b="0"/>
-      </a:fillRef>
-      <a:effectRef idx="2">
-        <a:scrgbClr r="0" g="0" b="0"/>
-      </a:effectRef>
-      <a:fontRef idx="minor">
-        <a:schemeClr val="lt1"/>
-      </a:fontRef>
-    </dgm:style>
-  </dgm:styleLbl>
-  <dgm:styleLbl name="parChTrans2D3">
-    <dgm:scene3d>
-      <a:camera prst="orthographicFront"/>
-      <a:lightRig rig="threePt" dir="t"/>
-    </dgm:scene3d>
-    <dgm:sp3d/>
-    <dgm:txPr/>
-    <dgm:style>
-      <a:lnRef idx="1">
-        <a:scrgbClr r="0" g="0" b="0"/>
-      </a:lnRef>
-      <a:fillRef idx="3">
-        <a:scrgbClr r="0" g="0" b="0"/>
-      </a:fillRef>
-      <a:effectRef idx="2">
-        <a:scrgbClr r="0" g="0" b="0"/>
-      </a:effectRef>
-      <a:fontRef idx="minor">
-        <a:schemeClr val="lt1"/>
-      </a:fontRef>
-    </dgm:style>
-  </dgm:styleLbl>
-  <dgm:styleLbl name="parChTrans2D4">
-    <dgm:scene3d>
-      <a:camera prst="orthographicFront"/>
-      <a:lightRig rig="threePt" dir="t"/>
-    </dgm:scene3d>
-    <dgm:sp3d/>
-    <dgm:txPr/>
-    <dgm:style>
-      <a:lnRef idx="1">
-        <a:scrgbClr r="0" g="0" b="0"/>
-      </a:lnRef>
-      <a:fillRef idx="3">
-        <a:scrgbClr r="0" g="0" b="0"/>
-      </a:fillRef>
-      <a:effectRef idx="2">
-        <a:scrgbClr r="0" g="0" b="0"/>
-      </a:effectRef>
-      <a:fontRef idx="minor">
-        <a:schemeClr val="lt1"/>
-      </a:fontRef>
-    </dgm:style>
-  </dgm:styleLbl>
-  <dgm:styleLbl name="parChTrans1D1">
-    <dgm:scene3d>
-      <a:camera prst="orthographicFront"/>
-      <a:lightRig rig="threePt" dir="t"/>
-    </dgm:scene3d>
-    <dgm:sp3d/>
-    <dgm:txPr/>
-    <dgm:style>
-      <a:lnRef idx="1">
-        <a:scrgbClr r="0" g="0" b="0"/>
-      </a:lnRef>
-      <a:fillRef idx="0">
-        <a:scrgbClr r="0" g="0" b="0"/>
-      </a:fillRef>
-      <a:effectRef idx="0">
-        <a:scrgbClr r="0" g="0" b="0"/>
-      </a:effectRef>
-      <a:fontRef idx="minor"/>
-    </dgm:style>
-  </dgm:styleLbl>
-  <dgm:styleLbl name="parChTrans1D2">
-    <dgm:scene3d>
-      <a:camera prst="orthographicFront"/>
-      <a:lightRig rig="threePt" dir="t"/>
-    </dgm:scene3d>
-    <dgm:sp3d/>
-    <dgm:txPr/>
-    <dgm:style>
-      <a:lnRef idx="1">
-        <a:scrgbClr r="0" g="0" b="0"/>
-      </a:lnRef>
-      <a:fillRef idx="0">
-        <a:scrgbClr r="0" g="0" b="0"/>
-      </a:fillRef>
-      <a:effectRef idx="0">
-        <a:scrgbClr r="0" g="0" b="0"/>
-      </a:effectRef>
-      <a:fontRef idx="minor"/>
-    </dgm:style>
-  </dgm:styleLbl>
-  <dgm:styleLbl name="parChTrans1D3">
-    <dgm:scene3d>
-      <a:camera prst="orthographicFront"/>
-      <a:lightRig rig="threePt" dir="t"/>
-    </dgm:scene3d>
-    <dgm:sp3d/>
-    <dgm:txPr/>
-    <dgm:style>
-      <a:lnRef idx="1">
-        <a:scrgbClr r="0" g="0" b="0"/>
-      </a:lnRef>
-      <a:fillRef idx="0">
-        <a:scrgbClr r="0" g="0" b="0"/>
-      </a:fillRef>
-      <a:effectRef idx="0">
-        <a:scrgbClr r="0" g="0" b="0"/>
-      </a:effectRef>
-      <a:fontRef idx="minor"/>
-    </dgm:style>
-  </dgm:styleLbl>
-  <dgm:styleLbl name="parChTrans1D4">
-    <dgm:scene3d>
-      <a:camera prst="orthographicFront"/>
-      <a:lightRig rig="threePt" dir="t"/>
-    </dgm:scene3d>
-    <dgm:sp3d/>
-    <dgm:txPr/>
-    <dgm:style>
-      <a:lnRef idx="1">
-        <a:scrgbClr r="0" g="0" b="0"/>
-      </a:lnRef>
-      <a:fillRef idx="0">
-        <a:scrgbClr r="0" g="0" b="0"/>
-      </a:fillRef>
-      <a:effectRef idx="0">
-        <a:scrgbClr r="0" g="0" b="0"/>
-      </a:effectRef>
-      <a:fontRef idx="minor"/>
-    </dgm:style>
-  </dgm:styleLbl>
-  <dgm:styleLbl name="fgAcc1">
-    <dgm:scene3d>
-      <a:camera prst="orthographicFront"/>
-      <a:lightRig rig="threePt" dir="t"/>
-    </dgm:scene3d>
-    <dgm:sp3d/>
-    <dgm:txPr/>
-    <dgm:style>
-      <a:lnRef idx="1">
-        <a:scrgbClr r="0" g="0" b="0"/>
-      </a:lnRef>
-      <a:fillRef idx="1">
-        <a:scrgbClr r="0" g="0" b="0"/>
-      </a:fillRef>
-      <a:effectRef idx="0">
-        <a:scrgbClr r="0" g="0" b="0"/>
-      </a:effectRef>
-      <a:fontRef idx="minor"/>
-    </dgm:style>
-  </dgm:styleLbl>
-  <dgm:styleLbl name="conFgAcc1">
-    <dgm:scene3d>
-      <a:camera prst="orthographicFront"/>
-      <a:lightRig rig="threePt" dir="t"/>
-    </dgm:scene3d>
-    <dgm:sp3d/>
-    <dgm:txPr/>
-    <dgm:style>
-      <a:lnRef idx="1">
-        <a:scrgbClr r="0" g="0" b="0"/>
-      </a:lnRef>
-      <a:fillRef idx="1">
-        <a:scrgbClr r="0" g="0" b="0"/>
-      </a:fillRef>
-      <a:effectRef idx="0">
-        <a:scrgbClr r="0" g="0" b="0"/>
-      </a:effectRef>
-      <a:fontRef idx="minor"/>
-    </dgm:style>
-  </dgm:styleLbl>
-  <dgm:styleLbl name="alignAcc1">
-    <dgm:scene3d>
-      <a:camera prst="orthographicFront"/>
-      <a:lightRig rig="threePt" dir="t"/>
-    </dgm:scene3d>
-    <dgm:sp3d/>
-    <dgm:txPr/>
-    <dgm:style>
-      <a:lnRef idx="1">
-        <a:scrgbClr r="0" g="0" b="0"/>
-      </a:lnRef>
-      <a:fillRef idx="1">
-        <a:scrgbClr r="0" g="0" b="0"/>
-      </a:fillRef>
-      <a:effectRef idx="0">
-        <a:scrgbClr r="0" g="0" b="0"/>
-      </a:effectRef>
-      <a:fontRef idx="minor"/>
-    </dgm:style>
-  </dgm:styleLbl>
-  <dgm:styleLbl name="trAlignAcc1">
-    <dgm:scene3d>
-      <a:camera prst="orthographicFront"/>
-      <a:lightRig rig="threePt" dir="t"/>
-    </dgm:scene3d>
-    <dgm:sp3d/>
-    <dgm:txPr/>
-    <dgm:style>
-      <a:lnRef idx="1">
-        <a:scrgbClr r="0" g="0" b="0"/>
-      </a:lnRef>
-      <a:fillRef idx="1">
-        <a:scrgbClr r="0" g="0" b="0"/>
-      </a:fillRef>
-      <a:effectRef idx="0">
-        <a:scrgbClr r="0" g="0" b="0"/>
-      </a:effectRef>
-      <a:fontRef idx="minor"/>
-    </dgm:style>
-  </dgm:styleLbl>
-  <dgm:styleLbl name="bgAcc1">
-    <dgm:scene3d>
-      <a:camera prst="orthographicFront"/>
-      <a:lightRig rig="threePt" dir="t"/>
-    </dgm:scene3d>
-    <dgm:sp3d/>
-    <dgm:txPr/>
-    <dgm:style>
-      <a:lnRef idx="1">
-        <a:scrgbClr r="0" g="0" b="0"/>
-      </a:lnRef>
-      <a:fillRef idx="1">
-        <a:scrgbClr r="0" g="0" b="0"/>
-      </a:fillRef>
-      <a:effectRef idx="0">
-        <a:scrgbClr r="0" g="0" b="0"/>
-      </a:effectRef>
-      <a:fontRef idx="minor"/>
-    </dgm:style>
-  </dgm:styleLbl>
-  <dgm:styleLbl name="solidFgAcc1">
-    <dgm:scene3d>
-      <a:camera prst="orthographicFront"/>
-      <a:lightRig rig="threePt" dir="t"/>
-    </dgm:scene3d>
-    <dgm:sp3d/>
-    <dgm:txPr/>
-    <dgm:style>
-      <a:lnRef idx="1">
-        <a:scrgbClr r="0" g="0" b="0"/>
-      </a:lnRef>
-      <a:fillRef idx="1">
-        <a:scrgbClr r="0" g="0" b="0"/>
-      </a:fillRef>
-      <a:effectRef idx="0">
-        <a:scrgbClr r="0" g="0" b="0"/>
-      </a:effectRef>
-      <a:fontRef idx="minor"/>
-    </dgm:style>
-  </dgm:styleLbl>
-  <dgm:styleLbl name="solidAlignAcc1">
-    <dgm:scene3d>
-      <a:camera prst="orthographicFront"/>
-      <a:lightRig rig="threePt" dir="t"/>
-    </dgm:scene3d>
-    <dgm:sp3d/>
-    <dgm:txPr/>
-    <dgm:style>
-      <a:lnRef idx="1">
-        <a:scrgbClr r="0" g="0" b="0"/>
-      </a:lnRef>
-      <a:fillRef idx="1">
-        <a:scrgbClr r="0" g="0" b="0"/>
-      </a:fillRef>
-      <a:effectRef idx="0">
-        <a:scrgbClr r="0" g="0" b="0"/>
-      </a:effectRef>
-      <a:fontRef idx="minor"/>
-    </dgm:style>
-  </dgm:styleLbl>
-  <dgm:styleLbl name="solidBgAcc1">
-    <dgm:scene3d>
-      <a:camera prst="orthographicFront"/>
-      <a:lightRig rig="threePt" dir="t"/>
-    </dgm:scene3d>
-    <dgm:sp3d/>
-    <dgm:txPr/>
-    <dgm:style>
-      <a:lnRef idx="1">
-        <a:scrgbClr r="0" g="0" b="0"/>
-      </a:lnRef>
-      <a:fillRef idx="1">
-        <a:scrgbClr r="0" g="0" b="0"/>
-      </a:fillRef>
-      <a:effectRef idx="0">
-        <a:scrgbClr r="0" g="0" b="0"/>
-      </a:effectRef>
-      <a:fontRef idx="minor"/>
-    </dgm:style>
-  </dgm:styleLbl>
-  <dgm:styleLbl name="fgAccFollowNode1">
-    <dgm:scene3d>
-      <a:camera prst="orthographicFront"/>
-      <a:lightRig rig="threePt" dir="t"/>
-    </dgm:scene3d>
-    <dgm:sp3d/>
-    <dgm:txPr/>
-    <dgm:style>
-      <a:lnRef idx="1">
-        <a:scrgbClr r="0" g="0" b="0"/>
-      </a:lnRef>
-      <a:fillRef idx="1">
-        <a:scrgbClr r="0" g="0" b="0"/>
-      </a:fillRef>
-      <a:effectRef idx="0">
-        <a:scrgbClr r="0" g="0" b="0"/>
-      </a:effectRef>
-      <a:fontRef idx="minor"/>
-    </dgm:style>
-  </dgm:styleLbl>
-  <dgm:styleLbl name="alignAccFollowNode1">
-    <dgm:scene3d>
-      <a:camera prst="orthographicFront"/>
-      <a:lightRig rig="threePt" dir="t"/>
-    </dgm:scene3d>
-    <dgm:sp3d/>
-    <dgm:txPr/>
-    <dgm:style>
-      <a:lnRef idx="1">
-        <a:scrgbClr r="0" g="0" b="0"/>
-      </a:lnRef>
-      <a:fillRef idx="1">
-        <a:scrgbClr r="0" g="0" b="0"/>
-      </a:fillRef>
-      <a:effectRef idx="0">
-        <a:scrgbClr r="0" g="0" b="0"/>
-      </a:effectRef>
-      <a:fontRef idx="minor"/>
-    </dgm:style>
-  </dgm:styleLbl>
-  <dgm:styleLbl name="bgAccFollowNode1">
-    <dgm:scene3d>
-      <a:camera prst="orthographicFront"/>
-      <a:lightRig rig="threePt" dir="t"/>
-    </dgm:scene3d>
-    <dgm:sp3d/>
-    <dgm:txPr/>
-    <dgm:style>
-      <a:lnRef idx="1">
-        <a:scrgbClr r="0" g="0" b="0"/>
-      </a:lnRef>
-      <a:fillRef idx="1">
-        <a:scrgbClr r="0" g="0" b="0"/>
-      </a:fillRef>
-      <a:effectRef idx="0">
-        <a:scrgbClr r="0" g="0" b="0"/>
-      </a:effectRef>
-      <a:fontRef idx="minor"/>
-    </dgm:style>
-  </dgm:styleLbl>
-  <dgm:styleLbl name="fgAcc0">
-    <dgm:scene3d>
-      <a:camera prst="orthographicFront"/>
-      <a:lightRig rig="threePt" dir="t"/>
-    </dgm:scene3d>
-    <dgm:sp3d/>
-    <dgm:txPr/>
-    <dgm:style>
-      <a:lnRef idx="1">
-        <a:scrgbClr r="0" g="0" b="0"/>
-      </a:lnRef>
-      <a:fillRef idx="1">
-        <a:scrgbClr r="0" g="0" b="0"/>
-      </a:fillRef>
-      <a:effectRef idx="0">
-        <a:scrgbClr r="0" g="0" b="0"/>
-      </a:effectRef>
-      <a:fontRef idx="minor"/>
-    </dgm:style>
-  </dgm:styleLbl>
-  <dgm:styleLbl name="fgAcc2">
-    <dgm:scene3d>
-      <a:camera prst="orthographicFront"/>
-      <a:lightRig rig="threePt" dir="t"/>
-    </dgm:scene3d>
-    <dgm:sp3d/>
-    <dgm:txPr/>
-    <dgm:style>
-      <a:lnRef idx="1">
-        <a:scrgbClr r="0" g="0" b="0"/>
-      </a:lnRef>
-      <a:fillRef idx="1">
-        <a:scrgbClr r="0" g="0" b="0"/>
-      </a:fillRef>
-      <a:effectRef idx="0">
-        <a:scrgbClr r="0" g="0" b="0"/>
-      </a:effectRef>
-      <a:fontRef idx="minor"/>
-    </dgm:style>
-  </dgm:styleLbl>
-  <dgm:styleLbl name="fgAcc3">
-    <dgm:scene3d>
-      <a:camera prst="orthographicFront"/>
-      <a:lightRig rig="threePt" dir="t"/>
-    </dgm:scene3d>
-    <dgm:sp3d/>
-    <dgm:txPr/>
-    <dgm:style>
-      <a:lnRef idx="1">
-        <a:scrgbClr r="0" g="0" b="0"/>
-      </a:lnRef>
-      <a:fillRef idx="1">
-        <a:scrgbClr r="0" g="0" b="0"/>
-      </a:fillRef>
-      <a:effectRef idx="0">
-        <a:scrgbClr r="0" g="0" b="0"/>
-      </a:effectRef>
-      <a:fontRef idx="minor"/>
-    </dgm:style>
-  </dgm:styleLbl>
-  <dgm:styleLbl name="fgAcc4">
-    <dgm:scene3d>
-      <a:camera prst="orthographicFront"/>
-      <a:lightRig rig="threePt" dir="t"/>
-    </dgm:scene3d>
-    <dgm:sp3d/>
-    <dgm:txPr/>
-    <dgm:style>
-      <a:lnRef idx="1">
-        <a:scrgbClr r="0" g="0" b="0"/>
-      </a:lnRef>
-      <a:fillRef idx="1">
-        <a:scrgbClr r="0" g="0" b="0"/>
-      </a:fillRef>
-      <a:effectRef idx="0">
-        <a:scrgbClr r="0" g="0" b="0"/>
-      </a:effectRef>
-      <a:fontRef idx="minor"/>
-    </dgm:style>
-  </dgm:styleLbl>
-  <dgm:styleLbl name="bgShp">
-    <dgm:scene3d>
-      <a:camera prst="orthographicFront"/>
-      <a:lightRig rig="threePt" dir="t"/>
-    </dgm:scene3d>
-    <dgm:sp3d/>
-    <dgm:txPr/>
-    <dgm:style>
-      <a:lnRef idx="0">
-        <a:scrgbClr r="0" g="0" b="0"/>
-      </a:lnRef>
-      <a:fillRef idx="1">
-        <a:scrgbClr r="0" g="0" b="0"/>
-      </a:fillRef>
-      <a:effectRef idx="2">
-        <a:scrgbClr r="0" g="0" b="0"/>
-      </a:effectRef>
-      <a:fontRef idx="minor"/>
-    </dgm:style>
-  </dgm:styleLbl>
-  <dgm:styleLbl name="dkBgShp">
-    <dgm:scene3d>
-      <a:camera prst="orthographicFront"/>
-      <a:lightRig rig="threePt" dir="t"/>
-    </dgm:scene3d>
-    <dgm:sp3d/>
-    <dgm:txPr/>
-    <dgm:style>
-      <a:lnRef idx="0">
-        <a:scrgbClr r="0" g="0" b="0"/>
-      </a:lnRef>
-      <a:fillRef idx="1">
-        <a:scrgbClr r="0" g="0" b="0"/>
-      </a:fillRef>
-      <a:effectRef idx="2">
-        <a:scrgbClr r="0" g="0" b="0"/>
-      </a:effectRef>
-      <a:fontRef idx="minor"/>
-    </dgm:style>
-  </dgm:styleLbl>
-  <dgm:styleLbl name="trBgShp">
-    <dgm:scene3d>
-      <a:camera prst="orthographicFront"/>
-      <a:lightRig rig="threePt" dir="t"/>
-    </dgm:scene3d>
-    <dgm:sp3d/>
-    <dgm:txPr/>
-    <dgm:style>
-      <a:lnRef idx="0">
-        <a:scrgbClr r="0" g="0" b="0"/>
-      </a:lnRef>
-      <a:fillRef idx="1">
-        <a:scrgbClr r="0" g="0" b="0"/>
-      </a:fillRef>
-      <a:effectRef idx="0">
-        <a:scrgbClr r="0" g="0" b="0"/>
-      </a:effectRef>
-      <a:fontRef idx="minor"/>
-    </dgm:style>
-  </dgm:styleLbl>
-  <dgm:styleLbl name="fgShp">
-    <dgm:scene3d>
-      <a:camera prst="orthographicFront"/>
-      <a:lightRig rig="threePt" dir="t"/>
-    </dgm:scene3d>
-    <dgm:sp3d/>
-    <dgm:txPr/>
-    <dgm:style>
-      <a:lnRef idx="0">
-        <a:scrgbClr r="0" g="0" b="0"/>
-      </a:lnRef>
-      <a:fillRef idx="3">
-        <a:scrgbClr r="0" g="0" b="0"/>
-      </a:fillRef>
-      <a:effectRef idx="2">
-        <a:scrgbClr r="0" g="0" b="0"/>
-      </a:effectRef>
-      <a:fontRef idx="minor"/>
-    </dgm:style>
-  </dgm:styleLbl>
-  <dgm:styleLbl name="revTx">
-    <dgm:scene3d>
-      <a:camera prst="orthographicFront"/>
-      <a:lightRig rig="threePt" dir="t"/>
-    </dgm:scene3d>
-    <dgm:sp3d/>
-    <dgm:txPr/>
-    <dgm:style>
-      <a:lnRef idx="0">
-        <a:scrgbClr r="0" g="0" b="0"/>
-      </a:lnRef>
-      <a:fillRef idx="0">
-        <a:scrgbClr r="0" g="0" b="0"/>
-      </a:fillRef>
-      <a:effectRef idx="0">
-        <a:scrgbClr r="0" g="0" b="0"/>
-      </a:effectRef>
-      <a:fontRef idx="minor"/>
-    </dgm:style>
-  </dgm:styleLbl>
-</dgm:styleDef>
-</file>
-
 <file path=ppt/handoutMasters/handoutMaster1.xml><?xml version="1.0" encoding="utf-8"?>
 <p:handoutMaster xmlns:a="http://schemas.openxmlformats.org/drawingml/2006/main" xmlns:r="http://schemas.openxmlformats.org/officeDocument/2006/relationships" xmlns:p="http://schemas.openxmlformats.org/presentationml/2006/main">
   <p:cSld>
@@ -5115,7 +235,7 @@
             <a:pPr algn="r" rtl="0"/>
             <a:fld id="{D8AF6929-4F16-43A6-8368-BF93843271D3}" type="datetime1">
               <a:rPr lang="fr-FR" smtClean="0"/>
-              <a:t>29/02/2024</a:t>
+              <a:t>02/03/2024</a:t>
             </a:fld>
             <a:endParaRPr lang="fr-FR" dirty="0"/>
           </a:p>
@@ -5285,7 +405,7 @@
             <a:fld id="{4D9CF8A1-AC6C-4B34-A6AF-5306B09514F1}" type="datetime1">
               <a:rPr lang="fr-FR" smtClean="0"/>
               <a:pPr/>
-              <a:t>29/02/2024</a:t>
+              <a:t>02/03/2024</a:t>
             </a:fld>
             <a:endParaRPr lang="fr-FR" dirty="0"/>
           </a:p>
@@ -5642,829 +762,6 @@
 </p:notes>
 </file>
 
-<file path=ppt/notesSlides/notesSlide10.xml><?xml version="1.0" encoding="utf-8"?>
-<p:notes xmlns:a="http://schemas.openxmlformats.org/drawingml/2006/main" xmlns:r="http://schemas.openxmlformats.org/officeDocument/2006/relationships" xmlns:p="http://schemas.openxmlformats.org/presentationml/2006/main">
-  <p:cSld>
-    <p:spTree>
-      <p:nvGrpSpPr>
-        <p:cNvPr id="1" name="">
-          <a:extLst>
-            <a:ext uri="{FF2B5EF4-FFF2-40B4-BE49-F238E27FC236}">
-              <a16:creationId xmlns:a16="http://schemas.microsoft.com/office/drawing/2014/main" id="{C0FA1F22-34D2-110F-4A15-9193C99A78CC}"/>
-            </a:ext>
-          </a:extLst>
-        </p:cNvPr>
-        <p:cNvGrpSpPr/>
-        <p:nvPr/>
-      </p:nvGrpSpPr>
-      <p:grpSpPr>
-        <a:xfrm>
-          <a:off x="0" y="0"/>
-          <a:ext cx="0" cy="0"/>
-          <a:chOff x="0" y="0"/>
-          <a:chExt cx="0" cy="0"/>
-        </a:xfrm>
-      </p:grpSpPr>
-      <p:sp>
-        <p:nvSpPr>
-          <p:cNvPr id="2" name="Espace réservé de l'image des diapositives 1">
-            <a:extLst>
-              <a:ext uri="{FF2B5EF4-FFF2-40B4-BE49-F238E27FC236}">
-                <a16:creationId xmlns:a16="http://schemas.microsoft.com/office/drawing/2014/main" id="{D727AD4E-75C6-9DF5-8195-CBAEA8AEF27E}"/>
-              </a:ext>
-            </a:extLst>
-          </p:cNvPr>
-          <p:cNvSpPr>
-            <a:spLocks noGrp="1" noRot="1" noChangeAspect="1"/>
-          </p:cNvSpPr>
-          <p:nvPr>
-            <p:ph type="sldImg"/>
-          </p:nvPr>
-        </p:nvSpPr>
-        <p:spPr/>
-      </p:sp>
-      <p:sp>
-        <p:nvSpPr>
-          <p:cNvPr id="3" name="Espace réservé des notes 2">
-            <a:extLst>
-              <a:ext uri="{FF2B5EF4-FFF2-40B4-BE49-F238E27FC236}">
-                <a16:creationId xmlns:a16="http://schemas.microsoft.com/office/drawing/2014/main" id="{BB6FB987-CA08-448E-D6F7-8486DE9AC27D}"/>
-              </a:ext>
-            </a:extLst>
-          </p:cNvPr>
-          <p:cNvSpPr>
-            <a:spLocks noGrp="1"/>
-          </p:cNvSpPr>
-          <p:nvPr>
-            <p:ph type="body" idx="1"/>
-          </p:nvPr>
-        </p:nvSpPr>
-        <p:spPr/>
-        <p:txBody>
-          <a:bodyPr/>
-          <a:lstStyle/>
-          <a:p>
-            <a:endParaRPr lang="fr-FR" dirty="0"/>
-          </a:p>
-        </p:txBody>
-      </p:sp>
-      <p:sp>
-        <p:nvSpPr>
-          <p:cNvPr id="4" name="Espace réservé du numéro de diapositive 3">
-            <a:extLst>
-              <a:ext uri="{FF2B5EF4-FFF2-40B4-BE49-F238E27FC236}">
-                <a16:creationId xmlns:a16="http://schemas.microsoft.com/office/drawing/2014/main" id="{6C1F2804-F75A-E054-264E-13A77DC59359}"/>
-              </a:ext>
-            </a:extLst>
-          </p:cNvPr>
-          <p:cNvSpPr>
-            <a:spLocks noGrp="1"/>
-          </p:cNvSpPr>
-          <p:nvPr>
-            <p:ph type="sldNum" sz="quarter" idx="10"/>
-          </p:nvPr>
-        </p:nvSpPr>
-        <p:spPr/>
-        <p:txBody>
-          <a:bodyPr/>
-          <a:lstStyle/>
-          <a:p>
-            <a:pPr algn="r"/>
-            <a:fld id="{3EBA5BD7-F043-4D1B-AA17-CD412FC534DE}" type="slidenum">
-              <a:rPr lang="fr-FR" smtClean="0"/>
-              <a:pPr algn="r"/>
-              <a:t>10</a:t>
-            </a:fld>
-            <a:endParaRPr lang="fr-FR" dirty="0"/>
-          </a:p>
-        </p:txBody>
-      </p:sp>
-    </p:spTree>
-    <p:extLst>
-      <p:ext uri="{BB962C8B-B14F-4D97-AF65-F5344CB8AC3E}">
-        <p14:creationId xmlns:p14="http://schemas.microsoft.com/office/powerpoint/2010/main" val="4199177297"/>
-      </p:ext>
-    </p:extLst>
-  </p:cSld>
-  <p:clrMapOvr>
-    <a:masterClrMapping/>
-  </p:clrMapOvr>
-</p:notes>
-</file>
-
-<file path=ppt/notesSlides/notesSlide11.xml><?xml version="1.0" encoding="utf-8"?>
-<p:notes xmlns:a="http://schemas.openxmlformats.org/drawingml/2006/main" xmlns:r="http://schemas.openxmlformats.org/officeDocument/2006/relationships" xmlns:p="http://schemas.openxmlformats.org/presentationml/2006/main">
-  <p:cSld>
-    <p:spTree>
-      <p:nvGrpSpPr>
-        <p:cNvPr id="1" name="">
-          <a:extLst>
-            <a:ext uri="{FF2B5EF4-FFF2-40B4-BE49-F238E27FC236}">
-              <a16:creationId xmlns:a16="http://schemas.microsoft.com/office/drawing/2014/main" id="{4994BCB8-71C6-684C-C5DA-849DB6BE5BFE}"/>
-            </a:ext>
-          </a:extLst>
-        </p:cNvPr>
-        <p:cNvGrpSpPr/>
-        <p:nvPr/>
-      </p:nvGrpSpPr>
-      <p:grpSpPr>
-        <a:xfrm>
-          <a:off x="0" y="0"/>
-          <a:ext cx="0" cy="0"/>
-          <a:chOff x="0" y="0"/>
-          <a:chExt cx="0" cy="0"/>
-        </a:xfrm>
-      </p:grpSpPr>
-      <p:sp>
-        <p:nvSpPr>
-          <p:cNvPr id="2" name="Espace réservé de l'image des diapositives 1">
-            <a:extLst>
-              <a:ext uri="{FF2B5EF4-FFF2-40B4-BE49-F238E27FC236}">
-                <a16:creationId xmlns:a16="http://schemas.microsoft.com/office/drawing/2014/main" id="{302BCEB3-0BBC-7BC0-C9BF-3771B75151EE}"/>
-              </a:ext>
-            </a:extLst>
-          </p:cNvPr>
-          <p:cNvSpPr>
-            <a:spLocks noGrp="1" noRot="1" noChangeAspect="1"/>
-          </p:cNvSpPr>
-          <p:nvPr>
-            <p:ph type="sldImg"/>
-          </p:nvPr>
-        </p:nvSpPr>
-        <p:spPr/>
-      </p:sp>
-      <p:sp>
-        <p:nvSpPr>
-          <p:cNvPr id="3" name="Espace réservé des notes 2">
-            <a:extLst>
-              <a:ext uri="{FF2B5EF4-FFF2-40B4-BE49-F238E27FC236}">
-                <a16:creationId xmlns:a16="http://schemas.microsoft.com/office/drawing/2014/main" id="{1AA168F1-9763-143B-95DA-7C2E59F2E5CD}"/>
-              </a:ext>
-            </a:extLst>
-          </p:cNvPr>
-          <p:cNvSpPr>
-            <a:spLocks noGrp="1"/>
-          </p:cNvSpPr>
-          <p:nvPr>
-            <p:ph type="body" idx="1"/>
-          </p:nvPr>
-        </p:nvSpPr>
-        <p:spPr/>
-        <p:txBody>
-          <a:bodyPr/>
-          <a:lstStyle/>
-          <a:p>
-            <a:endParaRPr lang="fr-FR" dirty="0"/>
-          </a:p>
-        </p:txBody>
-      </p:sp>
-      <p:sp>
-        <p:nvSpPr>
-          <p:cNvPr id="4" name="Espace réservé du numéro de diapositive 3">
-            <a:extLst>
-              <a:ext uri="{FF2B5EF4-FFF2-40B4-BE49-F238E27FC236}">
-                <a16:creationId xmlns:a16="http://schemas.microsoft.com/office/drawing/2014/main" id="{61B8AEE9-C08E-FD14-4094-5070C18C702B}"/>
-              </a:ext>
-            </a:extLst>
-          </p:cNvPr>
-          <p:cNvSpPr>
-            <a:spLocks noGrp="1"/>
-          </p:cNvSpPr>
-          <p:nvPr>
-            <p:ph type="sldNum" sz="quarter" idx="10"/>
-          </p:nvPr>
-        </p:nvSpPr>
-        <p:spPr/>
-        <p:txBody>
-          <a:bodyPr/>
-          <a:lstStyle/>
-          <a:p>
-            <a:pPr algn="r"/>
-            <a:fld id="{3EBA5BD7-F043-4D1B-AA17-CD412FC534DE}" type="slidenum">
-              <a:rPr lang="fr-FR" smtClean="0"/>
-              <a:pPr algn="r"/>
-              <a:t>11</a:t>
-            </a:fld>
-            <a:endParaRPr lang="fr-FR" dirty="0"/>
-          </a:p>
-        </p:txBody>
-      </p:sp>
-    </p:spTree>
-    <p:extLst>
-      <p:ext uri="{BB962C8B-B14F-4D97-AF65-F5344CB8AC3E}">
-        <p14:creationId xmlns:p14="http://schemas.microsoft.com/office/powerpoint/2010/main" val="1449692166"/>
-      </p:ext>
-    </p:extLst>
-  </p:cSld>
-  <p:clrMapOvr>
-    <a:masterClrMapping/>
-  </p:clrMapOvr>
-</p:notes>
-</file>
-
-<file path=ppt/notesSlides/notesSlide12.xml><?xml version="1.0" encoding="utf-8"?>
-<p:notes xmlns:a="http://schemas.openxmlformats.org/drawingml/2006/main" xmlns:r="http://schemas.openxmlformats.org/officeDocument/2006/relationships" xmlns:p="http://schemas.openxmlformats.org/presentationml/2006/main">
-  <p:cSld>
-    <p:spTree>
-      <p:nvGrpSpPr>
-        <p:cNvPr id="1" name=""/>
-        <p:cNvGrpSpPr/>
-        <p:nvPr/>
-      </p:nvGrpSpPr>
-      <p:grpSpPr>
-        <a:xfrm>
-          <a:off x="0" y="0"/>
-          <a:ext cx="0" cy="0"/>
-          <a:chOff x="0" y="0"/>
-          <a:chExt cx="0" cy="0"/>
-        </a:xfrm>
-      </p:grpSpPr>
-      <p:sp>
-        <p:nvSpPr>
-          <p:cNvPr id="2" name="Espace réservé de l'image des diapositives 1"/>
-          <p:cNvSpPr>
-            <a:spLocks noGrp="1" noRot="1" noChangeAspect="1"/>
-          </p:cNvSpPr>
-          <p:nvPr>
-            <p:ph type="sldImg"/>
-          </p:nvPr>
-        </p:nvSpPr>
-        <p:spPr/>
-      </p:sp>
-      <p:sp>
-        <p:nvSpPr>
-          <p:cNvPr id="3" name="Espace réservé des notes 2"/>
-          <p:cNvSpPr>
-            <a:spLocks noGrp="1"/>
-          </p:cNvSpPr>
-          <p:nvPr>
-            <p:ph type="body" idx="1"/>
-          </p:nvPr>
-        </p:nvSpPr>
-        <p:spPr/>
-        <p:txBody>
-          <a:bodyPr/>
-          <a:lstStyle/>
-          <a:p>
-            <a:endParaRPr lang="fr-FR" dirty="0"/>
-          </a:p>
-        </p:txBody>
-      </p:sp>
-      <p:sp>
-        <p:nvSpPr>
-          <p:cNvPr id="4" name="Espace réservé du numéro de diapositive 3"/>
-          <p:cNvSpPr>
-            <a:spLocks noGrp="1"/>
-          </p:cNvSpPr>
-          <p:nvPr>
-            <p:ph type="sldNum" sz="quarter" idx="10"/>
-          </p:nvPr>
-        </p:nvSpPr>
-        <p:spPr/>
-        <p:txBody>
-          <a:bodyPr/>
-          <a:lstStyle/>
-          <a:p>
-            <a:pPr algn="r"/>
-            <a:fld id="{3EBA5BD7-F043-4D1B-AA17-CD412FC534DE}" type="slidenum">
-              <a:rPr lang="fr-FR" smtClean="0"/>
-              <a:pPr algn="r"/>
-              <a:t>12</a:t>
-            </a:fld>
-            <a:endParaRPr lang="fr-FR" dirty="0"/>
-          </a:p>
-        </p:txBody>
-      </p:sp>
-    </p:spTree>
-    <p:extLst>
-      <p:ext uri="{BB962C8B-B14F-4D97-AF65-F5344CB8AC3E}">
-        <p14:creationId xmlns:p14="http://schemas.microsoft.com/office/powerpoint/2010/main" val="4045330911"/>
-      </p:ext>
-    </p:extLst>
-  </p:cSld>
-  <p:clrMapOvr>
-    <a:masterClrMapping/>
-  </p:clrMapOvr>
-</p:notes>
-</file>
-
-<file path=ppt/notesSlides/notesSlide13.xml><?xml version="1.0" encoding="utf-8"?>
-<p:notes xmlns:a="http://schemas.openxmlformats.org/drawingml/2006/main" xmlns:r="http://schemas.openxmlformats.org/officeDocument/2006/relationships" xmlns:p="http://schemas.openxmlformats.org/presentationml/2006/main">
-  <p:cSld>
-    <p:spTree>
-      <p:nvGrpSpPr>
-        <p:cNvPr id="1" name=""/>
-        <p:cNvGrpSpPr/>
-        <p:nvPr/>
-      </p:nvGrpSpPr>
-      <p:grpSpPr>
-        <a:xfrm>
-          <a:off x="0" y="0"/>
-          <a:ext cx="0" cy="0"/>
-          <a:chOff x="0" y="0"/>
-          <a:chExt cx="0" cy="0"/>
-        </a:xfrm>
-      </p:grpSpPr>
-      <p:sp>
-        <p:nvSpPr>
-          <p:cNvPr id="2" name="Espace réservé de l'image des diapositives 1"/>
-          <p:cNvSpPr>
-            <a:spLocks noGrp="1" noRot="1" noChangeAspect="1"/>
-          </p:cNvSpPr>
-          <p:nvPr>
-            <p:ph type="sldImg"/>
-          </p:nvPr>
-        </p:nvSpPr>
-        <p:spPr/>
-      </p:sp>
-      <p:sp>
-        <p:nvSpPr>
-          <p:cNvPr id="3" name="Espace réservé des notes 2"/>
-          <p:cNvSpPr>
-            <a:spLocks noGrp="1"/>
-          </p:cNvSpPr>
-          <p:nvPr>
-            <p:ph type="body" idx="1"/>
-          </p:nvPr>
-        </p:nvSpPr>
-        <p:spPr/>
-        <p:txBody>
-          <a:bodyPr/>
-          <a:lstStyle/>
-          <a:p>
-            <a:endParaRPr lang="fr-FR" dirty="0"/>
-          </a:p>
-        </p:txBody>
-      </p:sp>
-      <p:sp>
-        <p:nvSpPr>
-          <p:cNvPr id="4" name="Espace réservé du numéro de diapositive 3"/>
-          <p:cNvSpPr>
-            <a:spLocks noGrp="1"/>
-          </p:cNvSpPr>
-          <p:nvPr>
-            <p:ph type="sldNum" sz="quarter" idx="10"/>
-          </p:nvPr>
-        </p:nvSpPr>
-        <p:spPr/>
-        <p:txBody>
-          <a:bodyPr/>
-          <a:lstStyle/>
-          <a:p>
-            <a:pPr algn="r"/>
-            <a:fld id="{3EBA5BD7-F043-4D1B-AA17-CD412FC534DE}" type="slidenum">
-              <a:rPr lang="fr-FR" smtClean="0"/>
-              <a:pPr algn="r"/>
-              <a:t>13</a:t>
-            </a:fld>
-            <a:endParaRPr lang="fr-FR" dirty="0"/>
-          </a:p>
-        </p:txBody>
-      </p:sp>
-    </p:spTree>
-    <p:extLst>
-      <p:ext uri="{BB962C8B-B14F-4D97-AF65-F5344CB8AC3E}">
-        <p14:creationId xmlns:p14="http://schemas.microsoft.com/office/powerpoint/2010/main" val="566996762"/>
-      </p:ext>
-    </p:extLst>
-  </p:cSld>
-  <p:clrMapOvr>
-    <a:masterClrMapping/>
-  </p:clrMapOvr>
-</p:notes>
-</file>
-
-<file path=ppt/notesSlides/notesSlide14.xml><?xml version="1.0" encoding="utf-8"?>
-<p:notes xmlns:a="http://schemas.openxmlformats.org/drawingml/2006/main" xmlns:r="http://schemas.openxmlformats.org/officeDocument/2006/relationships" xmlns:p="http://schemas.openxmlformats.org/presentationml/2006/main">
-  <p:cSld>
-    <p:spTree>
-      <p:nvGrpSpPr>
-        <p:cNvPr id="1" name=""/>
-        <p:cNvGrpSpPr/>
-        <p:nvPr/>
-      </p:nvGrpSpPr>
-      <p:grpSpPr>
-        <a:xfrm>
-          <a:off x="0" y="0"/>
-          <a:ext cx="0" cy="0"/>
-          <a:chOff x="0" y="0"/>
-          <a:chExt cx="0" cy="0"/>
-        </a:xfrm>
-      </p:grpSpPr>
-      <p:sp>
-        <p:nvSpPr>
-          <p:cNvPr id="2" name="Espace réservé d’image de diapositive 1"/>
-          <p:cNvSpPr>
-            <a:spLocks noGrp="1" noRot="1" noChangeAspect="1"/>
-          </p:cNvSpPr>
-          <p:nvPr>
-            <p:ph type="sldImg"/>
-          </p:nvPr>
-        </p:nvSpPr>
-        <p:spPr/>
-      </p:sp>
-      <p:sp>
-        <p:nvSpPr>
-          <p:cNvPr id="3" name="Espace réservé des commentaires 2"/>
-          <p:cNvSpPr>
-            <a:spLocks noGrp="1"/>
-          </p:cNvSpPr>
-          <p:nvPr>
-            <p:ph type="body" idx="1"/>
-          </p:nvPr>
-        </p:nvSpPr>
-        <p:spPr/>
-        <p:txBody>
-          <a:bodyPr rtlCol="0"/>
-          <a:lstStyle/>
-          <a:p>
-            <a:pPr rtl="0"/>
-            <a:endParaRPr lang="fr-FR" dirty="0"/>
-          </a:p>
-        </p:txBody>
-      </p:sp>
-      <p:sp>
-        <p:nvSpPr>
-          <p:cNvPr id="4" name="Espace réservé du numéro de diapositive 3"/>
-          <p:cNvSpPr>
-            <a:spLocks noGrp="1"/>
-          </p:cNvSpPr>
-          <p:nvPr>
-            <p:ph type="sldNum" sz="quarter" idx="10"/>
-          </p:nvPr>
-        </p:nvSpPr>
-        <p:spPr/>
-        <p:txBody>
-          <a:bodyPr rtlCol="0"/>
-          <a:lstStyle/>
-          <a:p>
-            <a:pPr algn="r" rtl="0"/>
-            <a:fld id="{3EBA5BD7-F043-4D1B-AA17-CD412FC534DE}" type="slidenum">
-              <a:rPr lang="fr-FR" smtClean="0"/>
-              <a:pPr algn="r" rtl="0"/>
-              <a:t>14</a:t>
-            </a:fld>
-            <a:endParaRPr lang="fr-FR" dirty="0"/>
-          </a:p>
-        </p:txBody>
-      </p:sp>
-    </p:spTree>
-    <p:extLst>
-      <p:ext uri="{BB962C8B-B14F-4D97-AF65-F5344CB8AC3E}">
-        <p14:creationId xmlns:p14="http://schemas.microsoft.com/office/powerpoint/2010/main" val="4117229062"/>
-      </p:ext>
-    </p:extLst>
-  </p:cSld>
-  <p:clrMapOvr>
-    <a:masterClrMapping/>
-  </p:clrMapOvr>
-</p:notes>
-</file>
-
-<file path=ppt/notesSlides/notesSlide15.xml><?xml version="1.0" encoding="utf-8"?>
-<p:notes xmlns:a="http://schemas.openxmlformats.org/drawingml/2006/main" xmlns:r="http://schemas.openxmlformats.org/officeDocument/2006/relationships" xmlns:p="http://schemas.openxmlformats.org/presentationml/2006/main">
-  <p:cSld>
-    <p:spTree>
-      <p:nvGrpSpPr>
-        <p:cNvPr id="1" name=""/>
-        <p:cNvGrpSpPr/>
-        <p:nvPr/>
-      </p:nvGrpSpPr>
-      <p:grpSpPr>
-        <a:xfrm>
-          <a:off x="0" y="0"/>
-          <a:ext cx="0" cy="0"/>
-          <a:chOff x="0" y="0"/>
-          <a:chExt cx="0" cy="0"/>
-        </a:xfrm>
-      </p:grpSpPr>
-      <p:sp>
-        <p:nvSpPr>
-          <p:cNvPr id="2" name="Espace réservé de l'image des diapositives 1"/>
-          <p:cNvSpPr>
-            <a:spLocks noGrp="1" noRot="1" noChangeAspect="1"/>
-          </p:cNvSpPr>
-          <p:nvPr>
-            <p:ph type="sldImg"/>
-          </p:nvPr>
-        </p:nvSpPr>
-        <p:spPr/>
-      </p:sp>
-      <p:sp>
-        <p:nvSpPr>
-          <p:cNvPr id="3" name="Espace réservé des notes 2"/>
-          <p:cNvSpPr>
-            <a:spLocks noGrp="1"/>
-          </p:cNvSpPr>
-          <p:nvPr>
-            <p:ph type="body" idx="1"/>
-          </p:nvPr>
-        </p:nvSpPr>
-        <p:spPr/>
-        <p:txBody>
-          <a:bodyPr/>
-          <a:lstStyle/>
-          <a:p>
-            <a:endParaRPr lang="fr-FR" dirty="0"/>
-          </a:p>
-        </p:txBody>
-      </p:sp>
-      <p:sp>
-        <p:nvSpPr>
-          <p:cNvPr id="4" name="Espace réservé du numéro de diapositive 3"/>
-          <p:cNvSpPr>
-            <a:spLocks noGrp="1"/>
-          </p:cNvSpPr>
-          <p:nvPr>
-            <p:ph type="sldNum" sz="quarter" idx="10"/>
-          </p:nvPr>
-        </p:nvSpPr>
-        <p:spPr/>
-        <p:txBody>
-          <a:bodyPr/>
-          <a:lstStyle/>
-          <a:p>
-            <a:pPr algn="r"/>
-            <a:fld id="{3EBA5BD7-F043-4D1B-AA17-CD412FC534DE}" type="slidenum">
-              <a:rPr lang="fr-FR" smtClean="0"/>
-              <a:pPr algn="r"/>
-              <a:t>15</a:t>
-            </a:fld>
-            <a:endParaRPr lang="fr-FR" dirty="0"/>
-          </a:p>
-        </p:txBody>
-      </p:sp>
-    </p:spTree>
-    <p:extLst>
-      <p:ext uri="{BB962C8B-B14F-4D97-AF65-F5344CB8AC3E}">
-        <p14:creationId xmlns:p14="http://schemas.microsoft.com/office/powerpoint/2010/main" val="3026042699"/>
-      </p:ext>
-    </p:extLst>
-  </p:cSld>
-  <p:clrMapOvr>
-    <a:masterClrMapping/>
-  </p:clrMapOvr>
-</p:notes>
-</file>
-
-<file path=ppt/notesSlides/notesSlide16.xml><?xml version="1.0" encoding="utf-8"?>
-<p:notes xmlns:a="http://schemas.openxmlformats.org/drawingml/2006/main" xmlns:r="http://schemas.openxmlformats.org/officeDocument/2006/relationships" xmlns:p="http://schemas.openxmlformats.org/presentationml/2006/main">
-  <p:cSld>
-    <p:spTree>
-      <p:nvGrpSpPr>
-        <p:cNvPr id="1" name=""/>
-        <p:cNvGrpSpPr/>
-        <p:nvPr/>
-      </p:nvGrpSpPr>
-      <p:grpSpPr>
-        <a:xfrm>
-          <a:off x="0" y="0"/>
-          <a:ext cx="0" cy="0"/>
-          <a:chOff x="0" y="0"/>
-          <a:chExt cx="0" cy="0"/>
-        </a:xfrm>
-      </p:grpSpPr>
-      <p:sp>
-        <p:nvSpPr>
-          <p:cNvPr id="2" name="Espace réservé de l'image des diapositives 1"/>
-          <p:cNvSpPr>
-            <a:spLocks noGrp="1" noRot="1" noChangeAspect="1"/>
-          </p:cNvSpPr>
-          <p:nvPr>
-            <p:ph type="sldImg"/>
-          </p:nvPr>
-        </p:nvSpPr>
-        <p:spPr/>
-      </p:sp>
-      <p:sp>
-        <p:nvSpPr>
-          <p:cNvPr id="3" name="Espace réservé des notes 2"/>
-          <p:cNvSpPr>
-            <a:spLocks noGrp="1"/>
-          </p:cNvSpPr>
-          <p:nvPr>
-            <p:ph type="body" idx="1"/>
-          </p:nvPr>
-        </p:nvSpPr>
-        <p:spPr/>
-        <p:txBody>
-          <a:bodyPr/>
-          <a:lstStyle/>
-          <a:p>
-            <a:endParaRPr lang="fr-FR" dirty="0"/>
-          </a:p>
-        </p:txBody>
-      </p:sp>
-      <p:sp>
-        <p:nvSpPr>
-          <p:cNvPr id="4" name="Espace réservé du numéro de diapositive 3"/>
-          <p:cNvSpPr>
-            <a:spLocks noGrp="1"/>
-          </p:cNvSpPr>
-          <p:nvPr>
-            <p:ph type="sldNum" sz="quarter" idx="10"/>
-          </p:nvPr>
-        </p:nvSpPr>
-        <p:spPr/>
-        <p:txBody>
-          <a:bodyPr/>
-          <a:lstStyle/>
-          <a:p>
-            <a:pPr algn="r"/>
-            <a:fld id="{3EBA5BD7-F043-4D1B-AA17-CD412FC534DE}" type="slidenum">
-              <a:rPr lang="fr-FR" smtClean="0"/>
-              <a:pPr algn="r"/>
-              <a:t>16</a:t>
-            </a:fld>
-            <a:endParaRPr lang="fr-FR" dirty="0"/>
-          </a:p>
-        </p:txBody>
-      </p:sp>
-    </p:spTree>
-    <p:extLst>
-      <p:ext uri="{BB962C8B-B14F-4D97-AF65-F5344CB8AC3E}">
-        <p14:creationId xmlns:p14="http://schemas.microsoft.com/office/powerpoint/2010/main" val="131119201"/>
-      </p:ext>
-    </p:extLst>
-  </p:cSld>
-  <p:clrMapOvr>
-    <a:masterClrMapping/>
-  </p:clrMapOvr>
-</p:notes>
-</file>
-
-<file path=ppt/notesSlides/notesSlide17.xml><?xml version="1.0" encoding="utf-8"?>
-<p:notes xmlns:a="http://schemas.openxmlformats.org/drawingml/2006/main" xmlns:r="http://schemas.openxmlformats.org/officeDocument/2006/relationships" xmlns:p="http://schemas.openxmlformats.org/presentationml/2006/main">
-  <p:cSld>
-    <p:spTree>
-      <p:nvGrpSpPr>
-        <p:cNvPr id="1" name=""/>
-        <p:cNvGrpSpPr/>
-        <p:nvPr/>
-      </p:nvGrpSpPr>
-      <p:grpSpPr>
-        <a:xfrm>
-          <a:off x="0" y="0"/>
-          <a:ext cx="0" cy="0"/>
-          <a:chOff x="0" y="0"/>
-          <a:chExt cx="0" cy="0"/>
-        </a:xfrm>
-      </p:grpSpPr>
-      <p:sp>
-        <p:nvSpPr>
-          <p:cNvPr id="2" name="Espace réservé de l'image des diapositives 1"/>
-          <p:cNvSpPr>
-            <a:spLocks noGrp="1" noRot="1" noChangeAspect="1"/>
-          </p:cNvSpPr>
-          <p:nvPr>
-            <p:ph type="sldImg"/>
-          </p:nvPr>
-        </p:nvSpPr>
-        <p:spPr/>
-      </p:sp>
-      <p:sp>
-        <p:nvSpPr>
-          <p:cNvPr id="3" name="Espace réservé des notes 2"/>
-          <p:cNvSpPr>
-            <a:spLocks noGrp="1"/>
-          </p:cNvSpPr>
-          <p:nvPr>
-            <p:ph type="body" idx="1"/>
-          </p:nvPr>
-        </p:nvSpPr>
-        <p:spPr/>
-        <p:txBody>
-          <a:bodyPr/>
-          <a:lstStyle/>
-          <a:p>
-            <a:endParaRPr lang="fr-FR" dirty="0"/>
-          </a:p>
-        </p:txBody>
-      </p:sp>
-      <p:sp>
-        <p:nvSpPr>
-          <p:cNvPr id="4" name="Espace réservé du numéro de diapositive 3"/>
-          <p:cNvSpPr>
-            <a:spLocks noGrp="1"/>
-          </p:cNvSpPr>
-          <p:nvPr>
-            <p:ph type="sldNum" sz="quarter" idx="10"/>
-          </p:nvPr>
-        </p:nvSpPr>
-        <p:spPr/>
-        <p:txBody>
-          <a:bodyPr/>
-          <a:lstStyle/>
-          <a:p>
-            <a:pPr algn="r"/>
-            <a:fld id="{3EBA5BD7-F043-4D1B-AA17-CD412FC534DE}" type="slidenum">
-              <a:rPr lang="fr-FR" smtClean="0"/>
-              <a:pPr algn="r"/>
-              <a:t>17</a:t>
-            </a:fld>
-            <a:endParaRPr lang="fr-FR" dirty="0"/>
-          </a:p>
-        </p:txBody>
-      </p:sp>
-    </p:spTree>
-    <p:extLst>
-      <p:ext uri="{BB962C8B-B14F-4D97-AF65-F5344CB8AC3E}">
-        <p14:creationId xmlns:p14="http://schemas.microsoft.com/office/powerpoint/2010/main" val="2619119294"/>
-      </p:ext>
-    </p:extLst>
-  </p:cSld>
-  <p:clrMapOvr>
-    <a:masterClrMapping/>
-  </p:clrMapOvr>
-</p:notes>
-</file>
-
-<file path=ppt/notesSlides/notesSlide18.xml><?xml version="1.0" encoding="utf-8"?>
-<p:notes xmlns:a="http://schemas.openxmlformats.org/drawingml/2006/main" xmlns:r="http://schemas.openxmlformats.org/officeDocument/2006/relationships" xmlns:p="http://schemas.openxmlformats.org/presentationml/2006/main">
-  <p:cSld>
-    <p:spTree>
-      <p:nvGrpSpPr>
-        <p:cNvPr id="1" name=""/>
-        <p:cNvGrpSpPr/>
-        <p:nvPr/>
-      </p:nvGrpSpPr>
-      <p:grpSpPr>
-        <a:xfrm>
-          <a:off x="0" y="0"/>
-          <a:ext cx="0" cy="0"/>
-          <a:chOff x="0" y="0"/>
-          <a:chExt cx="0" cy="0"/>
-        </a:xfrm>
-      </p:grpSpPr>
-      <p:sp>
-        <p:nvSpPr>
-          <p:cNvPr id="2" name="Espace réservé de l'image des diapositives 1"/>
-          <p:cNvSpPr>
-            <a:spLocks noGrp="1" noRot="1" noChangeAspect="1"/>
-          </p:cNvSpPr>
-          <p:nvPr>
-            <p:ph type="sldImg"/>
-          </p:nvPr>
-        </p:nvSpPr>
-        <p:spPr/>
-      </p:sp>
-      <p:sp>
-        <p:nvSpPr>
-          <p:cNvPr id="3" name="Espace réservé des notes 2"/>
-          <p:cNvSpPr>
-            <a:spLocks noGrp="1"/>
-          </p:cNvSpPr>
-          <p:nvPr>
-            <p:ph type="body" idx="1"/>
-          </p:nvPr>
-        </p:nvSpPr>
-        <p:spPr/>
-        <p:txBody>
-          <a:bodyPr/>
-          <a:lstStyle/>
-          <a:p>
-            <a:endParaRPr lang="fr-FR"/>
-          </a:p>
-        </p:txBody>
-      </p:sp>
-      <p:sp>
-        <p:nvSpPr>
-          <p:cNvPr id="4" name="Espace réservé du numéro de diapositive 3"/>
-          <p:cNvSpPr>
-            <a:spLocks noGrp="1"/>
-          </p:cNvSpPr>
-          <p:nvPr>
-            <p:ph type="sldNum" sz="quarter" idx="10"/>
-          </p:nvPr>
-        </p:nvSpPr>
-        <p:spPr/>
-        <p:txBody>
-          <a:bodyPr/>
-          <a:lstStyle/>
-          <a:p>
-            <a:pPr algn="r"/>
-            <a:fld id="{3EBA5BD7-F043-4D1B-AA17-CD412FC534DE}" type="slidenum">
-              <a:rPr lang="fr-FR" smtClean="0"/>
-              <a:pPr algn="r"/>
-              <a:t>18</a:t>
-            </a:fld>
-            <a:endParaRPr lang="fr-FR" dirty="0"/>
-          </a:p>
-        </p:txBody>
-      </p:sp>
-    </p:spTree>
-    <p:extLst>
-      <p:ext uri="{BB962C8B-B14F-4D97-AF65-F5344CB8AC3E}">
-        <p14:creationId xmlns:p14="http://schemas.microsoft.com/office/powerpoint/2010/main" val="1963363194"/>
-      </p:ext>
-    </p:extLst>
-  </p:cSld>
-  <p:clrMapOvr>
-    <a:masterClrMapping/>
-  </p:clrMapOvr>
-</p:notes>
-</file>
-
 <file path=ppt/notesSlides/notesSlide2.xml><?xml version="1.0" encoding="utf-8"?>
 <p:notes xmlns:a="http://schemas.openxmlformats.org/drawingml/2006/main" xmlns:r="http://schemas.openxmlformats.org/officeDocument/2006/relationships" xmlns:p="http://schemas.openxmlformats.org/presentationml/2006/main">
   <p:cSld>
@@ -6556,7 +853,13 @@
   <p:cSld>
     <p:spTree>
       <p:nvGrpSpPr>
-        <p:cNvPr id="1" name=""/>
+        <p:cNvPr id="1" name="">
+          <a:extLst>
+            <a:ext uri="{FF2B5EF4-FFF2-40B4-BE49-F238E27FC236}">
+              <a16:creationId xmlns:a16="http://schemas.microsoft.com/office/drawing/2014/main" id="{BB0596CD-2738-6D46-6EB6-A9A1445A4C89}"/>
+            </a:ext>
+          </a:extLst>
+        </p:cNvPr>
         <p:cNvGrpSpPr/>
         <p:nvPr/>
       </p:nvGrpSpPr>
@@ -6570,7 +873,13 @@
       </p:grpSpPr>
       <p:sp>
         <p:nvSpPr>
-          <p:cNvPr id="2" name="Espace réservé de l'image des diapositives 1"/>
+          <p:cNvPr id="2" name="Espace réservé de l'image des diapositives 1">
+            <a:extLst>
+              <a:ext uri="{FF2B5EF4-FFF2-40B4-BE49-F238E27FC236}">
+                <a16:creationId xmlns:a16="http://schemas.microsoft.com/office/drawing/2014/main" id="{F2B3D414-D85C-EEA4-082E-C6B47198726F}"/>
+              </a:ext>
+            </a:extLst>
+          </p:cNvPr>
           <p:cNvSpPr>
             <a:spLocks noGrp="1" noRot="1" noChangeAspect="1"/>
           </p:cNvSpPr>
@@ -6582,7 +891,13 @@
       </p:sp>
       <p:sp>
         <p:nvSpPr>
-          <p:cNvPr id="3" name="Espace réservé des notes 2"/>
+          <p:cNvPr id="3" name="Espace réservé des notes 2">
+            <a:extLst>
+              <a:ext uri="{FF2B5EF4-FFF2-40B4-BE49-F238E27FC236}">
+                <a16:creationId xmlns:a16="http://schemas.microsoft.com/office/drawing/2014/main" id="{B1535DBE-3F2F-ECEF-888D-13C0F11EFDEA}"/>
+              </a:ext>
+            </a:extLst>
+          </p:cNvPr>
           <p:cNvSpPr>
             <a:spLocks noGrp="1"/>
           </p:cNvSpPr>
@@ -6601,7 +916,13 @@
       </p:sp>
       <p:sp>
         <p:nvSpPr>
-          <p:cNvPr id="4" name="Espace réservé du numéro de diapositive 3"/>
+          <p:cNvPr id="4" name="Espace réservé du numéro de diapositive 3">
+            <a:extLst>
+              <a:ext uri="{FF2B5EF4-FFF2-40B4-BE49-F238E27FC236}">
+                <a16:creationId xmlns:a16="http://schemas.microsoft.com/office/drawing/2014/main" id="{48D10FB5-7B13-2501-1699-1AF646CCA84A}"/>
+              </a:ext>
+            </a:extLst>
+          </p:cNvPr>
           <p:cNvSpPr>
             <a:spLocks noGrp="1"/>
           </p:cNvSpPr>
@@ -6627,7 +948,7 @@
     </p:spTree>
     <p:extLst>
       <p:ext uri="{BB962C8B-B14F-4D97-AF65-F5344CB8AC3E}">
-        <p14:creationId xmlns:p14="http://schemas.microsoft.com/office/powerpoint/2010/main" val="2869341269"/>
+        <p14:creationId xmlns:p14="http://schemas.microsoft.com/office/powerpoint/2010/main" val="2775028673"/>
       </p:ext>
     </p:extLst>
   </p:cSld>
@@ -6713,7 +1034,7 @@
     </p:spTree>
     <p:extLst>
       <p:ext uri="{BB962C8B-B14F-4D97-AF65-F5344CB8AC3E}">
-        <p14:creationId xmlns:p14="http://schemas.microsoft.com/office/powerpoint/2010/main" val="3636480520"/>
+        <p14:creationId xmlns:p14="http://schemas.microsoft.com/office/powerpoint/2010/main" val="2869341269"/>
       </p:ext>
     </p:extLst>
   </p:cSld>
@@ -6731,7 +1052,7 @@
         <p:cNvPr id="1" name="">
           <a:extLst>
             <a:ext uri="{FF2B5EF4-FFF2-40B4-BE49-F238E27FC236}">
-              <a16:creationId xmlns:a16="http://schemas.microsoft.com/office/drawing/2014/main" id="{826BAB49-3C12-1BFD-D73C-18E581608E63}"/>
+              <a16:creationId xmlns:a16="http://schemas.microsoft.com/office/drawing/2014/main" id="{4A48A8F9-75BC-279E-46E1-9C51EDF055AE}"/>
             </a:ext>
           </a:extLst>
         </p:cNvPr>
@@ -6751,7 +1072,7 @@
           <p:cNvPr id="2" name="Espace réservé de l'image des diapositives 1">
             <a:extLst>
               <a:ext uri="{FF2B5EF4-FFF2-40B4-BE49-F238E27FC236}">
-                <a16:creationId xmlns:a16="http://schemas.microsoft.com/office/drawing/2014/main" id="{1A61A176-D6A0-401C-7AB0-19FB974F2210}"/>
+                <a16:creationId xmlns:a16="http://schemas.microsoft.com/office/drawing/2014/main" id="{CF8E85A7-87F5-45EE-D2C3-E9C7B5976374}"/>
               </a:ext>
             </a:extLst>
           </p:cNvPr>
@@ -6769,7 +1090,7 @@
           <p:cNvPr id="3" name="Espace réservé des notes 2">
             <a:extLst>
               <a:ext uri="{FF2B5EF4-FFF2-40B4-BE49-F238E27FC236}">
-                <a16:creationId xmlns:a16="http://schemas.microsoft.com/office/drawing/2014/main" id="{382A75B4-B57A-8CD7-EBC8-ED6707A75D6B}"/>
+                <a16:creationId xmlns:a16="http://schemas.microsoft.com/office/drawing/2014/main" id="{51801EF9-76E5-382C-0391-4CF191842A27}"/>
               </a:ext>
             </a:extLst>
           </p:cNvPr>
@@ -6794,7 +1115,7 @@
           <p:cNvPr id="4" name="Espace réservé du numéro de diapositive 3">
             <a:extLst>
               <a:ext uri="{FF2B5EF4-FFF2-40B4-BE49-F238E27FC236}">
-                <a16:creationId xmlns:a16="http://schemas.microsoft.com/office/drawing/2014/main" id="{735E4E47-1E80-9942-B391-F84370320601}"/>
+                <a16:creationId xmlns:a16="http://schemas.microsoft.com/office/drawing/2014/main" id="{2D8C4D75-E316-804E-7B8D-C3248A5F6FCC}"/>
               </a:ext>
             </a:extLst>
           </p:cNvPr>
@@ -6823,7 +1144,7 @@
     </p:spTree>
     <p:extLst>
       <p:ext uri="{BB962C8B-B14F-4D97-AF65-F5344CB8AC3E}">
-        <p14:creationId xmlns:p14="http://schemas.microsoft.com/office/powerpoint/2010/main" val="1200179893"/>
+        <p14:creationId xmlns:p14="http://schemas.microsoft.com/office/powerpoint/2010/main" val="1942717503"/>
       </p:ext>
     </p:extLst>
   </p:cSld>
@@ -6841,7 +1162,7 @@
         <p:cNvPr id="1" name="">
           <a:extLst>
             <a:ext uri="{FF2B5EF4-FFF2-40B4-BE49-F238E27FC236}">
-              <a16:creationId xmlns:a16="http://schemas.microsoft.com/office/drawing/2014/main" id="{57961657-91EF-C1A3-1E73-D25B912F4763}"/>
+              <a16:creationId xmlns:a16="http://schemas.microsoft.com/office/drawing/2014/main" id="{DC6C6766-9F7F-515E-A7B8-19B7AC51F410}"/>
             </a:ext>
           </a:extLst>
         </p:cNvPr>
@@ -6861,7 +1182,7 @@
           <p:cNvPr id="2" name="Espace réservé de l'image des diapositives 1">
             <a:extLst>
               <a:ext uri="{FF2B5EF4-FFF2-40B4-BE49-F238E27FC236}">
-                <a16:creationId xmlns:a16="http://schemas.microsoft.com/office/drawing/2014/main" id="{C1A013BE-B6D8-F4C6-7C8A-FA178EDC74B5}"/>
+                <a16:creationId xmlns:a16="http://schemas.microsoft.com/office/drawing/2014/main" id="{61A72090-1B5F-6CAD-B7DC-DBD52A44964C}"/>
               </a:ext>
             </a:extLst>
           </p:cNvPr>
@@ -6879,7 +1200,7 @@
           <p:cNvPr id="3" name="Espace réservé des notes 2">
             <a:extLst>
               <a:ext uri="{FF2B5EF4-FFF2-40B4-BE49-F238E27FC236}">
-                <a16:creationId xmlns:a16="http://schemas.microsoft.com/office/drawing/2014/main" id="{21DA0047-29BE-247A-BD67-914DF51BC5C8}"/>
+                <a16:creationId xmlns:a16="http://schemas.microsoft.com/office/drawing/2014/main" id="{B7FAD51E-34FB-5E02-431F-9FC37812BD37}"/>
               </a:ext>
             </a:extLst>
           </p:cNvPr>
@@ -6904,7 +1225,7 @@
           <p:cNvPr id="4" name="Espace réservé du numéro de diapositive 3">
             <a:extLst>
               <a:ext uri="{FF2B5EF4-FFF2-40B4-BE49-F238E27FC236}">
-                <a16:creationId xmlns:a16="http://schemas.microsoft.com/office/drawing/2014/main" id="{16E7C8B0-1B02-69C5-FAF2-573090E01944}"/>
+                <a16:creationId xmlns:a16="http://schemas.microsoft.com/office/drawing/2014/main" id="{EAE6ED35-E1BD-A68F-20EE-0720000EA98A}"/>
               </a:ext>
             </a:extLst>
           </p:cNvPr>
@@ -6933,7 +1254,7 @@
     </p:spTree>
     <p:extLst>
       <p:ext uri="{BB962C8B-B14F-4D97-AF65-F5344CB8AC3E}">
-        <p14:creationId xmlns:p14="http://schemas.microsoft.com/office/powerpoint/2010/main" val="3827607699"/>
+        <p14:creationId xmlns:p14="http://schemas.microsoft.com/office/powerpoint/2010/main" val="2001340446"/>
       </p:ext>
     </p:extLst>
   </p:cSld>
@@ -6951,7 +1272,7 @@
         <p:cNvPr id="1" name="">
           <a:extLst>
             <a:ext uri="{FF2B5EF4-FFF2-40B4-BE49-F238E27FC236}">
-              <a16:creationId xmlns:a16="http://schemas.microsoft.com/office/drawing/2014/main" id="{116EB5D0-A610-3B49-9A2D-11E8B9210A6E}"/>
+              <a16:creationId xmlns:a16="http://schemas.microsoft.com/office/drawing/2014/main" id="{8ED12F1A-9714-BC74-17ED-108FB64D5450}"/>
             </a:ext>
           </a:extLst>
         </p:cNvPr>
@@ -6971,7 +1292,7 @@
           <p:cNvPr id="2" name="Espace réservé de l'image des diapositives 1">
             <a:extLst>
               <a:ext uri="{FF2B5EF4-FFF2-40B4-BE49-F238E27FC236}">
-                <a16:creationId xmlns:a16="http://schemas.microsoft.com/office/drawing/2014/main" id="{6EB1D774-C0E7-66A9-6E8D-C5D217F72DDB}"/>
+                <a16:creationId xmlns:a16="http://schemas.microsoft.com/office/drawing/2014/main" id="{3EA7CA5E-2860-7089-F7CC-24FB67947D47}"/>
               </a:ext>
             </a:extLst>
           </p:cNvPr>
@@ -6989,7 +1310,7 @@
           <p:cNvPr id="3" name="Espace réservé des notes 2">
             <a:extLst>
               <a:ext uri="{FF2B5EF4-FFF2-40B4-BE49-F238E27FC236}">
-                <a16:creationId xmlns:a16="http://schemas.microsoft.com/office/drawing/2014/main" id="{FC90187F-C005-E94E-B853-71FE31C0E000}"/>
+                <a16:creationId xmlns:a16="http://schemas.microsoft.com/office/drawing/2014/main" id="{D643390F-7778-9D47-1B66-48B4909135D8}"/>
               </a:ext>
             </a:extLst>
           </p:cNvPr>
@@ -7014,7 +1335,7 @@
           <p:cNvPr id="4" name="Espace réservé du numéro de diapositive 3">
             <a:extLst>
               <a:ext uri="{FF2B5EF4-FFF2-40B4-BE49-F238E27FC236}">
-                <a16:creationId xmlns:a16="http://schemas.microsoft.com/office/drawing/2014/main" id="{19020DC1-1325-E6BA-5343-4E1E4B134E99}"/>
+                <a16:creationId xmlns:a16="http://schemas.microsoft.com/office/drawing/2014/main" id="{1C7A2527-BE0E-63C5-2855-C74211114965}"/>
               </a:ext>
             </a:extLst>
           </p:cNvPr>
@@ -7043,7 +1364,7 @@
     </p:spTree>
     <p:extLst>
       <p:ext uri="{BB962C8B-B14F-4D97-AF65-F5344CB8AC3E}">
-        <p14:creationId xmlns:p14="http://schemas.microsoft.com/office/powerpoint/2010/main" val="187178170"/>
+        <p14:creationId xmlns:p14="http://schemas.microsoft.com/office/powerpoint/2010/main" val="3029156454"/>
       </p:ext>
     </p:extLst>
   </p:cSld>
@@ -7061,7 +1382,7 @@
         <p:cNvPr id="1" name="">
           <a:extLst>
             <a:ext uri="{FF2B5EF4-FFF2-40B4-BE49-F238E27FC236}">
-              <a16:creationId xmlns:a16="http://schemas.microsoft.com/office/drawing/2014/main" id="{95C6FC2C-E3D7-D38B-CDBF-B435128FB8FC}"/>
+              <a16:creationId xmlns:a16="http://schemas.microsoft.com/office/drawing/2014/main" id="{77BFFFDB-793F-05EF-F78C-7828A5D36601}"/>
             </a:ext>
           </a:extLst>
         </p:cNvPr>
@@ -7081,7 +1402,7 @@
           <p:cNvPr id="2" name="Espace réservé de l'image des diapositives 1">
             <a:extLst>
               <a:ext uri="{FF2B5EF4-FFF2-40B4-BE49-F238E27FC236}">
-                <a16:creationId xmlns:a16="http://schemas.microsoft.com/office/drawing/2014/main" id="{E2A3D7CD-390D-158C-10CF-1BF90906A915}"/>
+                <a16:creationId xmlns:a16="http://schemas.microsoft.com/office/drawing/2014/main" id="{57813327-F10D-B2ED-AAA6-FF4B6D256684}"/>
               </a:ext>
             </a:extLst>
           </p:cNvPr>
@@ -7099,7 +1420,7 @@
           <p:cNvPr id="3" name="Espace réservé des notes 2">
             <a:extLst>
               <a:ext uri="{FF2B5EF4-FFF2-40B4-BE49-F238E27FC236}">
-                <a16:creationId xmlns:a16="http://schemas.microsoft.com/office/drawing/2014/main" id="{7B2E14DC-647E-6C27-C2EE-CFDC18A4C5AE}"/>
+                <a16:creationId xmlns:a16="http://schemas.microsoft.com/office/drawing/2014/main" id="{62F942AA-40B2-4702-7942-44E2EB0FD1D4}"/>
               </a:ext>
             </a:extLst>
           </p:cNvPr>
@@ -7124,7 +1445,7 @@
           <p:cNvPr id="4" name="Espace réservé du numéro de diapositive 3">
             <a:extLst>
               <a:ext uri="{FF2B5EF4-FFF2-40B4-BE49-F238E27FC236}">
-                <a16:creationId xmlns:a16="http://schemas.microsoft.com/office/drawing/2014/main" id="{0E21986D-3253-B428-4FA6-D78242F291BF}"/>
+                <a16:creationId xmlns:a16="http://schemas.microsoft.com/office/drawing/2014/main" id="{5311B077-EC44-C426-3E8F-A8C3B7080707}"/>
               </a:ext>
             </a:extLst>
           </p:cNvPr>
@@ -7153,7 +1474,7 @@
     </p:spTree>
     <p:extLst>
       <p:ext uri="{BB962C8B-B14F-4D97-AF65-F5344CB8AC3E}">
-        <p14:creationId xmlns:p14="http://schemas.microsoft.com/office/powerpoint/2010/main" val="283123724"/>
+        <p14:creationId xmlns:p14="http://schemas.microsoft.com/office/powerpoint/2010/main" val="3638960867"/>
       </p:ext>
     </p:extLst>
   </p:cSld>
@@ -7171,7 +1492,7 @@
         <p:cNvPr id="1" name="">
           <a:extLst>
             <a:ext uri="{FF2B5EF4-FFF2-40B4-BE49-F238E27FC236}">
-              <a16:creationId xmlns:a16="http://schemas.microsoft.com/office/drawing/2014/main" id="{CCE4C933-C63A-681E-D6DD-CF795DC84F7B}"/>
+              <a16:creationId xmlns:a16="http://schemas.microsoft.com/office/drawing/2014/main" id="{BD76499C-3CFE-D49E-4DC5-BAB265DFCADA}"/>
             </a:ext>
           </a:extLst>
         </p:cNvPr>
@@ -7191,7 +1512,7 @@
           <p:cNvPr id="2" name="Espace réservé de l'image des diapositives 1">
             <a:extLst>
               <a:ext uri="{FF2B5EF4-FFF2-40B4-BE49-F238E27FC236}">
-                <a16:creationId xmlns:a16="http://schemas.microsoft.com/office/drawing/2014/main" id="{A1C7F41F-407B-11E2-3FDD-57CB4C4951A2}"/>
+                <a16:creationId xmlns:a16="http://schemas.microsoft.com/office/drawing/2014/main" id="{E6255358-4BAB-72BE-22A7-3F2C5087A965}"/>
               </a:ext>
             </a:extLst>
           </p:cNvPr>
@@ -7209,7 +1530,7 @@
           <p:cNvPr id="3" name="Espace réservé des notes 2">
             <a:extLst>
               <a:ext uri="{FF2B5EF4-FFF2-40B4-BE49-F238E27FC236}">
-                <a16:creationId xmlns:a16="http://schemas.microsoft.com/office/drawing/2014/main" id="{4A33A777-A40F-36B5-719D-4905FDD09B4D}"/>
+                <a16:creationId xmlns:a16="http://schemas.microsoft.com/office/drawing/2014/main" id="{92141742-AF87-62F3-3EE8-0BD13D717DC7}"/>
               </a:ext>
             </a:extLst>
           </p:cNvPr>
@@ -7234,7 +1555,7 @@
           <p:cNvPr id="4" name="Espace réservé du numéro de diapositive 3">
             <a:extLst>
               <a:ext uri="{FF2B5EF4-FFF2-40B4-BE49-F238E27FC236}">
-                <a16:creationId xmlns:a16="http://schemas.microsoft.com/office/drawing/2014/main" id="{48FA4DA8-57F8-B1CD-72DA-3A897BB880C3}"/>
+                <a16:creationId xmlns:a16="http://schemas.microsoft.com/office/drawing/2014/main" id="{B574741B-10EF-4DBF-A424-4FB8C4CB81C2}"/>
               </a:ext>
             </a:extLst>
           </p:cNvPr>
@@ -7263,7 +1584,7 @@
     </p:spTree>
     <p:extLst>
       <p:ext uri="{BB962C8B-B14F-4D97-AF65-F5344CB8AC3E}">
-        <p14:creationId xmlns:p14="http://schemas.microsoft.com/office/powerpoint/2010/main" val="3612483713"/>
+        <p14:creationId xmlns:p14="http://schemas.microsoft.com/office/powerpoint/2010/main" val="3856816917"/>
       </p:ext>
     </p:extLst>
   </p:cSld>
@@ -8036,7 +2357,7 @@
             <a:fld id="{3E36D263-5C89-4D5D-8B05-0120FB33B4BA}" type="datetime1">
               <a:rPr lang="fr-FR" smtClean="0"/>
               <a:pPr/>
-              <a:t>29/02/2024</a:t>
+              <a:t>02/03/2024</a:t>
             </a:fld>
             <a:endParaRPr lang="fr-FR" dirty="0"/>
           </a:p>
@@ -8243,7 +2564,7 @@
             <a:fld id="{8A1D2FCC-4233-4F14-8EDB-8DB44C2A50E0}" type="datetime1">
               <a:rPr lang="fr-FR" smtClean="0"/>
               <a:pPr/>
-              <a:t>29/02/2024</a:t>
+              <a:t>02/03/2024</a:t>
             </a:fld>
             <a:endParaRPr lang="fr-FR" dirty="0"/>
           </a:p>
@@ -8460,7 +2781,7 @@
             <a:fld id="{763F31CA-359D-41CC-AD54-062A6FB97288}" type="datetime1">
               <a:rPr lang="fr-FR" smtClean="0"/>
               <a:pPr/>
-              <a:t>29/02/2024</a:t>
+              <a:t>02/03/2024</a:t>
             </a:fld>
             <a:endParaRPr lang="fr-FR" dirty="0"/>
           </a:p>
@@ -8667,7 +2988,7 @@
             <a:fld id="{E2899D0D-1C7F-4044-B286-354B51780DED}" type="datetime1">
               <a:rPr lang="fr-FR" smtClean="0"/>
               <a:pPr/>
-              <a:t>29/02/2024</a:t>
+              <a:t>02/03/2024</a:t>
             </a:fld>
             <a:endParaRPr lang="fr-FR" dirty="0"/>
           </a:p>
@@ -9108,7 +3429,7 @@
             <a:fld id="{BEFD5C92-4BB1-4FBC-932D-AE246A545D97}" type="datetime1">
               <a:rPr lang="fr-FR" smtClean="0"/>
               <a:pPr/>
-              <a:t>29/02/2024</a:t>
+              <a:t>02/03/2024</a:t>
             </a:fld>
             <a:endParaRPr lang="fr-FR" dirty="0"/>
           </a:p>
@@ -9421,7 +3742,7 @@
             <a:fld id="{6B22FCC3-3DC7-4160-A3CE-82200479EFA7}" type="datetime1">
               <a:rPr lang="fr-FR" smtClean="0"/>
               <a:pPr/>
-              <a:t>29/02/2024</a:t>
+              <a:t>02/03/2024</a:t>
             </a:fld>
             <a:endParaRPr lang="fr-FR" dirty="0"/>
           </a:p>
@@ -9886,7 +4207,7 @@
             <a:fld id="{17AB33AB-93D8-496F-A7A3-D08F359C34C7}" type="datetime1">
               <a:rPr lang="fr-FR" smtClean="0"/>
               <a:pPr/>
-              <a:t>29/02/2024</a:t>
+              <a:t>02/03/2024</a:t>
             </a:fld>
             <a:endParaRPr lang="fr-FR" dirty="0"/>
           </a:p>
@@ -10025,7 +4346,7 @@
             <a:fld id="{5B80ABE1-D260-4843-B80F-7D5268AEEE07}" type="datetime1">
               <a:rPr lang="fr-FR" smtClean="0"/>
               <a:pPr/>
-              <a:t>29/02/2024</a:t>
+              <a:t>02/03/2024</a:t>
             </a:fld>
             <a:endParaRPr lang="fr-FR" dirty="0"/>
           </a:p>
@@ -10140,7 +4461,7 @@
             <a:fld id="{88B7253B-1B29-4A13-B3F4-5ABF9F84795C}" type="datetime1">
               <a:rPr lang="fr-FR" smtClean="0"/>
               <a:pPr/>
-              <a:t>29/02/2024</a:t>
+              <a:t>02/03/2024</a:t>
             </a:fld>
             <a:endParaRPr lang="fr-FR" dirty="0"/>
           </a:p>
@@ -10448,7 +4769,7 @@
             <a:fld id="{3FF95AA5-BF1E-4EB9-A1D5-0AB2DD60A2D9}" type="datetime1">
               <a:rPr lang="fr-FR" smtClean="0"/>
               <a:pPr/>
-              <a:t>29/02/2024</a:t>
+              <a:t>02/03/2024</a:t>
             </a:fld>
             <a:endParaRPr lang="fr-FR" dirty="0"/>
           </a:p>
@@ -10746,7 +5067,7 @@
             <a:fld id="{6F7BC923-82FA-41E3-BF4E-E946B22CD3AC}" type="datetime1">
               <a:rPr lang="fr-FR" smtClean="0"/>
               <a:pPr/>
-              <a:t>29/02/2024</a:t>
+              <a:t>02/03/2024</a:t>
             </a:fld>
             <a:endParaRPr lang="fr-FR" dirty="0"/>
           </a:p>
@@ -11371,7 +5692,7 @@
             <a:fld id="{64A97F8E-A89E-4ECD-B8CE-87968877804C}" type="datetime1">
               <a:rPr lang="fr-FR" smtClean="0"/>
               <a:pPr/>
-              <a:t>29/02/2024</a:t>
+              <a:t>02/03/2024</a:t>
             </a:fld>
             <a:endParaRPr lang="fr-FR" dirty="0"/>
           </a:p>
@@ -11971,13 +6292,8 @@
           <a:p>
             <a:r>
               <a:rPr lang="en-US" sz="2000" dirty="0"/>
-              <a:t>     Brando </a:t>
-            </a:r>
-            <a:r>
-              <a:rPr lang="en-US" sz="2000" dirty="0" err="1"/>
-              <a:t>Titouan</a:t>
-            </a:r>
-            <a:endParaRPr lang="en-US" sz="2000" dirty="0"/>
+              <a:t>     Brando Titouan</a:t>
+            </a:r>
           </a:p>
           <a:p>
             <a:r>
@@ -11987,12 +6303,8 @@
           </a:p>
           <a:p>
             <a:r>
-              <a:rPr lang="en-US" sz="2000" dirty="0" err="1"/>
-              <a:t>Gribanova</a:t>
-            </a:r>
-            <a:r>
               <a:rPr lang="en-US" sz="2000" dirty="0"/>
-              <a:t> Sofia</a:t>
+              <a:t>Gribanova Sofia</a:t>
             </a:r>
           </a:p>
           <a:p>
@@ -12038,13 +6350,43 @@
           </a:p>
           <a:p>
             <a:r>
-              <a:rPr lang="en-US" sz="2800" dirty="0" err="1"/>
-              <a:t>Mme</a:t>
-            </a:r>
-            <a:r>
               <a:rPr lang="en-US" sz="2800" dirty="0"/>
-              <a:t> Christine JULIEN</a:t>
-            </a:r>
+              <a:t>Mme Christine JULIEN</a:t>
+            </a:r>
+          </a:p>
+        </p:txBody>
+      </p:sp>
+      <p:sp>
+        <p:nvSpPr>
+          <p:cNvPr id="7" name="Espace réservé de la date 6">
+            <a:extLst>
+              <a:ext uri="{FF2B5EF4-FFF2-40B4-BE49-F238E27FC236}">
+                <a16:creationId xmlns:a16="http://schemas.microsoft.com/office/drawing/2014/main" id="{23C89938-D741-BAF6-79C6-949A477F9F92}"/>
+              </a:ext>
+            </a:extLst>
+          </p:cNvPr>
+          <p:cNvSpPr>
+            <a:spLocks noGrp="1"/>
+          </p:cNvSpPr>
+          <p:nvPr>
+            <p:ph type="dt" sz="half" idx="10"/>
+          </p:nvPr>
+        </p:nvSpPr>
+        <p:spPr>
+          <a:xfrm rot="19669732">
+            <a:off x="10750668" y="4176138"/>
+            <a:ext cx="1452456" cy="365125"/>
+          </a:xfrm>
+        </p:spPr>
+        <p:txBody>
+          <a:bodyPr/>
+          <a:lstStyle/>
+          <a:p>
+            <a:fld id="{E03B8EE1-0121-4282-8FFC-392C959541D5}" type="datetime1">
+              <a:rPr lang="fr-FR" sz="1800" smtClean="0"/>
+              <a:t>02/03/2024</a:t>
+            </a:fld>
+            <a:endParaRPr lang="fr-FR" sz="1800" dirty="0"/>
           </a:p>
         </p:txBody>
       </p:sp>
@@ -12052,1268 +6394,6 @@
     <p:extLst>
       <p:ext uri="{BB962C8B-B14F-4D97-AF65-F5344CB8AC3E}">
         <p14:creationId xmlns:p14="http://schemas.microsoft.com/office/powerpoint/2010/main" val="1332291891"/>
-      </p:ext>
-    </p:extLst>
-  </p:cSld>
-  <p:clrMapOvr>
-    <a:masterClrMapping/>
-  </p:clrMapOvr>
-  <mc:AlternateContent xmlns:mc="http://schemas.openxmlformats.org/markup-compatibility/2006" xmlns:p14="http://schemas.microsoft.com/office/powerpoint/2010/main">
-    <mc:Choice Requires="p14">
-      <p:transition spd="med" p14:dur="700">
-        <p:fade/>
-      </p:transition>
-    </mc:Choice>
-    <mc:Fallback xmlns="">
-      <p:transition spd="med">
-        <p:fade/>
-      </p:transition>
-    </mc:Fallback>
-  </mc:AlternateContent>
-</p:sld>
-</file>
-
-<file path=ppt/slides/slide10.xml><?xml version="1.0" encoding="utf-8"?>
-<p:sld xmlns:a="http://schemas.openxmlformats.org/drawingml/2006/main" xmlns:r="http://schemas.openxmlformats.org/officeDocument/2006/relationships" xmlns:p="http://schemas.openxmlformats.org/presentationml/2006/main">
-  <p:cSld>
-    <p:spTree>
-      <p:nvGrpSpPr>
-        <p:cNvPr id="1" name="">
-          <a:extLst>
-            <a:ext uri="{FF2B5EF4-FFF2-40B4-BE49-F238E27FC236}">
-              <a16:creationId xmlns:a16="http://schemas.microsoft.com/office/drawing/2014/main" id="{AF64013C-B3AB-F963-AB6A-B155CADE649B}"/>
-            </a:ext>
-          </a:extLst>
-        </p:cNvPr>
-        <p:cNvGrpSpPr/>
-        <p:nvPr/>
-      </p:nvGrpSpPr>
-      <p:grpSpPr>
-        <a:xfrm>
-          <a:off x="0" y="0"/>
-          <a:ext cx="0" cy="0"/>
-          <a:chOff x="0" y="0"/>
-          <a:chExt cx="0" cy="0"/>
-        </a:xfrm>
-      </p:grpSpPr>
-      <p:sp>
-        <p:nvSpPr>
-          <p:cNvPr id="7" name="Titre 6">
-            <a:extLst>
-              <a:ext uri="{FF2B5EF4-FFF2-40B4-BE49-F238E27FC236}">
-                <a16:creationId xmlns:a16="http://schemas.microsoft.com/office/drawing/2014/main" id="{D7317F15-0CC0-8F1C-98B0-B0D3C94948D7}"/>
-              </a:ext>
-            </a:extLst>
-          </p:cNvPr>
-          <p:cNvSpPr>
-            <a:spLocks noGrp="1"/>
-          </p:cNvSpPr>
-          <p:nvPr>
-            <p:ph type="title"/>
-          </p:nvPr>
-        </p:nvSpPr>
-        <p:spPr/>
-        <p:txBody>
-          <a:bodyPr rtlCol="0"/>
-          <a:lstStyle/>
-          <a:p>
-            <a:pPr rtl="0"/>
-            <a:r>
-              <a:rPr lang="fr-FR" dirty="0"/>
-              <a:t>Ajouter un titre de diapositive - 2</a:t>
-            </a:r>
-          </a:p>
-        </p:txBody>
-      </p:sp>
-      <p:sp>
-        <p:nvSpPr>
-          <p:cNvPr id="8" name="Espace réservé du texte 7">
-            <a:extLst>
-              <a:ext uri="{FF2B5EF4-FFF2-40B4-BE49-F238E27FC236}">
-                <a16:creationId xmlns:a16="http://schemas.microsoft.com/office/drawing/2014/main" id="{4B15753C-A07B-0BF2-1F63-AE47D75BBE3B}"/>
-              </a:ext>
-            </a:extLst>
-          </p:cNvPr>
-          <p:cNvSpPr>
-            <a:spLocks noGrp="1"/>
-          </p:cNvSpPr>
-          <p:nvPr>
-            <p:ph type="body" idx="1"/>
-          </p:nvPr>
-        </p:nvSpPr>
-        <p:spPr/>
-        <p:txBody>
-          <a:bodyPr rtlCol="0"/>
-          <a:lstStyle/>
-          <a:p>
-            <a:pPr rtl="0"/>
-            <a:endParaRPr lang="fr-FR" dirty="0"/>
-          </a:p>
-        </p:txBody>
-      </p:sp>
-      <p:sp>
-        <p:nvSpPr>
-          <p:cNvPr id="10" name="Espace réservé du contenu 9">
-            <a:extLst>
-              <a:ext uri="{FF2B5EF4-FFF2-40B4-BE49-F238E27FC236}">
-                <a16:creationId xmlns:a16="http://schemas.microsoft.com/office/drawing/2014/main" id="{2D3BBD7E-F03D-75F4-E605-B5A6CD8A8523}"/>
-              </a:ext>
-            </a:extLst>
-          </p:cNvPr>
-          <p:cNvSpPr>
-            <a:spLocks noGrp="1"/>
-          </p:cNvSpPr>
-          <p:nvPr>
-            <p:ph sz="half" idx="2"/>
-          </p:nvPr>
-        </p:nvSpPr>
-        <p:spPr/>
-        <p:txBody>
-          <a:bodyPr rtlCol="0"/>
-          <a:lstStyle/>
-          <a:p>
-            <a:pPr rtl="0"/>
-            <a:endParaRPr lang="fr-FR" dirty="0"/>
-          </a:p>
-        </p:txBody>
-      </p:sp>
-      <p:sp>
-        <p:nvSpPr>
-          <p:cNvPr id="9" name="Espace réservé du texte 8">
-            <a:extLst>
-              <a:ext uri="{FF2B5EF4-FFF2-40B4-BE49-F238E27FC236}">
-                <a16:creationId xmlns:a16="http://schemas.microsoft.com/office/drawing/2014/main" id="{03565FFF-A65F-CE1C-B9D9-D20FC03A3634}"/>
-              </a:ext>
-            </a:extLst>
-          </p:cNvPr>
-          <p:cNvSpPr>
-            <a:spLocks noGrp="1"/>
-          </p:cNvSpPr>
-          <p:nvPr>
-            <p:ph type="body" sz="quarter" idx="3"/>
-          </p:nvPr>
-        </p:nvSpPr>
-        <p:spPr/>
-        <p:txBody>
-          <a:bodyPr rtlCol="0"/>
-          <a:lstStyle/>
-          <a:p>
-            <a:pPr rtl="0"/>
-            <a:endParaRPr lang="fr-FR" dirty="0"/>
-          </a:p>
-        </p:txBody>
-      </p:sp>
-      <p:sp>
-        <p:nvSpPr>
-          <p:cNvPr id="11" name="Espace réservé du contenu 10">
-            <a:extLst>
-              <a:ext uri="{FF2B5EF4-FFF2-40B4-BE49-F238E27FC236}">
-                <a16:creationId xmlns:a16="http://schemas.microsoft.com/office/drawing/2014/main" id="{3B53BE0A-5590-867C-EB53-24050DA5A7A4}"/>
-              </a:ext>
-            </a:extLst>
-          </p:cNvPr>
-          <p:cNvSpPr>
-            <a:spLocks noGrp="1"/>
-          </p:cNvSpPr>
-          <p:nvPr>
-            <p:ph sz="quarter" idx="4"/>
-          </p:nvPr>
-        </p:nvSpPr>
-        <p:spPr/>
-        <p:txBody>
-          <a:bodyPr rtlCol="0"/>
-          <a:lstStyle/>
-          <a:p>
-            <a:pPr rtl="0"/>
-            <a:endParaRPr lang="fr-FR" dirty="0"/>
-          </a:p>
-        </p:txBody>
-      </p:sp>
-    </p:spTree>
-    <p:extLst>
-      <p:ext uri="{BB962C8B-B14F-4D97-AF65-F5344CB8AC3E}">
-        <p14:creationId xmlns:p14="http://schemas.microsoft.com/office/powerpoint/2010/main" val="2654219651"/>
-      </p:ext>
-    </p:extLst>
-  </p:cSld>
-  <p:clrMapOvr>
-    <a:masterClrMapping/>
-  </p:clrMapOvr>
-  <mc:AlternateContent xmlns:mc="http://schemas.openxmlformats.org/markup-compatibility/2006">
-    <mc:Choice xmlns:p14="http://schemas.microsoft.com/office/powerpoint/2010/main" Requires="p14">
-      <p:transition spd="med" p14:dur="700">
-        <p:fade/>
-      </p:transition>
-    </mc:Choice>
-    <mc:Fallback>
-      <p:transition spd="med">
-        <p:fade/>
-      </p:transition>
-    </mc:Fallback>
-  </mc:AlternateContent>
-</p:sld>
-</file>
-
-<file path=ppt/slides/slide11.xml><?xml version="1.0" encoding="utf-8"?>
-<p:sld xmlns:a="http://schemas.openxmlformats.org/drawingml/2006/main" xmlns:r="http://schemas.openxmlformats.org/officeDocument/2006/relationships" xmlns:p="http://schemas.openxmlformats.org/presentationml/2006/main">
-  <p:cSld>
-    <p:spTree>
-      <p:nvGrpSpPr>
-        <p:cNvPr id="1" name="">
-          <a:extLst>
-            <a:ext uri="{FF2B5EF4-FFF2-40B4-BE49-F238E27FC236}">
-              <a16:creationId xmlns:a16="http://schemas.microsoft.com/office/drawing/2014/main" id="{5920AB45-94FC-66A9-83FC-928B60012691}"/>
-            </a:ext>
-          </a:extLst>
-        </p:cNvPr>
-        <p:cNvGrpSpPr/>
-        <p:nvPr/>
-      </p:nvGrpSpPr>
-      <p:grpSpPr>
-        <a:xfrm>
-          <a:off x="0" y="0"/>
-          <a:ext cx="0" cy="0"/>
-          <a:chOff x="0" y="0"/>
-          <a:chExt cx="0" cy="0"/>
-        </a:xfrm>
-      </p:grpSpPr>
-      <p:sp>
-        <p:nvSpPr>
-          <p:cNvPr id="7" name="Titre 6">
-            <a:extLst>
-              <a:ext uri="{FF2B5EF4-FFF2-40B4-BE49-F238E27FC236}">
-                <a16:creationId xmlns:a16="http://schemas.microsoft.com/office/drawing/2014/main" id="{76294D1A-0AD8-5A80-3A66-E15E9A1092E0}"/>
-              </a:ext>
-            </a:extLst>
-          </p:cNvPr>
-          <p:cNvSpPr>
-            <a:spLocks noGrp="1"/>
-          </p:cNvSpPr>
-          <p:nvPr>
-            <p:ph type="title"/>
-          </p:nvPr>
-        </p:nvSpPr>
-        <p:spPr/>
-        <p:txBody>
-          <a:bodyPr rtlCol="0"/>
-          <a:lstStyle/>
-          <a:p>
-            <a:pPr rtl="0"/>
-            <a:r>
-              <a:rPr lang="fr-FR" dirty="0"/>
-              <a:t>Ajouter un titre de diapositive - 2</a:t>
-            </a:r>
-          </a:p>
-        </p:txBody>
-      </p:sp>
-      <p:sp>
-        <p:nvSpPr>
-          <p:cNvPr id="8" name="Espace réservé du texte 7">
-            <a:extLst>
-              <a:ext uri="{FF2B5EF4-FFF2-40B4-BE49-F238E27FC236}">
-                <a16:creationId xmlns:a16="http://schemas.microsoft.com/office/drawing/2014/main" id="{FC413754-C930-9DF1-961E-5BF8F8EDDC8C}"/>
-              </a:ext>
-            </a:extLst>
-          </p:cNvPr>
-          <p:cNvSpPr>
-            <a:spLocks noGrp="1"/>
-          </p:cNvSpPr>
-          <p:nvPr>
-            <p:ph type="body" idx="1"/>
-          </p:nvPr>
-        </p:nvSpPr>
-        <p:spPr/>
-        <p:txBody>
-          <a:bodyPr rtlCol="0"/>
-          <a:lstStyle/>
-          <a:p>
-            <a:pPr rtl="0"/>
-            <a:endParaRPr lang="fr-FR" dirty="0"/>
-          </a:p>
-        </p:txBody>
-      </p:sp>
-      <p:sp>
-        <p:nvSpPr>
-          <p:cNvPr id="10" name="Espace réservé du contenu 9">
-            <a:extLst>
-              <a:ext uri="{FF2B5EF4-FFF2-40B4-BE49-F238E27FC236}">
-                <a16:creationId xmlns:a16="http://schemas.microsoft.com/office/drawing/2014/main" id="{B78E8746-8E6B-BCB6-CAD4-7034E6E36FA3}"/>
-              </a:ext>
-            </a:extLst>
-          </p:cNvPr>
-          <p:cNvSpPr>
-            <a:spLocks noGrp="1"/>
-          </p:cNvSpPr>
-          <p:nvPr>
-            <p:ph sz="half" idx="2"/>
-          </p:nvPr>
-        </p:nvSpPr>
-        <p:spPr/>
-        <p:txBody>
-          <a:bodyPr rtlCol="0"/>
-          <a:lstStyle/>
-          <a:p>
-            <a:pPr rtl="0"/>
-            <a:endParaRPr lang="fr-FR" dirty="0"/>
-          </a:p>
-        </p:txBody>
-      </p:sp>
-      <p:sp>
-        <p:nvSpPr>
-          <p:cNvPr id="9" name="Espace réservé du texte 8">
-            <a:extLst>
-              <a:ext uri="{FF2B5EF4-FFF2-40B4-BE49-F238E27FC236}">
-                <a16:creationId xmlns:a16="http://schemas.microsoft.com/office/drawing/2014/main" id="{095DFA36-CEDB-2A51-AEF4-7FE0948A3095}"/>
-              </a:ext>
-            </a:extLst>
-          </p:cNvPr>
-          <p:cNvSpPr>
-            <a:spLocks noGrp="1"/>
-          </p:cNvSpPr>
-          <p:nvPr>
-            <p:ph type="body" sz="quarter" idx="3"/>
-          </p:nvPr>
-        </p:nvSpPr>
-        <p:spPr/>
-        <p:txBody>
-          <a:bodyPr rtlCol="0"/>
-          <a:lstStyle/>
-          <a:p>
-            <a:pPr rtl="0"/>
-            <a:endParaRPr lang="fr-FR" dirty="0"/>
-          </a:p>
-        </p:txBody>
-      </p:sp>
-      <p:sp>
-        <p:nvSpPr>
-          <p:cNvPr id="11" name="Espace réservé du contenu 10">
-            <a:extLst>
-              <a:ext uri="{FF2B5EF4-FFF2-40B4-BE49-F238E27FC236}">
-                <a16:creationId xmlns:a16="http://schemas.microsoft.com/office/drawing/2014/main" id="{88325F15-0595-6752-F47D-828F6D11C665}"/>
-              </a:ext>
-            </a:extLst>
-          </p:cNvPr>
-          <p:cNvSpPr>
-            <a:spLocks noGrp="1"/>
-          </p:cNvSpPr>
-          <p:nvPr>
-            <p:ph sz="quarter" idx="4"/>
-          </p:nvPr>
-        </p:nvSpPr>
-        <p:spPr/>
-        <p:txBody>
-          <a:bodyPr rtlCol="0"/>
-          <a:lstStyle/>
-          <a:p>
-            <a:pPr rtl="0"/>
-            <a:endParaRPr lang="fr-FR" dirty="0"/>
-          </a:p>
-        </p:txBody>
-      </p:sp>
-    </p:spTree>
-    <p:extLst>
-      <p:ext uri="{BB962C8B-B14F-4D97-AF65-F5344CB8AC3E}">
-        <p14:creationId xmlns:p14="http://schemas.microsoft.com/office/powerpoint/2010/main" val="3500043932"/>
-      </p:ext>
-    </p:extLst>
-  </p:cSld>
-  <p:clrMapOvr>
-    <a:masterClrMapping/>
-  </p:clrMapOvr>
-  <mc:AlternateContent xmlns:mc="http://schemas.openxmlformats.org/markup-compatibility/2006">
-    <mc:Choice xmlns:p14="http://schemas.microsoft.com/office/powerpoint/2010/main" Requires="p14">
-      <p:transition spd="med" p14:dur="700">
-        <p:fade/>
-      </p:transition>
-    </mc:Choice>
-    <mc:Fallback>
-      <p:transition spd="med">
-        <p:fade/>
-      </p:transition>
-    </mc:Fallback>
-  </mc:AlternateContent>
-</p:sld>
-</file>
-
-<file path=ppt/slides/slide12.xml><?xml version="1.0" encoding="utf-8"?>
-<p:sld xmlns:a="http://schemas.openxmlformats.org/drawingml/2006/main" xmlns:r="http://schemas.openxmlformats.org/officeDocument/2006/relationships" xmlns:p="http://schemas.openxmlformats.org/presentationml/2006/main">
-  <p:cSld>
-    <p:spTree>
-      <p:nvGrpSpPr>
-        <p:cNvPr id="1" name=""/>
-        <p:cNvGrpSpPr/>
-        <p:nvPr/>
-      </p:nvGrpSpPr>
-      <p:grpSpPr>
-        <a:xfrm>
-          <a:off x="0" y="0"/>
-          <a:ext cx="0" cy="0"/>
-          <a:chOff x="0" y="0"/>
-          <a:chExt cx="0" cy="0"/>
-        </a:xfrm>
-      </p:grpSpPr>
-      <p:sp>
-        <p:nvSpPr>
-          <p:cNvPr id="7" name="Titre 6"/>
-          <p:cNvSpPr>
-            <a:spLocks noGrp="1"/>
-          </p:cNvSpPr>
-          <p:nvPr>
-            <p:ph type="title"/>
-          </p:nvPr>
-        </p:nvSpPr>
-        <p:spPr/>
-        <p:txBody>
-          <a:bodyPr rtlCol="0"/>
-          <a:lstStyle/>
-          <a:p>
-            <a:pPr rtl="0"/>
-            <a:r>
-              <a:rPr lang="fr-FR" dirty="0"/>
-              <a:t>Disposition de titre et de contenu avec graphique</a:t>
-            </a:r>
-          </a:p>
-        </p:txBody>
-      </p:sp>
-      <p:graphicFrame>
-        <p:nvGraphicFramePr>
-          <p:cNvPr id="9" name="Espace réservé du contenu 8" descr="Histogramme groupé affichant les valeurs de 3 séries pour 4 catégories"/>
-          <p:cNvGraphicFramePr>
-            <a:graphicFrameLocks noGrp="1"/>
-          </p:cNvGraphicFramePr>
-          <p:nvPr>
-            <p:ph idx="1"/>
-            <p:extLst>
-              <p:ext uri="{D42A27DB-BD31-4B8C-83A1-F6EECF244321}">
-                <p14:modId xmlns:p14="http://schemas.microsoft.com/office/powerpoint/2010/main" val="938402454"/>
-              </p:ext>
-            </p:extLst>
-          </p:nvPr>
-        </p:nvGraphicFramePr>
-        <p:xfrm>
-          <a:off x="1219200" y="1701800"/>
-          <a:ext cx="10360025" cy="4462463"/>
-        </p:xfrm>
-        <a:graphic>
-          <a:graphicData uri="http://schemas.openxmlformats.org/drawingml/2006/chart">
-            <c:chart xmlns:c="http://schemas.openxmlformats.org/drawingml/2006/chart" xmlns:r="http://schemas.openxmlformats.org/officeDocument/2006/relationships" r:id="rId3"/>
-          </a:graphicData>
-        </a:graphic>
-      </p:graphicFrame>
-    </p:spTree>
-    <p:extLst>
-      <p:ext uri="{BB962C8B-B14F-4D97-AF65-F5344CB8AC3E}">
-        <p14:creationId xmlns:p14="http://schemas.microsoft.com/office/powerpoint/2010/main" val="1484811712"/>
-      </p:ext>
-    </p:extLst>
-  </p:cSld>
-  <p:clrMapOvr>
-    <a:masterClrMapping/>
-  </p:clrMapOvr>
-  <mc:AlternateContent xmlns:mc="http://schemas.openxmlformats.org/markup-compatibility/2006" xmlns:p14="http://schemas.microsoft.com/office/powerpoint/2010/main">
-    <mc:Choice Requires="p14">
-      <p:transition spd="med" p14:dur="700">
-        <p:fade/>
-      </p:transition>
-    </mc:Choice>
-    <mc:Fallback xmlns="">
-      <p:transition spd="med">
-        <p:fade/>
-      </p:transition>
-    </mc:Fallback>
-  </mc:AlternateContent>
-</p:sld>
-</file>
-
-<file path=ppt/slides/slide13.xml><?xml version="1.0" encoding="utf-8"?>
-<p:sld xmlns:a="http://schemas.openxmlformats.org/drawingml/2006/main" xmlns:r="http://schemas.openxmlformats.org/officeDocument/2006/relationships" xmlns:p="http://schemas.openxmlformats.org/presentationml/2006/main">
-  <p:cSld>
-    <p:spTree>
-      <p:nvGrpSpPr>
-        <p:cNvPr id="1" name=""/>
-        <p:cNvGrpSpPr/>
-        <p:nvPr/>
-      </p:nvGrpSpPr>
-      <p:grpSpPr>
-        <a:xfrm>
-          <a:off x="0" y="0"/>
-          <a:ext cx="0" cy="0"/>
-          <a:chOff x="0" y="0"/>
-          <a:chExt cx="0" cy="0"/>
-        </a:xfrm>
-      </p:grpSpPr>
-      <p:sp>
-        <p:nvSpPr>
-          <p:cNvPr id="2" name="Titre 1"/>
-          <p:cNvSpPr>
-            <a:spLocks noGrp="1"/>
-          </p:cNvSpPr>
-          <p:nvPr>
-            <p:ph type="title"/>
-          </p:nvPr>
-        </p:nvSpPr>
-        <p:spPr/>
-        <p:txBody>
-          <a:bodyPr rtlCol="0"/>
-          <a:lstStyle/>
-          <a:p>
-            <a:pPr rtl="0"/>
-            <a:r>
-              <a:rPr lang="fr-FR" dirty="0"/>
-              <a:t>Disposition de deux contenus avec tableau</a:t>
-            </a:r>
-          </a:p>
-        </p:txBody>
-      </p:sp>
-      <p:sp>
-        <p:nvSpPr>
-          <p:cNvPr id="3" name="Espace réservé du contenu 2"/>
-          <p:cNvSpPr>
-            <a:spLocks noGrp="1"/>
-          </p:cNvSpPr>
-          <p:nvPr>
-            <p:ph sz="half" idx="1"/>
-          </p:nvPr>
-        </p:nvSpPr>
-        <p:spPr/>
-        <p:txBody>
-          <a:bodyPr rtlCol="0"/>
-          <a:lstStyle/>
-          <a:p>
-            <a:pPr rtl="0"/>
-            <a:r>
-              <a:rPr lang="fr-FR" dirty="0"/>
-              <a:t>Premier point ici</a:t>
-            </a:r>
-          </a:p>
-          <a:p>
-            <a:pPr rtl="0"/>
-            <a:r>
-              <a:rPr lang="fr-FR" dirty="0"/>
-              <a:t>Deuxième point ici</a:t>
-            </a:r>
-          </a:p>
-          <a:p>
-            <a:pPr rtl="0"/>
-            <a:r>
-              <a:rPr lang="fr-FR" dirty="0"/>
-              <a:t>Troisième point ici</a:t>
-            </a:r>
-          </a:p>
-        </p:txBody>
-      </p:sp>
-      <p:graphicFrame>
-        <p:nvGraphicFramePr>
-          <p:cNvPr id="5" name="Espace réservé du contenu 4"/>
-          <p:cNvGraphicFramePr>
-            <a:graphicFrameLocks noGrp="1"/>
-          </p:cNvGraphicFramePr>
-          <p:nvPr>
-            <p:ph sz="half" idx="2"/>
-            <p:extLst>
-              <p:ext uri="{D42A27DB-BD31-4B8C-83A1-F6EECF244321}">
-                <p14:modId xmlns:p14="http://schemas.microsoft.com/office/powerpoint/2010/main" val="3218497318"/>
-              </p:ext>
-            </p:extLst>
-          </p:nvPr>
-        </p:nvGraphicFramePr>
-        <p:xfrm>
-          <a:off x="6500813" y="1706563"/>
-          <a:ext cx="5078412" cy="2255836"/>
-        </p:xfrm>
-        <a:graphic>
-          <a:graphicData uri="http://schemas.openxmlformats.org/drawingml/2006/table">
-            <a:tbl>
-              <a:tblPr firstRow="1" bandRow="1">
-                <a:tableStyleId>{5C22544A-7EE6-4342-B048-85BDC9FD1C3A}</a:tableStyleId>
-              </a:tblPr>
-              <a:tblGrid>
-                <a:gridCol w="1692804">
-                  <a:extLst>
-                    <a:ext uri="{9D8B030D-6E8A-4147-A177-3AD203B41FA5}">
-                      <a16:colId xmlns:a16="http://schemas.microsoft.com/office/drawing/2014/main" val="20000"/>
-                    </a:ext>
-                  </a:extLst>
-                </a:gridCol>
-                <a:gridCol w="1692804">
-                  <a:extLst>
-                    <a:ext uri="{9D8B030D-6E8A-4147-A177-3AD203B41FA5}">
-                      <a16:colId xmlns:a16="http://schemas.microsoft.com/office/drawing/2014/main" val="20001"/>
-                    </a:ext>
-                  </a:extLst>
-                </a:gridCol>
-                <a:gridCol w="1692804">
-                  <a:extLst>
-                    <a:ext uri="{9D8B030D-6E8A-4147-A177-3AD203B41FA5}">
-                      <a16:colId xmlns:a16="http://schemas.microsoft.com/office/drawing/2014/main" val="20002"/>
-                    </a:ext>
-                  </a:extLst>
-                </a:gridCol>
-              </a:tblGrid>
-              <a:tr h="563959">
-                <a:tc>
-                  <a:txBody>
-                    <a:bodyPr/>
-                    <a:lstStyle/>
-                    <a:p>
-                      <a:pPr rtl="0"/>
-                      <a:r>
-                        <a:rPr lang="fr-FR" dirty="0"/>
-                        <a:t>Cours</a:t>
-                      </a:r>
-                    </a:p>
-                  </a:txBody>
-                  <a:tcPr anchor="ctr">
-                    <a:solidFill>
-                      <a:srgbClr val="008282"/>
-                    </a:solidFill>
-                  </a:tcPr>
-                </a:tc>
-                <a:tc>
-                  <a:txBody>
-                    <a:bodyPr/>
-                    <a:lstStyle/>
-                    <a:p>
-                      <a:pPr algn="ctr" rtl="0"/>
-                      <a:r>
-                        <a:rPr lang="fr-FR" dirty="0"/>
-                        <a:t>Groupe 1</a:t>
-                      </a:r>
-                    </a:p>
-                  </a:txBody>
-                  <a:tcPr anchor="ctr">
-                    <a:solidFill>
-                      <a:srgbClr val="008282"/>
-                    </a:solidFill>
-                  </a:tcPr>
-                </a:tc>
-                <a:tc>
-                  <a:txBody>
-                    <a:bodyPr/>
-                    <a:lstStyle/>
-                    <a:p>
-                      <a:pPr algn="ctr" rtl="0"/>
-                      <a:r>
-                        <a:rPr lang="fr-FR" dirty="0"/>
-                        <a:t>Groupe 2</a:t>
-                      </a:r>
-                    </a:p>
-                  </a:txBody>
-                  <a:tcPr anchor="ctr">
-                    <a:solidFill>
-                      <a:srgbClr val="008282"/>
-                    </a:solidFill>
-                  </a:tcPr>
-                </a:tc>
-                <a:extLst>
-                  <a:ext uri="{0D108BD9-81ED-4DB2-BD59-A6C34878D82A}">
-                    <a16:rowId xmlns:a16="http://schemas.microsoft.com/office/drawing/2014/main" val="10000"/>
-                  </a:ext>
-                </a:extLst>
-              </a:tr>
-              <a:tr h="563959">
-                <a:tc>
-                  <a:txBody>
-                    <a:bodyPr/>
-                    <a:lstStyle/>
-                    <a:p>
-                      <a:pPr rtl="0"/>
-                      <a:r>
-                        <a:rPr lang="fr-FR" dirty="0"/>
-                        <a:t>Cours 1</a:t>
-                      </a:r>
-                    </a:p>
-                  </a:txBody>
-                  <a:tcPr anchor="ctr"/>
-                </a:tc>
-                <a:tc>
-                  <a:txBody>
-                    <a:bodyPr/>
-                    <a:lstStyle/>
-                    <a:p>
-                      <a:pPr algn="ctr" rtl="0"/>
-                      <a:r>
-                        <a:rPr lang="fr-FR" dirty="0"/>
-                        <a:t>82</a:t>
-                      </a:r>
-                    </a:p>
-                  </a:txBody>
-                  <a:tcPr anchor="ctr"/>
-                </a:tc>
-                <a:tc>
-                  <a:txBody>
-                    <a:bodyPr/>
-                    <a:lstStyle/>
-                    <a:p>
-                      <a:pPr algn="ctr" rtl="0"/>
-                      <a:r>
-                        <a:rPr lang="fr-FR" dirty="0"/>
-                        <a:t>95</a:t>
-                      </a:r>
-                    </a:p>
-                  </a:txBody>
-                  <a:tcPr anchor="ctr"/>
-                </a:tc>
-                <a:extLst>
-                  <a:ext uri="{0D108BD9-81ED-4DB2-BD59-A6C34878D82A}">
-                    <a16:rowId xmlns:a16="http://schemas.microsoft.com/office/drawing/2014/main" val="10001"/>
-                  </a:ext>
-                </a:extLst>
-              </a:tr>
-              <a:tr h="563959">
-                <a:tc>
-                  <a:txBody>
-                    <a:bodyPr/>
-                    <a:lstStyle/>
-                    <a:p>
-                      <a:pPr rtl="0"/>
-                      <a:r>
-                        <a:rPr lang="fr-FR" dirty="0"/>
-                        <a:t>Cours 2</a:t>
-                      </a:r>
-                    </a:p>
-                  </a:txBody>
-                  <a:tcPr anchor="ctr"/>
-                </a:tc>
-                <a:tc>
-                  <a:txBody>
-                    <a:bodyPr/>
-                    <a:lstStyle/>
-                    <a:p>
-                      <a:pPr algn="ctr" rtl="0"/>
-                      <a:r>
-                        <a:rPr lang="fr-FR" dirty="0"/>
-                        <a:t>76</a:t>
-                      </a:r>
-                    </a:p>
-                  </a:txBody>
-                  <a:tcPr anchor="ctr"/>
-                </a:tc>
-                <a:tc>
-                  <a:txBody>
-                    <a:bodyPr/>
-                    <a:lstStyle/>
-                    <a:p>
-                      <a:pPr algn="ctr" rtl="0"/>
-                      <a:r>
-                        <a:rPr lang="fr-FR" dirty="0"/>
-                        <a:t>88</a:t>
-                      </a:r>
-                    </a:p>
-                  </a:txBody>
-                  <a:tcPr anchor="ctr"/>
-                </a:tc>
-                <a:extLst>
-                  <a:ext uri="{0D108BD9-81ED-4DB2-BD59-A6C34878D82A}">
-                    <a16:rowId xmlns:a16="http://schemas.microsoft.com/office/drawing/2014/main" val="10002"/>
-                  </a:ext>
-                </a:extLst>
-              </a:tr>
-              <a:tr h="563959">
-                <a:tc>
-                  <a:txBody>
-                    <a:bodyPr/>
-                    <a:lstStyle/>
-                    <a:p>
-                      <a:pPr rtl="0"/>
-                      <a:r>
-                        <a:rPr lang="fr-FR" dirty="0"/>
-                        <a:t>Cours 3</a:t>
-                      </a:r>
-                    </a:p>
-                  </a:txBody>
-                  <a:tcPr anchor="ctr"/>
-                </a:tc>
-                <a:tc>
-                  <a:txBody>
-                    <a:bodyPr/>
-                    <a:lstStyle/>
-                    <a:p>
-                      <a:pPr algn="ctr" rtl="0"/>
-                      <a:r>
-                        <a:rPr lang="fr-FR" dirty="0"/>
-                        <a:t>84</a:t>
-                      </a:r>
-                    </a:p>
-                  </a:txBody>
-                  <a:tcPr anchor="ctr"/>
-                </a:tc>
-                <a:tc>
-                  <a:txBody>
-                    <a:bodyPr/>
-                    <a:lstStyle/>
-                    <a:p>
-                      <a:pPr algn="ctr" rtl="0"/>
-                      <a:r>
-                        <a:rPr lang="fr-FR" dirty="0"/>
-                        <a:t>90</a:t>
-                      </a:r>
-                    </a:p>
-                  </a:txBody>
-                  <a:tcPr anchor="ctr"/>
-                </a:tc>
-                <a:extLst>
-                  <a:ext uri="{0D108BD9-81ED-4DB2-BD59-A6C34878D82A}">
-                    <a16:rowId xmlns:a16="http://schemas.microsoft.com/office/drawing/2014/main" val="10003"/>
-                  </a:ext>
-                </a:extLst>
-              </a:tr>
-            </a:tbl>
-          </a:graphicData>
-        </a:graphic>
-      </p:graphicFrame>
-    </p:spTree>
-    <p:extLst>
-      <p:ext uri="{BB962C8B-B14F-4D97-AF65-F5344CB8AC3E}">
-        <p14:creationId xmlns:p14="http://schemas.microsoft.com/office/powerpoint/2010/main" val="2341911148"/>
-      </p:ext>
-    </p:extLst>
-  </p:cSld>
-  <p:clrMapOvr>
-    <a:masterClrMapping/>
-  </p:clrMapOvr>
-  <mc:AlternateContent xmlns:mc="http://schemas.openxmlformats.org/markup-compatibility/2006" xmlns:p14="http://schemas.microsoft.com/office/powerpoint/2010/main">
-    <mc:Choice Requires="p14">
-      <p:transition spd="med" p14:dur="700">
-        <p:fade/>
-      </p:transition>
-    </mc:Choice>
-    <mc:Fallback xmlns="">
-      <p:transition spd="med">
-        <p:fade/>
-      </p:transition>
-    </mc:Fallback>
-  </mc:AlternateContent>
-</p:sld>
-</file>
-
-<file path=ppt/slides/slide14.xml><?xml version="1.0" encoding="utf-8"?>
-<p:sld xmlns:a="http://schemas.openxmlformats.org/drawingml/2006/main" xmlns:r="http://schemas.openxmlformats.org/officeDocument/2006/relationships" xmlns:p="http://schemas.openxmlformats.org/presentationml/2006/main">
-  <p:cSld>
-    <p:spTree>
-      <p:nvGrpSpPr>
-        <p:cNvPr id="1" name=""/>
-        <p:cNvGrpSpPr/>
-        <p:nvPr/>
-      </p:nvGrpSpPr>
-      <p:grpSpPr>
-        <a:xfrm>
-          <a:off x="0" y="0"/>
-          <a:ext cx="0" cy="0"/>
-          <a:chOff x="0" y="0"/>
-          <a:chExt cx="0" cy="0"/>
-        </a:xfrm>
-      </p:grpSpPr>
-      <p:sp>
-        <p:nvSpPr>
-          <p:cNvPr id="2" name="Titre 1"/>
-          <p:cNvSpPr>
-            <a:spLocks noGrp="1"/>
-          </p:cNvSpPr>
-          <p:nvPr>
-            <p:ph type="title"/>
-          </p:nvPr>
-        </p:nvSpPr>
-        <p:spPr/>
-        <p:txBody>
-          <a:bodyPr rtlCol="0"/>
-          <a:lstStyle/>
-          <a:p>
-            <a:pPr rtl="0"/>
-            <a:r>
-              <a:rPr lang="fr-FR" dirty="0"/>
-              <a:t>Disposition de deux contenus avec graphique </a:t>
-            </a:r>
-            <a:r>
-              <a:rPr lang="fr-FR" dirty="0" err="1"/>
-              <a:t>SmartArt</a:t>
-            </a:r>
-            <a:endParaRPr lang="fr-FR" dirty="0"/>
-          </a:p>
-        </p:txBody>
-      </p:sp>
-      <p:sp>
-        <p:nvSpPr>
-          <p:cNvPr id="3" name="Espace réservé du contenu 2"/>
-          <p:cNvSpPr>
-            <a:spLocks noGrp="1"/>
-          </p:cNvSpPr>
-          <p:nvPr>
-            <p:ph sz="half" idx="1"/>
-          </p:nvPr>
-        </p:nvSpPr>
-        <p:spPr/>
-        <p:txBody>
-          <a:bodyPr rtlCol="0"/>
-          <a:lstStyle/>
-          <a:p>
-            <a:pPr rtl="0"/>
-            <a:r>
-              <a:rPr lang="fr-FR" dirty="0"/>
-              <a:t>Premier point ici</a:t>
-            </a:r>
-          </a:p>
-          <a:p>
-            <a:pPr rtl="0"/>
-            <a:r>
-              <a:rPr lang="fr-FR" dirty="0"/>
-              <a:t>Deuxième point ici</a:t>
-            </a:r>
-          </a:p>
-          <a:p>
-            <a:pPr rtl="0"/>
-            <a:r>
-              <a:rPr lang="fr-FR" dirty="0"/>
-              <a:t>Troisième point ici</a:t>
-            </a:r>
-          </a:p>
-        </p:txBody>
-      </p:sp>
-      <p:graphicFrame>
-        <p:nvGraphicFramePr>
-          <p:cNvPr id="5" name="Espace réservé du contenu 4" descr="Processus échelonné présentant 3 tâches superposées. Deux flèches vers le bas indiquent la progression de la première à la deuxième tâche, puis de la deuxième à la troisième tâche."/>
-          <p:cNvGraphicFramePr>
-            <a:graphicFrameLocks noGrp="1"/>
-          </p:cNvGraphicFramePr>
-          <p:nvPr>
-            <p:ph sz="half" idx="2"/>
-            <p:extLst>
-              <p:ext uri="{D42A27DB-BD31-4B8C-83A1-F6EECF244321}">
-                <p14:modId xmlns:p14="http://schemas.microsoft.com/office/powerpoint/2010/main" val="1345455457"/>
-              </p:ext>
-            </p:extLst>
-          </p:nvPr>
-        </p:nvGraphicFramePr>
-        <p:xfrm>
-          <a:off x="6500813" y="1706563"/>
-          <a:ext cx="5078412" cy="4465637"/>
-        </p:xfrm>
-        <a:graphic>
-          <a:graphicData uri="http://schemas.openxmlformats.org/drawingml/2006/diagram">
-            <dgm:relIds xmlns:dgm="http://schemas.openxmlformats.org/drawingml/2006/diagram" xmlns:r="http://schemas.openxmlformats.org/officeDocument/2006/relationships" r:dm="rId3" r:lo="rId4" r:qs="rId5" r:cs="rId6"/>
-          </a:graphicData>
-        </a:graphic>
-      </p:graphicFrame>
-    </p:spTree>
-    <p:extLst>
-      <p:ext uri="{BB962C8B-B14F-4D97-AF65-F5344CB8AC3E}">
-        <p14:creationId xmlns:p14="http://schemas.microsoft.com/office/powerpoint/2010/main" val="4123189245"/>
-      </p:ext>
-    </p:extLst>
-  </p:cSld>
-  <p:clrMapOvr>
-    <a:masterClrMapping/>
-  </p:clrMapOvr>
-  <mc:AlternateContent xmlns:mc="http://schemas.openxmlformats.org/markup-compatibility/2006" xmlns:p14="http://schemas.microsoft.com/office/powerpoint/2010/main">
-    <mc:Choice Requires="p14">
-      <p:transition spd="med" p14:dur="700">
-        <p:fade/>
-      </p:transition>
-    </mc:Choice>
-    <mc:Fallback xmlns="">
-      <p:transition spd="med">
-        <p:fade/>
-      </p:transition>
-    </mc:Fallback>
-  </mc:AlternateContent>
-</p:sld>
-</file>
-
-<file path=ppt/slides/slide15.xml><?xml version="1.0" encoding="utf-8"?>
-<p:sld xmlns:a="http://schemas.openxmlformats.org/drawingml/2006/main" xmlns:r="http://schemas.openxmlformats.org/officeDocument/2006/relationships" xmlns:p="http://schemas.openxmlformats.org/presentationml/2006/main">
-  <p:cSld>
-    <p:spTree>
-      <p:nvGrpSpPr>
-        <p:cNvPr id="1" name=""/>
-        <p:cNvGrpSpPr/>
-        <p:nvPr/>
-      </p:nvGrpSpPr>
-      <p:grpSpPr>
-        <a:xfrm>
-          <a:off x="0" y="0"/>
-          <a:ext cx="0" cy="0"/>
-          <a:chOff x="0" y="0"/>
-          <a:chExt cx="0" cy="0"/>
-        </a:xfrm>
-      </p:grpSpPr>
-      <p:sp>
-        <p:nvSpPr>
-          <p:cNvPr id="3" name="Titre 2"/>
-          <p:cNvSpPr>
-            <a:spLocks noGrp="1"/>
-          </p:cNvSpPr>
-          <p:nvPr>
-            <p:ph type="title"/>
-          </p:nvPr>
-        </p:nvSpPr>
-        <p:spPr/>
-        <p:txBody>
-          <a:bodyPr rtlCol="0"/>
-          <a:lstStyle/>
-          <a:p>
-            <a:pPr rtl="0"/>
-            <a:r>
-              <a:rPr lang="fr-FR" dirty="0"/>
-              <a:t>Ajouter un titre de diapositive - 3</a:t>
-            </a:r>
-          </a:p>
-        </p:txBody>
-      </p:sp>
-    </p:spTree>
-    <p:extLst>
-      <p:ext uri="{BB962C8B-B14F-4D97-AF65-F5344CB8AC3E}">
-        <p14:creationId xmlns:p14="http://schemas.microsoft.com/office/powerpoint/2010/main" val="397710800"/>
-      </p:ext>
-    </p:extLst>
-  </p:cSld>
-  <p:clrMapOvr>
-    <a:masterClrMapping/>
-  </p:clrMapOvr>
-  <mc:AlternateContent xmlns:mc="http://schemas.openxmlformats.org/markup-compatibility/2006" xmlns:p14="http://schemas.microsoft.com/office/powerpoint/2010/main">
-    <mc:Choice Requires="p14">
-      <p:transition spd="med" p14:dur="700">
-        <p:fade/>
-      </p:transition>
-    </mc:Choice>
-    <mc:Fallback xmlns="">
-      <p:transition spd="med">
-        <p:fade/>
-      </p:transition>
-    </mc:Fallback>
-  </mc:AlternateContent>
-</p:sld>
-</file>
-
-<file path=ppt/slides/slide16.xml><?xml version="1.0" encoding="utf-8"?>
-<p:sld xmlns:a="http://schemas.openxmlformats.org/drawingml/2006/main" xmlns:r="http://schemas.openxmlformats.org/officeDocument/2006/relationships" xmlns:p="http://schemas.openxmlformats.org/presentationml/2006/main">
-  <p:cSld>
-    <p:spTree>
-      <p:nvGrpSpPr>
-        <p:cNvPr id="1" name=""/>
-        <p:cNvGrpSpPr/>
-        <p:nvPr/>
-      </p:nvGrpSpPr>
-      <p:grpSpPr>
-        <a:xfrm>
-          <a:off x="0" y="0"/>
-          <a:ext cx="0" cy="0"/>
-          <a:chOff x="0" y="0"/>
-          <a:chExt cx="0" cy="0"/>
-        </a:xfrm>
-      </p:grpSpPr>
-    </p:spTree>
-    <p:extLst>
-      <p:ext uri="{BB962C8B-B14F-4D97-AF65-F5344CB8AC3E}">
-        <p14:creationId xmlns:p14="http://schemas.microsoft.com/office/powerpoint/2010/main" val="1405850135"/>
-      </p:ext>
-    </p:extLst>
-  </p:cSld>
-  <p:clrMapOvr>
-    <a:masterClrMapping/>
-  </p:clrMapOvr>
-  <mc:AlternateContent xmlns:mc="http://schemas.openxmlformats.org/markup-compatibility/2006" xmlns:p14="http://schemas.microsoft.com/office/powerpoint/2010/main">
-    <mc:Choice Requires="p14">
-      <p:transition spd="med" p14:dur="700">
-        <p:fade/>
-      </p:transition>
-    </mc:Choice>
-    <mc:Fallback xmlns="">
-      <p:transition spd="med">
-        <p:fade/>
-      </p:transition>
-    </mc:Fallback>
-  </mc:AlternateContent>
-</p:sld>
-</file>
-
-<file path=ppt/slides/slide17.xml><?xml version="1.0" encoding="utf-8"?>
-<p:sld xmlns:a="http://schemas.openxmlformats.org/drawingml/2006/main" xmlns:r="http://schemas.openxmlformats.org/officeDocument/2006/relationships" xmlns:p="http://schemas.openxmlformats.org/presentationml/2006/main">
-  <p:cSld>
-    <p:spTree>
-      <p:nvGrpSpPr>
-        <p:cNvPr id="1" name=""/>
-        <p:cNvGrpSpPr/>
-        <p:nvPr/>
-      </p:nvGrpSpPr>
-      <p:grpSpPr>
-        <a:xfrm>
-          <a:off x="0" y="0"/>
-          <a:ext cx="0" cy="0"/>
-          <a:chOff x="0" y="0"/>
-          <a:chExt cx="0" cy="0"/>
-        </a:xfrm>
-      </p:grpSpPr>
-      <p:sp>
-        <p:nvSpPr>
-          <p:cNvPr id="2" name="Titre 1"/>
-          <p:cNvSpPr>
-            <a:spLocks noGrp="1"/>
-          </p:cNvSpPr>
-          <p:nvPr>
-            <p:ph type="title"/>
-          </p:nvPr>
-        </p:nvSpPr>
-        <p:spPr/>
-        <p:txBody>
-          <a:bodyPr rtlCol="0"/>
-          <a:lstStyle/>
-          <a:p>
-            <a:pPr rtl="0"/>
-            <a:r>
-              <a:rPr lang="fr-FR" dirty="0"/>
-              <a:t>Ajouter un titre de diapositive - 4</a:t>
-            </a:r>
-          </a:p>
-        </p:txBody>
-      </p:sp>
-      <p:sp>
-        <p:nvSpPr>
-          <p:cNvPr id="4" name="Espace réservé du texte 3"/>
-          <p:cNvSpPr>
-            <a:spLocks noGrp="1"/>
-          </p:cNvSpPr>
-          <p:nvPr>
-            <p:ph type="body" sz="half" idx="2"/>
-          </p:nvPr>
-        </p:nvSpPr>
-        <p:spPr/>
-        <p:txBody>
-          <a:bodyPr rtlCol="0"/>
-          <a:lstStyle/>
-          <a:p>
-            <a:pPr rtl="0"/>
-            <a:endParaRPr lang="fr-FR" dirty="0"/>
-          </a:p>
-        </p:txBody>
-      </p:sp>
-      <p:sp>
-        <p:nvSpPr>
-          <p:cNvPr id="3" name="Espace réservé du contenu 2"/>
-          <p:cNvSpPr>
-            <a:spLocks noGrp="1"/>
-          </p:cNvSpPr>
-          <p:nvPr>
-            <p:ph idx="1"/>
-          </p:nvPr>
-        </p:nvSpPr>
-        <p:spPr/>
-        <p:txBody>
-          <a:bodyPr rtlCol="0"/>
-          <a:lstStyle/>
-          <a:p>
-            <a:pPr rtl="0"/>
-            <a:endParaRPr lang="fr-FR" dirty="0"/>
-          </a:p>
-        </p:txBody>
-      </p:sp>
-    </p:spTree>
-    <p:extLst>
-      <p:ext uri="{BB962C8B-B14F-4D97-AF65-F5344CB8AC3E}">
-        <p14:creationId xmlns:p14="http://schemas.microsoft.com/office/powerpoint/2010/main" val="2319046984"/>
-      </p:ext>
-    </p:extLst>
-  </p:cSld>
-  <p:clrMapOvr>
-    <a:masterClrMapping/>
-  </p:clrMapOvr>
-  <mc:AlternateContent xmlns:mc="http://schemas.openxmlformats.org/markup-compatibility/2006" xmlns:p14="http://schemas.microsoft.com/office/powerpoint/2010/main">
-    <mc:Choice Requires="p14">
-      <p:transition spd="med" p14:dur="700">
-        <p:fade/>
-      </p:transition>
-    </mc:Choice>
-    <mc:Fallback xmlns="">
-      <p:transition spd="med">
-        <p:fade/>
-      </p:transition>
-    </mc:Fallback>
-  </mc:AlternateContent>
-</p:sld>
-</file>
-
-<file path=ppt/slides/slide18.xml><?xml version="1.0" encoding="utf-8"?>
-<p:sld xmlns:a="http://schemas.openxmlformats.org/drawingml/2006/main" xmlns:r="http://schemas.openxmlformats.org/officeDocument/2006/relationships" xmlns:p="http://schemas.openxmlformats.org/presentationml/2006/main">
-  <p:cSld>
-    <p:spTree>
-      <p:nvGrpSpPr>
-        <p:cNvPr id="1" name=""/>
-        <p:cNvGrpSpPr/>
-        <p:nvPr/>
-      </p:nvGrpSpPr>
-      <p:grpSpPr>
-        <a:xfrm>
-          <a:off x="0" y="0"/>
-          <a:ext cx="0" cy="0"/>
-          <a:chOff x="0" y="0"/>
-          <a:chExt cx="0" cy="0"/>
-        </a:xfrm>
-      </p:grpSpPr>
-      <p:sp>
-        <p:nvSpPr>
-          <p:cNvPr id="3" name="Titre 2"/>
-          <p:cNvSpPr>
-            <a:spLocks noGrp="1"/>
-          </p:cNvSpPr>
-          <p:nvPr>
-            <p:ph type="title"/>
-          </p:nvPr>
-        </p:nvSpPr>
-        <p:spPr/>
-        <p:txBody>
-          <a:bodyPr rtlCol="0"/>
-          <a:lstStyle/>
-          <a:p>
-            <a:pPr rtl="0"/>
-            <a:r>
-              <a:rPr lang="fr-FR" dirty="0"/>
-              <a:t>Ajouter un titre de diapositive - 5</a:t>
-            </a:r>
-          </a:p>
-        </p:txBody>
-      </p:sp>
-      <p:sp>
-        <p:nvSpPr>
-          <p:cNvPr id="5" name="Espace réservé du texte 4"/>
-          <p:cNvSpPr>
-            <a:spLocks noGrp="1"/>
-          </p:cNvSpPr>
-          <p:nvPr>
-            <p:ph type="body" sz="half" idx="2"/>
-          </p:nvPr>
-        </p:nvSpPr>
-        <p:spPr/>
-        <p:txBody>
-          <a:bodyPr rtlCol="0"/>
-          <a:lstStyle/>
-          <a:p>
-            <a:pPr rtl="0"/>
-            <a:endParaRPr lang="fr-FR" dirty="0"/>
-          </a:p>
-        </p:txBody>
-      </p:sp>
-      <p:sp>
-        <p:nvSpPr>
-          <p:cNvPr id="6" name="Espace réservé d’image 5" descr="Espace réservé vide pour ajouter une image. Cliquez sur l’espace réservé et sélectionnez l’image à ajouter."/>
-          <p:cNvSpPr>
-            <a:spLocks noGrp="1"/>
-          </p:cNvSpPr>
-          <p:nvPr>
-            <p:ph type="pic" idx="1"/>
-          </p:nvPr>
-        </p:nvSpPr>
-        <p:spPr/>
-        <p:txBody>
-          <a:bodyPr/>
-          <a:lstStyle/>
-          <a:p>
-            <a:endParaRPr lang="en-US"/>
-          </a:p>
-        </p:txBody>
-      </p:sp>
-    </p:spTree>
-    <p:extLst>
-      <p:ext uri="{BB962C8B-B14F-4D97-AF65-F5344CB8AC3E}">
-        <p14:creationId xmlns:p14="http://schemas.microsoft.com/office/powerpoint/2010/main" val="3480339974"/>
       </p:ext>
     </p:extLst>
   </p:cSld>
@@ -13387,7 +6467,7 @@
         </p:nvSpPr>
         <p:spPr>
           <a:xfrm>
-            <a:off x="3646140" y="1722103"/>
+            <a:off x="2082979" y="1863899"/>
             <a:ext cx="4011433" cy="4462272"/>
           </a:xfrm>
         </p:spPr>
@@ -13407,6 +6487,13 @@
             <a:pPr lvl="1"/>
             <a:r>
               <a:rPr lang="fr-FR" dirty="0"/>
+              <a:t>Points généraux</a:t>
+            </a:r>
+          </a:p>
+          <a:p>
+            <a:pPr lvl="1"/>
+            <a:r>
+              <a:rPr lang="fr-FR" dirty="0"/>
               <a:t>User Stories</a:t>
             </a:r>
           </a:p>
@@ -13417,38 +6504,19 @@
               <a:t>Code Smell</a:t>
             </a:r>
           </a:p>
-        </p:txBody>
-      </p:sp>
-      <p:pic>
-        <p:nvPicPr>
-          <p:cNvPr id="3" name="Image 2">
-            <a:extLst>
-              <a:ext uri="{FF2B5EF4-FFF2-40B4-BE49-F238E27FC236}">
-                <a16:creationId xmlns:a16="http://schemas.microsoft.com/office/drawing/2014/main" id="{686210F9-DA69-DAC1-850C-443F79791DB6}"/>
-              </a:ext>
-            </a:extLst>
-          </p:cNvPr>
-          <p:cNvPicPr>
-            <a:picLocks noChangeAspect="1"/>
-          </p:cNvPicPr>
-          <p:nvPr/>
-        </p:nvPicPr>
-        <p:blipFill>
-          <a:blip r:embed="rId3"/>
-          <a:stretch>
-            <a:fillRect/>
-          </a:stretch>
-        </p:blipFill>
-        <p:spPr>
-          <a:xfrm>
-            <a:off x="1260967" y="3558954"/>
-            <a:ext cx="5715495" cy="2808312"/>
-          </a:xfrm>
-          <a:prstGeom prst="rect">
-            <a:avLst/>
-          </a:prstGeom>
-        </p:spPr>
-      </p:pic>
+          <a:p>
+            <a:pPr lvl="1"/>
+            <a:r>
+              <a:rPr lang="fr-FR" dirty="0"/>
+              <a:t>Bilan</a:t>
+            </a:r>
+          </a:p>
+          <a:p>
+            <a:pPr lvl="1"/>
+            <a:endParaRPr lang="fr-FR" dirty="0"/>
+          </a:p>
+        </p:txBody>
+      </p:sp>
       <p:sp>
         <p:nvSpPr>
           <p:cNvPr id="5" name="Espace réservé du contenu 13">
@@ -13465,7 +6533,7 @@
         </p:nvSpPr>
         <p:spPr>
           <a:xfrm>
-            <a:off x="6814492" y="1688838"/>
+            <a:off x="6094412" y="1863899"/>
             <a:ext cx="4011433" cy="2897564"/>
           </a:xfrm>
           <a:prstGeom prst="rect">
@@ -13708,18 +6776,82 @@
             <a:pPr lvl="1"/>
             <a:r>
               <a:rPr lang="fr-FR" dirty="0"/>
-              <a:t>Tests des User Stories</a:t>
-            </a:r>
-          </a:p>
-          <a:p>
-            <a:pPr lvl="1"/>
-            <a:r>
-              <a:rPr lang="fr-FR" dirty="0"/>
-              <a:t>Remarques générales</a:t>
+              <a:t>Bilan</a:t>
             </a:r>
           </a:p>
           <a:p>
             <a:endParaRPr lang="en-US" sz="2800" dirty="0"/>
+          </a:p>
+        </p:txBody>
+      </p:sp>
+      <p:sp>
+        <p:nvSpPr>
+          <p:cNvPr id="2" name="ZoneTexte 1">
+            <a:extLst>
+              <a:ext uri="{FF2B5EF4-FFF2-40B4-BE49-F238E27FC236}">
+                <a16:creationId xmlns:a16="http://schemas.microsoft.com/office/drawing/2014/main" id="{001EE7E1-FB1C-517A-01A2-6455D89422EE}"/>
+              </a:ext>
+            </a:extLst>
+          </p:cNvPr>
+          <p:cNvSpPr txBox="1"/>
+          <p:nvPr/>
+        </p:nvSpPr>
+        <p:spPr>
+          <a:xfrm>
+            <a:off x="4208381" y="6093296"/>
+            <a:ext cx="2448272" cy="523220"/>
+          </a:xfrm>
+          <a:prstGeom prst="rect">
+            <a:avLst/>
+          </a:prstGeom>
+          <a:noFill/>
+        </p:spPr>
+        <p:txBody>
+          <a:bodyPr wrap="square" rtlCol="0">
+            <a:spAutoFit/>
+          </a:bodyPr>
+          <a:lstStyle/>
+          <a:p>
+            <a:r>
+              <a:rPr lang="en-US" sz="2800" dirty="0"/>
+              <a:t>Titouan Brando</a:t>
+            </a:r>
+          </a:p>
+        </p:txBody>
+      </p:sp>
+      <p:sp>
+        <p:nvSpPr>
+          <p:cNvPr id="4" name="Espace réservé du numéro de diapositive 3">
+            <a:extLst>
+              <a:ext uri="{FF2B5EF4-FFF2-40B4-BE49-F238E27FC236}">
+                <a16:creationId xmlns:a16="http://schemas.microsoft.com/office/drawing/2014/main" id="{9FCB9D0F-A35E-917E-126E-C7856F53C7E3}"/>
+              </a:ext>
+            </a:extLst>
+          </p:cNvPr>
+          <p:cNvSpPr>
+            <a:spLocks noGrp="1"/>
+          </p:cNvSpPr>
+          <p:nvPr>
+            <p:ph type="sldNum" sz="quarter" idx="12"/>
+          </p:nvPr>
+        </p:nvSpPr>
+        <p:spPr>
+          <a:xfrm>
+            <a:off x="11206980" y="6218238"/>
+            <a:ext cx="655695" cy="365125"/>
+          </a:xfrm>
+        </p:spPr>
+        <p:txBody>
+          <a:bodyPr/>
+          <a:lstStyle/>
+          <a:p>
+            <a:pPr algn="r"/>
+            <a:fld id="{C014DD1E-5D91-48A3-AD6D-45FBA980D106}" type="slidenum">
+              <a:rPr lang="fr-FR" sz="2800" smtClean="0"/>
+              <a:pPr algn="r"/>
+              <a:t>2</a:t>
+            </a:fld>
+            <a:endParaRPr lang="fr-FR" sz="2800" dirty="0"/>
           </a:p>
         </p:txBody>
       </p:sp>
@@ -13753,7 +6885,13 @@
   <p:cSld>
     <p:spTree>
       <p:nvGrpSpPr>
-        <p:cNvPr id="1" name=""/>
+        <p:cNvPr id="1" name="">
+          <a:extLst>
+            <a:ext uri="{FF2B5EF4-FFF2-40B4-BE49-F238E27FC236}">
+              <a16:creationId xmlns:a16="http://schemas.microsoft.com/office/drawing/2014/main" id="{CA7C7AB5-C30C-A447-AB3E-679449AE641B}"/>
+            </a:ext>
+          </a:extLst>
+        </p:cNvPr>
         <p:cNvGrpSpPr/>
         <p:nvPr/>
       </p:nvGrpSpPr>
@@ -13767,7 +6905,13 @@
       </p:grpSpPr>
       <p:sp>
         <p:nvSpPr>
-          <p:cNvPr id="4" name="Titre 3"/>
+          <p:cNvPr id="4" name="Titre 3">
+            <a:extLst>
+              <a:ext uri="{FF2B5EF4-FFF2-40B4-BE49-F238E27FC236}">
+                <a16:creationId xmlns:a16="http://schemas.microsoft.com/office/drawing/2014/main" id="{468B66C0-51A1-E9C5-139A-2125DC67FD5B}"/>
+              </a:ext>
+            </a:extLst>
+          </p:cNvPr>
           <p:cNvSpPr>
             <a:spLocks noGrp="1"/>
           </p:cNvSpPr>
@@ -13777,17 +6921,54 @@
         </p:nvSpPr>
         <p:spPr>
           <a:xfrm>
-            <a:off x="1625176" y="2209801"/>
-            <a:ext cx="9498435" cy="2764335"/>
+            <a:off x="1218883" y="836712"/>
+            <a:ext cx="7251793" cy="661888"/>
           </a:xfrm>
         </p:spPr>
         <p:txBody>
-          <a:bodyPr rtlCol="0"/>
+          <a:bodyPr rtlCol="0" anchor="b">
+            <a:normAutofit/>
+          </a:bodyPr>
           <a:lstStyle/>
           <a:p>
             <a:pPr rtl="0"/>
             <a:r>
               <a:rPr lang="fr-FR" dirty="0"/>
+              <a:t>Points généraux :</a:t>
+            </a:r>
+          </a:p>
+        </p:txBody>
+      </p:sp>
+      <p:sp>
+        <p:nvSpPr>
+          <p:cNvPr id="2" name="ZoneTexte 1">
+            <a:extLst>
+              <a:ext uri="{FF2B5EF4-FFF2-40B4-BE49-F238E27FC236}">
+                <a16:creationId xmlns:a16="http://schemas.microsoft.com/office/drawing/2014/main" id="{9BB65A6F-B014-9E29-D6DB-60107FBA980F}"/>
+              </a:ext>
+            </a:extLst>
+          </p:cNvPr>
+          <p:cNvSpPr txBox="1"/>
+          <p:nvPr/>
+        </p:nvSpPr>
+        <p:spPr>
+          <a:xfrm>
+            <a:off x="10198868" y="188640"/>
+            <a:ext cx="2448272" cy="400110"/>
+          </a:xfrm>
+          <a:prstGeom prst="rect">
+            <a:avLst/>
+          </a:prstGeom>
+          <a:noFill/>
+        </p:spPr>
+        <p:txBody>
+          <a:bodyPr wrap="square" rtlCol="0">
+            <a:spAutoFit/>
+          </a:bodyPr>
+          <a:lstStyle/>
+          <a:p>
+            <a:r>
+              <a:rPr lang="en-US" sz="2000" dirty="0"/>
               <a:t>Revue de code</a:t>
             </a:r>
           </a:p>
@@ -13795,41 +6976,184 @@
       </p:sp>
       <p:sp>
         <p:nvSpPr>
-          <p:cNvPr id="5" name="Espace réservé du texte 4"/>
-          <p:cNvSpPr>
-            <a:spLocks noGrp="1"/>
-          </p:cNvSpPr>
-          <p:nvPr>
-            <p:ph type="body" idx="1"/>
-          </p:nvPr>
-        </p:nvSpPr>
-        <p:spPr/>
-        <p:txBody>
-          <a:bodyPr rtlCol="0"/>
+          <p:cNvPr id="6" name="ZoneTexte 5">
+            <a:extLst>
+              <a:ext uri="{FF2B5EF4-FFF2-40B4-BE49-F238E27FC236}">
+                <a16:creationId xmlns:a16="http://schemas.microsoft.com/office/drawing/2014/main" id="{529F74FF-5FC7-8293-9250-5622A046FB28}"/>
+              </a:ext>
+            </a:extLst>
+          </p:cNvPr>
+          <p:cNvSpPr txBox="1"/>
+          <p:nvPr/>
+        </p:nvSpPr>
+        <p:spPr>
+          <a:xfrm>
+            <a:off x="1218883" y="1905506"/>
+            <a:ext cx="8427269" cy="3416320"/>
+          </a:xfrm>
+          <a:prstGeom prst="rect">
+            <a:avLst/>
+          </a:prstGeom>
+          <a:noFill/>
+        </p:spPr>
+        <p:txBody>
+          <a:bodyPr wrap="square">
+            <a:spAutoFit/>
+          </a:bodyPr>
           <a:lstStyle/>
           <a:p>
-            <a:pPr rtl="0"/>
+            <a:pPr marL="342900" indent="-342900">
+              <a:buFont typeface="Arial" panose="020B0604020202020204" pitchFamily="34" charset="0"/>
+              <a:buChar char="•"/>
+            </a:pPr>
+            <a:r>
+              <a:rPr lang="fr-FR" dirty="0"/>
+              <a:t>très peu de commentaires (3% en moyenne mais 70% des fichiers ont moins de 1% de commentaires) ⇒ contrôleur: 0.2% de lignes de coms  </a:t>
+            </a:r>
+          </a:p>
+          <a:p>
+            <a:pPr marL="342900" indent="-342900">
+              <a:buFont typeface="Arial" panose="020B0604020202020204" pitchFamily="34" charset="0"/>
+              <a:buChar char="•"/>
+            </a:pPr>
+            <a:r>
+              <a:rPr lang="fr-FR" dirty="0"/>
+              <a:t>source : </a:t>
+            </a:r>
+            <a:r>
+              <a:rPr lang="fr-FR" dirty="0" err="1"/>
+              <a:t>sourcemonitor</a:t>
+            </a:r>
             <a:endParaRPr lang="fr-FR" dirty="0"/>
+          </a:p>
+          <a:p>
+            <a:pPr marL="342900" indent="-342900">
+              <a:buFont typeface="Arial" panose="020B0604020202020204" pitchFamily="34" charset="0"/>
+              <a:buChar char="•"/>
+            </a:pPr>
+            <a:r>
+              <a:rPr lang="fr-FR" dirty="0"/>
+              <a:t>Contrôleur complexes: complexité cyclomatique moyenne : 3.86 et au profondeur moyenne de 2.57 (2 ifs/boucles imbriquées)</a:t>
+            </a:r>
+          </a:p>
+          <a:p>
+            <a:pPr marL="342900" indent="-342900">
+              <a:buFont typeface="Arial" panose="020B0604020202020204" pitchFamily="34" charset="0"/>
+              <a:buChar char="•"/>
+            </a:pPr>
+            <a:r>
+              <a:rPr lang="fr-FR" dirty="0"/>
+              <a:t>Concaténation de chaîne dans les requêtes sql</a:t>
+            </a:r>
+          </a:p>
+          <a:p>
+            <a:pPr marL="342900" indent="-342900">
+              <a:buFont typeface="Arial" panose="020B0604020202020204" pitchFamily="34" charset="0"/>
+              <a:buChar char="•"/>
+            </a:pPr>
+            <a:r>
+              <a:rPr lang="fr-FR" dirty="0"/>
+              <a:t>Mauvaise utilisations Patrons (Singleton en </a:t>
+            </a:r>
+            <a:r>
+              <a:rPr lang="fr-FR" dirty="0" err="1"/>
+              <a:t>particuler</a:t>
+            </a:r>
+            <a:r>
+              <a:rPr lang="fr-FR" dirty="0"/>
+              <a:t>)</a:t>
+            </a:r>
+          </a:p>
+        </p:txBody>
+      </p:sp>
+      <p:sp>
+        <p:nvSpPr>
+          <p:cNvPr id="3" name="ZoneTexte 2">
+            <a:extLst>
+              <a:ext uri="{FF2B5EF4-FFF2-40B4-BE49-F238E27FC236}">
+                <a16:creationId xmlns:a16="http://schemas.microsoft.com/office/drawing/2014/main" id="{5D79F820-7DC6-5C31-2BF4-16F348F73ACE}"/>
+              </a:ext>
+            </a:extLst>
+          </p:cNvPr>
+          <p:cNvSpPr txBox="1"/>
+          <p:nvPr/>
+        </p:nvSpPr>
+        <p:spPr>
+          <a:xfrm>
+            <a:off x="4208381" y="6093296"/>
+            <a:ext cx="2448272" cy="523220"/>
+          </a:xfrm>
+          <a:prstGeom prst="rect">
+            <a:avLst/>
+          </a:prstGeom>
+          <a:noFill/>
+        </p:spPr>
+        <p:txBody>
+          <a:bodyPr wrap="square" rtlCol="0">
+            <a:spAutoFit/>
+          </a:bodyPr>
+          <a:lstStyle/>
+          <a:p>
+            <a:r>
+              <a:rPr lang="en-US" sz="2800" dirty="0"/>
+              <a:t>Titouan Brando</a:t>
+            </a:r>
+          </a:p>
+        </p:txBody>
+      </p:sp>
+      <p:sp>
+        <p:nvSpPr>
+          <p:cNvPr id="7" name="Espace réservé du numéro de diapositive 3">
+            <a:extLst>
+              <a:ext uri="{FF2B5EF4-FFF2-40B4-BE49-F238E27FC236}">
+                <a16:creationId xmlns:a16="http://schemas.microsoft.com/office/drawing/2014/main" id="{984B1B66-FDDC-4512-FB3A-DA844EFC1695}"/>
+              </a:ext>
+            </a:extLst>
+          </p:cNvPr>
+          <p:cNvSpPr>
+            <a:spLocks noGrp="1"/>
+          </p:cNvSpPr>
+          <p:nvPr>
+            <p:ph type="sldNum" sz="quarter" idx="12"/>
+          </p:nvPr>
+        </p:nvSpPr>
+        <p:spPr>
+          <a:xfrm>
+            <a:off x="11206980" y="6218238"/>
+            <a:ext cx="655695" cy="365125"/>
+          </a:xfrm>
+        </p:spPr>
+        <p:txBody>
+          <a:bodyPr/>
+          <a:lstStyle/>
+          <a:p>
+            <a:pPr algn="r"/>
+            <a:fld id="{C014DD1E-5D91-48A3-AD6D-45FBA980D106}" type="slidenum">
+              <a:rPr lang="fr-FR" sz="2800" smtClean="0"/>
+              <a:pPr algn="r"/>
+              <a:t>3</a:t>
+            </a:fld>
+            <a:endParaRPr lang="fr-FR" sz="2800" dirty="0"/>
           </a:p>
         </p:txBody>
       </p:sp>
     </p:spTree>
     <p:extLst>
       <p:ext uri="{BB962C8B-B14F-4D97-AF65-F5344CB8AC3E}">
-        <p14:creationId xmlns:p14="http://schemas.microsoft.com/office/powerpoint/2010/main" val="4264977537"/>
+        <p14:creationId xmlns:p14="http://schemas.microsoft.com/office/powerpoint/2010/main" val="3375133709"/>
       </p:ext>
     </p:extLst>
   </p:cSld>
   <p:clrMapOvr>
     <a:masterClrMapping/>
   </p:clrMapOvr>
-  <mc:AlternateContent xmlns:mc="http://schemas.openxmlformats.org/markup-compatibility/2006" xmlns:p14="http://schemas.microsoft.com/office/powerpoint/2010/main">
-    <mc:Choice Requires="p14">
+  <mc:AlternateContent xmlns:mc="http://schemas.openxmlformats.org/markup-compatibility/2006">
+    <mc:Choice xmlns:p14="http://schemas.microsoft.com/office/powerpoint/2010/main" Requires="p14">
       <p:transition spd="med" p14:dur="700">
         <p:fade/>
       </p:transition>
     </mc:Choice>
-    <mc:Fallback xmlns="">
+    <mc:Fallback>
       <p:transition spd="med">
         <p:fade/>
       </p:transition>
@@ -13857,7 +7181,7 @@
       </p:grpSpPr>
       <p:sp>
         <p:nvSpPr>
-          <p:cNvPr id="7" name="Titre 6"/>
+          <p:cNvPr id="4" name="Titre 3"/>
           <p:cNvSpPr>
             <a:spLocks noGrp="1"/>
           </p:cNvSpPr>
@@ -13865,103 +7189,235 @@
             <p:ph type="title"/>
           </p:nvPr>
         </p:nvSpPr>
-        <p:spPr/>
-        <p:txBody>
-          <a:bodyPr rtlCol="0"/>
+        <p:spPr>
+          <a:xfrm>
+            <a:off x="1218883" y="836712"/>
+            <a:ext cx="2787297" cy="661888"/>
+          </a:xfrm>
+        </p:spPr>
+        <p:txBody>
+          <a:bodyPr rtlCol="0" anchor="b">
+            <a:normAutofit/>
+          </a:bodyPr>
           <a:lstStyle/>
           <a:p>
             <a:pPr rtl="0"/>
             <a:r>
               <a:rPr lang="fr-FR" dirty="0"/>
-              <a:t>Ajouter un titre de diapositive - 2</a:t>
-            </a:r>
-          </a:p>
-        </p:txBody>
-      </p:sp>
-      <p:sp>
-        <p:nvSpPr>
-          <p:cNvPr id="8" name="Espace réservé du texte 7"/>
-          <p:cNvSpPr>
-            <a:spLocks noGrp="1"/>
-          </p:cNvSpPr>
-          <p:nvPr>
-            <p:ph type="body" idx="1"/>
-          </p:nvPr>
-        </p:nvSpPr>
-        <p:spPr/>
-        <p:txBody>
-          <a:bodyPr rtlCol="0"/>
+              <a:t>User Stories :</a:t>
+            </a:r>
+          </a:p>
+        </p:txBody>
+      </p:sp>
+      <p:sp>
+        <p:nvSpPr>
+          <p:cNvPr id="2" name="ZoneTexte 1">
+            <a:extLst>
+              <a:ext uri="{FF2B5EF4-FFF2-40B4-BE49-F238E27FC236}">
+                <a16:creationId xmlns:a16="http://schemas.microsoft.com/office/drawing/2014/main" id="{4C1082B6-AC71-F452-13FC-29AD5BED1232}"/>
+              </a:ext>
+            </a:extLst>
+          </p:cNvPr>
+          <p:cNvSpPr txBox="1"/>
+          <p:nvPr/>
+        </p:nvSpPr>
+        <p:spPr>
+          <a:xfrm>
+            <a:off x="10198868" y="188640"/>
+            <a:ext cx="2448272" cy="400110"/>
+          </a:xfrm>
+          <a:prstGeom prst="rect">
+            <a:avLst/>
+          </a:prstGeom>
+          <a:noFill/>
+        </p:spPr>
+        <p:txBody>
+          <a:bodyPr wrap="square" rtlCol="0">
+            <a:spAutoFit/>
+          </a:bodyPr>
           <a:lstStyle/>
           <a:p>
-            <a:pPr rtl="0"/>
-            <a:endParaRPr lang="fr-FR" dirty="0"/>
-          </a:p>
-        </p:txBody>
-      </p:sp>
-      <p:sp>
-        <p:nvSpPr>
-          <p:cNvPr id="10" name="Espace réservé du contenu 9"/>
-          <p:cNvSpPr>
-            <a:spLocks noGrp="1"/>
-          </p:cNvSpPr>
-          <p:nvPr>
-            <p:ph sz="half" idx="2"/>
-          </p:nvPr>
-        </p:nvSpPr>
-        <p:spPr/>
-        <p:txBody>
-          <a:bodyPr rtlCol="0"/>
+            <a:r>
+              <a:rPr lang="en-US" sz="2000" dirty="0"/>
+              <a:t>Revue de code</a:t>
+            </a:r>
+          </a:p>
+        </p:txBody>
+      </p:sp>
+      <p:sp>
+        <p:nvSpPr>
+          <p:cNvPr id="6" name="ZoneTexte 5">
+            <a:extLst>
+              <a:ext uri="{FF2B5EF4-FFF2-40B4-BE49-F238E27FC236}">
+                <a16:creationId xmlns:a16="http://schemas.microsoft.com/office/drawing/2014/main" id="{AD7A9952-1ABE-90C3-6974-8F2C10E2C581}"/>
+              </a:ext>
+            </a:extLst>
+          </p:cNvPr>
+          <p:cNvSpPr txBox="1"/>
+          <p:nvPr/>
+        </p:nvSpPr>
+        <p:spPr>
+          <a:xfrm>
+            <a:off x="1218883" y="1905506"/>
+            <a:ext cx="8427269" cy="3046988"/>
+          </a:xfrm>
+          <a:prstGeom prst="rect">
+            <a:avLst/>
+          </a:prstGeom>
+          <a:noFill/>
+        </p:spPr>
+        <p:txBody>
+          <a:bodyPr wrap="square">
+            <a:spAutoFit/>
+          </a:bodyPr>
           <a:lstStyle/>
           <a:p>
-            <a:pPr rtl="0"/>
-            <a:endParaRPr lang="fr-FR" dirty="0"/>
-          </a:p>
-        </p:txBody>
-      </p:sp>
-      <p:sp>
-        <p:nvSpPr>
-          <p:cNvPr id="9" name="Espace réservé du texte 8"/>
-          <p:cNvSpPr>
-            <a:spLocks noGrp="1"/>
-          </p:cNvSpPr>
-          <p:nvPr>
-            <p:ph type="body" sz="quarter" idx="3"/>
-          </p:nvPr>
-        </p:nvSpPr>
-        <p:spPr/>
-        <p:txBody>
-          <a:bodyPr rtlCol="0"/>
+            <a:pPr marL="342900" indent="-342900">
+              <a:buFont typeface="Arial" panose="020B0604020202020204" pitchFamily="34" charset="0"/>
+              <a:buChar char="•"/>
+            </a:pPr>
+            <a:r>
+              <a:rPr lang="fr-FR" dirty="0"/>
+              <a:t>Gestion match:</a:t>
+            </a:r>
+          </a:p>
+          <a:p>
+            <a:pPr marL="952393" lvl="1" indent="-342900">
+              <a:buFont typeface="Arial" panose="020B0604020202020204" pitchFamily="34" charset="0"/>
+              <a:buChar char="•"/>
+            </a:pPr>
+            <a:r>
+              <a:rPr lang="fr-FR" dirty="0"/>
+              <a:t>Code peu lisible</a:t>
+            </a:r>
+          </a:p>
+          <a:p>
+            <a:pPr marL="952393" lvl="1" indent="-342900">
+              <a:buFont typeface="Arial" panose="020B0604020202020204" pitchFamily="34" charset="0"/>
+              <a:buChar char="•"/>
+            </a:pPr>
+            <a:r>
+              <a:rPr lang="fr-FR" dirty="0"/>
+              <a:t>tris par stream au lieu de par requête sql ⇒ performance issue</a:t>
+            </a:r>
+          </a:p>
+          <a:p>
+            <a:pPr marL="342900" indent="-342900">
+              <a:buFont typeface="Arial" panose="020B0604020202020204" pitchFamily="34" charset="0"/>
+              <a:buChar char="•"/>
+            </a:pPr>
+            <a:r>
+              <a:rPr lang="fr-FR" dirty="0"/>
+              <a:t>Palmarès: </a:t>
+            </a:r>
+          </a:p>
+          <a:p>
+            <a:pPr marL="952393" lvl="1" indent="-342900">
+              <a:buFont typeface="Arial" panose="020B0604020202020204" pitchFamily="34" charset="0"/>
+              <a:buChar char="•"/>
+            </a:pPr>
+            <a:r>
+              <a:rPr lang="fr-FR" dirty="0"/>
+              <a:t>Code illisible</a:t>
+            </a:r>
+          </a:p>
+          <a:p>
+            <a:pPr marL="342900" indent="-342900">
+              <a:buFont typeface="Arial" panose="020B0604020202020204" pitchFamily="34" charset="0"/>
+              <a:buChar char="•"/>
+            </a:pPr>
+            <a:r>
+              <a:rPr lang="fr-FR" dirty="0"/>
+              <a:t>Historiques:</a:t>
+            </a:r>
+          </a:p>
+          <a:p>
+            <a:pPr marL="952393" lvl="1" indent="-342900">
+              <a:buFont typeface="Arial" panose="020B0604020202020204" pitchFamily="34" charset="0"/>
+              <a:buChar char="•"/>
+            </a:pPr>
+            <a:r>
+              <a:rPr lang="fr-FR" dirty="0"/>
+              <a:t>Appel au dao dans la vue</a:t>
+            </a:r>
+          </a:p>
+        </p:txBody>
+      </p:sp>
+      <p:sp>
+        <p:nvSpPr>
+          <p:cNvPr id="7" name="ZoneTexte 6">
+            <a:extLst>
+              <a:ext uri="{FF2B5EF4-FFF2-40B4-BE49-F238E27FC236}">
+                <a16:creationId xmlns:a16="http://schemas.microsoft.com/office/drawing/2014/main" id="{BCD571C8-C0E6-9739-F7C5-2E25231A1401}"/>
+              </a:ext>
+            </a:extLst>
+          </p:cNvPr>
+          <p:cNvSpPr txBox="1"/>
+          <p:nvPr/>
+        </p:nvSpPr>
+        <p:spPr>
+          <a:xfrm>
+            <a:off x="4208381" y="6093296"/>
+            <a:ext cx="2448272" cy="523220"/>
+          </a:xfrm>
+          <a:prstGeom prst="rect">
+            <a:avLst/>
+          </a:prstGeom>
+          <a:noFill/>
+        </p:spPr>
+        <p:txBody>
+          <a:bodyPr wrap="square" rtlCol="0">
+            <a:spAutoFit/>
+          </a:bodyPr>
           <a:lstStyle/>
           <a:p>
-            <a:pPr rtl="0"/>
-            <a:endParaRPr lang="fr-FR" dirty="0"/>
-          </a:p>
-        </p:txBody>
-      </p:sp>
-      <p:sp>
-        <p:nvSpPr>
-          <p:cNvPr id="11" name="Espace réservé du contenu 10"/>
-          <p:cNvSpPr>
-            <a:spLocks noGrp="1"/>
-          </p:cNvSpPr>
-          <p:nvPr>
-            <p:ph sz="quarter" idx="4"/>
-          </p:nvPr>
-        </p:nvSpPr>
-        <p:spPr/>
-        <p:txBody>
-          <a:bodyPr rtlCol="0"/>
+            <a:r>
+              <a:rPr lang="en-US" sz="2800" dirty="0"/>
+              <a:t>Titouan Brando</a:t>
+            </a:r>
+          </a:p>
+        </p:txBody>
+      </p:sp>
+      <p:sp>
+        <p:nvSpPr>
+          <p:cNvPr id="9" name="Espace réservé du numéro de diapositive 3">
+            <a:extLst>
+              <a:ext uri="{FF2B5EF4-FFF2-40B4-BE49-F238E27FC236}">
+                <a16:creationId xmlns:a16="http://schemas.microsoft.com/office/drawing/2014/main" id="{D70C3F8F-7B39-D91F-CFD0-E25539F6DF08}"/>
+              </a:ext>
+            </a:extLst>
+          </p:cNvPr>
+          <p:cNvSpPr>
+            <a:spLocks noGrp="1"/>
+          </p:cNvSpPr>
+          <p:nvPr>
+            <p:ph type="sldNum" sz="quarter" idx="12"/>
+          </p:nvPr>
+        </p:nvSpPr>
+        <p:spPr>
+          <a:xfrm>
+            <a:off x="11206980" y="6218238"/>
+            <a:ext cx="655695" cy="365125"/>
+          </a:xfrm>
+        </p:spPr>
+        <p:txBody>
+          <a:bodyPr/>
           <a:lstStyle/>
           <a:p>
-            <a:pPr rtl="0"/>
-            <a:endParaRPr lang="fr-FR" dirty="0"/>
+            <a:pPr algn="r"/>
+            <a:fld id="{C014DD1E-5D91-48A3-AD6D-45FBA980D106}" type="slidenum">
+              <a:rPr lang="fr-FR" sz="2800" smtClean="0"/>
+              <a:pPr algn="r"/>
+              <a:t>4</a:t>
+            </a:fld>
+            <a:endParaRPr lang="fr-FR" sz="2800" dirty="0"/>
           </a:p>
         </p:txBody>
       </p:sp>
     </p:spTree>
     <p:extLst>
       <p:ext uri="{BB962C8B-B14F-4D97-AF65-F5344CB8AC3E}">
-        <p14:creationId xmlns:p14="http://schemas.microsoft.com/office/powerpoint/2010/main" val="2672039197"/>
+        <p14:creationId xmlns:p14="http://schemas.microsoft.com/office/powerpoint/2010/main" val="4264977537"/>
       </p:ext>
     </p:extLst>
   </p:cSld>
@@ -13991,7 +7447,7 @@
         <p:cNvPr id="1" name="">
           <a:extLst>
             <a:ext uri="{FF2B5EF4-FFF2-40B4-BE49-F238E27FC236}">
-              <a16:creationId xmlns:a16="http://schemas.microsoft.com/office/drawing/2014/main" id="{C2545687-7529-6082-790F-427CC4B29FD0}"/>
+              <a16:creationId xmlns:a16="http://schemas.microsoft.com/office/drawing/2014/main" id="{3E395880-5B88-3FFA-5F21-712443BF9E9A}"/>
             </a:ext>
           </a:extLst>
         </p:cNvPr>
@@ -14008,10 +7464,10 @@
       </p:grpSpPr>
       <p:sp>
         <p:nvSpPr>
-          <p:cNvPr id="7" name="Titre 6">
+          <p:cNvPr id="4" name="Titre 3">
             <a:extLst>
               <a:ext uri="{FF2B5EF4-FFF2-40B4-BE49-F238E27FC236}">
-                <a16:creationId xmlns:a16="http://schemas.microsoft.com/office/drawing/2014/main" id="{6C73AC21-6EFB-A492-5DA4-0D3213C6375F}"/>
+                <a16:creationId xmlns:a16="http://schemas.microsoft.com/office/drawing/2014/main" id="{1B4C3BD3-FCBD-95A3-FB85-AECC82F272D3}"/>
               </a:ext>
             </a:extLst>
           </p:cNvPr>
@@ -14022,127 +7478,248 @@
             <p:ph type="title"/>
           </p:nvPr>
         </p:nvSpPr>
-        <p:spPr/>
-        <p:txBody>
-          <a:bodyPr rtlCol="0"/>
+        <p:spPr>
+          <a:xfrm>
+            <a:off x="1218883" y="836712"/>
+            <a:ext cx="2787297" cy="661888"/>
+          </a:xfrm>
+        </p:spPr>
+        <p:txBody>
+          <a:bodyPr rtlCol="0" anchor="b">
+            <a:normAutofit/>
+          </a:bodyPr>
           <a:lstStyle/>
           <a:p>
             <a:pPr rtl="0"/>
             <a:r>
               <a:rPr lang="fr-FR" dirty="0"/>
-              <a:t>Ajouter un titre de diapositive - 2</a:t>
-            </a:r>
-          </a:p>
-        </p:txBody>
-      </p:sp>
-      <p:sp>
-        <p:nvSpPr>
-          <p:cNvPr id="8" name="Espace réservé du texte 7">
+              <a:t>Code </a:t>
+            </a:r>
+            <a:r>
+              <a:rPr lang="fr-FR" dirty="0" err="1"/>
+              <a:t>smell</a:t>
+            </a:r>
+            <a:r>
+              <a:rPr lang="fr-FR" dirty="0"/>
+              <a:t> :</a:t>
+            </a:r>
+          </a:p>
+        </p:txBody>
+      </p:sp>
+      <p:sp>
+        <p:nvSpPr>
+          <p:cNvPr id="2" name="ZoneTexte 1">
             <a:extLst>
               <a:ext uri="{FF2B5EF4-FFF2-40B4-BE49-F238E27FC236}">
-                <a16:creationId xmlns:a16="http://schemas.microsoft.com/office/drawing/2014/main" id="{829CB6BF-7C92-2BBD-9E7B-E6844688A18B}"/>
+                <a16:creationId xmlns:a16="http://schemas.microsoft.com/office/drawing/2014/main" id="{446A6BF6-866D-21F7-D124-62E59FBFF0AD}"/>
               </a:ext>
             </a:extLst>
           </p:cNvPr>
-          <p:cNvSpPr>
-            <a:spLocks noGrp="1"/>
-          </p:cNvSpPr>
-          <p:nvPr>
-            <p:ph type="body" idx="1"/>
-          </p:nvPr>
-        </p:nvSpPr>
-        <p:spPr/>
-        <p:txBody>
-          <a:bodyPr rtlCol="0"/>
+          <p:cNvSpPr txBox="1"/>
+          <p:nvPr/>
+        </p:nvSpPr>
+        <p:spPr>
+          <a:xfrm>
+            <a:off x="10198868" y="188640"/>
+            <a:ext cx="2448272" cy="400110"/>
+          </a:xfrm>
+          <a:prstGeom prst="rect">
+            <a:avLst/>
+          </a:prstGeom>
+          <a:noFill/>
+        </p:spPr>
+        <p:txBody>
+          <a:bodyPr wrap="square" rtlCol="0">
+            <a:spAutoFit/>
+          </a:bodyPr>
           <a:lstStyle/>
           <a:p>
-            <a:pPr rtl="0"/>
-            <a:endParaRPr lang="fr-FR" dirty="0"/>
-          </a:p>
-        </p:txBody>
-      </p:sp>
-      <p:sp>
-        <p:nvSpPr>
-          <p:cNvPr id="10" name="Espace réservé du contenu 9">
+            <a:r>
+              <a:rPr lang="en-US" sz="2000" dirty="0"/>
+              <a:t>Revue de code</a:t>
+            </a:r>
+          </a:p>
+        </p:txBody>
+      </p:sp>
+      <p:sp>
+        <p:nvSpPr>
+          <p:cNvPr id="6" name="ZoneTexte 5">
             <a:extLst>
               <a:ext uri="{FF2B5EF4-FFF2-40B4-BE49-F238E27FC236}">
-                <a16:creationId xmlns:a16="http://schemas.microsoft.com/office/drawing/2014/main" id="{EC7FB207-9A0E-68AD-AB01-CC495ADF3B1C}"/>
+                <a16:creationId xmlns:a16="http://schemas.microsoft.com/office/drawing/2014/main" id="{E0A624CE-C64D-2E3B-437C-988D1A5916EB}"/>
               </a:ext>
             </a:extLst>
           </p:cNvPr>
-          <p:cNvSpPr>
-            <a:spLocks noGrp="1"/>
-          </p:cNvSpPr>
-          <p:nvPr>
-            <p:ph sz="half" idx="2"/>
-          </p:nvPr>
-        </p:nvSpPr>
-        <p:spPr/>
-        <p:txBody>
-          <a:bodyPr rtlCol="0"/>
+          <p:cNvSpPr txBox="1"/>
+          <p:nvPr/>
+        </p:nvSpPr>
+        <p:spPr>
+          <a:xfrm>
+            <a:off x="1218883" y="1905506"/>
+            <a:ext cx="8427269" cy="1569660"/>
+          </a:xfrm>
+          <a:prstGeom prst="rect">
+            <a:avLst/>
+          </a:prstGeom>
+          <a:noFill/>
+        </p:spPr>
+        <p:txBody>
+          <a:bodyPr wrap="square">
+            <a:spAutoFit/>
+          </a:bodyPr>
           <a:lstStyle/>
           <a:p>
-            <a:pPr rtl="0"/>
-            <a:endParaRPr lang="fr-FR" dirty="0"/>
-          </a:p>
-        </p:txBody>
-      </p:sp>
-      <p:sp>
-        <p:nvSpPr>
-          <p:cNvPr id="9" name="Espace réservé du texte 8">
+            <a:pPr marL="342900" indent="-342900">
+              <a:buFont typeface="Arial" panose="020B0604020202020204" pitchFamily="34" charset="0"/>
+              <a:buChar char="•"/>
+            </a:pPr>
+            <a:r>
+              <a:rPr lang="fr-FR" dirty="0"/>
+              <a:t>problème d’architecture DAO</a:t>
+            </a:r>
+          </a:p>
+          <a:p>
+            <a:pPr marL="342900" indent="-342900">
+              <a:buFont typeface="Arial" panose="020B0604020202020204" pitchFamily="34" charset="0"/>
+              <a:buChar char="•"/>
+            </a:pPr>
+            <a:r>
+              <a:rPr lang="fr-FR" dirty="0"/>
+              <a:t>Main et sa longueur</a:t>
+            </a:r>
+          </a:p>
+          <a:p>
+            <a:pPr marL="342900" indent="-342900">
+              <a:buFont typeface="Arial" panose="020B0604020202020204" pitchFamily="34" charset="0"/>
+              <a:buChar char="•"/>
+            </a:pPr>
+            <a:r>
+              <a:rPr lang="fr-FR" dirty="0"/>
+              <a:t>pas de prepare statement (!!!!!!!!!!!)</a:t>
+            </a:r>
+          </a:p>
+          <a:p>
+            <a:pPr marL="342900" indent="-342900">
+              <a:buFont typeface="Arial" panose="020B0604020202020204" pitchFamily="34" charset="0"/>
+              <a:buChar char="•"/>
+            </a:pPr>
+            <a:r>
+              <a:rPr lang="fr-FR" dirty="0"/>
+              <a:t>pas de singleton</a:t>
+            </a:r>
+          </a:p>
+        </p:txBody>
+      </p:sp>
+      <p:sp>
+        <p:nvSpPr>
+          <p:cNvPr id="3" name="ZoneTexte 2">
             <a:extLst>
               <a:ext uri="{FF2B5EF4-FFF2-40B4-BE49-F238E27FC236}">
-                <a16:creationId xmlns:a16="http://schemas.microsoft.com/office/drawing/2014/main" id="{0F7CBDD4-BEC3-FB9B-4093-709191668470}"/>
+                <a16:creationId xmlns:a16="http://schemas.microsoft.com/office/drawing/2014/main" id="{F83F97AB-25AB-27A9-0778-118C807D321C}"/>
               </a:ext>
             </a:extLst>
           </p:cNvPr>
-          <p:cNvSpPr>
-            <a:spLocks noGrp="1"/>
-          </p:cNvSpPr>
-          <p:nvPr>
-            <p:ph type="body" sz="quarter" idx="3"/>
-          </p:nvPr>
-        </p:nvSpPr>
-        <p:spPr/>
-        <p:txBody>
-          <a:bodyPr rtlCol="0"/>
+          <p:cNvSpPr txBox="1"/>
+          <p:nvPr/>
+        </p:nvSpPr>
+        <p:spPr>
+          <a:xfrm>
+            <a:off x="1735195" y="4437112"/>
+            <a:ext cx="7394643" cy="1015663"/>
+          </a:xfrm>
+          <a:prstGeom prst="rect">
+            <a:avLst/>
+          </a:prstGeom>
+          <a:noFill/>
+        </p:spPr>
+        <p:txBody>
+          <a:bodyPr wrap="square" rtlCol="0">
+            <a:spAutoFit/>
+          </a:bodyPr>
           <a:lstStyle/>
           <a:p>
-            <a:pPr rtl="0"/>
-            <a:endParaRPr lang="fr-FR" dirty="0"/>
-          </a:p>
-        </p:txBody>
-      </p:sp>
-      <p:sp>
-        <p:nvSpPr>
-          <p:cNvPr id="11" name="Espace réservé du contenu 10">
+            <a:r>
+              <a:rPr lang="fr-FR" sz="6000" dirty="0"/>
+              <a:t>BILAN REVUE DE CODE</a:t>
+            </a:r>
+          </a:p>
+        </p:txBody>
+      </p:sp>
+      <p:sp>
+        <p:nvSpPr>
+          <p:cNvPr id="5" name="ZoneTexte 4">
             <a:extLst>
               <a:ext uri="{FF2B5EF4-FFF2-40B4-BE49-F238E27FC236}">
-                <a16:creationId xmlns:a16="http://schemas.microsoft.com/office/drawing/2014/main" id="{07B8F481-B327-BA4F-1065-0C9909F82DFD}"/>
+                <a16:creationId xmlns:a16="http://schemas.microsoft.com/office/drawing/2014/main" id="{DE24BDEF-F4DC-0627-7F1E-4E75FB3CCCB0}"/>
               </a:ext>
             </a:extLst>
           </p:cNvPr>
-          <p:cNvSpPr>
-            <a:spLocks noGrp="1"/>
-          </p:cNvSpPr>
-          <p:nvPr>
-            <p:ph sz="quarter" idx="4"/>
-          </p:nvPr>
-        </p:nvSpPr>
-        <p:spPr/>
-        <p:txBody>
-          <a:bodyPr rtlCol="0"/>
+          <p:cNvSpPr txBox="1"/>
+          <p:nvPr/>
+        </p:nvSpPr>
+        <p:spPr>
+          <a:xfrm>
+            <a:off x="4208381" y="6093296"/>
+            <a:ext cx="2448272" cy="523220"/>
+          </a:xfrm>
+          <a:prstGeom prst="rect">
+            <a:avLst/>
+          </a:prstGeom>
+          <a:noFill/>
+        </p:spPr>
+        <p:txBody>
+          <a:bodyPr wrap="square" rtlCol="0">
+            <a:spAutoFit/>
+          </a:bodyPr>
           <a:lstStyle/>
           <a:p>
-            <a:pPr rtl="0"/>
-            <a:endParaRPr lang="fr-FR" dirty="0"/>
+            <a:r>
+              <a:rPr lang="en-US" sz="2800" dirty="0"/>
+              <a:t>Titouan Brando</a:t>
+            </a:r>
+          </a:p>
+        </p:txBody>
+      </p:sp>
+      <p:sp>
+        <p:nvSpPr>
+          <p:cNvPr id="8" name="Espace réservé du numéro de diapositive 3">
+            <a:extLst>
+              <a:ext uri="{FF2B5EF4-FFF2-40B4-BE49-F238E27FC236}">
+                <a16:creationId xmlns:a16="http://schemas.microsoft.com/office/drawing/2014/main" id="{8BC379F6-EFE0-3EA5-B001-F3690B563CFB}"/>
+              </a:ext>
+            </a:extLst>
+          </p:cNvPr>
+          <p:cNvSpPr>
+            <a:spLocks noGrp="1"/>
+          </p:cNvSpPr>
+          <p:nvPr>
+            <p:ph type="sldNum" sz="quarter" idx="12"/>
+          </p:nvPr>
+        </p:nvSpPr>
+        <p:spPr>
+          <a:xfrm>
+            <a:off x="11206980" y="6218238"/>
+            <a:ext cx="655695" cy="365125"/>
+          </a:xfrm>
+        </p:spPr>
+        <p:txBody>
+          <a:bodyPr/>
+          <a:lstStyle/>
+          <a:p>
+            <a:pPr algn="r"/>
+            <a:fld id="{C014DD1E-5D91-48A3-AD6D-45FBA980D106}" type="slidenum">
+              <a:rPr lang="fr-FR" sz="2800" smtClean="0"/>
+              <a:pPr algn="r"/>
+              <a:t>5</a:t>
+            </a:fld>
+            <a:endParaRPr lang="fr-FR" sz="2800" dirty="0"/>
           </a:p>
         </p:txBody>
       </p:sp>
     </p:spTree>
     <p:extLst>
       <p:ext uri="{BB962C8B-B14F-4D97-AF65-F5344CB8AC3E}">
-        <p14:creationId xmlns:p14="http://schemas.microsoft.com/office/powerpoint/2010/main" val="1518322907"/>
+        <p14:creationId xmlns:p14="http://schemas.microsoft.com/office/powerpoint/2010/main" val="309746293"/>
       </p:ext>
     </p:extLst>
   </p:cSld>
@@ -14172,7 +7749,7 @@
         <p:cNvPr id="1" name="">
           <a:extLst>
             <a:ext uri="{FF2B5EF4-FFF2-40B4-BE49-F238E27FC236}">
-              <a16:creationId xmlns:a16="http://schemas.microsoft.com/office/drawing/2014/main" id="{C20F90A3-9920-7074-5C32-18D5829B5A33}"/>
+              <a16:creationId xmlns:a16="http://schemas.microsoft.com/office/drawing/2014/main" id="{C53B6120-7D95-65B1-358C-C3EE5FDE313C}"/>
             </a:ext>
           </a:extLst>
         </p:cNvPr>
@@ -14189,10 +7766,10 @@
       </p:grpSpPr>
       <p:sp>
         <p:nvSpPr>
-          <p:cNvPr id="7" name="Titre 6">
+          <p:cNvPr id="4" name="Titre 3">
             <a:extLst>
               <a:ext uri="{FF2B5EF4-FFF2-40B4-BE49-F238E27FC236}">
-                <a16:creationId xmlns:a16="http://schemas.microsoft.com/office/drawing/2014/main" id="{BE47536B-7ABA-7C1B-C3A7-EE6DAE7751EF}"/>
+                <a16:creationId xmlns:a16="http://schemas.microsoft.com/office/drawing/2014/main" id="{685AF97C-7C21-63C6-D224-7F3419B7BBB2}"/>
               </a:ext>
             </a:extLst>
           </p:cNvPr>
@@ -14203,77 +7780,103 @@
             <p:ph type="title"/>
           </p:nvPr>
         </p:nvSpPr>
-        <p:spPr/>
-        <p:txBody>
-          <a:bodyPr rtlCol="0"/>
+        <p:spPr>
+          <a:xfrm>
+            <a:off x="1218883" y="836712"/>
+            <a:ext cx="4299465" cy="661888"/>
+          </a:xfrm>
+        </p:spPr>
+        <p:txBody>
+          <a:bodyPr rtlCol="0" anchor="b">
+            <a:normAutofit fontScale="90000"/>
+          </a:bodyPr>
           <a:lstStyle/>
           <a:p>
             <a:pPr rtl="0"/>
             <a:r>
               <a:rPr lang="fr-FR" dirty="0"/>
-              <a:t>Ajouter un titre de diapositive - 2</a:t>
-            </a:r>
-          </a:p>
-        </p:txBody>
-      </p:sp>
-      <p:sp>
-        <p:nvSpPr>
-          <p:cNvPr id="8" name="Espace réservé du texte 7">
+              <a:t>Evaluation du Design :</a:t>
+            </a:r>
+          </a:p>
+        </p:txBody>
+      </p:sp>
+      <p:sp>
+        <p:nvSpPr>
+          <p:cNvPr id="2" name="ZoneTexte 1">
             <a:extLst>
               <a:ext uri="{FF2B5EF4-FFF2-40B4-BE49-F238E27FC236}">
-                <a16:creationId xmlns:a16="http://schemas.microsoft.com/office/drawing/2014/main" id="{CD177DCF-86F4-A5FC-5A63-2DEDCF9D5AF0}"/>
+                <a16:creationId xmlns:a16="http://schemas.microsoft.com/office/drawing/2014/main" id="{4CA1DE0F-8C1F-B776-0AA2-E2150AF4266A}"/>
               </a:ext>
             </a:extLst>
           </p:cNvPr>
-          <p:cNvSpPr>
-            <a:spLocks noGrp="1"/>
-          </p:cNvSpPr>
-          <p:nvPr>
-            <p:ph type="body" idx="1"/>
-          </p:nvPr>
-        </p:nvSpPr>
-        <p:spPr/>
-        <p:txBody>
-          <a:bodyPr rtlCol="0"/>
+          <p:cNvSpPr txBox="1"/>
+          <p:nvPr/>
+        </p:nvSpPr>
+        <p:spPr>
+          <a:xfrm>
+            <a:off x="10198868" y="188640"/>
+            <a:ext cx="2448272" cy="400110"/>
+          </a:xfrm>
+          <a:prstGeom prst="rect">
+            <a:avLst/>
+          </a:prstGeom>
+          <a:noFill/>
+        </p:spPr>
+        <p:txBody>
+          <a:bodyPr wrap="square" rtlCol="0">
+            <a:spAutoFit/>
+          </a:bodyPr>
           <a:lstStyle/>
           <a:p>
             <a:pPr rtl="0"/>
-            <a:endParaRPr lang="fr-FR" dirty="0"/>
-          </a:p>
-        </p:txBody>
-      </p:sp>
-      <p:sp>
-        <p:nvSpPr>
-          <p:cNvPr id="10" name="Espace réservé du contenu 9">
+            <a:r>
+              <a:rPr lang="fr-FR" sz="2000" dirty="0"/>
+              <a:t>Tests Utilisateurs</a:t>
+            </a:r>
+          </a:p>
+        </p:txBody>
+      </p:sp>
+      <p:sp>
+        <p:nvSpPr>
+          <p:cNvPr id="5" name="ZoneTexte 4">
             <a:extLst>
               <a:ext uri="{FF2B5EF4-FFF2-40B4-BE49-F238E27FC236}">
-                <a16:creationId xmlns:a16="http://schemas.microsoft.com/office/drawing/2014/main" id="{D1D7B68F-8BE8-49F3-D2F1-6A6B6A9677E3}"/>
+                <a16:creationId xmlns:a16="http://schemas.microsoft.com/office/drawing/2014/main" id="{439F8FC8-0635-5AE8-7B0B-D909994DA011}"/>
               </a:ext>
             </a:extLst>
           </p:cNvPr>
-          <p:cNvSpPr>
-            <a:spLocks noGrp="1"/>
-          </p:cNvSpPr>
-          <p:nvPr>
-            <p:ph sz="half" idx="2"/>
-          </p:nvPr>
-        </p:nvSpPr>
-        <p:spPr/>
-        <p:txBody>
-          <a:bodyPr rtlCol="0"/>
+          <p:cNvSpPr txBox="1"/>
+          <p:nvPr/>
+        </p:nvSpPr>
+        <p:spPr>
+          <a:xfrm>
+            <a:off x="4208381" y="6093296"/>
+            <a:ext cx="2448272" cy="523220"/>
+          </a:xfrm>
+          <a:prstGeom prst="rect">
+            <a:avLst/>
+          </a:prstGeom>
+          <a:noFill/>
+        </p:spPr>
+        <p:txBody>
+          <a:bodyPr wrap="square" rtlCol="0">
+            <a:spAutoFit/>
+          </a:bodyPr>
           <a:lstStyle/>
           <a:p>
-            <a:pPr rtl="0"/>
-            <a:endParaRPr lang="fr-FR" dirty="0"/>
-          </a:p>
-        </p:txBody>
-      </p:sp>
-      <p:sp>
-        <p:nvSpPr>
-          <p:cNvPr id="9" name="Espace réservé du texte 8">
+            <a:r>
+              <a:rPr lang="en-US" sz="2800" dirty="0"/>
+              <a:t>Titouan Brando</a:t>
+            </a:r>
+          </a:p>
+        </p:txBody>
+      </p:sp>
+      <p:sp>
+        <p:nvSpPr>
+          <p:cNvPr id="8" name="Espace réservé du numéro de diapositive 3">
             <a:extLst>
               <a:ext uri="{FF2B5EF4-FFF2-40B4-BE49-F238E27FC236}">
-                <a16:creationId xmlns:a16="http://schemas.microsoft.com/office/drawing/2014/main" id="{90A851E9-9B3E-8593-495C-C637728A9313}"/>
+                <a16:creationId xmlns:a16="http://schemas.microsoft.com/office/drawing/2014/main" id="{84A80D66-090A-FD51-C09C-3579BD333D9B}"/>
               </a:ext>
             </a:extLst>
           </p:cNvPr>
@@ -14281,49 +7884,33 @@
             <a:spLocks noGrp="1"/>
           </p:cNvSpPr>
           <p:nvPr>
-            <p:ph type="body" sz="quarter" idx="3"/>
-          </p:nvPr>
-        </p:nvSpPr>
-        <p:spPr/>
-        <p:txBody>
-          <a:bodyPr rtlCol="0"/>
+            <p:ph type="sldNum" sz="quarter" idx="12"/>
+          </p:nvPr>
+        </p:nvSpPr>
+        <p:spPr>
+          <a:xfrm>
+            <a:off x="11206980" y="6218238"/>
+            <a:ext cx="655695" cy="365125"/>
+          </a:xfrm>
+        </p:spPr>
+        <p:txBody>
+          <a:bodyPr/>
           <a:lstStyle/>
           <a:p>
-            <a:pPr rtl="0"/>
-            <a:endParaRPr lang="fr-FR" dirty="0"/>
-          </a:p>
-        </p:txBody>
-      </p:sp>
-      <p:sp>
-        <p:nvSpPr>
-          <p:cNvPr id="11" name="Espace réservé du contenu 10">
-            <a:extLst>
-              <a:ext uri="{FF2B5EF4-FFF2-40B4-BE49-F238E27FC236}">
-                <a16:creationId xmlns:a16="http://schemas.microsoft.com/office/drawing/2014/main" id="{04C45437-5461-BD47-0098-21DA0EB44E6A}"/>
-              </a:ext>
-            </a:extLst>
-          </p:cNvPr>
-          <p:cNvSpPr>
-            <a:spLocks noGrp="1"/>
-          </p:cNvSpPr>
-          <p:nvPr>
-            <p:ph sz="quarter" idx="4"/>
-          </p:nvPr>
-        </p:nvSpPr>
-        <p:spPr/>
-        <p:txBody>
-          <a:bodyPr rtlCol="0"/>
-          <a:lstStyle/>
-          <a:p>
-            <a:pPr rtl="0"/>
-            <a:endParaRPr lang="fr-FR" dirty="0"/>
+            <a:pPr algn="r"/>
+            <a:fld id="{C014DD1E-5D91-48A3-AD6D-45FBA980D106}" type="slidenum">
+              <a:rPr lang="fr-FR" sz="2800" smtClean="0"/>
+              <a:pPr algn="r"/>
+              <a:t>6</a:t>
+            </a:fld>
+            <a:endParaRPr lang="fr-FR" sz="2800" dirty="0"/>
           </a:p>
         </p:txBody>
       </p:sp>
     </p:spTree>
     <p:extLst>
       <p:ext uri="{BB962C8B-B14F-4D97-AF65-F5344CB8AC3E}">
-        <p14:creationId xmlns:p14="http://schemas.microsoft.com/office/powerpoint/2010/main" val="3013230686"/>
+        <p14:creationId xmlns:p14="http://schemas.microsoft.com/office/powerpoint/2010/main" val="42240501"/>
       </p:ext>
     </p:extLst>
   </p:cSld>
@@ -14353,7 +7940,7 @@
         <p:cNvPr id="1" name="">
           <a:extLst>
             <a:ext uri="{FF2B5EF4-FFF2-40B4-BE49-F238E27FC236}">
-              <a16:creationId xmlns:a16="http://schemas.microsoft.com/office/drawing/2014/main" id="{66F30018-DD14-6C4B-767A-6E131AFE12E7}"/>
+              <a16:creationId xmlns:a16="http://schemas.microsoft.com/office/drawing/2014/main" id="{8D83FF04-C4E8-2620-0908-3C2DB3EC06F5}"/>
             </a:ext>
           </a:extLst>
         </p:cNvPr>
@@ -14370,10 +7957,10 @@
       </p:grpSpPr>
       <p:sp>
         <p:nvSpPr>
-          <p:cNvPr id="7" name="Titre 6">
+          <p:cNvPr id="4" name="Titre 3">
             <a:extLst>
               <a:ext uri="{FF2B5EF4-FFF2-40B4-BE49-F238E27FC236}">
-                <a16:creationId xmlns:a16="http://schemas.microsoft.com/office/drawing/2014/main" id="{FED91A39-2723-3C80-1513-0605F1D23FE4}"/>
+                <a16:creationId xmlns:a16="http://schemas.microsoft.com/office/drawing/2014/main" id="{70E91840-785C-D31F-9C7D-0B5BA2FD22CD}"/>
               </a:ext>
             </a:extLst>
           </p:cNvPr>
@@ -14384,77 +7971,103 @@
             <p:ph type="title"/>
           </p:nvPr>
         </p:nvSpPr>
-        <p:spPr/>
-        <p:txBody>
-          <a:bodyPr rtlCol="0"/>
+        <p:spPr>
+          <a:xfrm>
+            <a:off x="1218883" y="836712"/>
+            <a:ext cx="4299465" cy="661888"/>
+          </a:xfrm>
+        </p:spPr>
+        <p:txBody>
+          <a:bodyPr rtlCol="0" anchor="b">
+            <a:normAutofit/>
+          </a:bodyPr>
           <a:lstStyle/>
           <a:p>
             <a:pPr rtl="0"/>
             <a:r>
               <a:rPr lang="fr-FR" dirty="0"/>
-              <a:t>Ajouter un titre de diapositive - 2</a:t>
-            </a:r>
-          </a:p>
-        </p:txBody>
-      </p:sp>
-      <p:sp>
-        <p:nvSpPr>
-          <p:cNvPr id="8" name="Espace réservé du texte 7">
+              <a:t>Hiérarchie visuelle :</a:t>
+            </a:r>
+          </a:p>
+        </p:txBody>
+      </p:sp>
+      <p:sp>
+        <p:nvSpPr>
+          <p:cNvPr id="2" name="ZoneTexte 1">
             <a:extLst>
               <a:ext uri="{FF2B5EF4-FFF2-40B4-BE49-F238E27FC236}">
-                <a16:creationId xmlns:a16="http://schemas.microsoft.com/office/drawing/2014/main" id="{C53F1E87-AF82-361A-7144-537EF4E73403}"/>
+                <a16:creationId xmlns:a16="http://schemas.microsoft.com/office/drawing/2014/main" id="{BBE41DC3-2B47-BBCA-06E6-6B733E282529}"/>
               </a:ext>
             </a:extLst>
           </p:cNvPr>
-          <p:cNvSpPr>
-            <a:spLocks noGrp="1"/>
-          </p:cNvSpPr>
-          <p:nvPr>
-            <p:ph type="body" idx="1"/>
-          </p:nvPr>
-        </p:nvSpPr>
-        <p:spPr/>
-        <p:txBody>
-          <a:bodyPr rtlCol="0"/>
+          <p:cNvSpPr txBox="1"/>
+          <p:nvPr/>
+        </p:nvSpPr>
+        <p:spPr>
+          <a:xfrm>
+            <a:off x="10198868" y="188640"/>
+            <a:ext cx="2448272" cy="400110"/>
+          </a:xfrm>
+          <a:prstGeom prst="rect">
+            <a:avLst/>
+          </a:prstGeom>
+          <a:noFill/>
+        </p:spPr>
+        <p:txBody>
+          <a:bodyPr wrap="square" rtlCol="0">
+            <a:spAutoFit/>
+          </a:bodyPr>
           <a:lstStyle/>
           <a:p>
             <a:pPr rtl="0"/>
-            <a:endParaRPr lang="fr-FR" dirty="0"/>
-          </a:p>
-        </p:txBody>
-      </p:sp>
-      <p:sp>
-        <p:nvSpPr>
-          <p:cNvPr id="10" name="Espace réservé du contenu 9">
+            <a:r>
+              <a:rPr lang="fr-FR" sz="2000" dirty="0"/>
+              <a:t>Tests Utilisateurs</a:t>
+            </a:r>
+          </a:p>
+        </p:txBody>
+      </p:sp>
+      <p:sp>
+        <p:nvSpPr>
+          <p:cNvPr id="3" name="ZoneTexte 2">
             <a:extLst>
               <a:ext uri="{FF2B5EF4-FFF2-40B4-BE49-F238E27FC236}">
-                <a16:creationId xmlns:a16="http://schemas.microsoft.com/office/drawing/2014/main" id="{9D6DB091-BA2A-16DF-0073-640B946CA78E}"/>
+                <a16:creationId xmlns:a16="http://schemas.microsoft.com/office/drawing/2014/main" id="{DADF2641-E41D-6A9C-572A-5B6EB3483AB3}"/>
               </a:ext>
             </a:extLst>
           </p:cNvPr>
-          <p:cNvSpPr>
-            <a:spLocks noGrp="1"/>
-          </p:cNvSpPr>
-          <p:nvPr>
-            <p:ph sz="half" idx="2"/>
-          </p:nvPr>
-        </p:nvSpPr>
-        <p:spPr/>
-        <p:txBody>
-          <a:bodyPr rtlCol="0"/>
+          <p:cNvSpPr txBox="1"/>
+          <p:nvPr/>
+        </p:nvSpPr>
+        <p:spPr>
+          <a:xfrm>
+            <a:off x="4208381" y="6093296"/>
+            <a:ext cx="2448272" cy="523220"/>
+          </a:xfrm>
+          <a:prstGeom prst="rect">
+            <a:avLst/>
+          </a:prstGeom>
+          <a:noFill/>
+        </p:spPr>
+        <p:txBody>
+          <a:bodyPr wrap="square" rtlCol="0">
+            <a:spAutoFit/>
+          </a:bodyPr>
           <a:lstStyle/>
           <a:p>
-            <a:pPr rtl="0"/>
-            <a:endParaRPr lang="fr-FR" dirty="0"/>
-          </a:p>
-        </p:txBody>
-      </p:sp>
-      <p:sp>
-        <p:nvSpPr>
-          <p:cNvPr id="9" name="Espace réservé du texte 8">
+            <a:r>
+              <a:rPr lang="en-US" sz="2800" dirty="0"/>
+              <a:t>Titouan Brando</a:t>
+            </a:r>
+          </a:p>
+        </p:txBody>
+      </p:sp>
+      <p:sp>
+        <p:nvSpPr>
+          <p:cNvPr id="6" name="Espace réservé du numéro de diapositive 3">
             <a:extLst>
               <a:ext uri="{FF2B5EF4-FFF2-40B4-BE49-F238E27FC236}">
-                <a16:creationId xmlns:a16="http://schemas.microsoft.com/office/drawing/2014/main" id="{23D5694A-F81B-BB0D-359D-36EC6B776EE2}"/>
+                <a16:creationId xmlns:a16="http://schemas.microsoft.com/office/drawing/2014/main" id="{E3C9DD9D-BABB-037E-889D-24AE1D22B62B}"/>
               </a:ext>
             </a:extLst>
           </p:cNvPr>
@@ -14462,49 +8075,33 @@
             <a:spLocks noGrp="1"/>
           </p:cNvSpPr>
           <p:nvPr>
-            <p:ph type="body" sz="quarter" idx="3"/>
-          </p:nvPr>
-        </p:nvSpPr>
-        <p:spPr/>
-        <p:txBody>
-          <a:bodyPr rtlCol="0"/>
+            <p:ph type="sldNum" sz="quarter" idx="12"/>
+          </p:nvPr>
+        </p:nvSpPr>
+        <p:spPr>
+          <a:xfrm>
+            <a:off x="11206980" y="6218238"/>
+            <a:ext cx="655695" cy="365125"/>
+          </a:xfrm>
+        </p:spPr>
+        <p:txBody>
+          <a:bodyPr/>
           <a:lstStyle/>
           <a:p>
-            <a:pPr rtl="0"/>
-            <a:endParaRPr lang="fr-FR" dirty="0"/>
-          </a:p>
-        </p:txBody>
-      </p:sp>
-      <p:sp>
-        <p:nvSpPr>
-          <p:cNvPr id="11" name="Espace réservé du contenu 10">
-            <a:extLst>
-              <a:ext uri="{FF2B5EF4-FFF2-40B4-BE49-F238E27FC236}">
-                <a16:creationId xmlns:a16="http://schemas.microsoft.com/office/drawing/2014/main" id="{5BE42FDB-A2CA-9A3F-EA3F-114211E7C712}"/>
-              </a:ext>
-            </a:extLst>
-          </p:cNvPr>
-          <p:cNvSpPr>
-            <a:spLocks noGrp="1"/>
-          </p:cNvSpPr>
-          <p:nvPr>
-            <p:ph sz="quarter" idx="4"/>
-          </p:nvPr>
-        </p:nvSpPr>
-        <p:spPr/>
-        <p:txBody>
-          <a:bodyPr rtlCol="0"/>
-          <a:lstStyle/>
-          <a:p>
-            <a:pPr rtl="0"/>
-            <a:endParaRPr lang="fr-FR" dirty="0"/>
+            <a:pPr algn="r"/>
+            <a:fld id="{C014DD1E-5D91-48A3-AD6D-45FBA980D106}" type="slidenum">
+              <a:rPr lang="fr-FR" sz="2800" smtClean="0"/>
+              <a:pPr algn="r"/>
+              <a:t>7</a:t>
+            </a:fld>
+            <a:endParaRPr lang="fr-FR" sz="2800" dirty="0"/>
           </a:p>
         </p:txBody>
       </p:sp>
     </p:spTree>
     <p:extLst>
       <p:ext uri="{BB962C8B-B14F-4D97-AF65-F5344CB8AC3E}">
-        <p14:creationId xmlns:p14="http://schemas.microsoft.com/office/powerpoint/2010/main" val="3641869411"/>
+        <p14:creationId xmlns:p14="http://schemas.microsoft.com/office/powerpoint/2010/main" val="1421484392"/>
       </p:ext>
     </p:extLst>
   </p:cSld>
@@ -14534,7 +8131,7 @@
         <p:cNvPr id="1" name="">
           <a:extLst>
             <a:ext uri="{FF2B5EF4-FFF2-40B4-BE49-F238E27FC236}">
-              <a16:creationId xmlns:a16="http://schemas.microsoft.com/office/drawing/2014/main" id="{D109115C-6455-B923-CB34-7480D90237FF}"/>
+              <a16:creationId xmlns:a16="http://schemas.microsoft.com/office/drawing/2014/main" id="{6E84D496-BB9E-CD05-C3E0-58B790C6A1D9}"/>
             </a:ext>
           </a:extLst>
         </p:cNvPr>
@@ -14551,10 +8148,10 @@
       </p:grpSpPr>
       <p:sp>
         <p:nvSpPr>
-          <p:cNvPr id="7" name="Titre 6">
+          <p:cNvPr id="4" name="Titre 3">
             <a:extLst>
               <a:ext uri="{FF2B5EF4-FFF2-40B4-BE49-F238E27FC236}">
-                <a16:creationId xmlns:a16="http://schemas.microsoft.com/office/drawing/2014/main" id="{A8E217B6-7689-732D-EB3D-2C67B4BA6F0A}"/>
+                <a16:creationId xmlns:a16="http://schemas.microsoft.com/office/drawing/2014/main" id="{4476FA90-1055-9C2E-7B97-21684D806CF4}"/>
               </a:ext>
             </a:extLst>
           </p:cNvPr>
@@ -14565,103 +8162,138 @@
             <p:ph type="title"/>
           </p:nvPr>
         </p:nvSpPr>
-        <p:spPr/>
-        <p:txBody>
-          <a:bodyPr rtlCol="0"/>
+        <p:spPr>
+          <a:xfrm>
+            <a:off x="1218883" y="836712"/>
+            <a:ext cx="4299465" cy="661888"/>
+          </a:xfrm>
+        </p:spPr>
+        <p:txBody>
+          <a:bodyPr rtlCol="0" anchor="b">
+            <a:normAutofit/>
+          </a:bodyPr>
           <a:lstStyle/>
           <a:p>
             <a:pPr rtl="0"/>
             <a:r>
               <a:rPr lang="fr-FR" dirty="0"/>
-              <a:t>Ajouter un titre de diapositive - 2</a:t>
-            </a:r>
-          </a:p>
-        </p:txBody>
-      </p:sp>
-      <p:sp>
-        <p:nvSpPr>
-          <p:cNvPr id="8" name="Espace réservé du texte 7">
+              <a:t>Ergonomie :</a:t>
+            </a:r>
+          </a:p>
+        </p:txBody>
+      </p:sp>
+      <p:sp>
+        <p:nvSpPr>
+          <p:cNvPr id="2" name="ZoneTexte 1">
             <a:extLst>
               <a:ext uri="{FF2B5EF4-FFF2-40B4-BE49-F238E27FC236}">
-                <a16:creationId xmlns:a16="http://schemas.microsoft.com/office/drawing/2014/main" id="{81D7B1BE-2161-4964-4059-B66EA6014713}"/>
+                <a16:creationId xmlns:a16="http://schemas.microsoft.com/office/drawing/2014/main" id="{7BD1FCBB-9D7E-0084-95D8-53E328A1C5FC}"/>
               </a:ext>
             </a:extLst>
           </p:cNvPr>
-          <p:cNvSpPr>
-            <a:spLocks noGrp="1"/>
-          </p:cNvSpPr>
-          <p:nvPr>
-            <p:ph type="body" idx="1"/>
-          </p:nvPr>
-        </p:nvSpPr>
-        <p:spPr/>
-        <p:txBody>
-          <a:bodyPr rtlCol="0"/>
+          <p:cNvSpPr txBox="1"/>
+          <p:nvPr/>
+        </p:nvSpPr>
+        <p:spPr>
+          <a:xfrm>
+            <a:off x="10198868" y="188640"/>
+            <a:ext cx="2448272" cy="400110"/>
+          </a:xfrm>
+          <a:prstGeom prst="rect">
+            <a:avLst/>
+          </a:prstGeom>
+          <a:noFill/>
+        </p:spPr>
+        <p:txBody>
+          <a:bodyPr wrap="square" rtlCol="0">
+            <a:spAutoFit/>
+          </a:bodyPr>
           <a:lstStyle/>
           <a:p>
             <a:pPr rtl="0"/>
-            <a:endParaRPr lang="fr-FR" dirty="0"/>
-          </a:p>
-        </p:txBody>
-      </p:sp>
-      <p:sp>
-        <p:nvSpPr>
-          <p:cNvPr id="10" name="Espace réservé du contenu 9">
+            <a:r>
+              <a:rPr lang="fr-FR" sz="2000" dirty="0"/>
+              <a:t>Tests Utilisateurs</a:t>
+            </a:r>
+          </a:p>
+        </p:txBody>
+      </p:sp>
+      <p:sp>
+        <p:nvSpPr>
+          <p:cNvPr id="3" name="ZoneTexte 2">
             <a:extLst>
               <a:ext uri="{FF2B5EF4-FFF2-40B4-BE49-F238E27FC236}">
-                <a16:creationId xmlns:a16="http://schemas.microsoft.com/office/drawing/2014/main" id="{7894775F-BC82-3D1A-D699-4CCFD517BD81}"/>
+                <a16:creationId xmlns:a16="http://schemas.microsoft.com/office/drawing/2014/main" id="{EB4CE0F6-DB1E-C2C3-F3E1-FA29B09A6D03}"/>
               </a:ext>
             </a:extLst>
           </p:cNvPr>
-          <p:cNvSpPr>
-            <a:spLocks noGrp="1"/>
-          </p:cNvSpPr>
-          <p:nvPr>
-            <p:ph sz="half" idx="2"/>
-          </p:nvPr>
-        </p:nvSpPr>
-        <p:spPr/>
-        <p:txBody>
-          <a:bodyPr rtlCol="0"/>
+          <p:cNvSpPr txBox="1"/>
+          <p:nvPr/>
+        </p:nvSpPr>
+        <p:spPr>
+          <a:xfrm>
+            <a:off x="1735195" y="4437112"/>
+            <a:ext cx="7527569" cy="1015663"/>
+          </a:xfrm>
+          <a:prstGeom prst="rect">
+            <a:avLst/>
+          </a:prstGeom>
+          <a:noFill/>
+        </p:spPr>
+        <p:txBody>
+          <a:bodyPr wrap="square" rtlCol="0">
+            <a:spAutoFit/>
+          </a:bodyPr>
           <a:lstStyle/>
           <a:p>
-            <a:pPr rtl="0"/>
-            <a:endParaRPr lang="fr-FR" dirty="0"/>
-          </a:p>
-        </p:txBody>
-      </p:sp>
-      <p:sp>
-        <p:nvSpPr>
-          <p:cNvPr id="9" name="Espace réservé du texte 8">
+            <a:r>
+              <a:rPr lang="fr-FR" sz="6000" dirty="0"/>
+              <a:t>BILAN Tests Utilisateurs</a:t>
+            </a:r>
+          </a:p>
+        </p:txBody>
+      </p:sp>
+      <p:sp>
+        <p:nvSpPr>
+          <p:cNvPr id="5" name="ZoneTexte 4">
             <a:extLst>
               <a:ext uri="{FF2B5EF4-FFF2-40B4-BE49-F238E27FC236}">
-                <a16:creationId xmlns:a16="http://schemas.microsoft.com/office/drawing/2014/main" id="{F9ABB5B1-4174-D3BC-753F-81CA878EBE0A}"/>
+                <a16:creationId xmlns:a16="http://schemas.microsoft.com/office/drawing/2014/main" id="{75B86607-98AA-159F-5885-D97C8B9BB314}"/>
               </a:ext>
             </a:extLst>
           </p:cNvPr>
-          <p:cNvSpPr>
-            <a:spLocks noGrp="1"/>
-          </p:cNvSpPr>
-          <p:nvPr>
-            <p:ph type="body" sz="quarter" idx="3"/>
-          </p:nvPr>
-        </p:nvSpPr>
-        <p:spPr/>
-        <p:txBody>
-          <a:bodyPr rtlCol="0"/>
+          <p:cNvSpPr txBox="1"/>
+          <p:nvPr/>
+        </p:nvSpPr>
+        <p:spPr>
+          <a:xfrm>
+            <a:off x="4208381" y="6093296"/>
+            <a:ext cx="2448272" cy="523220"/>
+          </a:xfrm>
+          <a:prstGeom prst="rect">
+            <a:avLst/>
+          </a:prstGeom>
+          <a:noFill/>
+        </p:spPr>
+        <p:txBody>
+          <a:bodyPr wrap="square" rtlCol="0">
+            <a:spAutoFit/>
+          </a:bodyPr>
           <a:lstStyle/>
           <a:p>
-            <a:pPr rtl="0"/>
-            <a:endParaRPr lang="fr-FR" dirty="0"/>
-          </a:p>
-        </p:txBody>
-      </p:sp>
-      <p:sp>
-        <p:nvSpPr>
-          <p:cNvPr id="11" name="Espace réservé du contenu 10">
+            <a:r>
+              <a:rPr lang="en-US" sz="2800" dirty="0"/>
+              <a:t>Titouan Brando</a:t>
+            </a:r>
+          </a:p>
+        </p:txBody>
+      </p:sp>
+      <p:sp>
+        <p:nvSpPr>
+          <p:cNvPr id="7" name="Espace réservé du numéro de diapositive 3">
             <a:extLst>
               <a:ext uri="{FF2B5EF4-FFF2-40B4-BE49-F238E27FC236}">
-                <a16:creationId xmlns:a16="http://schemas.microsoft.com/office/drawing/2014/main" id="{412E8FEF-5F9F-31E8-5F3E-75D80D82C14E}"/>
+                <a16:creationId xmlns:a16="http://schemas.microsoft.com/office/drawing/2014/main" id="{92744496-82C8-AB6E-C34D-80716740B6A5}"/>
               </a:ext>
             </a:extLst>
           </p:cNvPr>
@@ -14669,23 +8301,33 @@
             <a:spLocks noGrp="1"/>
           </p:cNvSpPr>
           <p:nvPr>
-            <p:ph sz="quarter" idx="4"/>
-          </p:nvPr>
-        </p:nvSpPr>
-        <p:spPr/>
-        <p:txBody>
-          <a:bodyPr rtlCol="0"/>
+            <p:ph type="sldNum" sz="quarter" idx="12"/>
+          </p:nvPr>
+        </p:nvSpPr>
+        <p:spPr>
+          <a:xfrm>
+            <a:off x="11206980" y="6218238"/>
+            <a:ext cx="655695" cy="365125"/>
+          </a:xfrm>
+        </p:spPr>
+        <p:txBody>
+          <a:bodyPr/>
           <a:lstStyle/>
           <a:p>
-            <a:pPr rtl="0"/>
-            <a:endParaRPr lang="fr-FR" dirty="0"/>
+            <a:pPr algn="r"/>
+            <a:fld id="{C014DD1E-5D91-48A3-AD6D-45FBA980D106}" type="slidenum">
+              <a:rPr lang="fr-FR" sz="2800" smtClean="0"/>
+              <a:pPr algn="r"/>
+              <a:t>8</a:t>
+            </a:fld>
+            <a:endParaRPr lang="fr-FR" sz="2800" dirty="0"/>
           </a:p>
         </p:txBody>
       </p:sp>
     </p:spTree>
     <p:extLst>
       <p:ext uri="{BB962C8B-B14F-4D97-AF65-F5344CB8AC3E}">
-        <p14:creationId xmlns:p14="http://schemas.microsoft.com/office/powerpoint/2010/main" val="43638967"/>
+        <p14:creationId xmlns:p14="http://schemas.microsoft.com/office/powerpoint/2010/main" val="1204493741"/>
       </p:ext>
     </p:extLst>
   </p:cSld>
@@ -14715,7 +8357,7 @@
         <p:cNvPr id="1" name="">
           <a:extLst>
             <a:ext uri="{FF2B5EF4-FFF2-40B4-BE49-F238E27FC236}">
-              <a16:creationId xmlns:a16="http://schemas.microsoft.com/office/drawing/2014/main" id="{9466462C-2B6A-1F41-7DDF-6F3940BF2699}"/>
+              <a16:creationId xmlns:a16="http://schemas.microsoft.com/office/drawing/2014/main" id="{3079D9D4-8172-6EE8-E535-CE3EEB29D71A}"/>
             </a:ext>
           </a:extLst>
         </p:cNvPr>
@@ -14732,10 +8374,10 @@
       </p:grpSpPr>
       <p:sp>
         <p:nvSpPr>
-          <p:cNvPr id="7" name="Titre 6">
+          <p:cNvPr id="4" name="Titre 3">
             <a:extLst>
               <a:ext uri="{FF2B5EF4-FFF2-40B4-BE49-F238E27FC236}">
-                <a16:creationId xmlns:a16="http://schemas.microsoft.com/office/drawing/2014/main" id="{836E9BEE-E943-8285-D494-5523C833E926}"/>
+                <a16:creationId xmlns:a16="http://schemas.microsoft.com/office/drawing/2014/main" id="{75CDAC62-978F-0BB1-AAFA-929D045147EA}"/>
               </a:ext>
             </a:extLst>
           </p:cNvPr>
@@ -14746,51 +8388,67 @@
             <p:ph type="title"/>
           </p:nvPr>
         </p:nvSpPr>
-        <p:spPr/>
-        <p:txBody>
-          <a:bodyPr rtlCol="0"/>
+        <p:spPr>
+          <a:xfrm>
+            <a:off x="1218883" y="836712"/>
+            <a:ext cx="4299465" cy="661888"/>
+          </a:xfrm>
+        </p:spPr>
+        <p:txBody>
+          <a:bodyPr rtlCol="0" anchor="b">
+            <a:normAutofit/>
+          </a:bodyPr>
           <a:lstStyle/>
           <a:p>
             <a:pPr rtl="0"/>
             <a:r>
               <a:rPr lang="fr-FR" dirty="0"/>
-              <a:t>Ajouter un titre de diapositive - 2</a:t>
-            </a:r>
-          </a:p>
-        </p:txBody>
-      </p:sp>
-      <p:sp>
-        <p:nvSpPr>
-          <p:cNvPr id="8" name="Espace réservé du texte 7">
+              <a:t>Bilan du logiciel</a:t>
+            </a:r>
+          </a:p>
+        </p:txBody>
+      </p:sp>
+      <p:sp>
+        <p:nvSpPr>
+          <p:cNvPr id="3" name="ZoneTexte 2">
             <a:extLst>
               <a:ext uri="{FF2B5EF4-FFF2-40B4-BE49-F238E27FC236}">
-                <a16:creationId xmlns:a16="http://schemas.microsoft.com/office/drawing/2014/main" id="{991A8257-CA2A-B84C-CB8A-D98214059560}"/>
+                <a16:creationId xmlns:a16="http://schemas.microsoft.com/office/drawing/2014/main" id="{8D201663-5F3A-93D2-C12E-A8238368B3B5}"/>
               </a:ext>
             </a:extLst>
           </p:cNvPr>
-          <p:cNvSpPr>
-            <a:spLocks noGrp="1"/>
-          </p:cNvSpPr>
-          <p:nvPr>
-            <p:ph type="body" idx="1"/>
-          </p:nvPr>
-        </p:nvSpPr>
-        <p:spPr/>
-        <p:txBody>
-          <a:bodyPr rtlCol="0"/>
+          <p:cNvSpPr txBox="1"/>
+          <p:nvPr/>
+        </p:nvSpPr>
+        <p:spPr>
+          <a:xfrm>
+            <a:off x="4208381" y="6093296"/>
+            <a:ext cx="2448272" cy="523220"/>
+          </a:xfrm>
+          <a:prstGeom prst="rect">
+            <a:avLst/>
+          </a:prstGeom>
+          <a:noFill/>
+        </p:spPr>
+        <p:txBody>
+          <a:bodyPr wrap="square" rtlCol="0">
+            <a:spAutoFit/>
+          </a:bodyPr>
           <a:lstStyle/>
           <a:p>
-            <a:pPr rtl="0"/>
-            <a:endParaRPr lang="fr-FR" dirty="0"/>
-          </a:p>
-        </p:txBody>
-      </p:sp>
-      <p:sp>
-        <p:nvSpPr>
-          <p:cNvPr id="10" name="Espace réservé du contenu 9">
+            <a:r>
+              <a:rPr lang="en-US" sz="2800" dirty="0"/>
+              <a:t>Titouan Brando</a:t>
+            </a:r>
+          </a:p>
+        </p:txBody>
+      </p:sp>
+      <p:sp>
+        <p:nvSpPr>
+          <p:cNvPr id="6" name="Espace réservé du numéro de diapositive 3">
             <a:extLst>
               <a:ext uri="{FF2B5EF4-FFF2-40B4-BE49-F238E27FC236}">
-                <a16:creationId xmlns:a16="http://schemas.microsoft.com/office/drawing/2014/main" id="{CC5F6D81-5BD0-975E-E387-292A86CAC2DE}"/>
+                <a16:creationId xmlns:a16="http://schemas.microsoft.com/office/drawing/2014/main" id="{AE9172D3-406B-44DB-7AC4-E3859713C3B3}"/>
               </a:ext>
             </a:extLst>
           </p:cNvPr>
@@ -14798,75 +8456,33 @@
             <a:spLocks noGrp="1"/>
           </p:cNvSpPr>
           <p:nvPr>
-            <p:ph sz="half" idx="2"/>
-          </p:nvPr>
-        </p:nvSpPr>
-        <p:spPr/>
-        <p:txBody>
-          <a:bodyPr rtlCol="0"/>
+            <p:ph type="sldNum" sz="quarter" idx="12"/>
+          </p:nvPr>
+        </p:nvSpPr>
+        <p:spPr>
+          <a:xfrm>
+            <a:off x="11206980" y="6218238"/>
+            <a:ext cx="655695" cy="365125"/>
+          </a:xfrm>
+        </p:spPr>
+        <p:txBody>
+          <a:bodyPr/>
           <a:lstStyle/>
           <a:p>
-            <a:pPr rtl="0"/>
-            <a:endParaRPr lang="fr-FR" dirty="0"/>
-          </a:p>
-        </p:txBody>
-      </p:sp>
-      <p:sp>
-        <p:nvSpPr>
-          <p:cNvPr id="9" name="Espace réservé du texte 8">
-            <a:extLst>
-              <a:ext uri="{FF2B5EF4-FFF2-40B4-BE49-F238E27FC236}">
-                <a16:creationId xmlns:a16="http://schemas.microsoft.com/office/drawing/2014/main" id="{71BDE81D-EE25-E24F-E3F9-6BB8DAA56659}"/>
-              </a:ext>
-            </a:extLst>
-          </p:cNvPr>
-          <p:cNvSpPr>
-            <a:spLocks noGrp="1"/>
-          </p:cNvSpPr>
-          <p:nvPr>
-            <p:ph type="body" sz="quarter" idx="3"/>
-          </p:nvPr>
-        </p:nvSpPr>
-        <p:spPr/>
-        <p:txBody>
-          <a:bodyPr rtlCol="0"/>
-          <a:lstStyle/>
-          <a:p>
-            <a:pPr rtl="0"/>
-            <a:endParaRPr lang="fr-FR" dirty="0"/>
-          </a:p>
-        </p:txBody>
-      </p:sp>
-      <p:sp>
-        <p:nvSpPr>
-          <p:cNvPr id="11" name="Espace réservé du contenu 10">
-            <a:extLst>
-              <a:ext uri="{FF2B5EF4-FFF2-40B4-BE49-F238E27FC236}">
-                <a16:creationId xmlns:a16="http://schemas.microsoft.com/office/drawing/2014/main" id="{DA696CC3-4562-9E18-5ADB-AC6282BFA7E8}"/>
-              </a:ext>
-            </a:extLst>
-          </p:cNvPr>
-          <p:cNvSpPr>
-            <a:spLocks noGrp="1"/>
-          </p:cNvSpPr>
-          <p:nvPr>
-            <p:ph sz="quarter" idx="4"/>
-          </p:nvPr>
-        </p:nvSpPr>
-        <p:spPr/>
-        <p:txBody>
-          <a:bodyPr rtlCol="0"/>
-          <a:lstStyle/>
-          <a:p>
-            <a:pPr rtl="0"/>
-            <a:endParaRPr lang="fr-FR" dirty="0"/>
+            <a:pPr algn="r"/>
+            <a:fld id="{C014DD1E-5D91-48A3-AD6D-45FBA980D106}" type="slidenum">
+              <a:rPr lang="fr-FR" sz="2800" smtClean="0"/>
+              <a:pPr algn="r"/>
+              <a:t>9</a:t>
+            </a:fld>
+            <a:endParaRPr lang="fr-FR" sz="2800" dirty="0"/>
           </a:p>
         </p:txBody>
       </p:sp>
     </p:spTree>
     <p:extLst>
       <p:ext uri="{BB962C8B-B14F-4D97-AF65-F5344CB8AC3E}">
-        <p14:creationId xmlns:p14="http://schemas.microsoft.com/office/powerpoint/2010/main" val="1808202986"/>
+        <p14:creationId xmlns:p14="http://schemas.microsoft.com/office/powerpoint/2010/main" val="3780016260"/>
       </p:ext>
     </p:extLst>
   </p:cSld>
